--- a/test.pptx
+++ b/test.pptx
@@ -7,6 +7,7 @@
   <p:sldIdLst>
     <p:sldId id="256" r:id="rId7"/>
     <p:sldId id="257" r:id="rId8"/>
+    <p:sldId id="258" r:id="rId9"/>
   </p:sldIdLst>
   <p:sldSz cx="9144000" cy="6858000" type="screen4x3"/>
   <p:notesSz cx="6858000" cy="9144000"/>
@@ -3091,28 +3092,7 @@
       <p:grpSpPr/>
       <p:sp>
         <p:nvSpPr>
-          <p:cNvPr id="2" name="Title 1"/>
-          <p:cNvSpPr>
-            <a:spLocks noGrp="1"/>
-          </p:cNvSpPr>
-          <p:nvPr>
-            <p:ph type="title"/>
-          </p:nvPr>
-        </p:nvSpPr>
-        <p:spPr/>
-        <p:txBody>
-          <a:bodyPr/>
-          <a:lstStyle/>
-          <a:p>
-            <a:r>
-              <a:t>Adding an AutoShape</a:t>
-            </a:r>
-          </a:p>
-        </p:txBody>
-      </p:sp>
-      <p:sp>
-        <p:nvSpPr>
-          <p:cNvPr id="3" name="Pentagon 2"/>
+          <p:cNvPr id="2" name="Pentagon 1"/>
           <p:cNvSpPr/>
           <p:nvPr/>
         </p:nvSpPr>
@@ -3152,7 +3132,7 @@
       </p:sp>
       <p:sp>
         <p:nvSpPr>
-          <p:cNvPr id="4" name="Chevron 3"/>
+          <p:cNvPr id="3" name="Chevron 2"/>
           <p:cNvSpPr/>
           <p:nvPr/>
         </p:nvSpPr>
@@ -3192,7 +3172,7 @@
       </p:sp>
       <p:sp>
         <p:nvSpPr>
-          <p:cNvPr id="5" name="Chevron 4"/>
+          <p:cNvPr id="4" name="Chevron 3"/>
           <p:cNvSpPr/>
           <p:nvPr/>
         </p:nvSpPr>
@@ -3232,7 +3212,7 @@
       </p:sp>
       <p:sp>
         <p:nvSpPr>
-          <p:cNvPr id="6" name="Chevron 5"/>
+          <p:cNvPr id="5" name="Chevron 4"/>
           <p:cNvSpPr/>
           <p:nvPr/>
         </p:nvSpPr>
@@ -3272,7 +3252,7 @@
       </p:sp>
       <p:sp>
         <p:nvSpPr>
-          <p:cNvPr id="7" name="Chevron 6"/>
+          <p:cNvPr id="6" name="Chevron 5"/>
           <p:cNvSpPr/>
           <p:nvPr/>
         </p:nvSpPr>
@@ -3312,7 +3292,7 @@
       </p:sp>
       <p:sp>
         <p:nvSpPr>
-          <p:cNvPr id="8" name="Rounded Rectangle 7"/>
+          <p:cNvPr id="7" name="Rounded Rectangle 6"/>
           <p:cNvSpPr/>
           <p:nvPr/>
         </p:nvSpPr>
@@ -3367,41 +3347,7 @@
       <p:grpSpPr/>
       <p:sp>
         <p:nvSpPr>
-          <p:cNvPr id="2" name="Title 1"/>
-          <p:cNvSpPr>
-            <a:spLocks noGrp="1"/>
-          </p:cNvSpPr>
-          <p:nvPr>
-            <p:ph type="title"/>
-          </p:nvPr>
-        </p:nvSpPr>
-        <p:spPr/>
-        <p:txBody>
-          <a:bodyPr/>
-          <a:lstStyle/>
-          <a:p/>
-        </p:txBody>
-      </p:sp>
-      <p:sp>
-        <p:nvSpPr>
-          <p:cNvPr id="3" name="Text Placeholder 2"/>
-          <p:cNvSpPr>
-            <a:spLocks noGrp="1"/>
-          </p:cNvSpPr>
-          <p:nvPr>
-            <p:ph type="body" idx="1"/>
-          </p:nvPr>
-        </p:nvSpPr>
-        <p:spPr/>
-        <p:txBody>
-          <a:bodyPr/>
-          <a:lstStyle/>
-          <a:p/>
-        </p:txBody>
-      </p:sp>
-      <p:sp>
-        <p:nvSpPr>
-          <p:cNvPr id="4" name="Rectangle 3"/>
+          <p:cNvPr id="2" name="Rectangle 1"/>
           <p:cNvSpPr/>
           <p:nvPr/>
         </p:nvSpPr>
@@ -3433,22 +3379,19 @@
           <a:lstStyle/>
           <a:p>
             <a:pPr algn="ctr"/>
-            <a:r>
-              <a:t>Deal</a:t>
-            </a:r>
-          </a:p>
-        </p:txBody>
-      </p:sp>
-      <p:sp>
-        <p:nvSpPr>
-          <p:cNvPr id="5" name="Rectangle 4"/>
+          </a:p>
+        </p:txBody>
+      </p:sp>
+      <p:sp>
+        <p:nvSpPr>
+          <p:cNvPr id="3" name="Rectangle 2"/>
           <p:cNvSpPr/>
           <p:nvPr/>
         </p:nvSpPr>
         <p:spPr>
           <a:xfrm>
-            <a:off x="1632203" y="914400"/>
-            <a:ext cx="914400" cy="1371600"/>
+            <a:off x="457200" y="914400"/>
+            <a:ext cx="914400" cy="342900"/>
           </a:xfrm>
           <a:prstGeom prst="rect">
             <a:avLst/>
@@ -3473,21 +3416,106 @@
           <a:lstStyle/>
           <a:p>
             <a:pPr algn="ctr"/>
-            <a:r>
-              <a:t>Deal</a:t>
-            </a:r>
-          </a:p>
-        </p:txBody>
-      </p:sp>
-      <p:sp>
-        <p:nvSpPr>
-          <p:cNvPr id="6" name="Rectangle 5"/>
+          </a:p>
+        </p:txBody>
+      </p:sp>
+      <p:sp>
+        <p:nvSpPr>
+          <p:cNvPr id="4" name="TextBox 3"/>
+          <p:cNvSpPr txBox="1"/>
+          <p:nvPr/>
+        </p:nvSpPr>
+        <p:spPr>
+          <a:xfrm>
+            <a:off x="457200" y="914400"/>
+            <a:ext cx="914400" cy="228600"/>
+          </a:xfrm>
+          <a:prstGeom prst="rect">
+            <a:avLst/>
+          </a:prstGeom>
+          <a:noFill/>
+        </p:spPr>
+        <p:txBody>
+          <a:bodyPr wrap="none">
+            <a:spAutoFit/>
+          </a:bodyPr>
+          <a:lstStyle/>
+          <a:p/>
+          <a:p>
+            <a:pPr>
+              <a:defRPr sz="1400"/>
+            </a:pPr>
+            <a:r>
+              <a:t>June 2018</a:t>
+            </a:r>
+          </a:p>
+        </p:txBody>
+      </p:sp>
+      <p:pic>
+        <p:nvPicPr>
+          <p:cNvPr id="5" name="Picture 4" descr="key_social_logo.png"/>
+          <p:cNvPicPr>
+            <a:picLocks noChangeAspect="1"/>
+          </p:cNvPicPr>
+          <p:nvPr/>
+        </p:nvPicPr>
+        <p:blipFill>
+          <a:blip r:embed="rId2"/>
+          <a:stretch>
+            <a:fillRect/>
+          </a:stretch>
+        </p:blipFill>
+        <p:spPr>
+          <a:xfrm>
+            <a:off x="457200" y="1371600"/>
+            <a:ext cx="435429" cy="228600"/>
+          </a:xfrm>
+          <a:prstGeom prst="rect">
+            <a:avLst/>
+          </a:prstGeom>
+        </p:spPr>
+      </p:pic>
+      <p:sp>
+        <p:nvSpPr>
+          <p:cNvPr id="6" name="TextBox 5"/>
+          <p:cNvSpPr txBox="1"/>
+          <p:nvPr/>
+        </p:nvSpPr>
+        <p:spPr>
+          <a:xfrm>
+            <a:off x="457200" y="914400"/>
+            <a:ext cx="914400" cy="228600"/>
+          </a:xfrm>
+          <a:prstGeom prst="rect">
+            <a:avLst/>
+          </a:prstGeom>
+          <a:noFill/>
+        </p:spPr>
+        <p:txBody>
+          <a:bodyPr wrap="none">
+            <a:spAutoFit/>
+          </a:bodyPr>
+          <a:lstStyle/>
+          <a:p/>
+          <a:p>
+            <a:pPr>
+              <a:defRPr sz="1200"/>
+            </a:pPr>
+            <a:r>
+              <a:t>Bookrunner</a:t>
+            </a:r>
+          </a:p>
+        </p:txBody>
+      </p:sp>
+      <p:sp>
+        <p:nvSpPr>
+          <p:cNvPr id="7" name="Rectangle 6"/>
           <p:cNvSpPr/>
           <p:nvPr/>
         </p:nvSpPr>
         <p:spPr>
           <a:xfrm>
-            <a:off x="2807206" y="914400"/>
+            <a:off x="1632203" y="914400"/>
             <a:ext cx="914400" cy="1371600"/>
           </a:xfrm>
           <a:prstGeom prst="rect">
@@ -3513,22 +3541,19 @@
           <a:lstStyle/>
           <a:p>
             <a:pPr algn="ctr"/>
-            <a:r>
-              <a:t>Deal</a:t>
-            </a:r>
-          </a:p>
-        </p:txBody>
-      </p:sp>
-      <p:sp>
-        <p:nvSpPr>
-          <p:cNvPr id="7" name="Rectangle 6"/>
+          </a:p>
+        </p:txBody>
+      </p:sp>
+      <p:sp>
+        <p:nvSpPr>
+          <p:cNvPr id="8" name="Rectangle 7"/>
           <p:cNvSpPr/>
           <p:nvPr/>
         </p:nvSpPr>
         <p:spPr>
           <a:xfrm>
-            <a:off x="3982209" y="914400"/>
-            <a:ext cx="914400" cy="1371600"/>
+            <a:off x="1632203" y="914400"/>
+            <a:ext cx="914400" cy="342900"/>
           </a:xfrm>
           <a:prstGeom prst="rect">
             <a:avLst/>
@@ -3553,21 +3578,106 @@
           <a:lstStyle/>
           <a:p>
             <a:pPr algn="ctr"/>
-            <a:r>
-              <a:t>Deal</a:t>
-            </a:r>
-          </a:p>
-        </p:txBody>
-      </p:sp>
-      <p:sp>
-        <p:nvSpPr>
-          <p:cNvPr id="8" name="Rectangle 7"/>
+          </a:p>
+        </p:txBody>
+      </p:sp>
+      <p:sp>
+        <p:nvSpPr>
+          <p:cNvPr id="9" name="TextBox 8"/>
+          <p:cNvSpPr txBox="1"/>
+          <p:nvPr/>
+        </p:nvSpPr>
+        <p:spPr>
+          <a:xfrm>
+            <a:off x="1632203" y="914400"/>
+            <a:ext cx="914400" cy="228600"/>
+          </a:xfrm>
+          <a:prstGeom prst="rect">
+            <a:avLst/>
+          </a:prstGeom>
+          <a:noFill/>
+        </p:spPr>
+        <p:txBody>
+          <a:bodyPr wrap="none">
+            <a:spAutoFit/>
+          </a:bodyPr>
+          <a:lstStyle/>
+          <a:p/>
+          <a:p>
+            <a:pPr>
+              <a:defRPr sz="1400"/>
+            </a:pPr>
+            <a:r>
+              <a:t>June 2018</a:t>
+            </a:r>
+          </a:p>
+        </p:txBody>
+      </p:sp>
+      <p:pic>
+        <p:nvPicPr>
+          <p:cNvPr id="10" name="Picture 9" descr="key_social_logo.png"/>
+          <p:cNvPicPr>
+            <a:picLocks noChangeAspect="1"/>
+          </p:cNvPicPr>
+          <p:nvPr/>
+        </p:nvPicPr>
+        <p:blipFill>
+          <a:blip r:embed="rId2"/>
+          <a:stretch>
+            <a:fillRect/>
+          </a:stretch>
+        </p:blipFill>
+        <p:spPr>
+          <a:xfrm>
+            <a:off x="1632203" y="1371600"/>
+            <a:ext cx="435429" cy="228600"/>
+          </a:xfrm>
+          <a:prstGeom prst="rect">
+            <a:avLst/>
+          </a:prstGeom>
+        </p:spPr>
+      </p:pic>
+      <p:sp>
+        <p:nvSpPr>
+          <p:cNvPr id="11" name="TextBox 10"/>
+          <p:cNvSpPr txBox="1"/>
+          <p:nvPr/>
+        </p:nvSpPr>
+        <p:spPr>
+          <a:xfrm>
+            <a:off x="1632203" y="914400"/>
+            <a:ext cx="914400" cy="228600"/>
+          </a:xfrm>
+          <a:prstGeom prst="rect">
+            <a:avLst/>
+          </a:prstGeom>
+          <a:noFill/>
+        </p:spPr>
+        <p:txBody>
+          <a:bodyPr wrap="none">
+            <a:spAutoFit/>
+          </a:bodyPr>
+          <a:lstStyle/>
+          <a:p/>
+          <a:p>
+            <a:pPr>
+              <a:defRPr sz="1200"/>
+            </a:pPr>
+            <a:r>
+              <a:t>Bookrunner</a:t>
+            </a:r>
+          </a:p>
+        </p:txBody>
+      </p:sp>
+      <p:sp>
+        <p:nvSpPr>
+          <p:cNvPr id="12" name="Rectangle 11"/>
           <p:cNvSpPr/>
           <p:nvPr/>
         </p:nvSpPr>
         <p:spPr>
           <a:xfrm>
-            <a:off x="5157212" y="914400"/>
+            <a:off x="2807206" y="914400"/>
             <a:ext cx="914400" cy="1371600"/>
           </a:xfrm>
           <a:prstGeom prst="rect">
@@ -3593,22 +3703,19 @@
           <a:lstStyle/>
           <a:p>
             <a:pPr algn="ctr"/>
-            <a:r>
-              <a:t>Deal</a:t>
-            </a:r>
-          </a:p>
-        </p:txBody>
-      </p:sp>
-      <p:sp>
-        <p:nvSpPr>
-          <p:cNvPr id="9" name="Rectangle 8"/>
+          </a:p>
+        </p:txBody>
+      </p:sp>
+      <p:sp>
+        <p:nvSpPr>
+          <p:cNvPr id="13" name="Rectangle 12"/>
           <p:cNvSpPr/>
           <p:nvPr/>
         </p:nvSpPr>
         <p:spPr>
           <a:xfrm>
-            <a:off x="6332215" y="914400"/>
-            <a:ext cx="914400" cy="1371600"/>
+            <a:off x="2807206" y="914400"/>
+            <a:ext cx="914400" cy="342900"/>
           </a:xfrm>
           <a:prstGeom prst="rect">
             <a:avLst/>
@@ -3633,21 +3740,106 @@
           <a:lstStyle/>
           <a:p>
             <a:pPr algn="ctr"/>
-            <a:r>
-              <a:t>Deal</a:t>
-            </a:r>
-          </a:p>
-        </p:txBody>
-      </p:sp>
-      <p:sp>
-        <p:nvSpPr>
-          <p:cNvPr id="10" name="Rectangle 9"/>
+          </a:p>
+        </p:txBody>
+      </p:sp>
+      <p:sp>
+        <p:nvSpPr>
+          <p:cNvPr id="14" name="TextBox 13"/>
+          <p:cNvSpPr txBox="1"/>
+          <p:nvPr/>
+        </p:nvSpPr>
+        <p:spPr>
+          <a:xfrm>
+            <a:off x="2807206" y="914400"/>
+            <a:ext cx="914400" cy="228600"/>
+          </a:xfrm>
+          <a:prstGeom prst="rect">
+            <a:avLst/>
+          </a:prstGeom>
+          <a:noFill/>
+        </p:spPr>
+        <p:txBody>
+          <a:bodyPr wrap="none">
+            <a:spAutoFit/>
+          </a:bodyPr>
+          <a:lstStyle/>
+          <a:p/>
+          <a:p>
+            <a:pPr>
+              <a:defRPr sz="1400"/>
+            </a:pPr>
+            <a:r>
+              <a:t>June 2018</a:t>
+            </a:r>
+          </a:p>
+        </p:txBody>
+      </p:sp>
+      <p:pic>
+        <p:nvPicPr>
+          <p:cNvPr id="15" name="Picture 14" descr="key_social_logo.png"/>
+          <p:cNvPicPr>
+            <a:picLocks noChangeAspect="1"/>
+          </p:cNvPicPr>
+          <p:nvPr/>
+        </p:nvPicPr>
+        <p:blipFill>
+          <a:blip r:embed="rId2"/>
+          <a:stretch>
+            <a:fillRect/>
+          </a:stretch>
+        </p:blipFill>
+        <p:spPr>
+          <a:xfrm>
+            <a:off x="2807206" y="1371600"/>
+            <a:ext cx="435429" cy="228600"/>
+          </a:xfrm>
+          <a:prstGeom prst="rect">
+            <a:avLst/>
+          </a:prstGeom>
+        </p:spPr>
+      </p:pic>
+      <p:sp>
+        <p:nvSpPr>
+          <p:cNvPr id="16" name="TextBox 15"/>
+          <p:cNvSpPr txBox="1"/>
+          <p:nvPr/>
+        </p:nvSpPr>
+        <p:spPr>
+          <a:xfrm>
+            <a:off x="2807206" y="914400"/>
+            <a:ext cx="914400" cy="228600"/>
+          </a:xfrm>
+          <a:prstGeom prst="rect">
+            <a:avLst/>
+          </a:prstGeom>
+          <a:noFill/>
+        </p:spPr>
+        <p:txBody>
+          <a:bodyPr wrap="none">
+            <a:spAutoFit/>
+          </a:bodyPr>
+          <a:lstStyle/>
+          <a:p/>
+          <a:p>
+            <a:pPr>
+              <a:defRPr sz="1200"/>
+            </a:pPr>
+            <a:r>
+              <a:t>Bookrunner</a:t>
+            </a:r>
+          </a:p>
+        </p:txBody>
+      </p:sp>
+      <p:sp>
+        <p:nvSpPr>
+          <p:cNvPr id="17" name="Rectangle 16"/>
           <p:cNvSpPr/>
           <p:nvPr/>
         </p:nvSpPr>
         <p:spPr>
           <a:xfrm>
-            <a:off x="7507218" y="914400"/>
+            <a:off x="3982209" y="914400"/>
             <a:ext cx="914400" cy="1371600"/>
           </a:xfrm>
           <a:prstGeom prst="rect">
@@ -3673,22 +3865,19 @@
           <a:lstStyle/>
           <a:p>
             <a:pPr algn="ctr"/>
-            <a:r>
-              <a:t>Deal</a:t>
-            </a:r>
-          </a:p>
-        </p:txBody>
-      </p:sp>
-      <p:sp>
-        <p:nvSpPr>
-          <p:cNvPr id="11" name="Rectangle 10"/>
+          </a:p>
+        </p:txBody>
+      </p:sp>
+      <p:sp>
+        <p:nvSpPr>
+          <p:cNvPr id="18" name="Rectangle 17"/>
           <p:cNvSpPr/>
           <p:nvPr/>
         </p:nvSpPr>
         <p:spPr>
           <a:xfrm>
-            <a:off x="457200" y="2587752"/>
-            <a:ext cx="914400" cy="1371600"/>
+            <a:off x="3982209" y="914400"/>
+            <a:ext cx="914400" cy="342900"/>
           </a:xfrm>
           <a:prstGeom prst="rect">
             <a:avLst/>
@@ -3713,21 +3902,106 @@
           <a:lstStyle/>
           <a:p>
             <a:pPr algn="ctr"/>
-            <a:r>
-              <a:t>Deal</a:t>
-            </a:r>
-          </a:p>
-        </p:txBody>
-      </p:sp>
-      <p:sp>
-        <p:nvSpPr>
-          <p:cNvPr id="12" name="Rectangle 11"/>
+          </a:p>
+        </p:txBody>
+      </p:sp>
+      <p:sp>
+        <p:nvSpPr>
+          <p:cNvPr id="19" name="TextBox 18"/>
+          <p:cNvSpPr txBox="1"/>
+          <p:nvPr/>
+        </p:nvSpPr>
+        <p:spPr>
+          <a:xfrm>
+            <a:off x="3982209" y="914400"/>
+            <a:ext cx="914400" cy="228600"/>
+          </a:xfrm>
+          <a:prstGeom prst="rect">
+            <a:avLst/>
+          </a:prstGeom>
+          <a:noFill/>
+        </p:spPr>
+        <p:txBody>
+          <a:bodyPr wrap="none">
+            <a:spAutoFit/>
+          </a:bodyPr>
+          <a:lstStyle/>
+          <a:p/>
+          <a:p>
+            <a:pPr>
+              <a:defRPr sz="1400"/>
+            </a:pPr>
+            <a:r>
+              <a:t>June 2018</a:t>
+            </a:r>
+          </a:p>
+        </p:txBody>
+      </p:sp>
+      <p:pic>
+        <p:nvPicPr>
+          <p:cNvPr id="20" name="Picture 19" descr="key_social_logo.png"/>
+          <p:cNvPicPr>
+            <a:picLocks noChangeAspect="1"/>
+          </p:cNvPicPr>
+          <p:nvPr/>
+        </p:nvPicPr>
+        <p:blipFill>
+          <a:blip r:embed="rId2"/>
+          <a:stretch>
+            <a:fillRect/>
+          </a:stretch>
+        </p:blipFill>
+        <p:spPr>
+          <a:xfrm>
+            <a:off x="3982209" y="1371600"/>
+            <a:ext cx="435429" cy="228600"/>
+          </a:xfrm>
+          <a:prstGeom prst="rect">
+            <a:avLst/>
+          </a:prstGeom>
+        </p:spPr>
+      </p:pic>
+      <p:sp>
+        <p:nvSpPr>
+          <p:cNvPr id="21" name="TextBox 20"/>
+          <p:cNvSpPr txBox="1"/>
+          <p:nvPr/>
+        </p:nvSpPr>
+        <p:spPr>
+          <a:xfrm>
+            <a:off x="3982209" y="914400"/>
+            <a:ext cx="914400" cy="228600"/>
+          </a:xfrm>
+          <a:prstGeom prst="rect">
+            <a:avLst/>
+          </a:prstGeom>
+          <a:noFill/>
+        </p:spPr>
+        <p:txBody>
+          <a:bodyPr wrap="none">
+            <a:spAutoFit/>
+          </a:bodyPr>
+          <a:lstStyle/>
+          <a:p/>
+          <a:p>
+            <a:pPr>
+              <a:defRPr sz="1200"/>
+            </a:pPr>
+            <a:r>
+              <a:t>Bookrunner</a:t>
+            </a:r>
+          </a:p>
+        </p:txBody>
+      </p:sp>
+      <p:sp>
+        <p:nvSpPr>
+          <p:cNvPr id="22" name="Rectangle 21"/>
           <p:cNvSpPr/>
           <p:nvPr/>
         </p:nvSpPr>
         <p:spPr>
           <a:xfrm>
-            <a:off x="1632203" y="2587752"/>
+            <a:off x="5157212" y="914400"/>
             <a:ext cx="914400" cy="1371600"/>
           </a:xfrm>
           <a:prstGeom prst="rect">
@@ -3753,22 +4027,19 @@
           <a:lstStyle/>
           <a:p>
             <a:pPr algn="ctr"/>
-            <a:r>
-              <a:t>Deal</a:t>
-            </a:r>
-          </a:p>
-        </p:txBody>
-      </p:sp>
-      <p:sp>
-        <p:nvSpPr>
-          <p:cNvPr id="13" name="Rectangle 12"/>
+          </a:p>
+        </p:txBody>
+      </p:sp>
+      <p:sp>
+        <p:nvSpPr>
+          <p:cNvPr id="23" name="Rectangle 22"/>
           <p:cNvSpPr/>
           <p:nvPr/>
         </p:nvSpPr>
         <p:spPr>
           <a:xfrm>
-            <a:off x="2807206" y="2587752"/>
-            <a:ext cx="914400" cy="1371600"/>
+            <a:off x="5157212" y="914400"/>
+            <a:ext cx="914400" cy="342900"/>
           </a:xfrm>
           <a:prstGeom prst="rect">
             <a:avLst/>
@@ -3793,21 +4064,106 @@
           <a:lstStyle/>
           <a:p>
             <a:pPr algn="ctr"/>
-            <a:r>
-              <a:t>Deal</a:t>
-            </a:r>
-          </a:p>
-        </p:txBody>
-      </p:sp>
-      <p:sp>
-        <p:nvSpPr>
-          <p:cNvPr id="14" name="Rectangle 13"/>
+          </a:p>
+        </p:txBody>
+      </p:sp>
+      <p:sp>
+        <p:nvSpPr>
+          <p:cNvPr id="24" name="TextBox 23"/>
+          <p:cNvSpPr txBox="1"/>
+          <p:nvPr/>
+        </p:nvSpPr>
+        <p:spPr>
+          <a:xfrm>
+            <a:off x="5157212" y="914400"/>
+            <a:ext cx="914400" cy="228600"/>
+          </a:xfrm>
+          <a:prstGeom prst="rect">
+            <a:avLst/>
+          </a:prstGeom>
+          <a:noFill/>
+        </p:spPr>
+        <p:txBody>
+          <a:bodyPr wrap="none">
+            <a:spAutoFit/>
+          </a:bodyPr>
+          <a:lstStyle/>
+          <a:p/>
+          <a:p>
+            <a:pPr>
+              <a:defRPr sz="1400"/>
+            </a:pPr>
+            <a:r>
+              <a:t>June 2018</a:t>
+            </a:r>
+          </a:p>
+        </p:txBody>
+      </p:sp>
+      <p:pic>
+        <p:nvPicPr>
+          <p:cNvPr id="25" name="Picture 24" descr="key_social_logo.png"/>
+          <p:cNvPicPr>
+            <a:picLocks noChangeAspect="1"/>
+          </p:cNvPicPr>
+          <p:nvPr/>
+        </p:nvPicPr>
+        <p:blipFill>
+          <a:blip r:embed="rId2"/>
+          <a:stretch>
+            <a:fillRect/>
+          </a:stretch>
+        </p:blipFill>
+        <p:spPr>
+          <a:xfrm>
+            <a:off x="5157212" y="1371600"/>
+            <a:ext cx="435429" cy="228600"/>
+          </a:xfrm>
+          <a:prstGeom prst="rect">
+            <a:avLst/>
+          </a:prstGeom>
+        </p:spPr>
+      </p:pic>
+      <p:sp>
+        <p:nvSpPr>
+          <p:cNvPr id="26" name="TextBox 25"/>
+          <p:cNvSpPr txBox="1"/>
+          <p:nvPr/>
+        </p:nvSpPr>
+        <p:spPr>
+          <a:xfrm>
+            <a:off x="5157212" y="914400"/>
+            <a:ext cx="914400" cy="228600"/>
+          </a:xfrm>
+          <a:prstGeom prst="rect">
+            <a:avLst/>
+          </a:prstGeom>
+          <a:noFill/>
+        </p:spPr>
+        <p:txBody>
+          <a:bodyPr wrap="none">
+            <a:spAutoFit/>
+          </a:bodyPr>
+          <a:lstStyle/>
+          <a:p/>
+          <a:p>
+            <a:pPr>
+              <a:defRPr sz="1200"/>
+            </a:pPr>
+            <a:r>
+              <a:t>Bookrunner</a:t>
+            </a:r>
+          </a:p>
+        </p:txBody>
+      </p:sp>
+      <p:sp>
+        <p:nvSpPr>
+          <p:cNvPr id="27" name="Rectangle 26"/>
           <p:cNvSpPr/>
           <p:nvPr/>
         </p:nvSpPr>
         <p:spPr>
           <a:xfrm>
-            <a:off x="3982209" y="2587752"/>
+            <a:off x="6332215" y="914400"/>
             <a:ext cx="914400" cy="1371600"/>
           </a:xfrm>
           <a:prstGeom prst="rect">
@@ -3833,22 +4189,19 @@
           <a:lstStyle/>
           <a:p>
             <a:pPr algn="ctr"/>
-            <a:r>
-              <a:t>Deal</a:t>
-            </a:r>
-          </a:p>
-        </p:txBody>
-      </p:sp>
-      <p:sp>
-        <p:nvSpPr>
-          <p:cNvPr id="15" name="Rectangle 14"/>
+          </a:p>
+        </p:txBody>
+      </p:sp>
+      <p:sp>
+        <p:nvSpPr>
+          <p:cNvPr id="28" name="Rectangle 27"/>
           <p:cNvSpPr/>
           <p:nvPr/>
         </p:nvSpPr>
         <p:spPr>
           <a:xfrm>
-            <a:off x="5157212" y="2587752"/>
-            <a:ext cx="914400" cy="1371600"/>
+            <a:off x="6332215" y="914400"/>
+            <a:ext cx="914400" cy="342900"/>
           </a:xfrm>
           <a:prstGeom prst="rect">
             <a:avLst/>
@@ -3873,21 +4226,106 @@
           <a:lstStyle/>
           <a:p>
             <a:pPr algn="ctr"/>
-            <a:r>
-              <a:t>Deal</a:t>
-            </a:r>
-          </a:p>
-        </p:txBody>
-      </p:sp>
-      <p:sp>
-        <p:nvSpPr>
-          <p:cNvPr id="16" name="Rectangle 15"/>
+          </a:p>
+        </p:txBody>
+      </p:sp>
+      <p:sp>
+        <p:nvSpPr>
+          <p:cNvPr id="29" name="TextBox 28"/>
+          <p:cNvSpPr txBox="1"/>
+          <p:nvPr/>
+        </p:nvSpPr>
+        <p:spPr>
+          <a:xfrm>
+            <a:off x="6332215" y="914400"/>
+            <a:ext cx="914400" cy="228600"/>
+          </a:xfrm>
+          <a:prstGeom prst="rect">
+            <a:avLst/>
+          </a:prstGeom>
+          <a:noFill/>
+        </p:spPr>
+        <p:txBody>
+          <a:bodyPr wrap="none">
+            <a:spAutoFit/>
+          </a:bodyPr>
+          <a:lstStyle/>
+          <a:p/>
+          <a:p>
+            <a:pPr>
+              <a:defRPr sz="1400"/>
+            </a:pPr>
+            <a:r>
+              <a:t>June 2018</a:t>
+            </a:r>
+          </a:p>
+        </p:txBody>
+      </p:sp>
+      <p:pic>
+        <p:nvPicPr>
+          <p:cNvPr id="30" name="Picture 29" descr="key_social_logo.png"/>
+          <p:cNvPicPr>
+            <a:picLocks noChangeAspect="1"/>
+          </p:cNvPicPr>
+          <p:nvPr/>
+        </p:nvPicPr>
+        <p:blipFill>
+          <a:blip r:embed="rId2"/>
+          <a:stretch>
+            <a:fillRect/>
+          </a:stretch>
+        </p:blipFill>
+        <p:spPr>
+          <a:xfrm>
+            <a:off x="6332215" y="1371600"/>
+            <a:ext cx="435429" cy="228600"/>
+          </a:xfrm>
+          <a:prstGeom prst="rect">
+            <a:avLst/>
+          </a:prstGeom>
+        </p:spPr>
+      </p:pic>
+      <p:sp>
+        <p:nvSpPr>
+          <p:cNvPr id="31" name="TextBox 30"/>
+          <p:cNvSpPr txBox="1"/>
+          <p:nvPr/>
+        </p:nvSpPr>
+        <p:spPr>
+          <a:xfrm>
+            <a:off x="6332215" y="914400"/>
+            <a:ext cx="914400" cy="228600"/>
+          </a:xfrm>
+          <a:prstGeom prst="rect">
+            <a:avLst/>
+          </a:prstGeom>
+          <a:noFill/>
+        </p:spPr>
+        <p:txBody>
+          <a:bodyPr wrap="none">
+            <a:spAutoFit/>
+          </a:bodyPr>
+          <a:lstStyle/>
+          <a:p/>
+          <a:p>
+            <a:pPr>
+              <a:defRPr sz="1200"/>
+            </a:pPr>
+            <a:r>
+              <a:t>Bookrunner</a:t>
+            </a:r>
+          </a:p>
+        </p:txBody>
+      </p:sp>
+      <p:sp>
+        <p:nvSpPr>
+          <p:cNvPr id="32" name="Rectangle 31"/>
           <p:cNvSpPr/>
           <p:nvPr/>
         </p:nvSpPr>
         <p:spPr>
           <a:xfrm>
-            <a:off x="6332215" y="2587752"/>
+            <a:off x="7507218" y="914400"/>
             <a:ext cx="914400" cy="1371600"/>
           </a:xfrm>
           <a:prstGeom prst="rect">
@@ -3913,22 +4351,19 @@
           <a:lstStyle/>
           <a:p>
             <a:pPr algn="ctr"/>
-            <a:r>
-              <a:t>Deal</a:t>
-            </a:r>
-          </a:p>
-        </p:txBody>
-      </p:sp>
-      <p:sp>
-        <p:nvSpPr>
-          <p:cNvPr id="17" name="Rectangle 16"/>
+          </a:p>
+        </p:txBody>
+      </p:sp>
+      <p:sp>
+        <p:nvSpPr>
+          <p:cNvPr id="33" name="Rectangle 32"/>
           <p:cNvSpPr/>
           <p:nvPr/>
         </p:nvSpPr>
         <p:spPr>
           <a:xfrm>
-            <a:off x="7507218" y="2587752"/>
-            <a:ext cx="914400" cy="1371600"/>
+            <a:off x="7507218" y="914400"/>
+            <a:ext cx="914400" cy="342900"/>
           </a:xfrm>
           <a:prstGeom prst="rect">
             <a:avLst/>
@@ -3953,21 +4388,106 @@
           <a:lstStyle/>
           <a:p>
             <a:pPr algn="ctr"/>
-            <a:r>
-              <a:t>Deal</a:t>
-            </a:r>
-          </a:p>
-        </p:txBody>
-      </p:sp>
-      <p:sp>
-        <p:nvSpPr>
-          <p:cNvPr id="18" name="Rectangle 17"/>
+          </a:p>
+        </p:txBody>
+      </p:sp>
+      <p:sp>
+        <p:nvSpPr>
+          <p:cNvPr id="34" name="TextBox 33"/>
+          <p:cNvSpPr txBox="1"/>
+          <p:nvPr/>
+        </p:nvSpPr>
+        <p:spPr>
+          <a:xfrm>
+            <a:off x="7507218" y="914400"/>
+            <a:ext cx="914400" cy="228600"/>
+          </a:xfrm>
+          <a:prstGeom prst="rect">
+            <a:avLst/>
+          </a:prstGeom>
+          <a:noFill/>
+        </p:spPr>
+        <p:txBody>
+          <a:bodyPr wrap="none">
+            <a:spAutoFit/>
+          </a:bodyPr>
+          <a:lstStyle/>
+          <a:p/>
+          <a:p>
+            <a:pPr>
+              <a:defRPr sz="1400"/>
+            </a:pPr>
+            <a:r>
+              <a:t>June 2018</a:t>
+            </a:r>
+          </a:p>
+        </p:txBody>
+      </p:sp>
+      <p:pic>
+        <p:nvPicPr>
+          <p:cNvPr id="35" name="Picture 34" descr="key_social_logo.png"/>
+          <p:cNvPicPr>
+            <a:picLocks noChangeAspect="1"/>
+          </p:cNvPicPr>
+          <p:nvPr/>
+        </p:nvPicPr>
+        <p:blipFill>
+          <a:blip r:embed="rId2"/>
+          <a:stretch>
+            <a:fillRect/>
+          </a:stretch>
+        </p:blipFill>
+        <p:spPr>
+          <a:xfrm>
+            <a:off x="7507218" y="1371600"/>
+            <a:ext cx="435429" cy="228600"/>
+          </a:xfrm>
+          <a:prstGeom prst="rect">
+            <a:avLst/>
+          </a:prstGeom>
+        </p:spPr>
+      </p:pic>
+      <p:sp>
+        <p:nvSpPr>
+          <p:cNvPr id="36" name="TextBox 35"/>
+          <p:cNvSpPr txBox="1"/>
+          <p:nvPr/>
+        </p:nvSpPr>
+        <p:spPr>
+          <a:xfrm>
+            <a:off x="7507218" y="914400"/>
+            <a:ext cx="914400" cy="228600"/>
+          </a:xfrm>
+          <a:prstGeom prst="rect">
+            <a:avLst/>
+          </a:prstGeom>
+          <a:noFill/>
+        </p:spPr>
+        <p:txBody>
+          <a:bodyPr wrap="none">
+            <a:spAutoFit/>
+          </a:bodyPr>
+          <a:lstStyle/>
+          <a:p/>
+          <a:p>
+            <a:pPr>
+              <a:defRPr sz="1200"/>
+            </a:pPr>
+            <a:r>
+              <a:t>Bookrunner</a:t>
+            </a:r>
+          </a:p>
+        </p:txBody>
+      </p:sp>
+      <p:sp>
+        <p:nvSpPr>
+          <p:cNvPr id="37" name="Rectangle 36"/>
           <p:cNvSpPr/>
           <p:nvPr/>
         </p:nvSpPr>
         <p:spPr>
           <a:xfrm>
-            <a:off x="457200" y="4261104"/>
+            <a:off x="457200" y="2587752"/>
             <a:ext cx="914400" cy="1371600"/>
           </a:xfrm>
           <a:prstGeom prst="rect">
@@ -3993,22 +4513,19 @@
           <a:lstStyle/>
           <a:p>
             <a:pPr algn="ctr"/>
-            <a:r>
-              <a:t>Deal</a:t>
-            </a:r>
-          </a:p>
-        </p:txBody>
-      </p:sp>
-      <p:sp>
-        <p:nvSpPr>
-          <p:cNvPr id="19" name="Rectangle 18"/>
+          </a:p>
+        </p:txBody>
+      </p:sp>
+      <p:sp>
+        <p:nvSpPr>
+          <p:cNvPr id="38" name="Rectangle 37"/>
           <p:cNvSpPr/>
           <p:nvPr/>
         </p:nvSpPr>
         <p:spPr>
           <a:xfrm>
-            <a:off x="1632203" y="4261104"/>
-            <a:ext cx="914400" cy="1371600"/>
+            <a:off x="457200" y="2587752"/>
+            <a:ext cx="914400" cy="342900"/>
           </a:xfrm>
           <a:prstGeom prst="rect">
             <a:avLst/>
@@ -4033,21 +4550,106 @@
           <a:lstStyle/>
           <a:p>
             <a:pPr algn="ctr"/>
-            <a:r>
-              <a:t>Deal</a:t>
-            </a:r>
-          </a:p>
-        </p:txBody>
-      </p:sp>
-      <p:sp>
-        <p:nvSpPr>
-          <p:cNvPr id="20" name="Rectangle 19"/>
+          </a:p>
+        </p:txBody>
+      </p:sp>
+      <p:sp>
+        <p:nvSpPr>
+          <p:cNvPr id="39" name="TextBox 38"/>
+          <p:cNvSpPr txBox="1"/>
+          <p:nvPr/>
+        </p:nvSpPr>
+        <p:spPr>
+          <a:xfrm>
+            <a:off x="457200" y="2587752"/>
+            <a:ext cx="914400" cy="228600"/>
+          </a:xfrm>
+          <a:prstGeom prst="rect">
+            <a:avLst/>
+          </a:prstGeom>
+          <a:noFill/>
+        </p:spPr>
+        <p:txBody>
+          <a:bodyPr wrap="none">
+            <a:spAutoFit/>
+          </a:bodyPr>
+          <a:lstStyle/>
+          <a:p/>
+          <a:p>
+            <a:pPr>
+              <a:defRPr sz="1400"/>
+            </a:pPr>
+            <a:r>
+              <a:t>June 2018</a:t>
+            </a:r>
+          </a:p>
+        </p:txBody>
+      </p:sp>
+      <p:pic>
+        <p:nvPicPr>
+          <p:cNvPr id="40" name="Picture 39" descr="key_social_logo.png"/>
+          <p:cNvPicPr>
+            <a:picLocks noChangeAspect="1"/>
+          </p:cNvPicPr>
+          <p:nvPr/>
+        </p:nvPicPr>
+        <p:blipFill>
+          <a:blip r:embed="rId2"/>
+          <a:stretch>
+            <a:fillRect/>
+          </a:stretch>
+        </p:blipFill>
+        <p:spPr>
+          <a:xfrm>
+            <a:off x="457200" y="3044952"/>
+            <a:ext cx="435429" cy="228600"/>
+          </a:xfrm>
+          <a:prstGeom prst="rect">
+            <a:avLst/>
+          </a:prstGeom>
+        </p:spPr>
+      </p:pic>
+      <p:sp>
+        <p:nvSpPr>
+          <p:cNvPr id="41" name="TextBox 40"/>
+          <p:cNvSpPr txBox="1"/>
+          <p:nvPr/>
+        </p:nvSpPr>
+        <p:spPr>
+          <a:xfrm>
+            <a:off x="457200" y="2587752"/>
+            <a:ext cx="914400" cy="228600"/>
+          </a:xfrm>
+          <a:prstGeom prst="rect">
+            <a:avLst/>
+          </a:prstGeom>
+          <a:noFill/>
+        </p:spPr>
+        <p:txBody>
+          <a:bodyPr wrap="none">
+            <a:spAutoFit/>
+          </a:bodyPr>
+          <a:lstStyle/>
+          <a:p/>
+          <a:p>
+            <a:pPr>
+              <a:defRPr sz="1200"/>
+            </a:pPr>
+            <a:r>
+              <a:t>Bookrunner</a:t>
+            </a:r>
+          </a:p>
+        </p:txBody>
+      </p:sp>
+      <p:sp>
+        <p:nvSpPr>
+          <p:cNvPr id="42" name="Rectangle 41"/>
           <p:cNvSpPr/>
           <p:nvPr/>
         </p:nvSpPr>
         <p:spPr>
           <a:xfrm>
-            <a:off x="2807206" y="4261104"/>
+            <a:off x="1632203" y="2587752"/>
             <a:ext cx="914400" cy="1371600"/>
           </a:xfrm>
           <a:prstGeom prst="rect">
@@ -4073,22 +4675,19 @@
           <a:lstStyle/>
           <a:p>
             <a:pPr algn="ctr"/>
-            <a:r>
-              <a:t>Deal</a:t>
-            </a:r>
-          </a:p>
-        </p:txBody>
-      </p:sp>
-      <p:sp>
-        <p:nvSpPr>
-          <p:cNvPr id="21" name="Rectangle 20"/>
+          </a:p>
+        </p:txBody>
+      </p:sp>
+      <p:sp>
+        <p:nvSpPr>
+          <p:cNvPr id="43" name="Rectangle 42"/>
           <p:cNvSpPr/>
           <p:nvPr/>
         </p:nvSpPr>
         <p:spPr>
           <a:xfrm>
-            <a:off x="3982209" y="4261104"/>
-            <a:ext cx="914400" cy="1371600"/>
+            <a:off x="1632203" y="2587752"/>
+            <a:ext cx="914400" cy="342900"/>
           </a:xfrm>
           <a:prstGeom prst="rect">
             <a:avLst/>
@@ -4113,21 +4712,106 @@
           <a:lstStyle/>
           <a:p>
             <a:pPr algn="ctr"/>
-            <a:r>
-              <a:t>Deal</a:t>
-            </a:r>
-          </a:p>
-        </p:txBody>
-      </p:sp>
-      <p:sp>
-        <p:nvSpPr>
-          <p:cNvPr id="22" name="Rectangle 21"/>
+          </a:p>
+        </p:txBody>
+      </p:sp>
+      <p:sp>
+        <p:nvSpPr>
+          <p:cNvPr id="44" name="TextBox 43"/>
+          <p:cNvSpPr txBox="1"/>
+          <p:nvPr/>
+        </p:nvSpPr>
+        <p:spPr>
+          <a:xfrm>
+            <a:off x="1632203" y="2587752"/>
+            <a:ext cx="914400" cy="228600"/>
+          </a:xfrm>
+          <a:prstGeom prst="rect">
+            <a:avLst/>
+          </a:prstGeom>
+          <a:noFill/>
+        </p:spPr>
+        <p:txBody>
+          <a:bodyPr wrap="none">
+            <a:spAutoFit/>
+          </a:bodyPr>
+          <a:lstStyle/>
+          <a:p/>
+          <a:p>
+            <a:pPr>
+              <a:defRPr sz="1400"/>
+            </a:pPr>
+            <a:r>
+              <a:t>June 2018</a:t>
+            </a:r>
+          </a:p>
+        </p:txBody>
+      </p:sp>
+      <p:pic>
+        <p:nvPicPr>
+          <p:cNvPr id="45" name="Picture 44" descr="key_social_logo.png"/>
+          <p:cNvPicPr>
+            <a:picLocks noChangeAspect="1"/>
+          </p:cNvPicPr>
+          <p:nvPr/>
+        </p:nvPicPr>
+        <p:blipFill>
+          <a:blip r:embed="rId2"/>
+          <a:stretch>
+            <a:fillRect/>
+          </a:stretch>
+        </p:blipFill>
+        <p:spPr>
+          <a:xfrm>
+            <a:off x="1632203" y="3044952"/>
+            <a:ext cx="435429" cy="228600"/>
+          </a:xfrm>
+          <a:prstGeom prst="rect">
+            <a:avLst/>
+          </a:prstGeom>
+        </p:spPr>
+      </p:pic>
+      <p:sp>
+        <p:nvSpPr>
+          <p:cNvPr id="46" name="TextBox 45"/>
+          <p:cNvSpPr txBox="1"/>
+          <p:nvPr/>
+        </p:nvSpPr>
+        <p:spPr>
+          <a:xfrm>
+            <a:off x="1632203" y="2587752"/>
+            <a:ext cx="914400" cy="228600"/>
+          </a:xfrm>
+          <a:prstGeom prst="rect">
+            <a:avLst/>
+          </a:prstGeom>
+          <a:noFill/>
+        </p:spPr>
+        <p:txBody>
+          <a:bodyPr wrap="none">
+            <a:spAutoFit/>
+          </a:bodyPr>
+          <a:lstStyle/>
+          <a:p/>
+          <a:p>
+            <a:pPr>
+              <a:defRPr sz="1200"/>
+            </a:pPr>
+            <a:r>
+              <a:t>Bookrunner</a:t>
+            </a:r>
+          </a:p>
+        </p:txBody>
+      </p:sp>
+      <p:sp>
+        <p:nvSpPr>
+          <p:cNvPr id="47" name="Rectangle 46"/>
           <p:cNvSpPr/>
           <p:nvPr/>
         </p:nvSpPr>
         <p:spPr>
           <a:xfrm>
-            <a:off x="5157212" y="4261104"/>
+            <a:off x="2807206" y="2587752"/>
             <a:ext cx="914400" cy="1371600"/>
           </a:xfrm>
           <a:prstGeom prst="rect">
@@ -4153,22 +4837,19 @@
           <a:lstStyle/>
           <a:p>
             <a:pPr algn="ctr"/>
-            <a:r>
-              <a:t>Deal</a:t>
-            </a:r>
-          </a:p>
-        </p:txBody>
-      </p:sp>
-      <p:sp>
-        <p:nvSpPr>
-          <p:cNvPr id="23" name="Rectangle 22"/>
+          </a:p>
+        </p:txBody>
+      </p:sp>
+      <p:sp>
+        <p:nvSpPr>
+          <p:cNvPr id="48" name="Rectangle 47"/>
           <p:cNvSpPr/>
           <p:nvPr/>
         </p:nvSpPr>
         <p:spPr>
           <a:xfrm>
-            <a:off x="6332215" y="4261104"/>
-            <a:ext cx="914400" cy="1371600"/>
+            <a:off x="2807206" y="2587752"/>
+            <a:ext cx="914400" cy="342900"/>
           </a:xfrm>
           <a:prstGeom prst="rect">
             <a:avLst/>
@@ -4193,21 +4874,106 @@
           <a:lstStyle/>
           <a:p>
             <a:pPr algn="ctr"/>
-            <a:r>
-              <a:t>Deal</a:t>
-            </a:r>
-          </a:p>
-        </p:txBody>
-      </p:sp>
-      <p:sp>
-        <p:nvSpPr>
-          <p:cNvPr id="24" name="Rectangle 23"/>
+          </a:p>
+        </p:txBody>
+      </p:sp>
+      <p:sp>
+        <p:nvSpPr>
+          <p:cNvPr id="49" name="TextBox 48"/>
+          <p:cNvSpPr txBox="1"/>
+          <p:nvPr/>
+        </p:nvSpPr>
+        <p:spPr>
+          <a:xfrm>
+            <a:off x="2807206" y="2587752"/>
+            <a:ext cx="914400" cy="228600"/>
+          </a:xfrm>
+          <a:prstGeom prst="rect">
+            <a:avLst/>
+          </a:prstGeom>
+          <a:noFill/>
+        </p:spPr>
+        <p:txBody>
+          <a:bodyPr wrap="none">
+            <a:spAutoFit/>
+          </a:bodyPr>
+          <a:lstStyle/>
+          <a:p/>
+          <a:p>
+            <a:pPr>
+              <a:defRPr sz="1400"/>
+            </a:pPr>
+            <a:r>
+              <a:t>June 2018</a:t>
+            </a:r>
+          </a:p>
+        </p:txBody>
+      </p:sp>
+      <p:pic>
+        <p:nvPicPr>
+          <p:cNvPr id="50" name="Picture 49" descr="key_social_logo.png"/>
+          <p:cNvPicPr>
+            <a:picLocks noChangeAspect="1"/>
+          </p:cNvPicPr>
+          <p:nvPr/>
+        </p:nvPicPr>
+        <p:blipFill>
+          <a:blip r:embed="rId2"/>
+          <a:stretch>
+            <a:fillRect/>
+          </a:stretch>
+        </p:blipFill>
+        <p:spPr>
+          <a:xfrm>
+            <a:off x="2807206" y="3044952"/>
+            <a:ext cx="435429" cy="228600"/>
+          </a:xfrm>
+          <a:prstGeom prst="rect">
+            <a:avLst/>
+          </a:prstGeom>
+        </p:spPr>
+      </p:pic>
+      <p:sp>
+        <p:nvSpPr>
+          <p:cNvPr id="51" name="TextBox 50"/>
+          <p:cNvSpPr txBox="1"/>
+          <p:nvPr/>
+        </p:nvSpPr>
+        <p:spPr>
+          <a:xfrm>
+            <a:off x="2807206" y="2587752"/>
+            <a:ext cx="914400" cy="228600"/>
+          </a:xfrm>
+          <a:prstGeom prst="rect">
+            <a:avLst/>
+          </a:prstGeom>
+          <a:noFill/>
+        </p:spPr>
+        <p:txBody>
+          <a:bodyPr wrap="none">
+            <a:spAutoFit/>
+          </a:bodyPr>
+          <a:lstStyle/>
+          <a:p/>
+          <a:p>
+            <a:pPr>
+              <a:defRPr sz="1200"/>
+            </a:pPr>
+            <a:r>
+              <a:t>Bookrunner</a:t>
+            </a:r>
+          </a:p>
+        </p:txBody>
+      </p:sp>
+      <p:sp>
+        <p:nvSpPr>
+          <p:cNvPr id="52" name="Rectangle 51"/>
           <p:cNvSpPr/>
           <p:nvPr/>
         </p:nvSpPr>
         <p:spPr>
           <a:xfrm>
-            <a:off x="7507218" y="4261104"/>
+            <a:off x="3982209" y="2587752"/>
             <a:ext cx="914400" cy="1371600"/>
           </a:xfrm>
           <a:prstGeom prst="rect">
@@ -4233,8 +4999,5737 @@
           <a:lstStyle/>
           <a:p>
             <a:pPr algn="ctr"/>
-            <a:r>
-              <a:t>Deal</a:t>
+          </a:p>
+        </p:txBody>
+      </p:sp>
+      <p:sp>
+        <p:nvSpPr>
+          <p:cNvPr id="53" name="Rectangle 52"/>
+          <p:cNvSpPr/>
+          <p:nvPr/>
+        </p:nvSpPr>
+        <p:spPr>
+          <a:xfrm>
+            <a:off x="3982209" y="2587752"/>
+            <a:ext cx="914400" cy="342900"/>
+          </a:xfrm>
+          <a:prstGeom prst="rect">
+            <a:avLst/>
+          </a:prstGeom>
+        </p:spPr>
+        <p:style>
+          <a:lnRef idx="1">
+            <a:schemeClr val="accent1"/>
+          </a:lnRef>
+          <a:fillRef idx="3">
+            <a:schemeClr val="accent1"/>
+          </a:fillRef>
+          <a:effectRef idx="2">
+            <a:schemeClr val="accent1"/>
+          </a:effectRef>
+          <a:fontRef idx="minor">
+            <a:schemeClr val="lt1"/>
+          </a:fontRef>
+        </p:style>
+        <p:txBody>
+          <a:bodyPr rtlCol="0" anchor="ctr"/>
+          <a:lstStyle/>
+          <a:p>
+            <a:pPr algn="ctr"/>
+          </a:p>
+        </p:txBody>
+      </p:sp>
+      <p:sp>
+        <p:nvSpPr>
+          <p:cNvPr id="54" name="TextBox 53"/>
+          <p:cNvSpPr txBox="1"/>
+          <p:nvPr/>
+        </p:nvSpPr>
+        <p:spPr>
+          <a:xfrm>
+            <a:off x="3982209" y="2587752"/>
+            <a:ext cx="914400" cy="228600"/>
+          </a:xfrm>
+          <a:prstGeom prst="rect">
+            <a:avLst/>
+          </a:prstGeom>
+          <a:noFill/>
+        </p:spPr>
+        <p:txBody>
+          <a:bodyPr wrap="none">
+            <a:spAutoFit/>
+          </a:bodyPr>
+          <a:lstStyle/>
+          <a:p/>
+          <a:p>
+            <a:pPr>
+              <a:defRPr sz="1400"/>
+            </a:pPr>
+            <a:r>
+              <a:t>June 2018</a:t>
+            </a:r>
+          </a:p>
+        </p:txBody>
+      </p:sp>
+      <p:pic>
+        <p:nvPicPr>
+          <p:cNvPr id="55" name="Picture 54" descr="key_social_logo.png"/>
+          <p:cNvPicPr>
+            <a:picLocks noChangeAspect="1"/>
+          </p:cNvPicPr>
+          <p:nvPr/>
+        </p:nvPicPr>
+        <p:blipFill>
+          <a:blip r:embed="rId2"/>
+          <a:stretch>
+            <a:fillRect/>
+          </a:stretch>
+        </p:blipFill>
+        <p:spPr>
+          <a:xfrm>
+            <a:off x="3982209" y="3044952"/>
+            <a:ext cx="435429" cy="228600"/>
+          </a:xfrm>
+          <a:prstGeom prst="rect">
+            <a:avLst/>
+          </a:prstGeom>
+        </p:spPr>
+      </p:pic>
+      <p:sp>
+        <p:nvSpPr>
+          <p:cNvPr id="56" name="TextBox 55"/>
+          <p:cNvSpPr txBox="1"/>
+          <p:nvPr/>
+        </p:nvSpPr>
+        <p:spPr>
+          <a:xfrm>
+            <a:off x="3982209" y="2587752"/>
+            <a:ext cx="914400" cy="228600"/>
+          </a:xfrm>
+          <a:prstGeom prst="rect">
+            <a:avLst/>
+          </a:prstGeom>
+          <a:noFill/>
+        </p:spPr>
+        <p:txBody>
+          <a:bodyPr wrap="none">
+            <a:spAutoFit/>
+          </a:bodyPr>
+          <a:lstStyle/>
+          <a:p/>
+          <a:p>
+            <a:pPr>
+              <a:defRPr sz="1200"/>
+            </a:pPr>
+            <a:r>
+              <a:t>Bookrunner</a:t>
+            </a:r>
+          </a:p>
+        </p:txBody>
+      </p:sp>
+      <p:sp>
+        <p:nvSpPr>
+          <p:cNvPr id="57" name="Rectangle 56"/>
+          <p:cNvSpPr/>
+          <p:nvPr/>
+        </p:nvSpPr>
+        <p:spPr>
+          <a:xfrm>
+            <a:off x="5157212" y="2587752"/>
+            <a:ext cx="914400" cy="1371600"/>
+          </a:xfrm>
+          <a:prstGeom prst="rect">
+            <a:avLst/>
+          </a:prstGeom>
+        </p:spPr>
+        <p:style>
+          <a:lnRef idx="1">
+            <a:schemeClr val="accent1"/>
+          </a:lnRef>
+          <a:fillRef idx="3">
+            <a:schemeClr val="accent1"/>
+          </a:fillRef>
+          <a:effectRef idx="2">
+            <a:schemeClr val="accent1"/>
+          </a:effectRef>
+          <a:fontRef idx="minor">
+            <a:schemeClr val="lt1"/>
+          </a:fontRef>
+        </p:style>
+        <p:txBody>
+          <a:bodyPr rtlCol="0" anchor="ctr"/>
+          <a:lstStyle/>
+          <a:p>
+            <a:pPr algn="ctr"/>
+          </a:p>
+        </p:txBody>
+      </p:sp>
+      <p:sp>
+        <p:nvSpPr>
+          <p:cNvPr id="58" name="Rectangle 57"/>
+          <p:cNvSpPr/>
+          <p:nvPr/>
+        </p:nvSpPr>
+        <p:spPr>
+          <a:xfrm>
+            <a:off x="5157212" y="2587752"/>
+            <a:ext cx="914400" cy="342900"/>
+          </a:xfrm>
+          <a:prstGeom prst="rect">
+            <a:avLst/>
+          </a:prstGeom>
+        </p:spPr>
+        <p:style>
+          <a:lnRef idx="1">
+            <a:schemeClr val="accent1"/>
+          </a:lnRef>
+          <a:fillRef idx="3">
+            <a:schemeClr val="accent1"/>
+          </a:fillRef>
+          <a:effectRef idx="2">
+            <a:schemeClr val="accent1"/>
+          </a:effectRef>
+          <a:fontRef idx="minor">
+            <a:schemeClr val="lt1"/>
+          </a:fontRef>
+        </p:style>
+        <p:txBody>
+          <a:bodyPr rtlCol="0" anchor="ctr"/>
+          <a:lstStyle/>
+          <a:p>
+            <a:pPr algn="ctr"/>
+          </a:p>
+        </p:txBody>
+      </p:sp>
+      <p:sp>
+        <p:nvSpPr>
+          <p:cNvPr id="59" name="TextBox 58"/>
+          <p:cNvSpPr txBox="1"/>
+          <p:nvPr/>
+        </p:nvSpPr>
+        <p:spPr>
+          <a:xfrm>
+            <a:off x="5157212" y="2587752"/>
+            <a:ext cx="914400" cy="228600"/>
+          </a:xfrm>
+          <a:prstGeom prst="rect">
+            <a:avLst/>
+          </a:prstGeom>
+          <a:noFill/>
+        </p:spPr>
+        <p:txBody>
+          <a:bodyPr wrap="none">
+            <a:spAutoFit/>
+          </a:bodyPr>
+          <a:lstStyle/>
+          <a:p/>
+          <a:p>
+            <a:pPr>
+              <a:defRPr sz="1400"/>
+            </a:pPr>
+            <a:r>
+              <a:t>June 2018</a:t>
+            </a:r>
+          </a:p>
+        </p:txBody>
+      </p:sp>
+      <p:pic>
+        <p:nvPicPr>
+          <p:cNvPr id="60" name="Picture 59" descr="key_social_logo.png"/>
+          <p:cNvPicPr>
+            <a:picLocks noChangeAspect="1"/>
+          </p:cNvPicPr>
+          <p:nvPr/>
+        </p:nvPicPr>
+        <p:blipFill>
+          <a:blip r:embed="rId2"/>
+          <a:stretch>
+            <a:fillRect/>
+          </a:stretch>
+        </p:blipFill>
+        <p:spPr>
+          <a:xfrm>
+            <a:off x="5157212" y="3044952"/>
+            <a:ext cx="435429" cy="228600"/>
+          </a:xfrm>
+          <a:prstGeom prst="rect">
+            <a:avLst/>
+          </a:prstGeom>
+        </p:spPr>
+      </p:pic>
+      <p:sp>
+        <p:nvSpPr>
+          <p:cNvPr id="61" name="TextBox 60"/>
+          <p:cNvSpPr txBox="1"/>
+          <p:nvPr/>
+        </p:nvSpPr>
+        <p:spPr>
+          <a:xfrm>
+            <a:off x="5157212" y="2587752"/>
+            <a:ext cx="914400" cy="228600"/>
+          </a:xfrm>
+          <a:prstGeom prst="rect">
+            <a:avLst/>
+          </a:prstGeom>
+          <a:noFill/>
+        </p:spPr>
+        <p:txBody>
+          <a:bodyPr wrap="none">
+            <a:spAutoFit/>
+          </a:bodyPr>
+          <a:lstStyle/>
+          <a:p/>
+          <a:p>
+            <a:pPr>
+              <a:defRPr sz="1200"/>
+            </a:pPr>
+            <a:r>
+              <a:t>Bookrunner</a:t>
+            </a:r>
+          </a:p>
+        </p:txBody>
+      </p:sp>
+      <p:sp>
+        <p:nvSpPr>
+          <p:cNvPr id="62" name="Rectangle 61"/>
+          <p:cNvSpPr/>
+          <p:nvPr/>
+        </p:nvSpPr>
+        <p:spPr>
+          <a:xfrm>
+            <a:off x="6332215" y="2587752"/>
+            <a:ext cx="914400" cy="1371600"/>
+          </a:xfrm>
+          <a:prstGeom prst="rect">
+            <a:avLst/>
+          </a:prstGeom>
+        </p:spPr>
+        <p:style>
+          <a:lnRef idx="1">
+            <a:schemeClr val="accent1"/>
+          </a:lnRef>
+          <a:fillRef idx="3">
+            <a:schemeClr val="accent1"/>
+          </a:fillRef>
+          <a:effectRef idx="2">
+            <a:schemeClr val="accent1"/>
+          </a:effectRef>
+          <a:fontRef idx="minor">
+            <a:schemeClr val="lt1"/>
+          </a:fontRef>
+        </p:style>
+        <p:txBody>
+          <a:bodyPr rtlCol="0" anchor="ctr"/>
+          <a:lstStyle/>
+          <a:p>
+            <a:pPr algn="ctr"/>
+          </a:p>
+        </p:txBody>
+      </p:sp>
+      <p:sp>
+        <p:nvSpPr>
+          <p:cNvPr id="63" name="Rectangle 62"/>
+          <p:cNvSpPr/>
+          <p:nvPr/>
+        </p:nvSpPr>
+        <p:spPr>
+          <a:xfrm>
+            <a:off x="6332215" y="2587752"/>
+            <a:ext cx="914400" cy="342900"/>
+          </a:xfrm>
+          <a:prstGeom prst="rect">
+            <a:avLst/>
+          </a:prstGeom>
+        </p:spPr>
+        <p:style>
+          <a:lnRef idx="1">
+            <a:schemeClr val="accent1"/>
+          </a:lnRef>
+          <a:fillRef idx="3">
+            <a:schemeClr val="accent1"/>
+          </a:fillRef>
+          <a:effectRef idx="2">
+            <a:schemeClr val="accent1"/>
+          </a:effectRef>
+          <a:fontRef idx="minor">
+            <a:schemeClr val="lt1"/>
+          </a:fontRef>
+        </p:style>
+        <p:txBody>
+          <a:bodyPr rtlCol="0" anchor="ctr"/>
+          <a:lstStyle/>
+          <a:p>
+            <a:pPr algn="ctr"/>
+          </a:p>
+        </p:txBody>
+      </p:sp>
+      <p:sp>
+        <p:nvSpPr>
+          <p:cNvPr id="64" name="TextBox 63"/>
+          <p:cNvSpPr txBox="1"/>
+          <p:nvPr/>
+        </p:nvSpPr>
+        <p:spPr>
+          <a:xfrm>
+            <a:off x="6332215" y="2587752"/>
+            <a:ext cx="914400" cy="228600"/>
+          </a:xfrm>
+          <a:prstGeom prst="rect">
+            <a:avLst/>
+          </a:prstGeom>
+          <a:noFill/>
+        </p:spPr>
+        <p:txBody>
+          <a:bodyPr wrap="none">
+            <a:spAutoFit/>
+          </a:bodyPr>
+          <a:lstStyle/>
+          <a:p/>
+          <a:p>
+            <a:pPr>
+              <a:defRPr sz="1400"/>
+            </a:pPr>
+            <a:r>
+              <a:t>June 2018</a:t>
+            </a:r>
+          </a:p>
+        </p:txBody>
+      </p:sp>
+      <p:pic>
+        <p:nvPicPr>
+          <p:cNvPr id="65" name="Picture 64" descr="key_social_logo.png"/>
+          <p:cNvPicPr>
+            <a:picLocks noChangeAspect="1"/>
+          </p:cNvPicPr>
+          <p:nvPr/>
+        </p:nvPicPr>
+        <p:blipFill>
+          <a:blip r:embed="rId2"/>
+          <a:stretch>
+            <a:fillRect/>
+          </a:stretch>
+        </p:blipFill>
+        <p:spPr>
+          <a:xfrm>
+            <a:off x="6332215" y="3044952"/>
+            <a:ext cx="435429" cy="228600"/>
+          </a:xfrm>
+          <a:prstGeom prst="rect">
+            <a:avLst/>
+          </a:prstGeom>
+        </p:spPr>
+      </p:pic>
+      <p:sp>
+        <p:nvSpPr>
+          <p:cNvPr id="66" name="TextBox 65"/>
+          <p:cNvSpPr txBox="1"/>
+          <p:nvPr/>
+        </p:nvSpPr>
+        <p:spPr>
+          <a:xfrm>
+            <a:off x="6332215" y="2587752"/>
+            <a:ext cx="914400" cy="228600"/>
+          </a:xfrm>
+          <a:prstGeom prst="rect">
+            <a:avLst/>
+          </a:prstGeom>
+          <a:noFill/>
+        </p:spPr>
+        <p:txBody>
+          <a:bodyPr wrap="none">
+            <a:spAutoFit/>
+          </a:bodyPr>
+          <a:lstStyle/>
+          <a:p/>
+          <a:p>
+            <a:pPr>
+              <a:defRPr sz="1200"/>
+            </a:pPr>
+            <a:r>
+              <a:t>Bookrunner</a:t>
+            </a:r>
+          </a:p>
+        </p:txBody>
+      </p:sp>
+      <p:sp>
+        <p:nvSpPr>
+          <p:cNvPr id="67" name="Rectangle 66"/>
+          <p:cNvSpPr/>
+          <p:nvPr/>
+        </p:nvSpPr>
+        <p:spPr>
+          <a:xfrm>
+            <a:off x="7507218" y="2587752"/>
+            <a:ext cx="914400" cy="1371600"/>
+          </a:xfrm>
+          <a:prstGeom prst="rect">
+            <a:avLst/>
+          </a:prstGeom>
+        </p:spPr>
+        <p:style>
+          <a:lnRef idx="1">
+            <a:schemeClr val="accent1"/>
+          </a:lnRef>
+          <a:fillRef idx="3">
+            <a:schemeClr val="accent1"/>
+          </a:fillRef>
+          <a:effectRef idx="2">
+            <a:schemeClr val="accent1"/>
+          </a:effectRef>
+          <a:fontRef idx="minor">
+            <a:schemeClr val="lt1"/>
+          </a:fontRef>
+        </p:style>
+        <p:txBody>
+          <a:bodyPr rtlCol="0" anchor="ctr"/>
+          <a:lstStyle/>
+          <a:p>
+            <a:pPr algn="ctr"/>
+          </a:p>
+        </p:txBody>
+      </p:sp>
+      <p:sp>
+        <p:nvSpPr>
+          <p:cNvPr id="68" name="Rectangle 67"/>
+          <p:cNvSpPr/>
+          <p:nvPr/>
+        </p:nvSpPr>
+        <p:spPr>
+          <a:xfrm>
+            <a:off x="7507218" y="2587752"/>
+            <a:ext cx="914400" cy="342900"/>
+          </a:xfrm>
+          <a:prstGeom prst="rect">
+            <a:avLst/>
+          </a:prstGeom>
+        </p:spPr>
+        <p:style>
+          <a:lnRef idx="1">
+            <a:schemeClr val="accent1"/>
+          </a:lnRef>
+          <a:fillRef idx="3">
+            <a:schemeClr val="accent1"/>
+          </a:fillRef>
+          <a:effectRef idx="2">
+            <a:schemeClr val="accent1"/>
+          </a:effectRef>
+          <a:fontRef idx="minor">
+            <a:schemeClr val="lt1"/>
+          </a:fontRef>
+        </p:style>
+        <p:txBody>
+          <a:bodyPr rtlCol="0" anchor="ctr"/>
+          <a:lstStyle/>
+          <a:p>
+            <a:pPr algn="ctr"/>
+          </a:p>
+        </p:txBody>
+      </p:sp>
+      <p:sp>
+        <p:nvSpPr>
+          <p:cNvPr id="69" name="TextBox 68"/>
+          <p:cNvSpPr txBox="1"/>
+          <p:nvPr/>
+        </p:nvSpPr>
+        <p:spPr>
+          <a:xfrm>
+            <a:off x="7507218" y="2587752"/>
+            <a:ext cx="914400" cy="228600"/>
+          </a:xfrm>
+          <a:prstGeom prst="rect">
+            <a:avLst/>
+          </a:prstGeom>
+          <a:noFill/>
+        </p:spPr>
+        <p:txBody>
+          <a:bodyPr wrap="none">
+            <a:spAutoFit/>
+          </a:bodyPr>
+          <a:lstStyle/>
+          <a:p/>
+          <a:p>
+            <a:pPr>
+              <a:defRPr sz="1400"/>
+            </a:pPr>
+            <a:r>
+              <a:t>June 2018</a:t>
+            </a:r>
+          </a:p>
+        </p:txBody>
+      </p:sp>
+      <p:pic>
+        <p:nvPicPr>
+          <p:cNvPr id="70" name="Picture 69" descr="key_social_logo.png"/>
+          <p:cNvPicPr>
+            <a:picLocks noChangeAspect="1"/>
+          </p:cNvPicPr>
+          <p:nvPr/>
+        </p:nvPicPr>
+        <p:blipFill>
+          <a:blip r:embed="rId2"/>
+          <a:stretch>
+            <a:fillRect/>
+          </a:stretch>
+        </p:blipFill>
+        <p:spPr>
+          <a:xfrm>
+            <a:off x="7507218" y="3044952"/>
+            <a:ext cx="435429" cy="228600"/>
+          </a:xfrm>
+          <a:prstGeom prst="rect">
+            <a:avLst/>
+          </a:prstGeom>
+        </p:spPr>
+      </p:pic>
+      <p:sp>
+        <p:nvSpPr>
+          <p:cNvPr id="71" name="TextBox 70"/>
+          <p:cNvSpPr txBox="1"/>
+          <p:nvPr/>
+        </p:nvSpPr>
+        <p:spPr>
+          <a:xfrm>
+            <a:off x="7507218" y="2587752"/>
+            <a:ext cx="914400" cy="228600"/>
+          </a:xfrm>
+          <a:prstGeom prst="rect">
+            <a:avLst/>
+          </a:prstGeom>
+          <a:noFill/>
+        </p:spPr>
+        <p:txBody>
+          <a:bodyPr wrap="none">
+            <a:spAutoFit/>
+          </a:bodyPr>
+          <a:lstStyle/>
+          <a:p/>
+          <a:p>
+            <a:pPr>
+              <a:defRPr sz="1200"/>
+            </a:pPr>
+            <a:r>
+              <a:t>Bookrunner</a:t>
+            </a:r>
+          </a:p>
+        </p:txBody>
+      </p:sp>
+      <p:sp>
+        <p:nvSpPr>
+          <p:cNvPr id="72" name="Rectangle 71"/>
+          <p:cNvSpPr/>
+          <p:nvPr/>
+        </p:nvSpPr>
+        <p:spPr>
+          <a:xfrm>
+            <a:off x="457200" y="4261104"/>
+            <a:ext cx="914400" cy="1371600"/>
+          </a:xfrm>
+          <a:prstGeom prst="rect">
+            <a:avLst/>
+          </a:prstGeom>
+        </p:spPr>
+        <p:style>
+          <a:lnRef idx="1">
+            <a:schemeClr val="accent1"/>
+          </a:lnRef>
+          <a:fillRef idx="3">
+            <a:schemeClr val="accent1"/>
+          </a:fillRef>
+          <a:effectRef idx="2">
+            <a:schemeClr val="accent1"/>
+          </a:effectRef>
+          <a:fontRef idx="minor">
+            <a:schemeClr val="lt1"/>
+          </a:fontRef>
+        </p:style>
+        <p:txBody>
+          <a:bodyPr rtlCol="0" anchor="ctr"/>
+          <a:lstStyle/>
+          <a:p>
+            <a:pPr algn="ctr"/>
+          </a:p>
+        </p:txBody>
+      </p:sp>
+      <p:sp>
+        <p:nvSpPr>
+          <p:cNvPr id="73" name="Rectangle 72"/>
+          <p:cNvSpPr/>
+          <p:nvPr/>
+        </p:nvSpPr>
+        <p:spPr>
+          <a:xfrm>
+            <a:off x="457200" y="4261104"/>
+            <a:ext cx="914400" cy="342900"/>
+          </a:xfrm>
+          <a:prstGeom prst="rect">
+            <a:avLst/>
+          </a:prstGeom>
+        </p:spPr>
+        <p:style>
+          <a:lnRef idx="1">
+            <a:schemeClr val="accent1"/>
+          </a:lnRef>
+          <a:fillRef idx="3">
+            <a:schemeClr val="accent1"/>
+          </a:fillRef>
+          <a:effectRef idx="2">
+            <a:schemeClr val="accent1"/>
+          </a:effectRef>
+          <a:fontRef idx="minor">
+            <a:schemeClr val="lt1"/>
+          </a:fontRef>
+        </p:style>
+        <p:txBody>
+          <a:bodyPr rtlCol="0" anchor="ctr"/>
+          <a:lstStyle/>
+          <a:p>
+            <a:pPr algn="ctr"/>
+          </a:p>
+        </p:txBody>
+      </p:sp>
+      <p:sp>
+        <p:nvSpPr>
+          <p:cNvPr id="74" name="TextBox 73"/>
+          <p:cNvSpPr txBox="1"/>
+          <p:nvPr/>
+        </p:nvSpPr>
+        <p:spPr>
+          <a:xfrm>
+            <a:off x="457200" y="4261104"/>
+            <a:ext cx="914400" cy="228600"/>
+          </a:xfrm>
+          <a:prstGeom prst="rect">
+            <a:avLst/>
+          </a:prstGeom>
+          <a:noFill/>
+        </p:spPr>
+        <p:txBody>
+          <a:bodyPr wrap="none">
+            <a:spAutoFit/>
+          </a:bodyPr>
+          <a:lstStyle/>
+          <a:p/>
+          <a:p>
+            <a:pPr>
+              <a:defRPr sz="1400"/>
+            </a:pPr>
+            <a:r>
+              <a:t>June 2018</a:t>
+            </a:r>
+          </a:p>
+        </p:txBody>
+      </p:sp>
+      <p:pic>
+        <p:nvPicPr>
+          <p:cNvPr id="75" name="Picture 74" descr="key_social_logo.png"/>
+          <p:cNvPicPr>
+            <a:picLocks noChangeAspect="1"/>
+          </p:cNvPicPr>
+          <p:nvPr/>
+        </p:nvPicPr>
+        <p:blipFill>
+          <a:blip r:embed="rId2"/>
+          <a:stretch>
+            <a:fillRect/>
+          </a:stretch>
+        </p:blipFill>
+        <p:spPr>
+          <a:xfrm>
+            <a:off x="457200" y="4718304"/>
+            <a:ext cx="435429" cy="228600"/>
+          </a:xfrm>
+          <a:prstGeom prst="rect">
+            <a:avLst/>
+          </a:prstGeom>
+        </p:spPr>
+      </p:pic>
+      <p:sp>
+        <p:nvSpPr>
+          <p:cNvPr id="76" name="TextBox 75"/>
+          <p:cNvSpPr txBox="1"/>
+          <p:nvPr/>
+        </p:nvSpPr>
+        <p:spPr>
+          <a:xfrm>
+            <a:off x="457200" y="4261104"/>
+            <a:ext cx="914400" cy="228600"/>
+          </a:xfrm>
+          <a:prstGeom prst="rect">
+            <a:avLst/>
+          </a:prstGeom>
+          <a:noFill/>
+        </p:spPr>
+        <p:txBody>
+          <a:bodyPr wrap="none">
+            <a:spAutoFit/>
+          </a:bodyPr>
+          <a:lstStyle/>
+          <a:p/>
+          <a:p>
+            <a:pPr>
+              <a:defRPr sz="1200"/>
+            </a:pPr>
+            <a:r>
+              <a:t>Bookrunner</a:t>
+            </a:r>
+          </a:p>
+        </p:txBody>
+      </p:sp>
+      <p:sp>
+        <p:nvSpPr>
+          <p:cNvPr id="77" name="Rectangle 76"/>
+          <p:cNvSpPr/>
+          <p:nvPr/>
+        </p:nvSpPr>
+        <p:spPr>
+          <a:xfrm>
+            <a:off x="1632203" y="4261104"/>
+            <a:ext cx="914400" cy="1371600"/>
+          </a:xfrm>
+          <a:prstGeom prst="rect">
+            <a:avLst/>
+          </a:prstGeom>
+        </p:spPr>
+        <p:style>
+          <a:lnRef idx="1">
+            <a:schemeClr val="accent1"/>
+          </a:lnRef>
+          <a:fillRef idx="3">
+            <a:schemeClr val="accent1"/>
+          </a:fillRef>
+          <a:effectRef idx="2">
+            <a:schemeClr val="accent1"/>
+          </a:effectRef>
+          <a:fontRef idx="minor">
+            <a:schemeClr val="lt1"/>
+          </a:fontRef>
+        </p:style>
+        <p:txBody>
+          <a:bodyPr rtlCol="0" anchor="ctr"/>
+          <a:lstStyle/>
+          <a:p>
+            <a:pPr algn="ctr"/>
+          </a:p>
+        </p:txBody>
+      </p:sp>
+      <p:sp>
+        <p:nvSpPr>
+          <p:cNvPr id="78" name="Rectangle 77"/>
+          <p:cNvSpPr/>
+          <p:nvPr/>
+        </p:nvSpPr>
+        <p:spPr>
+          <a:xfrm>
+            <a:off x="1632203" y="4261104"/>
+            <a:ext cx="914400" cy="342900"/>
+          </a:xfrm>
+          <a:prstGeom prst="rect">
+            <a:avLst/>
+          </a:prstGeom>
+        </p:spPr>
+        <p:style>
+          <a:lnRef idx="1">
+            <a:schemeClr val="accent1"/>
+          </a:lnRef>
+          <a:fillRef idx="3">
+            <a:schemeClr val="accent1"/>
+          </a:fillRef>
+          <a:effectRef idx="2">
+            <a:schemeClr val="accent1"/>
+          </a:effectRef>
+          <a:fontRef idx="minor">
+            <a:schemeClr val="lt1"/>
+          </a:fontRef>
+        </p:style>
+        <p:txBody>
+          <a:bodyPr rtlCol="0" anchor="ctr"/>
+          <a:lstStyle/>
+          <a:p>
+            <a:pPr algn="ctr"/>
+          </a:p>
+        </p:txBody>
+      </p:sp>
+      <p:sp>
+        <p:nvSpPr>
+          <p:cNvPr id="79" name="TextBox 78"/>
+          <p:cNvSpPr txBox="1"/>
+          <p:nvPr/>
+        </p:nvSpPr>
+        <p:spPr>
+          <a:xfrm>
+            <a:off x="1632203" y="4261104"/>
+            <a:ext cx="914400" cy="228600"/>
+          </a:xfrm>
+          <a:prstGeom prst="rect">
+            <a:avLst/>
+          </a:prstGeom>
+          <a:noFill/>
+        </p:spPr>
+        <p:txBody>
+          <a:bodyPr wrap="none">
+            <a:spAutoFit/>
+          </a:bodyPr>
+          <a:lstStyle/>
+          <a:p/>
+          <a:p>
+            <a:pPr>
+              <a:defRPr sz="1400"/>
+            </a:pPr>
+            <a:r>
+              <a:t>June 2018</a:t>
+            </a:r>
+          </a:p>
+        </p:txBody>
+      </p:sp>
+      <p:pic>
+        <p:nvPicPr>
+          <p:cNvPr id="80" name="Picture 79" descr="key_social_logo.png"/>
+          <p:cNvPicPr>
+            <a:picLocks noChangeAspect="1"/>
+          </p:cNvPicPr>
+          <p:nvPr/>
+        </p:nvPicPr>
+        <p:blipFill>
+          <a:blip r:embed="rId2"/>
+          <a:stretch>
+            <a:fillRect/>
+          </a:stretch>
+        </p:blipFill>
+        <p:spPr>
+          <a:xfrm>
+            <a:off x="1632203" y="4718304"/>
+            <a:ext cx="435429" cy="228600"/>
+          </a:xfrm>
+          <a:prstGeom prst="rect">
+            <a:avLst/>
+          </a:prstGeom>
+        </p:spPr>
+      </p:pic>
+      <p:sp>
+        <p:nvSpPr>
+          <p:cNvPr id="81" name="TextBox 80"/>
+          <p:cNvSpPr txBox="1"/>
+          <p:nvPr/>
+        </p:nvSpPr>
+        <p:spPr>
+          <a:xfrm>
+            <a:off x="1632203" y="4261104"/>
+            <a:ext cx="914400" cy="228600"/>
+          </a:xfrm>
+          <a:prstGeom prst="rect">
+            <a:avLst/>
+          </a:prstGeom>
+          <a:noFill/>
+        </p:spPr>
+        <p:txBody>
+          <a:bodyPr wrap="none">
+            <a:spAutoFit/>
+          </a:bodyPr>
+          <a:lstStyle/>
+          <a:p/>
+          <a:p>
+            <a:pPr>
+              <a:defRPr sz="1200"/>
+            </a:pPr>
+            <a:r>
+              <a:t>Bookrunner</a:t>
+            </a:r>
+          </a:p>
+        </p:txBody>
+      </p:sp>
+      <p:sp>
+        <p:nvSpPr>
+          <p:cNvPr id="82" name="Rectangle 81"/>
+          <p:cNvSpPr/>
+          <p:nvPr/>
+        </p:nvSpPr>
+        <p:spPr>
+          <a:xfrm>
+            <a:off x="2807206" y="4261104"/>
+            <a:ext cx="914400" cy="1371600"/>
+          </a:xfrm>
+          <a:prstGeom prst="rect">
+            <a:avLst/>
+          </a:prstGeom>
+        </p:spPr>
+        <p:style>
+          <a:lnRef idx="1">
+            <a:schemeClr val="accent1"/>
+          </a:lnRef>
+          <a:fillRef idx="3">
+            <a:schemeClr val="accent1"/>
+          </a:fillRef>
+          <a:effectRef idx="2">
+            <a:schemeClr val="accent1"/>
+          </a:effectRef>
+          <a:fontRef idx="minor">
+            <a:schemeClr val="lt1"/>
+          </a:fontRef>
+        </p:style>
+        <p:txBody>
+          <a:bodyPr rtlCol="0" anchor="ctr"/>
+          <a:lstStyle/>
+          <a:p>
+            <a:pPr algn="ctr"/>
+          </a:p>
+        </p:txBody>
+      </p:sp>
+      <p:sp>
+        <p:nvSpPr>
+          <p:cNvPr id="83" name="Rectangle 82"/>
+          <p:cNvSpPr/>
+          <p:nvPr/>
+        </p:nvSpPr>
+        <p:spPr>
+          <a:xfrm>
+            <a:off x="2807206" y="4261104"/>
+            <a:ext cx="914400" cy="342900"/>
+          </a:xfrm>
+          <a:prstGeom prst="rect">
+            <a:avLst/>
+          </a:prstGeom>
+        </p:spPr>
+        <p:style>
+          <a:lnRef idx="1">
+            <a:schemeClr val="accent1"/>
+          </a:lnRef>
+          <a:fillRef idx="3">
+            <a:schemeClr val="accent1"/>
+          </a:fillRef>
+          <a:effectRef idx="2">
+            <a:schemeClr val="accent1"/>
+          </a:effectRef>
+          <a:fontRef idx="minor">
+            <a:schemeClr val="lt1"/>
+          </a:fontRef>
+        </p:style>
+        <p:txBody>
+          <a:bodyPr rtlCol="0" anchor="ctr"/>
+          <a:lstStyle/>
+          <a:p>
+            <a:pPr algn="ctr"/>
+          </a:p>
+        </p:txBody>
+      </p:sp>
+      <p:sp>
+        <p:nvSpPr>
+          <p:cNvPr id="84" name="TextBox 83"/>
+          <p:cNvSpPr txBox="1"/>
+          <p:nvPr/>
+        </p:nvSpPr>
+        <p:spPr>
+          <a:xfrm>
+            <a:off x="2807206" y="4261104"/>
+            <a:ext cx="914400" cy="228600"/>
+          </a:xfrm>
+          <a:prstGeom prst="rect">
+            <a:avLst/>
+          </a:prstGeom>
+          <a:noFill/>
+        </p:spPr>
+        <p:txBody>
+          <a:bodyPr wrap="none">
+            <a:spAutoFit/>
+          </a:bodyPr>
+          <a:lstStyle/>
+          <a:p/>
+          <a:p>
+            <a:pPr>
+              <a:defRPr sz="1400"/>
+            </a:pPr>
+            <a:r>
+              <a:t>June 2018</a:t>
+            </a:r>
+          </a:p>
+        </p:txBody>
+      </p:sp>
+      <p:pic>
+        <p:nvPicPr>
+          <p:cNvPr id="85" name="Picture 84" descr="key_social_logo.png"/>
+          <p:cNvPicPr>
+            <a:picLocks noChangeAspect="1"/>
+          </p:cNvPicPr>
+          <p:nvPr/>
+        </p:nvPicPr>
+        <p:blipFill>
+          <a:blip r:embed="rId2"/>
+          <a:stretch>
+            <a:fillRect/>
+          </a:stretch>
+        </p:blipFill>
+        <p:spPr>
+          <a:xfrm>
+            <a:off x="2807206" y="4718304"/>
+            <a:ext cx="435429" cy="228600"/>
+          </a:xfrm>
+          <a:prstGeom prst="rect">
+            <a:avLst/>
+          </a:prstGeom>
+        </p:spPr>
+      </p:pic>
+      <p:sp>
+        <p:nvSpPr>
+          <p:cNvPr id="86" name="TextBox 85"/>
+          <p:cNvSpPr txBox="1"/>
+          <p:nvPr/>
+        </p:nvSpPr>
+        <p:spPr>
+          <a:xfrm>
+            <a:off x="2807206" y="4261104"/>
+            <a:ext cx="914400" cy="228600"/>
+          </a:xfrm>
+          <a:prstGeom prst="rect">
+            <a:avLst/>
+          </a:prstGeom>
+          <a:noFill/>
+        </p:spPr>
+        <p:txBody>
+          <a:bodyPr wrap="none">
+            <a:spAutoFit/>
+          </a:bodyPr>
+          <a:lstStyle/>
+          <a:p/>
+          <a:p>
+            <a:pPr>
+              <a:defRPr sz="1200"/>
+            </a:pPr>
+            <a:r>
+              <a:t>Bookrunner</a:t>
+            </a:r>
+          </a:p>
+        </p:txBody>
+      </p:sp>
+      <p:sp>
+        <p:nvSpPr>
+          <p:cNvPr id="87" name="Rectangle 86"/>
+          <p:cNvSpPr/>
+          <p:nvPr/>
+        </p:nvSpPr>
+        <p:spPr>
+          <a:xfrm>
+            <a:off x="3982209" y="4261104"/>
+            <a:ext cx="914400" cy="1371600"/>
+          </a:xfrm>
+          <a:prstGeom prst="rect">
+            <a:avLst/>
+          </a:prstGeom>
+        </p:spPr>
+        <p:style>
+          <a:lnRef idx="1">
+            <a:schemeClr val="accent1"/>
+          </a:lnRef>
+          <a:fillRef idx="3">
+            <a:schemeClr val="accent1"/>
+          </a:fillRef>
+          <a:effectRef idx="2">
+            <a:schemeClr val="accent1"/>
+          </a:effectRef>
+          <a:fontRef idx="minor">
+            <a:schemeClr val="lt1"/>
+          </a:fontRef>
+        </p:style>
+        <p:txBody>
+          <a:bodyPr rtlCol="0" anchor="ctr"/>
+          <a:lstStyle/>
+          <a:p>
+            <a:pPr algn="ctr"/>
+          </a:p>
+        </p:txBody>
+      </p:sp>
+      <p:sp>
+        <p:nvSpPr>
+          <p:cNvPr id="88" name="Rectangle 87"/>
+          <p:cNvSpPr/>
+          <p:nvPr/>
+        </p:nvSpPr>
+        <p:spPr>
+          <a:xfrm>
+            <a:off x="3982209" y="4261104"/>
+            <a:ext cx="914400" cy="342900"/>
+          </a:xfrm>
+          <a:prstGeom prst="rect">
+            <a:avLst/>
+          </a:prstGeom>
+        </p:spPr>
+        <p:style>
+          <a:lnRef idx="1">
+            <a:schemeClr val="accent1"/>
+          </a:lnRef>
+          <a:fillRef idx="3">
+            <a:schemeClr val="accent1"/>
+          </a:fillRef>
+          <a:effectRef idx="2">
+            <a:schemeClr val="accent1"/>
+          </a:effectRef>
+          <a:fontRef idx="minor">
+            <a:schemeClr val="lt1"/>
+          </a:fontRef>
+        </p:style>
+        <p:txBody>
+          <a:bodyPr rtlCol="0" anchor="ctr"/>
+          <a:lstStyle/>
+          <a:p>
+            <a:pPr algn="ctr"/>
+          </a:p>
+        </p:txBody>
+      </p:sp>
+      <p:sp>
+        <p:nvSpPr>
+          <p:cNvPr id="89" name="TextBox 88"/>
+          <p:cNvSpPr txBox="1"/>
+          <p:nvPr/>
+        </p:nvSpPr>
+        <p:spPr>
+          <a:xfrm>
+            <a:off x="3982209" y="4261104"/>
+            <a:ext cx="914400" cy="228600"/>
+          </a:xfrm>
+          <a:prstGeom prst="rect">
+            <a:avLst/>
+          </a:prstGeom>
+          <a:noFill/>
+        </p:spPr>
+        <p:txBody>
+          <a:bodyPr wrap="none">
+            <a:spAutoFit/>
+          </a:bodyPr>
+          <a:lstStyle/>
+          <a:p/>
+          <a:p>
+            <a:pPr>
+              <a:defRPr sz="1400"/>
+            </a:pPr>
+            <a:r>
+              <a:t>June 2018</a:t>
+            </a:r>
+          </a:p>
+        </p:txBody>
+      </p:sp>
+      <p:pic>
+        <p:nvPicPr>
+          <p:cNvPr id="90" name="Picture 89" descr="key_social_logo.png"/>
+          <p:cNvPicPr>
+            <a:picLocks noChangeAspect="1"/>
+          </p:cNvPicPr>
+          <p:nvPr/>
+        </p:nvPicPr>
+        <p:blipFill>
+          <a:blip r:embed="rId2"/>
+          <a:stretch>
+            <a:fillRect/>
+          </a:stretch>
+        </p:blipFill>
+        <p:spPr>
+          <a:xfrm>
+            <a:off x="3982209" y="4718304"/>
+            <a:ext cx="435429" cy="228600"/>
+          </a:xfrm>
+          <a:prstGeom prst="rect">
+            <a:avLst/>
+          </a:prstGeom>
+        </p:spPr>
+      </p:pic>
+      <p:sp>
+        <p:nvSpPr>
+          <p:cNvPr id="91" name="TextBox 90"/>
+          <p:cNvSpPr txBox="1"/>
+          <p:nvPr/>
+        </p:nvSpPr>
+        <p:spPr>
+          <a:xfrm>
+            <a:off x="3982209" y="4261104"/>
+            <a:ext cx="914400" cy="228600"/>
+          </a:xfrm>
+          <a:prstGeom prst="rect">
+            <a:avLst/>
+          </a:prstGeom>
+          <a:noFill/>
+        </p:spPr>
+        <p:txBody>
+          <a:bodyPr wrap="none">
+            <a:spAutoFit/>
+          </a:bodyPr>
+          <a:lstStyle/>
+          <a:p/>
+          <a:p>
+            <a:pPr>
+              <a:defRPr sz="1200"/>
+            </a:pPr>
+            <a:r>
+              <a:t>Bookrunner</a:t>
+            </a:r>
+          </a:p>
+        </p:txBody>
+      </p:sp>
+      <p:sp>
+        <p:nvSpPr>
+          <p:cNvPr id="92" name="Rectangle 91"/>
+          <p:cNvSpPr/>
+          <p:nvPr/>
+        </p:nvSpPr>
+        <p:spPr>
+          <a:xfrm>
+            <a:off x="5157212" y="4261104"/>
+            <a:ext cx="914400" cy="1371600"/>
+          </a:xfrm>
+          <a:prstGeom prst="rect">
+            <a:avLst/>
+          </a:prstGeom>
+        </p:spPr>
+        <p:style>
+          <a:lnRef idx="1">
+            <a:schemeClr val="accent1"/>
+          </a:lnRef>
+          <a:fillRef idx="3">
+            <a:schemeClr val="accent1"/>
+          </a:fillRef>
+          <a:effectRef idx="2">
+            <a:schemeClr val="accent1"/>
+          </a:effectRef>
+          <a:fontRef idx="minor">
+            <a:schemeClr val="lt1"/>
+          </a:fontRef>
+        </p:style>
+        <p:txBody>
+          <a:bodyPr rtlCol="0" anchor="ctr"/>
+          <a:lstStyle/>
+          <a:p>
+            <a:pPr algn="ctr"/>
+          </a:p>
+        </p:txBody>
+      </p:sp>
+      <p:sp>
+        <p:nvSpPr>
+          <p:cNvPr id="93" name="Rectangle 92"/>
+          <p:cNvSpPr/>
+          <p:nvPr/>
+        </p:nvSpPr>
+        <p:spPr>
+          <a:xfrm>
+            <a:off x="5157212" y="4261104"/>
+            <a:ext cx="914400" cy="342900"/>
+          </a:xfrm>
+          <a:prstGeom prst="rect">
+            <a:avLst/>
+          </a:prstGeom>
+        </p:spPr>
+        <p:style>
+          <a:lnRef idx="1">
+            <a:schemeClr val="accent1"/>
+          </a:lnRef>
+          <a:fillRef idx="3">
+            <a:schemeClr val="accent1"/>
+          </a:fillRef>
+          <a:effectRef idx="2">
+            <a:schemeClr val="accent1"/>
+          </a:effectRef>
+          <a:fontRef idx="minor">
+            <a:schemeClr val="lt1"/>
+          </a:fontRef>
+        </p:style>
+        <p:txBody>
+          <a:bodyPr rtlCol="0" anchor="ctr"/>
+          <a:lstStyle/>
+          <a:p>
+            <a:pPr algn="ctr"/>
+          </a:p>
+        </p:txBody>
+      </p:sp>
+      <p:sp>
+        <p:nvSpPr>
+          <p:cNvPr id="94" name="TextBox 93"/>
+          <p:cNvSpPr txBox="1"/>
+          <p:nvPr/>
+        </p:nvSpPr>
+        <p:spPr>
+          <a:xfrm>
+            <a:off x="5157212" y="4261104"/>
+            <a:ext cx="914400" cy="228600"/>
+          </a:xfrm>
+          <a:prstGeom prst="rect">
+            <a:avLst/>
+          </a:prstGeom>
+          <a:noFill/>
+        </p:spPr>
+        <p:txBody>
+          <a:bodyPr wrap="none">
+            <a:spAutoFit/>
+          </a:bodyPr>
+          <a:lstStyle/>
+          <a:p/>
+          <a:p>
+            <a:pPr>
+              <a:defRPr sz="1400"/>
+            </a:pPr>
+            <a:r>
+              <a:t>June 2018</a:t>
+            </a:r>
+          </a:p>
+        </p:txBody>
+      </p:sp>
+      <p:pic>
+        <p:nvPicPr>
+          <p:cNvPr id="95" name="Picture 94" descr="key_social_logo.png"/>
+          <p:cNvPicPr>
+            <a:picLocks noChangeAspect="1"/>
+          </p:cNvPicPr>
+          <p:nvPr/>
+        </p:nvPicPr>
+        <p:blipFill>
+          <a:blip r:embed="rId2"/>
+          <a:stretch>
+            <a:fillRect/>
+          </a:stretch>
+        </p:blipFill>
+        <p:spPr>
+          <a:xfrm>
+            <a:off x="5157212" y="4718304"/>
+            <a:ext cx="435429" cy="228600"/>
+          </a:xfrm>
+          <a:prstGeom prst="rect">
+            <a:avLst/>
+          </a:prstGeom>
+        </p:spPr>
+      </p:pic>
+      <p:sp>
+        <p:nvSpPr>
+          <p:cNvPr id="96" name="TextBox 95"/>
+          <p:cNvSpPr txBox="1"/>
+          <p:nvPr/>
+        </p:nvSpPr>
+        <p:spPr>
+          <a:xfrm>
+            <a:off x="5157212" y="4261104"/>
+            <a:ext cx="914400" cy="228600"/>
+          </a:xfrm>
+          <a:prstGeom prst="rect">
+            <a:avLst/>
+          </a:prstGeom>
+          <a:noFill/>
+        </p:spPr>
+        <p:txBody>
+          <a:bodyPr wrap="none">
+            <a:spAutoFit/>
+          </a:bodyPr>
+          <a:lstStyle/>
+          <a:p/>
+          <a:p>
+            <a:pPr>
+              <a:defRPr sz="1200"/>
+            </a:pPr>
+            <a:r>
+              <a:t>Bookrunner</a:t>
+            </a:r>
+          </a:p>
+        </p:txBody>
+      </p:sp>
+      <p:sp>
+        <p:nvSpPr>
+          <p:cNvPr id="97" name="Rectangle 96"/>
+          <p:cNvSpPr/>
+          <p:nvPr/>
+        </p:nvSpPr>
+        <p:spPr>
+          <a:xfrm>
+            <a:off x="6332215" y="4261104"/>
+            <a:ext cx="914400" cy="1371600"/>
+          </a:xfrm>
+          <a:prstGeom prst="rect">
+            <a:avLst/>
+          </a:prstGeom>
+        </p:spPr>
+        <p:style>
+          <a:lnRef idx="1">
+            <a:schemeClr val="accent1"/>
+          </a:lnRef>
+          <a:fillRef idx="3">
+            <a:schemeClr val="accent1"/>
+          </a:fillRef>
+          <a:effectRef idx="2">
+            <a:schemeClr val="accent1"/>
+          </a:effectRef>
+          <a:fontRef idx="minor">
+            <a:schemeClr val="lt1"/>
+          </a:fontRef>
+        </p:style>
+        <p:txBody>
+          <a:bodyPr rtlCol="0" anchor="ctr"/>
+          <a:lstStyle/>
+          <a:p>
+            <a:pPr algn="ctr"/>
+          </a:p>
+        </p:txBody>
+      </p:sp>
+      <p:sp>
+        <p:nvSpPr>
+          <p:cNvPr id="98" name="Rectangle 97"/>
+          <p:cNvSpPr/>
+          <p:nvPr/>
+        </p:nvSpPr>
+        <p:spPr>
+          <a:xfrm>
+            <a:off x="6332215" y="4261104"/>
+            <a:ext cx="914400" cy="342900"/>
+          </a:xfrm>
+          <a:prstGeom prst="rect">
+            <a:avLst/>
+          </a:prstGeom>
+        </p:spPr>
+        <p:style>
+          <a:lnRef idx="1">
+            <a:schemeClr val="accent1"/>
+          </a:lnRef>
+          <a:fillRef idx="3">
+            <a:schemeClr val="accent1"/>
+          </a:fillRef>
+          <a:effectRef idx="2">
+            <a:schemeClr val="accent1"/>
+          </a:effectRef>
+          <a:fontRef idx="minor">
+            <a:schemeClr val="lt1"/>
+          </a:fontRef>
+        </p:style>
+        <p:txBody>
+          <a:bodyPr rtlCol="0" anchor="ctr"/>
+          <a:lstStyle/>
+          <a:p>
+            <a:pPr algn="ctr"/>
+          </a:p>
+        </p:txBody>
+      </p:sp>
+      <p:sp>
+        <p:nvSpPr>
+          <p:cNvPr id="99" name="TextBox 98"/>
+          <p:cNvSpPr txBox="1"/>
+          <p:nvPr/>
+        </p:nvSpPr>
+        <p:spPr>
+          <a:xfrm>
+            <a:off x="6332215" y="4261104"/>
+            <a:ext cx="914400" cy="228600"/>
+          </a:xfrm>
+          <a:prstGeom prst="rect">
+            <a:avLst/>
+          </a:prstGeom>
+          <a:noFill/>
+        </p:spPr>
+        <p:txBody>
+          <a:bodyPr wrap="none">
+            <a:spAutoFit/>
+          </a:bodyPr>
+          <a:lstStyle/>
+          <a:p/>
+          <a:p>
+            <a:pPr>
+              <a:defRPr sz="1400"/>
+            </a:pPr>
+            <a:r>
+              <a:t>June 2018</a:t>
+            </a:r>
+          </a:p>
+        </p:txBody>
+      </p:sp>
+      <p:pic>
+        <p:nvPicPr>
+          <p:cNvPr id="100" name="Picture 99" descr="key_social_logo.png"/>
+          <p:cNvPicPr>
+            <a:picLocks noChangeAspect="1"/>
+          </p:cNvPicPr>
+          <p:nvPr/>
+        </p:nvPicPr>
+        <p:blipFill>
+          <a:blip r:embed="rId2"/>
+          <a:stretch>
+            <a:fillRect/>
+          </a:stretch>
+        </p:blipFill>
+        <p:spPr>
+          <a:xfrm>
+            <a:off x="6332215" y="4718304"/>
+            <a:ext cx="435429" cy="228600"/>
+          </a:xfrm>
+          <a:prstGeom prst="rect">
+            <a:avLst/>
+          </a:prstGeom>
+        </p:spPr>
+      </p:pic>
+      <p:sp>
+        <p:nvSpPr>
+          <p:cNvPr id="101" name="TextBox 100"/>
+          <p:cNvSpPr txBox="1"/>
+          <p:nvPr/>
+        </p:nvSpPr>
+        <p:spPr>
+          <a:xfrm>
+            <a:off x="6332215" y="4261104"/>
+            <a:ext cx="914400" cy="228600"/>
+          </a:xfrm>
+          <a:prstGeom prst="rect">
+            <a:avLst/>
+          </a:prstGeom>
+          <a:noFill/>
+        </p:spPr>
+        <p:txBody>
+          <a:bodyPr wrap="none">
+            <a:spAutoFit/>
+          </a:bodyPr>
+          <a:lstStyle/>
+          <a:p/>
+          <a:p>
+            <a:pPr>
+              <a:defRPr sz="1200"/>
+            </a:pPr>
+            <a:r>
+              <a:t>Bookrunner</a:t>
+            </a:r>
+          </a:p>
+        </p:txBody>
+      </p:sp>
+      <p:sp>
+        <p:nvSpPr>
+          <p:cNvPr id="102" name="Rectangle 101"/>
+          <p:cNvSpPr/>
+          <p:nvPr/>
+        </p:nvSpPr>
+        <p:spPr>
+          <a:xfrm>
+            <a:off x="7507218" y="4261104"/>
+            <a:ext cx="914400" cy="1371600"/>
+          </a:xfrm>
+          <a:prstGeom prst="rect">
+            <a:avLst/>
+          </a:prstGeom>
+        </p:spPr>
+        <p:style>
+          <a:lnRef idx="1">
+            <a:schemeClr val="accent1"/>
+          </a:lnRef>
+          <a:fillRef idx="3">
+            <a:schemeClr val="accent1"/>
+          </a:fillRef>
+          <a:effectRef idx="2">
+            <a:schemeClr val="accent1"/>
+          </a:effectRef>
+          <a:fontRef idx="minor">
+            <a:schemeClr val="lt1"/>
+          </a:fontRef>
+        </p:style>
+        <p:txBody>
+          <a:bodyPr rtlCol="0" anchor="ctr"/>
+          <a:lstStyle/>
+          <a:p>
+            <a:pPr algn="ctr"/>
+          </a:p>
+        </p:txBody>
+      </p:sp>
+      <p:sp>
+        <p:nvSpPr>
+          <p:cNvPr id="103" name="Rectangle 102"/>
+          <p:cNvSpPr/>
+          <p:nvPr/>
+        </p:nvSpPr>
+        <p:spPr>
+          <a:xfrm>
+            <a:off x="7507218" y="4261104"/>
+            <a:ext cx="914400" cy="342900"/>
+          </a:xfrm>
+          <a:prstGeom prst="rect">
+            <a:avLst/>
+          </a:prstGeom>
+        </p:spPr>
+        <p:style>
+          <a:lnRef idx="1">
+            <a:schemeClr val="accent1"/>
+          </a:lnRef>
+          <a:fillRef idx="3">
+            <a:schemeClr val="accent1"/>
+          </a:fillRef>
+          <a:effectRef idx="2">
+            <a:schemeClr val="accent1"/>
+          </a:effectRef>
+          <a:fontRef idx="minor">
+            <a:schemeClr val="lt1"/>
+          </a:fontRef>
+        </p:style>
+        <p:txBody>
+          <a:bodyPr rtlCol="0" anchor="ctr"/>
+          <a:lstStyle/>
+          <a:p>
+            <a:pPr algn="ctr"/>
+          </a:p>
+        </p:txBody>
+      </p:sp>
+      <p:sp>
+        <p:nvSpPr>
+          <p:cNvPr id="104" name="TextBox 103"/>
+          <p:cNvSpPr txBox="1"/>
+          <p:nvPr/>
+        </p:nvSpPr>
+        <p:spPr>
+          <a:xfrm>
+            <a:off x="7507218" y="4261104"/>
+            <a:ext cx="914400" cy="228600"/>
+          </a:xfrm>
+          <a:prstGeom prst="rect">
+            <a:avLst/>
+          </a:prstGeom>
+          <a:noFill/>
+        </p:spPr>
+        <p:txBody>
+          <a:bodyPr wrap="none">
+            <a:spAutoFit/>
+          </a:bodyPr>
+          <a:lstStyle/>
+          <a:p/>
+          <a:p>
+            <a:pPr>
+              <a:defRPr sz="1400"/>
+            </a:pPr>
+            <a:r>
+              <a:t>June 2018</a:t>
+            </a:r>
+          </a:p>
+        </p:txBody>
+      </p:sp>
+      <p:pic>
+        <p:nvPicPr>
+          <p:cNvPr id="105" name="Picture 104" descr="key_social_logo.png"/>
+          <p:cNvPicPr>
+            <a:picLocks noChangeAspect="1"/>
+          </p:cNvPicPr>
+          <p:nvPr/>
+        </p:nvPicPr>
+        <p:blipFill>
+          <a:blip r:embed="rId2"/>
+          <a:stretch>
+            <a:fillRect/>
+          </a:stretch>
+        </p:blipFill>
+        <p:spPr>
+          <a:xfrm>
+            <a:off x="7507218" y="4718304"/>
+            <a:ext cx="435429" cy="228600"/>
+          </a:xfrm>
+          <a:prstGeom prst="rect">
+            <a:avLst/>
+          </a:prstGeom>
+        </p:spPr>
+      </p:pic>
+      <p:sp>
+        <p:nvSpPr>
+          <p:cNvPr id="106" name="TextBox 105"/>
+          <p:cNvSpPr txBox="1"/>
+          <p:nvPr/>
+        </p:nvSpPr>
+        <p:spPr>
+          <a:xfrm>
+            <a:off x="7507218" y="4261104"/>
+            <a:ext cx="914400" cy="228600"/>
+          </a:xfrm>
+          <a:prstGeom prst="rect">
+            <a:avLst/>
+          </a:prstGeom>
+          <a:noFill/>
+        </p:spPr>
+        <p:txBody>
+          <a:bodyPr wrap="none">
+            <a:spAutoFit/>
+          </a:bodyPr>
+          <a:lstStyle/>
+          <a:p/>
+          <a:p>
+            <a:pPr>
+              <a:defRPr sz="1200"/>
+            </a:pPr>
+            <a:r>
+              <a:t>Bookrunner</a:t>
+            </a:r>
+          </a:p>
+        </p:txBody>
+      </p:sp>
+    </p:spTree>
+  </p:cSld>
+  <p:clrMapOvr>
+    <a:masterClrMapping/>
+  </p:clrMapOvr>
+</p:sld>
+</file>
+
+<file path=ppt/slides/slide3.xml><?xml version="1.0" encoding="utf-8"?>
+<p:sld xmlns:a="http://schemas.openxmlformats.org/drawingml/2006/main" xmlns:p="http://schemas.openxmlformats.org/presentationml/2006/main" xmlns:r="http://schemas.openxmlformats.org/officeDocument/2006/relationships">
+  <p:cSld>
+    <p:spTree>
+      <p:nvGrpSpPr>
+        <p:cNvPr id="1" name=""/>
+        <p:cNvGrpSpPr/>
+        <p:nvPr/>
+      </p:nvGrpSpPr>
+      <p:grpSpPr/>
+      <p:sp>
+        <p:nvSpPr>
+          <p:cNvPr id="2" name="Rectangle 1"/>
+          <p:cNvSpPr/>
+          <p:nvPr/>
+        </p:nvSpPr>
+        <p:spPr>
+          <a:xfrm>
+            <a:off x="457200" y="914400"/>
+            <a:ext cx="914400" cy="1371600"/>
+          </a:xfrm>
+          <a:prstGeom prst="rect">
+            <a:avLst/>
+          </a:prstGeom>
+        </p:spPr>
+        <p:style>
+          <a:lnRef idx="1">
+            <a:schemeClr val="accent1"/>
+          </a:lnRef>
+          <a:fillRef idx="3">
+            <a:schemeClr val="accent1"/>
+          </a:fillRef>
+          <a:effectRef idx="2">
+            <a:schemeClr val="accent1"/>
+          </a:effectRef>
+          <a:fontRef idx="minor">
+            <a:schemeClr val="lt1"/>
+          </a:fontRef>
+        </p:style>
+        <p:txBody>
+          <a:bodyPr rtlCol="0" anchor="ctr"/>
+          <a:lstStyle/>
+          <a:p>
+            <a:pPr algn="ctr"/>
+          </a:p>
+        </p:txBody>
+      </p:sp>
+      <p:sp>
+        <p:nvSpPr>
+          <p:cNvPr id="3" name="TextBox 2"/>
+          <p:cNvSpPr txBox="1"/>
+          <p:nvPr/>
+        </p:nvSpPr>
+        <p:spPr>
+          <a:xfrm>
+            <a:off x="457200" y="612648"/>
+            <a:ext cx="914400" cy="228600"/>
+          </a:xfrm>
+          <a:prstGeom prst="rect">
+            <a:avLst/>
+          </a:prstGeom>
+          <a:noFill/>
+        </p:spPr>
+        <p:txBody>
+          <a:bodyPr wrap="none">
+            <a:spAutoFit/>
+          </a:bodyPr>
+          <a:lstStyle/>
+          <a:p/>
+          <a:p>
+            <a:pPr>
+              <a:defRPr sz="1000"/>
+            </a:pPr>
+            <a:r>
+              <a:t>June 2018</a:t>
+            </a:r>
+          </a:p>
+        </p:txBody>
+      </p:sp>
+      <p:pic>
+        <p:nvPicPr>
+          <p:cNvPr id="4" name="Picture 3" descr="key_social_logo.png"/>
+          <p:cNvPicPr>
+            <a:picLocks noChangeAspect="1"/>
+          </p:cNvPicPr>
+          <p:nvPr/>
+        </p:nvPicPr>
+        <p:blipFill>
+          <a:blip r:embed="rId2"/>
+          <a:stretch>
+            <a:fillRect/>
+          </a:stretch>
+        </p:blipFill>
+        <p:spPr>
+          <a:xfrm>
+            <a:off x="553212" y="1280160"/>
+            <a:ext cx="696686" cy="365760"/>
+          </a:xfrm>
+          <a:prstGeom prst="rect">
+            <a:avLst/>
+          </a:prstGeom>
+        </p:spPr>
+      </p:pic>
+      <p:sp>
+        <p:nvSpPr>
+          <p:cNvPr id="5" name="TextBox 4"/>
+          <p:cNvSpPr txBox="1"/>
+          <p:nvPr/>
+        </p:nvSpPr>
+        <p:spPr>
+          <a:xfrm>
+            <a:off x="457200" y="1371600"/>
+            <a:ext cx="914400" cy="228600"/>
+          </a:xfrm>
+          <a:prstGeom prst="rect">
+            <a:avLst/>
+          </a:prstGeom>
+          <a:noFill/>
+        </p:spPr>
+        <p:txBody>
+          <a:bodyPr wrap="none">
+            <a:spAutoFit/>
+          </a:bodyPr>
+          <a:lstStyle/>
+          <a:p/>
+          <a:p>
+            <a:pPr>
+              <a:defRPr sz="1000"/>
+            </a:pPr>
+            <a:r>
+              <a:t>200,000,000</a:t>
+            </a:r>
+          </a:p>
+        </p:txBody>
+      </p:sp>
+      <p:sp>
+        <p:nvSpPr>
+          <p:cNvPr id="6" name="TextBox 5"/>
+          <p:cNvSpPr txBox="1"/>
+          <p:nvPr/>
+        </p:nvSpPr>
+        <p:spPr>
+          <a:xfrm>
+            <a:off x="457200" y="1490472"/>
+            <a:ext cx="914400" cy="228600"/>
+          </a:xfrm>
+          <a:prstGeom prst="rect">
+            <a:avLst/>
+          </a:prstGeom>
+          <a:noFill/>
+        </p:spPr>
+        <p:txBody>
+          <a:bodyPr wrap="none">
+            <a:spAutoFit/>
+          </a:bodyPr>
+          <a:lstStyle/>
+          <a:p/>
+          <a:p>
+            <a:pPr>
+              <a:defRPr sz="1000"/>
+            </a:pPr>
+            <a:r>
+              <a:t>Senior Creditor</a:t>
+            </a:r>
+          </a:p>
+        </p:txBody>
+      </p:sp>
+      <p:sp>
+        <p:nvSpPr>
+          <p:cNvPr id="7" name="TextBox 6"/>
+          <p:cNvSpPr txBox="1"/>
+          <p:nvPr/>
+        </p:nvSpPr>
+        <p:spPr>
+          <a:xfrm>
+            <a:off x="457200" y="1828800"/>
+            <a:ext cx="914400" cy="228600"/>
+          </a:xfrm>
+          <a:prstGeom prst="rect">
+            <a:avLst/>
+          </a:prstGeom>
+          <a:noFill/>
+        </p:spPr>
+        <p:txBody>
+          <a:bodyPr wrap="none">
+            <a:spAutoFit/>
+          </a:bodyPr>
+          <a:lstStyle/>
+          <a:p/>
+          <a:p>
+            <a:pPr>
+              <a:defRPr sz="1000"/>
+            </a:pPr>
+            <a:r>
+              <a:t>Bookrunner</a:t>
+            </a:r>
+          </a:p>
+        </p:txBody>
+      </p:sp>
+      <p:sp>
+        <p:nvSpPr>
+          <p:cNvPr id="8" name="Rectangle 7"/>
+          <p:cNvSpPr/>
+          <p:nvPr/>
+        </p:nvSpPr>
+        <p:spPr>
+          <a:xfrm>
+            <a:off x="1632203" y="914400"/>
+            <a:ext cx="914400" cy="1371600"/>
+          </a:xfrm>
+          <a:prstGeom prst="rect">
+            <a:avLst/>
+          </a:prstGeom>
+        </p:spPr>
+        <p:style>
+          <a:lnRef idx="1">
+            <a:schemeClr val="accent1"/>
+          </a:lnRef>
+          <a:fillRef idx="3">
+            <a:schemeClr val="accent1"/>
+          </a:fillRef>
+          <a:effectRef idx="2">
+            <a:schemeClr val="accent1"/>
+          </a:effectRef>
+          <a:fontRef idx="minor">
+            <a:schemeClr val="lt1"/>
+          </a:fontRef>
+        </p:style>
+        <p:txBody>
+          <a:bodyPr rtlCol="0" anchor="ctr"/>
+          <a:lstStyle/>
+          <a:p>
+            <a:pPr algn="ctr"/>
+          </a:p>
+        </p:txBody>
+      </p:sp>
+      <p:sp>
+        <p:nvSpPr>
+          <p:cNvPr id="9" name="TextBox 8"/>
+          <p:cNvSpPr txBox="1"/>
+          <p:nvPr/>
+        </p:nvSpPr>
+        <p:spPr>
+          <a:xfrm>
+            <a:off x="1632203" y="612648"/>
+            <a:ext cx="914400" cy="228600"/>
+          </a:xfrm>
+          <a:prstGeom prst="rect">
+            <a:avLst/>
+          </a:prstGeom>
+          <a:noFill/>
+        </p:spPr>
+        <p:txBody>
+          <a:bodyPr wrap="none">
+            <a:spAutoFit/>
+          </a:bodyPr>
+          <a:lstStyle/>
+          <a:p/>
+          <a:p>
+            <a:pPr>
+              <a:defRPr sz="1000"/>
+            </a:pPr>
+            <a:r>
+              <a:t>June 2018</a:t>
+            </a:r>
+          </a:p>
+        </p:txBody>
+      </p:sp>
+      <p:pic>
+        <p:nvPicPr>
+          <p:cNvPr id="10" name="Picture 9" descr="key_social_logo.png"/>
+          <p:cNvPicPr>
+            <a:picLocks noChangeAspect="1"/>
+          </p:cNvPicPr>
+          <p:nvPr/>
+        </p:nvPicPr>
+        <p:blipFill>
+          <a:blip r:embed="rId2"/>
+          <a:stretch>
+            <a:fillRect/>
+          </a:stretch>
+        </p:blipFill>
+        <p:spPr>
+          <a:xfrm>
+            <a:off x="1728215" y="1280160"/>
+            <a:ext cx="696686" cy="365760"/>
+          </a:xfrm>
+          <a:prstGeom prst="rect">
+            <a:avLst/>
+          </a:prstGeom>
+        </p:spPr>
+      </p:pic>
+      <p:sp>
+        <p:nvSpPr>
+          <p:cNvPr id="11" name="TextBox 10"/>
+          <p:cNvSpPr txBox="1"/>
+          <p:nvPr/>
+        </p:nvSpPr>
+        <p:spPr>
+          <a:xfrm>
+            <a:off x="1632203" y="1371600"/>
+            <a:ext cx="914400" cy="228600"/>
+          </a:xfrm>
+          <a:prstGeom prst="rect">
+            <a:avLst/>
+          </a:prstGeom>
+          <a:noFill/>
+        </p:spPr>
+        <p:txBody>
+          <a:bodyPr wrap="none">
+            <a:spAutoFit/>
+          </a:bodyPr>
+          <a:lstStyle/>
+          <a:p/>
+          <a:p>
+            <a:pPr>
+              <a:defRPr sz="1000"/>
+            </a:pPr>
+            <a:r>
+              <a:t>200,000,000</a:t>
+            </a:r>
+          </a:p>
+        </p:txBody>
+      </p:sp>
+      <p:sp>
+        <p:nvSpPr>
+          <p:cNvPr id="12" name="TextBox 11"/>
+          <p:cNvSpPr txBox="1"/>
+          <p:nvPr/>
+        </p:nvSpPr>
+        <p:spPr>
+          <a:xfrm>
+            <a:off x="1632203" y="1490472"/>
+            <a:ext cx="914400" cy="228600"/>
+          </a:xfrm>
+          <a:prstGeom prst="rect">
+            <a:avLst/>
+          </a:prstGeom>
+          <a:noFill/>
+        </p:spPr>
+        <p:txBody>
+          <a:bodyPr wrap="none">
+            <a:spAutoFit/>
+          </a:bodyPr>
+          <a:lstStyle/>
+          <a:p/>
+          <a:p>
+            <a:pPr>
+              <a:defRPr sz="1000"/>
+            </a:pPr>
+            <a:r>
+              <a:t>Senior Creditor</a:t>
+            </a:r>
+          </a:p>
+        </p:txBody>
+      </p:sp>
+      <p:sp>
+        <p:nvSpPr>
+          <p:cNvPr id="13" name="TextBox 12"/>
+          <p:cNvSpPr txBox="1"/>
+          <p:nvPr/>
+        </p:nvSpPr>
+        <p:spPr>
+          <a:xfrm>
+            <a:off x="1632203" y="1828800"/>
+            <a:ext cx="914400" cy="228600"/>
+          </a:xfrm>
+          <a:prstGeom prst="rect">
+            <a:avLst/>
+          </a:prstGeom>
+          <a:noFill/>
+        </p:spPr>
+        <p:txBody>
+          <a:bodyPr wrap="none">
+            <a:spAutoFit/>
+          </a:bodyPr>
+          <a:lstStyle/>
+          <a:p/>
+          <a:p>
+            <a:pPr>
+              <a:defRPr sz="1000"/>
+            </a:pPr>
+            <a:r>
+              <a:t>Bookrunner</a:t>
+            </a:r>
+          </a:p>
+        </p:txBody>
+      </p:sp>
+      <p:sp>
+        <p:nvSpPr>
+          <p:cNvPr id="14" name="Rectangle 13"/>
+          <p:cNvSpPr/>
+          <p:nvPr/>
+        </p:nvSpPr>
+        <p:spPr>
+          <a:xfrm>
+            <a:off x="2807206" y="914400"/>
+            <a:ext cx="914400" cy="1371600"/>
+          </a:xfrm>
+          <a:prstGeom prst="rect">
+            <a:avLst/>
+          </a:prstGeom>
+        </p:spPr>
+        <p:style>
+          <a:lnRef idx="1">
+            <a:schemeClr val="accent1"/>
+          </a:lnRef>
+          <a:fillRef idx="3">
+            <a:schemeClr val="accent1"/>
+          </a:fillRef>
+          <a:effectRef idx="2">
+            <a:schemeClr val="accent1"/>
+          </a:effectRef>
+          <a:fontRef idx="minor">
+            <a:schemeClr val="lt1"/>
+          </a:fontRef>
+        </p:style>
+        <p:txBody>
+          <a:bodyPr rtlCol="0" anchor="ctr"/>
+          <a:lstStyle/>
+          <a:p>
+            <a:pPr algn="ctr"/>
+          </a:p>
+        </p:txBody>
+      </p:sp>
+      <p:sp>
+        <p:nvSpPr>
+          <p:cNvPr id="15" name="TextBox 14"/>
+          <p:cNvSpPr txBox="1"/>
+          <p:nvPr/>
+        </p:nvSpPr>
+        <p:spPr>
+          <a:xfrm>
+            <a:off x="2807206" y="612648"/>
+            <a:ext cx="914400" cy="228600"/>
+          </a:xfrm>
+          <a:prstGeom prst="rect">
+            <a:avLst/>
+          </a:prstGeom>
+          <a:noFill/>
+        </p:spPr>
+        <p:txBody>
+          <a:bodyPr wrap="none">
+            <a:spAutoFit/>
+          </a:bodyPr>
+          <a:lstStyle/>
+          <a:p/>
+          <a:p>
+            <a:pPr>
+              <a:defRPr sz="1000"/>
+            </a:pPr>
+            <a:r>
+              <a:t>June 2018</a:t>
+            </a:r>
+          </a:p>
+        </p:txBody>
+      </p:sp>
+      <p:pic>
+        <p:nvPicPr>
+          <p:cNvPr id="16" name="Picture 15" descr="key_social_logo.png"/>
+          <p:cNvPicPr>
+            <a:picLocks noChangeAspect="1"/>
+          </p:cNvPicPr>
+          <p:nvPr/>
+        </p:nvPicPr>
+        <p:blipFill>
+          <a:blip r:embed="rId2"/>
+          <a:stretch>
+            <a:fillRect/>
+          </a:stretch>
+        </p:blipFill>
+        <p:spPr>
+          <a:xfrm>
+            <a:off x="2903218" y="1280160"/>
+            <a:ext cx="696686" cy="365760"/>
+          </a:xfrm>
+          <a:prstGeom prst="rect">
+            <a:avLst/>
+          </a:prstGeom>
+        </p:spPr>
+      </p:pic>
+      <p:sp>
+        <p:nvSpPr>
+          <p:cNvPr id="17" name="TextBox 16"/>
+          <p:cNvSpPr txBox="1"/>
+          <p:nvPr/>
+        </p:nvSpPr>
+        <p:spPr>
+          <a:xfrm>
+            <a:off x="2807206" y="1371600"/>
+            <a:ext cx="914400" cy="228600"/>
+          </a:xfrm>
+          <a:prstGeom prst="rect">
+            <a:avLst/>
+          </a:prstGeom>
+          <a:noFill/>
+        </p:spPr>
+        <p:txBody>
+          <a:bodyPr wrap="none">
+            <a:spAutoFit/>
+          </a:bodyPr>
+          <a:lstStyle/>
+          <a:p/>
+          <a:p>
+            <a:pPr>
+              <a:defRPr sz="1000"/>
+            </a:pPr>
+            <a:r>
+              <a:t>200,000,000</a:t>
+            </a:r>
+          </a:p>
+        </p:txBody>
+      </p:sp>
+      <p:sp>
+        <p:nvSpPr>
+          <p:cNvPr id="18" name="TextBox 17"/>
+          <p:cNvSpPr txBox="1"/>
+          <p:nvPr/>
+        </p:nvSpPr>
+        <p:spPr>
+          <a:xfrm>
+            <a:off x="2807206" y="1490472"/>
+            <a:ext cx="914400" cy="228600"/>
+          </a:xfrm>
+          <a:prstGeom prst="rect">
+            <a:avLst/>
+          </a:prstGeom>
+          <a:noFill/>
+        </p:spPr>
+        <p:txBody>
+          <a:bodyPr wrap="none">
+            <a:spAutoFit/>
+          </a:bodyPr>
+          <a:lstStyle/>
+          <a:p/>
+          <a:p>
+            <a:pPr>
+              <a:defRPr sz="1000"/>
+            </a:pPr>
+            <a:r>
+              <a:t>Senior Creditor</a:t>
+            </a:r>
+          </a:p>
+        </p:txBody>
+      </p:sp>
+      <p:sp>
+        <p:nvSpPr>
+          <p:cNvPr id="19" name="TextBox 18"/>
+          <p:cNvSpPr txBox="1"/>
+          <p:nvPr/>
+        </p:nvSpPr>
+        <p:spPr>
+          <a:xfrm>
+            <a:off x="2807206" y="1828800"/>
+            <a:ext cx="914400" cy="228600"/>
+          </a:xfrm>
+          <a:prstGeom prst="rect">
+            <a:avLst/>
+          </a:prstGeom>
+          <a:noFill/>
+        </p:spPr>
+        <p:txBody>
+          <a:bodyPr wrap="none">
+            <a:spAutoFit/>
+          </a:bodyPr>
+          <a:lstStyle/>
+          <a:p/>
+          <a:p>
+            <a:pPr>
+              <a:defRPr sz="1000"/>
+            </a:pPr>
+            <a:r>
+              <a:t>Bookrunner</a:t>
+            </a:r>
+          </a:p>
+        </p:txBody>
+      </p:sp>
+      <p:sp>
+        <p:nvSpPr>
+          <p:cNvPr id="20" name="Rectangle 19"/>
+          <p:cNvSpPr/>
+          <p:nvPr/>
+        </p:nvSpPr>
+        <p:spPr>
+          <a:xfrm>
+            <a:off x="3982209" y="914400"/>
+            <a:ext cx="914400" cy="1371600"/>
+          </a:xfrm>
+          <a:prstGeom prst="rect">
+            <a:avLst/>
+          </a:prstGeom>
+        </p:spPr>
+        <p:style>
+          <a:lnRef idx="1">
+            <a:schemeClr val="accent1"/>
+          </a:lnRef>
+          <a:fillRef idx="3">
+            <a:schemeClr val="accent1"/>
+          </a:fillRef>
+          <a:effectRef idx="2">
+            <a:schemeClr val="accent1"/>
+          </a:effectRef>
+          <a:fontRef idx="minor">
+            <a:schemeClr val="lt1"/>
+          </a:fontRef>
+        </p:style>
+        <p:txBody>
+          <a:bodyPr rtlCol="0" anchor="ctr"/>
+          <a:lstStyle/>
+          <a:p>
+            <a:pPr algn="ctr"/>
+          </a:p>
+        </p:txBody>
+      </p:sp>
+      <p:sp>
+        <p:nvSpPr>
+          <p:cNvPr id="21" name="TextBox 20"/>
+          <p:cNvSpPr txBox="1"/>
+          <p:nvPr/>
+        </p:nvSpPr>
+        <p:spPr>
+          <a:xfrm>
+            <a:off x="3982209" y="612648"/>
+            <a:ext cx="914400" cy="228600"/>
+          </a:xfrm>
+          <a:prstGeom prst="rect">
+            <a:avLst/>
+          </a:prstGeom>
+          <a:noFill/>
+        </p:spPr>
+        <p:txBody>
+          <a:bodyPr wrap="none">
+            <a:spAutoFit/>
+          </a:bodyPr>
+          <a:lstStyle/>
+          <a:p/>
+          <a:p>
+            <a:pPr>
+              <a:defRPr sz="1000"/>
+            </a:pPr>
+            <a:r>
+              <a:t>June 2018</a:t>
+            </a:r>
+          </a:p>
+        </p:txBody>
+      </p:sp>
+      <p:pic>
+        <p:nvPicPr>
+          <p:cNvPr id="22" name="Picture 21" descr="key_social_logo.png"/>
+          <p:cNvPicPr>
+            <a:picLocks noChangeAspect="1"/>
+          </p:cNvPicPr>
+          <p:nvPr/>
+        </p:nvPicPr>
+        <p:blipFill>
+          <a:blip r:embed="rId2"/>
+          <a:stretch>
+            <a:fillRect/>
+          </a:stretch>
+        </p:blipFill>
+        <p:spPr>
+          <a:xfrm>
+            <a:off x="4078221" y="1280160"/>
+            <a:ext cx="696686" cy="365760"/>
+          </a:xfrm>
+          <a:prstGeom prst="rect">
+            <a:avLst/>
+          </a:prstGeom>
+        </p:spPr>
+      </p:pic>
+      <p:sp>
+        <p:nvSpPr>
+          <p:cNvPr id="23" name="TextBox 22"/>
+          <p:cNvSpPr txBox="1"/>
+          <p:nvPr/>
+        </p:nvSpPr>
+        <p:spPr>
+          <a:xfrm>
+            <a:off x="3982209" y="1371600"/>
+            <a:ext cx="914400" cy="228600"/>
+          </a:xfrm>
+          <a:prstGeom prst="rect">
+            <a:avLst/>
+          </a:prstGeom>
+          <a:noFill/>
+        </p:spPr>
+        <p:txBody>
+          <a:bodyPr wrap="none">
+            <a:spAutoFit/>
+          </a:bodyPr>
+          <a:lstStyle/>
+          <a:p/>
+          <a:p>
+            <a:pPr>
+              <a:defRPr sz="1000"/>
+            </a:pPr>
+            <a:r>
+              <a:t>200,000,000</a:t>
+            </a:r>
+          </a:p>
+        </p:txBody>
+      </p:sp>
+      <p:sp>
+        <p:nvSpPr>
+          <p:cNvPr id="24" name="TextBox 23"/>
+          <p:cNvSpPr txBox="1"/>
+          <p:nvPr/>
+        </p:nvSpPr>
+        <p:spPr>
+          <a:xfrm>
+            <a:off x="3982209" y="1490472"/>
+            <a:ext cx="914400" cy="228600"/>
+          </a:xfrm>
+          <a:prstGeom prst="rect">
+            <a:avLst/>
+          </a:prstGeom>
+          <a:noFill/>
+        </p:spPr>
+        <p:txBody>
+          <a:bodyPr wrap="none">
+            <a:spAutoFit/>
+          </a:bodyPr>
+          <a:lstStyle/>
+          <a:p/>
+          <a:p>
+            <a:pPr>
+              <a:defRPr sz="1000"/>
+            </a:pPr>
+            <a:r>
+              <a:t>Senior Creditor</a:t>
+            </a:r>
+          </a:p>
+        </p:txBody>
+      </p:sp>
+      <p:sp>
+        <p:nvSpPr>
+          <p:cNvPr id="25" name="TextBox 24"/>
+          <p:cNvSpPr txBox="1"/>
+          <p:nvPr/>
+        </p:nvSpPr>
+        <p:spPr>
+          <a:xfrm>
+            <a:off x="3982209" y="1828800"/>
+            <a:ext cx="914400" cy="228600"/>
+          </a:xfrm>
+          <a:prstGeom prst="rect">
+            <a:avLst/>
+          </a:prstGeom>
+          <a:noFill/>
+        </p:spPr>
+        <p:txBody>
+          <a:bodyPr wrap="none">
+            <a:spAutoFit/>
+          </a:bodyPr>
+          <a:lstStyle/>
+          <a:p/>
+          <a:p>
+            <a:pPr>
+              <a:defRPr sz="1000"/>
+            </a:pPr>
+            <a:r>
+              <a:t>Bookrunner</a:t>
+            </a:r>
+          </a:p>
+        </p:txBody>
+      </p:sp>
+      <p:sp>
+        <p:nvSpPr>
+          <p:cNvPr id="26" name="Rectangle 25"/>
+          <p:cNvSpPr/>
+          <p:nvPr/>
+        </p:nvSpPr>
+        <p:spPr>
+          <a:xfrm>
+            <a:off x="5157212" y="914400"/>
+            <a:ext cx="914400" cy="1371600"/>
+          </a:xfrm>
+          <a:prstGeom prst="rect">
+            <a:avLst/>
+          </a:prstGeom>
+        </p:spPr>
+        <p:style>
+          <a:lnRef idx="1">
+            <a:schemeClr val="accent1"/>
+          </a:lnRef>
+          <a:fillRef idx="3">
+            <a:schemeClr val="accent1"/>
+          </a:fillRef>
+          <a:effectRef idx="2">
+            <a:schemeClr val="accent1"/>
+          </a:effectRef>
+          <a:fontRef idx="minor">
+            <a:schemeClr val="lt1"/>
+          </a:fontRef>
+        </p:style>
+        <p:txBody>
+          <a:bodyPr rtlCol="0" anchor="ctr"/>
+          <a:lstStyle/>
+          <a:p>
+            <a:pPr algn="ctr"/>
+          </a:p>
+        </p:txBody>
+      </p:sp>
+      <p:sp>
+        <p:nvSpPr>
+          <p:cNvPr id="27" name="TextBox 26"/>
+          <p:cNvSpPr txBox="1"/>
+          <p:nvPr/>
+        </p:nvSpPr>
+        <p:spPr>
+          <a:xfrm>
+            <a:off x="5157212" y="612648"/>
+            <a:ext cx="914400" cy="228600"/>
+          </a:xfrm>
+          <a:prstGeom prst="rect">
+            <a:avLst/>
+          </a:prstGeom>
+          <a:noFill/>
+        </p:spPr>
+        <p:txBody>
+          <a:bodyPr wrap="none">
+            <a:spAutoFit/>
+          </a:bodyPr>
+          <a:lstStyle/>
+          <a:p/>
+          <a:p>
+            <a:pPr>
+              <a:defRPr sz="1000"/>
+            </a:pPr>
+            <a:r>
+              <a:t>June 2018</a:t>
+            </a:r>
+          </a:p>
+        </p:txBody>
+      </p:sp>
+      <p:pic>
+        <p:nvPicPr>
+          <p:cNvPr id="28" name="Picture 27" descr="key_social_logo.png"/>
+          <p:cNvPicPr>
+            <a:picLocks noChangeAspect="1"/>
+          </p:cNvPicPr>
+          <p:nvPr/>
+        </p:nvPicPr>
+        <p:blipFill>
+          <a:blip r:embed="rId2"/>
+          <a:stretch>
+            <a:fillRect/>
+          </a:stretch>
+        </p:blipFill>
+        <p:spPr>
+          <a:xfrm>
+            <a:off x="5253224" y="1280160"/>
+            <a:ext cx="696686" cy="365760"/>
+          </a:xfrm>
+          <a:prstGeom prst="rect">
+            <a:avLst/>
+          </a:prstGeom>
+        </p:spPr>
+      </p:pic>
+      <p:sp>
+        <p:nvSpPr>
+          <p:cNvPr id="29" name="TextBox 28"/>
+          <p:cNvSpPr txBox="1"/>
+          <p:nvPr/>
+        </p:nvSpPr>
+        <p:spPr>
+          <a:xfrm>
+            <a:off x="5157212" y="1371600"/>
+            <a:ext cx="914400" cy="228600"/>
+          </a:xfrm>
+          <a:prstGeom prst="rect">
+            <a:avLst/>
+          </a:prstGeom>
+          <a:noFill/>
+        </p:spPr>
+        <p:txBody>
+          <a:bodyPr wrap="none">
+            <a:spAutoFit/>
+          </a:bodyPr>
+          <a:lstStyle/>
+          <a:p/>
+          <a:p>
+            <a:pPr>
+              <a:defRPr sz="1000"/>
+            </a:pPr>
+            <a:r>
+              <a:t>200,000,000</a:t>
+            </a:r>
+          </a:p>
+        </p:txBody>
+      </p:sp>
+      <p:sp>
+        <p:nvSpPr>
+          <p:cNvPr id="30" name="TextBox 29"/>
+          <p:cNvSpPr txBox="1"/>
+          <p:nvPr/>
+        </p:nvSpPr>
+        <p:spPr>
+          <a:xfrm>
+            <a:off x="5157212" y="1490472"/>
+            <a:ext cx="914400" cy="228600"/>
+          </a:xfrm>
+          <a:prstGeom prst="rect">
+            <a:avLst/>
+          </a:prstGeom>
+          <a:noFill/>
+        </p:spPr>
+        <p:txBody>
+          <a:bodyPr wrap="none">
+            <a:spAutoFit/>
+          </a:bodyPr>
+          <a:lstStyle/>
+          <a:p/>
+          <a:p>
+            <a:pPr>
+              <a:defRPr sz="1000"/>
+            </a:pPr>
+            <a:r>
+              <a:t>Senior Creditor</a:t>
+            </a:r>
+          </a:p>
+        </p:txBody>
+      </p:sp>
+      <p:sp>
+        <p:nvSpPr>
+          <p:cNvPr id="31" name="TextBox 30"/>
+          <p:cNvSpPr txBox="1"/>
+          <p:nvPr/>
+        </p:nvSpPr>
+        <p:spPr>
+          <a:xfrm>
+            <a:off x="5157212" y="1828800"/>
+            <a:ext cx="914400" cy="228600"/>
+          </a:xfrm>
+          <a:prstGeom prst="rect">
+            <a:avLst/>
+          </a:prstGeom>
+          <a:noFill/>
+        </p:spPr>
+        <p:txBody>
+          <a:bodyPr wrap="none">
+            <a:spAutoFit/>
+          </a:bodyPr>
+          <a:lstStyle/>
+          <a:p/>
+          <a:p>
+            <a:pPr>
+              <a:defRPr sz="1000"/>
+            </a:pPr>
+            <a:r>
+              <a:t>Bookrunner</a:t>
+            </a:r>
+          </a:p>
+        </p:txBody>
+      </p:sp>
+      <p:sp>
+        <p:nvSpPr>
+          <p:cNvPr id="32" name="Rectangle 31"/>
+          <p:cNvSpPr/>
+          <p:nvPr/>
+        </p:nvSpPr>
+        <p:spPr>
+          <a:xfrm>
+            <a:off x="6332215" y="914400"/>
+            <a:ext cx="914400" cy="1371600"/>
+          </a:xfrm>
+          <a:prstGeom prst="rect">
+            <a:avLst/>
+          </a:prstGeom>
+        </p:spPr>
+        <p:style>
+          <a:lnRef idx="1">
+            <a:schemeClr val="accent1"/>
+          </a:lnRef>
+          <a:fillRef idx="3">
+            <a:schemeClr val="accent1"/>
+          </a:fillRef>
+          <a:effectRef idx="2">
+            <a:schemeClr val="accent1"/>
+          </a:effectRef>
+          <a:fontRef idx="minor">
+            <a:schemeClr val="lt1"/>
+          </a:fontRef>
+        </p:style>
+        <p:txBody>
+          <a:bodyPr rtlCol="0" anchor="ctr"/>
+          <a:lstStyle/>
+          <a:p>
+            <a:pPr algn="ctr"/>
+          </a:p>
+        </p:txBody>
+      </p:sp>
+      <p:sp>
+        <p:nvSpPr>
+          <p:cNvPr id="33" name="TextBox 32"/>
+          <p:cNvSpPr txBox="1"/>
+          <p:nvPr/>
+        </p:nvSpPr>
+        <p:spPr>
+          <a:xfrm>
+            <a:off x="6332215" y="612648"/>
+            <a:ext cx="914400" cy="228600"/>
+          </a:xfrm>
+          <a:prstGeom prst="rect">
+            <a:avLst/>
+          </a:prstGeom>
+          <a:noFill/>
+        </p:spPr>
+        <p:txBody>
+          <a:bodyPr wrap="none">
+            <a:spAutoFit/>
+          </a:bodyPr>
+          <a:lstStyle/>
+          <a:p/>
+          <a:p>
+            <a:pPr>
+              <a:defRPr sz="1000"/>
+            </a:pPr>
+            <a:r>
+              <a:t>June 2018</a:t>
+            </a:r>
+          </a:p>
+        </p:txBody>
+      </p:sp>
+      <p:pic>
+        <p:nvPicPr>
+          <p:cNvPr id="34" name="Picture 33" descr="key_social_logo.png"/>
+          <p:cNvPicPr>
+            <a:picLocks noChangeAspect="1"/>
+          </p:cNvPicPr>
+          <p:nvPr/>
+        </p:nvPicPr>
+        <p:blipFill>
+          <a:blip r:embed="rId2"/>
+          <a:stretch>
+            <a:fillRect/>
+          </a:stretch>
+        </p:blipFill>
+        <p:spPr>
+          <a:xfrm>
+            <a:off x="6428227" y="1280160"/>
+            <a:ext cx="696686" cy="365760"/>
+          </a:xfrm>
+          <a:prstGeom prst="rect">
+            <a:avLst/>
+          </a:prstGeom>
+        </p:spPr>
+      </p:pic>
+      <p:sp>
+        <p:nvSpPr>
+          <p:cNvPr id="35" name="TextBox 34"/>
+          <p:cNvSpPr txBox="1"/>
+          <p:nvPr/>
+        </p:nvSpPr>
+        <p:spPr>
+          <a:xfrm>
+            <a:off x="6332215" y="1371600"/>
+            <a:ext cx="914400" cy="228600"/>
+          </a:xfrm>
+          <a:prstGeom prst="rect">
+            <a:avLst/>
+          </a:prstGeom>
+          <a:noFill/>
+        </p:spPr>
+        <p:txBody>
+          <a:bodyPr wrap="none">
+            <a:spAutoFit/>
+          </a:bodyPr>
+          <a:lstStyle/>
+          <a:p/>
+          <a:p>
+            <a:pPr>
+              <a:defRPr sz="1000"/>
+            </a:pPr>
+            <a:r>
+              <a:t>200,000,000</a:t>
+            </a:r>
+          </a:p>
+        </p:txBody>
+      </p:sp>
+      <p:sp>
+        <p:nvSpPr>
+          <p:cNvPr id="36" name="TextBox 35"/>
+          <p:cNvSpPr txBox="1"/>
+          <p:nvPr/>
+        </p:nvSpPr>
+        <p:spPr>
+          <a:xfrm>
+            <a:off x="6332215" y="1490472"/>
+            <a:ext cx="914400" cy="228600"/>
+          </a:xfrm>
+          <a:prstGeom prst="rect">
+            <a:avLst/>
+          </a:prstGeom>
+          <a:noFill/>
+        </p:spPr>
+        <p:txBody>
+          <a:bodyPr wrap="none">
+            <a:spAutoFit/>
+          </a:bodyPr>
+          <a:lstStyle/>
+          <a:p/>
+          <a:p>
+            <a:pPr>
+              <a:defRPr sz="1000"/>
+            </a:pPr>
+            <a:r>
+              <a:t>Senior Creditor</a:t>
+            </a:r>
+          </a:p>
+        </p:txBody>
+      </p:sp>
+      <p:sp>
+        <p:nvSpPr>
+          <p:cNvPr id="37" name="TextBox 36"/>
+          <p:cNvSpPr txBox="1"/>
+          <p:nvPr/>
+        </p:nvSpPr>
+        <p:spPr>
+          <a:xfrm>
+            <a:off x="6332215" y="1828800"/>
+            <a:ext cx="914400" cy="228600"/>
+          </a:xfrm>
+          <a:prstGeom prst="rect">
+            <a:avLst/>
+          </a:prstGeom>
+          <a:noFill/>
+        </p:spPr>
+        <p:txBody>
+          <a:bodyPr wrap="none">
+            <a:spAutoFit/>
+          </a:bodyPr>
+          <a:lstStyle/>
+          <a:p/>
+          <a:p>
+            <a:pPr>
+              <a:defRPr sz="1000"/>
+            </a:pPr>
+            <a:r>
+              <a:t>Bookrunner</a:t>
+            </a:r>
+          </a:p>
+        </p:txBody>
+      </p:sp>
+      <p:sp>
+        <p:nvSpPr>
+          <p:cNvPr id="38" name="Rectangle 37"/>
+          <p:cNvSpPr/>
+          <p:nvPr/>
+        </p:nvSpPr>
+        <p:spPr>
+          <a:xfrm>
+            <a:off x="7507218" y="914400"/>
+            <a:ext cx="914400" cy="1371600"/>
+          </a:xfrm>
+          <a:prstGeom prst="rect">
+            <a:avLst/>
+          </a:prstGeom>
+        </p:spPr>
+        <p:style>
+          <a:lnRef idx="1">
+            <a:schemeClr val="accent1"/>
+          </a:lnRef>
+          <a:fillRef idx="3">
+            <a:schemeClr val="accent1"/>
+          </a:fillRef>
+          <a:effectRef idx="2">
+            <a:schemeClr val="accent1"/>
+          </a:effectRef>
+          <a:fontRef idx="minor">
+            <a:schemeClr val="lt1"/>
+          </a:fontRef>
+        </p:style>
+        <p:txBody>
+          <a:bodyPr rtlCol="0" anchor="ctr"/>
+          <a:lstStyle/>
+          <a:p>
+            <a:pPr algn="ctr"/>
+          </a:p>
+        </p:txBody>
+      </p:sp>
+      <p:sp>
+        <p:nvSpPr>
+          <p:cNvPr id="39" name="TextBox 38"/>
+          <p:cNvSpPr txBox="1"/>
+          <p:nvPr/>
+        </p:nvSpPr>
+        <p:spPr>
+          <a:xfrm>
+            <a:off x="7507218" y="612648"/>
+            <a:ext cx="914400" cy="228600"/>
+          </a:xfrm>
+          <a:prstGeom prst="rect">
+            <a:avLst/>
+          </a:prstGeom>
+          <a:noFill/>
+        </p:spPr>
+        <p:txBody>
+          <a:bodyPr wrap="none">
+            <a:spAutoFit/>
+          </a:bodyPr>
+          <a:lstStyle/>
+          <a:p/>
+          <a:p>
+            <a:pPr>
+              <a:defRPr sz="1000"/>
+            </a:pPr>
+            <a:r>
+              <a:t>June 2018</a:t>
+            </a:r>
+          </a:p>
+        </p:txBody>
+      </p:sp>
+      <p:pic>
+        <p:nvPicPr>
+          <p:cNvPr id="40" name="Picture 39" descr="key_social_logo.png"/>
+          <p:cNvPicPr>
+            <a:picLocks noChangeAspect="1"/>
+          </p:cNvPicPr>
+          <p:nvPr/>
+        </p:nvPicPr>
+        <p:blipFill>
+          <a:blip r:embed="rId2"/>
+          <a:stretch>
+            <a:fillRect/>
+          </a:stretch>
+        </p:blipFill>
+        <p:spPr>
+          <a:xfrm>
+            <a:off x="7603230" y="1280160"/>
+            <a:ext cx="696686" cy="365760"/>
+          </a:xfrm>
+          <a:prstGeom prst="rect">
+            <a:avLst/>
+          </a:prstGeom>
+        </p:spPr>
+      </p:pic>
+      <p:sp>
+        <p:nvSpPr>
+          <p:cNvPr id="41" name="TextBox 40"/>
+          <p:cNvSpPr txBox="1"/>
+          <p:nvPr/>
+        </p:nvSpPr>
+        <p:spPr>
+          <a:xfrm>
+            <a:off x="7507218" y="1371600"/>
+            <a:ext cx="914400" cy="228600"/>
+          </a:xfrm>
+          <a:prstGeom prst="rect">
+            <a:avLst/>
+          </a:prstGeom>
+          <a:noFill/>
+        </p:spPr>
+        <p:txBody>
+          <a:bodyPr wrap="none">
+            <a:spAutoFit/>
+          </a:bodyPr>
+          <a:lstStyle/>
+          <a:p/>
+          <a:p>
+            <a:pPr>
+              <a:defRPr sz="1000"/>
+            </a:pPr>
+            <a:r>
+              <a:t>200,000,000</a:t>
+            </a:r>
+          </a:p>
+        </p:txBody>
+      </p:sp>
+      <p:sp>
+        <p:nvSpPr>
+          <p:cNvPr id="42" name="TextBox 41"/>
+          <p:cNvSpPr txBox="1"/>
+          <p:nvPr/>
+        </p:nvSpPr>
+        <p:spPr>
+          <a:xfrm>
+            <a:off x="7507218" y="1490472"/>
+            <a:ext cx="914400" cy="228600"/>
+          </a:xfrm>
+          <a:prstGeom prst="rect">
+            <a:avLst/>
+          </a:prstGeom>
+          <a:noFill/>
+        </p:spPr>
+        <p:txBody>
+          <a:bodyPr wrap="none">
+            <a:spAutoFit/>
+          </a:bodyPr>
+          <a:lstStyle/>
+          <a:p/>
+          <a:p>
+            <a:pPr>
+              <a:defRPr sz="1000"/>
+            </a:pPr>
+            <a:r>
+              <a:t>Senior Creditor</a:t>
+            </a:r>
+          </a:p>
+        </p:txBody>
+      </p:sp>
+      <p:sp>
+        <p:nvSpPr>
+          <p:cNvPr id="43" name="TextBox 42"/>
+          <p:cNvSpPr txBox="1"/>
+          <p:nvPr/>
+        </p:nvSpPr>
+        <p:spPr>
+          <a:xfrm>
+            <a:off x="7507218" y="1828800"/>
+            <a:ext cx="914400" cy="228600"/>
+          </a:xfrm>
+          <a:prstGeom prst="rect">
+            <a:avLst/>
+          </a:prstGeom>
+          <a:noFill/>
+        </p:spPr>
+        <p:txBody>
+          <a:bodyPr wrap="none">
+            <a:spAutoFit/>
+          </a:bodyPr>
+          <a:lstStyle/>
+          <a:p/>
+          <a:p>
+            <a:pPr>
+              <a:defRPr sz="1000"/>
+            </a:pPr>
+            <a:r>
+              <a:t>Bookrunner</a:t>
+            </a:r>
+          </a:p>
+        </p:txBody>
+      </p:sp>
+      <p:sp>
+        <p:nvSpPr>
+          <p:cNvPr id="44" name="Rectangle 43"/>
+          <p:cNvSpPr/>
+          <p:nvPr/>
+        </p:nvSpPr>
+        <p:spPr>
+          <a:xfrm>
+            <a:off x="457200" y="2587752"/>
+            <a:ext cx="914400" cy="1371600"/>
+          </a:xfrm>
+          <a:prstGeom prst="rect">
+            <a:avLst/>
+          </a:prstGeom>
+        </p:spPr>
+        <p:style>
+          <a:lnRef idx="1">
+            <a:schemeClr val="accent1"/>
+          </a:lnRef>
+          <a:fillRef idx="3">
+            <a:schemeClr val="accent1"/>
+          </a:fillRef>
+          <a:effectRef idx="2">
+            <a:schemeClr val="accent1"/>
+          </a:effectRef>
+          <a:fontRef idx="minor">
+            <a:schemeClr val="lt1"/>
+          </a:fontRef>
+        </p:style>
+        <p:txBody>
+          <a:bodyPr rtlCol="0" anchor="ctr"/>
+          <a:lstStyle/>
+          <a:p>
+            <a:pPr algn="ctr"/>
+          </a:p>
+        </p:txBody>
+      </p:sp>
+      <p:sp>
+        <p:nvSpPr>
+          <p:cNvPr id="45" name="TextBox 44"/>
+          <p:cNvSpPr txBox="1"/>
+          <p:nvPr/>
+        </p:nvSpPr>
+        <p:spPr>
+          <a:xfrm>
+            <a:off x="457200" y="2286000"/>
+            <a:ext cx="914400" cy="228600"/>
+          </a:xfrm>
+          <a:prstGeom prst="rect">
+            <a:avLst/>
+          </a:prstGeom>
+          <a:noFill/>
+        </p:spPr>
+        <p:txBody>
+          <a:bodyPr wrap="none">
+            <a:spAutoFit/>
+          </a:bodyPr>
+          <a:lstStyle/>
+          <a:p/>
+          <a:p>
+            <a:pPr>
+              <a:defRPr sz="1000"/>
+            </a:pPr>
+            <a:r>
+              <a:t>June 2018</a:t>
+            </a:r>
+          </a:p>
+        </p:txBody>
+      </p:sp>
+      <p:pic>
+        <p:nvPicPr>
+          <p:cNvPr id="46" name="Picture 45" descr="key_social_logo.png"/>
+          <p:cNvPicPr>
+            <a:picLocks noChangeAspect="1"/>
+          </p:cNvPicPr>
+          <p:nvPr/>
+        </p:nvPicPr>
+        <p:blipFill>
+          <a:blip r:embed="rId2"/>
+          <a:stretch>
+            <a:fillRect/>
+          </a:stretch>
+        </p:blipFill>
+        <p:spPr>
+          <a:xfrm>
+            <a:off x="553212" y="2953512"/>
+            <a:ext cx="696686" cy="365760"/>
+          </a:xfrm>
+          <a:prstGeom prst="rect">
+            <a:avLst/>
+          </a:prstGeom>
+        </p:spPr>
+      </p:pic>
+      <p:sp>
+        <p:nvSpPr>
+          <p:cNvPr id="47" name="TextBox 46"/>
+          <p:cNvSpPr txBox="1"/>
+          <p:nvPr/>
+        </p:nvSpPr>
+        <p:spPr>
+          <a:xfrm>
+            <a:off x="457200" y="3044952"/>
+            <a:ext cx="914400" cy="228600"/>
+          </a:xfrm>
+          <a:prstGeom prst="rect">
+            <a:avLst/>
+          </a:prstGeom>
+          <a:noFill/>
+        </p:spPr>
+        <p:txBody>
+          <a:bodyPr wrap="none">
+            <a:spAutoFit/>
+          </a:bodyPr>
+          <a:lstStyle/>
+          <a:p/>
+          <a:p>
+            <a:pPr>
+              <a:defRPr sz="1000"/>
+            </a:pPr>
+            <a:r>
+              <a:t>200,000,000</a:t>
+            </a:r>
+          </a:p>
+        </p:txBody>
+      </p:sp>
+      <p:sp>
+        <p:nvSpPr>
+          <p:cNvPr id="48" name="TextBox 47"/>
+          <p:cNvSpPr txBox="1"/>
+          <p:nvPr/>
+        </p:nvSpPr>
+        <p:spPr>
+          <a:xfrm>
+            <a:off x="457200" y="3163824"/>
+            <a:ext cx="914400" cy="228600"/>
+          </a:xfrm>
+          <a:prstGeom prst="rect">
+            <a:avLst/>
+          </a:prstGeom>
+          <a:noFill/>
+        </p:spPr>
+        <p:txBody>
+          <a:bodyPr wrap="none">
+            <a:spAutoFit/>
+          </a:bodyPr>
+          <a:lstStyle/>
+          <a:p/>
+          <a:p>
+            <a:pPr>
+              <a:defRPr sz="1000"/>
+            </a:pPr>
+            <a:r>
+              <a:t>Senior Creditor</a:t>
+            </a:r>
+          </a:p>
+        </p:txBody>
+      </p:sp>
+      <p:sp>
+        <p:nvSpPr>
+          <p:cNvPr id="49" name="TextBox 48"/>
+          <p:cNvSpPr txBox="1"/>
+          <p:nvPr/>
+        </p:nvSpPr>
+        <p:spPr>
+          <a:xfrm>
+            <a:off x="457200" y="3502152"/>
+            <a:ext cx="914400" cy="228600"/>
+          </a:xfrm>
+          <a:prstGeom prst="rect">
+            <a:avLst/>
+          </a:prstGeom>
+          <a:noFill/>
+        </p:spPr>
+        <p:txBody>
+          <a:bodyPr wrap="none">
+            <a:spAutoFit/>
+          </a:bodyPr>
+          <a:lstStyle/>
+          <a:p/>
+          <a:p>
+            <a:pPr>
+              <a:defRPr sz="1000"/>
+            </a:pPr>
+            <a:r>
+              <a:t>Bookrunner</a:t>
+            </a:r>
+          </a:p>
+        </p:txBody>
+      </p:sp>
+      <p:sp>
+        <p:nvSpPr>
+          <p:cNvPr id="50" name="Rectangle 49"/>
+          <p:cNvSpPr/>
+          <p:nvPr/>
+        </p:nvSpPr>
+        <p:spPr>
+          <a:xfrm>
+            <a:off x="1632203" y="2587752"/>
+            <a:ext cx="914400" cy="1371600"/>
+          </a:xfrm>
+          <a:prstGeom prst="rect">
+            <a:avLst/>
+          </a:prstGeom>
+        </p:spPr>
+        <p:style>
+          <a:lnRef idx="1">
+            <a:schemeClr val="accent1"/>
+          </a:lnRef>
+          <a:fillRef idx="3">
+            <a:schemeClr val="accent1"/>
+          </a:fillRef>
+          <a:effectRef idx="2">
+            <a:schemeClr val="accent1"/>
+          </a:effectRef>
+          <a:fontRef idx="minor">
+            <a:schemeClr val="lt1"/>
+          </a:fontRef>
+        </p:style>
+        <p:txBody>
+          <a:bodyPr rtlCol="0" anchor="ctr"/>
+          <a:lstStyle/>
+          <a:p>
+            <a:pPr algn="ctr"/>
+          </a:p>
+        </p:txBody>
+      </p:sp>
+      <p:sp>
+        <p:nvSpPr>
+          <p:cNvPr id="51" name="TextBox 50"/>
+          <p:cNvSpPr txBox="1"/>
+          <p:nvPr/>
+        </p:nvSpPr>
+        <p:spPr>
+          <a:xfrm>
+            <a:off x="1632203" y="2286000"/>
+            <a:ext cx="914400" cy="228600"/>
+          </a:xfrm>
+          <a:prstGeom prst="rect">
+            <a:avLst/>
+          </a:prstGeom>
+          <a:noFill/>
+        </p:spPr>
+        <p:txBody>
+          <a:bodyPr wrap="none">
+            <a:spAutoFit/>
+          </a:bodyPr>
+          <a:lstStyle/>
+          <a:p/>
+          <a:p>
+            <a:pPr>
+              <a:defRPr sz="1000"/>
+            </a:pPr>
+            <a:r>
+              <a:t>June 2018</a:t>
+            </a:r>
+          </a:p>
+        </p:txBody>
+      </p:sp>
+      <p:pic>
+        <p:nvPicPr>
+          <p:cNvPr id="52" name="Picture 51" descr="key_social_logo.png"/>
+          <p:cNvPicPr>
+            <a:picLocks noChangeAspect="1"/>
+          </p:cNvPicPr>
+          <p:nvPr/>
+        </p:nvPicPr>
+        <p:blipFill>
+          <a:blip r:embed="rId2"/>
+          <a:stretch>
+            <a:fillRect/>
+          </a:stretch>
+        </p:blipFill>
+        <p:spPr>
+          <a:xfrm>
+            <a:off x="1728215" y="2953512"/>
+            <a:ext cx="696686" cy="365760"/>
+          </a:xfrm>
+          <a:prstGeom prst="rect">
+            <a:avLst/>
+          </a:prstGeom>
+        </p:spPr>
+      </p:pic>
+      <p:sp>
+        <p:nvSpPr>
+          <p:cNvPr id="53" name="TextBox 52"/>
+          <p:cNvSpPr txBox="1"/>
+          <p:nvPr/>
+        </p:nvSpPr>
+        <p:spPr>
+          <a:xfrm>
+            <a:off x="1632203" y="3044952"/>
+            <a:ext cx="914400" cy="228600"/>
+          </a:xfrm>
+          <a:prstGeom prst="rect">
+            <a:avLst/>
+          </a:prstGeom>
+          <a:noFill/>
+        </p:spPr>
+        <p:txBody>
+          <a:bodyPr wrap="none">
+            <a:spAutoFit/>
+          </a:bodyPr>
+          <a:lstStyle/>
+          <a:p/>
+          <a:p>
+            <a:pPr>
+              <a:defRPr sz="1000"/>
+            </a:pPr>
+            <a:r>
+              <a:t>200,000,000</a:t>
+            </a:r>
+          </a:p>
+        </p:txBody>
+      </p:sp>
+      <p:sp>
+        <p:nvSpPr>
+          <p:cNvPr id="54" name="TextBox 53"/>
+          <p:cNvSpPr txBox="1"/>
+          <p:nvPr/>
+        </p:nvSpPr>
+        <p:spPr>
+          <a:xfrm>
+            <a:off x="1632203" y="3163824"/>
+            <a:ext cx="914400" cy="228600"/>
+          </a:xfrm>
+          <a:prstGeom prst="rect">
+            <a:avLst/>
+          </a:prstGeom>
+          <a:noFill/>
+        </p:spPr>
+        <p:txBody>
+          <a:bodyPr wrap="none">
+            <a:spAutoFit/>
+          </a:bodyPr>
+          <a:lstStyle/>
+          <a:p/>
+          <a:p>
+            <a:pPr>
+              <a:defRPr sz="1000"/>
+            </a:pPr>
+            <a:r>
+              <a:t>Senior Creditor</a:t>
+            </a:r>
+          </a:p>
+        </p:txBody>
+      </p:sp>
+      <p:sp>
+        <p:nvSpPr>
+          <p:cNvPr id="55" name="TextBox 54"/>
+          <p:cNvSpPr txBox="1"/>
+          <p:nvPr/>
+        </p:nvSpPr>
+        <p:spPr>
+          <a:xfrm>
+            <a:off x="1632203" y="3502152"/>
+            <a:ext cx="914400" cy="228600"/>
+          </a:xfrm>
+          <a:prstGeom prst="rect">
+            <a:avLst/>
+          </a:prstGeom>
+          <a:noFill/>
+        </p:spPr>
+        <p:txBody>
+          <a:bodyPr wrap="none">
+            <a:spAutoFit/>
+          </a:bodyPr>
+          <a:lstStyle/>
+          <a:p/>
+          <a:p>
+            <a:pPr>
+              <a:defRPr sz="1000"/>
+            </a:pPr>
+            <a:r>
+              <a:t>Bookrunner</a:t>
+            </a:r>
+          </a:p>
+        </p:txBody>
+      </p:sp>
+      <p:sp>
+        <p:nvSpPr>
+          <p:cNvPr id="56" name="Rectangle 55"/>
+          <p:cNvSpPr/>
+          <p:nvPr/>
+        </p:nvSpPr>
+        <p:spPr>
+          <a:xfrm>
+            <a:off x="2807206" y="2587752"/>
+            <a:ext cx="914400" cy="1371600"/>
+          </a:xfrm>
+          <a:prstGeom prst="rect">
+            <a:avLst/>
+          </a:prstGeom>
+        </p:spPr>
+        <p:style>
+          <a:lnRef idx="1">
+            <a:schemeClr val="accent1"/>
+          </a:lnRef>
+          <a:fillRef idx="3">
+            <a:schemeClr val="accent1"/>
+          </a:fillRef>
+          <a:effectRef idx="2">
+            <a:schemeClr val="accent1"/>
+          </a:effectRef>
+          <a:fontRef idx="minor">
+            <a:schemeClr val="lt1"/>
+          </a:fontRef>
+        </p:style>
+        <p:txBody>
+          <a:bodyPr rtlCol="0" anchor="ctr"/>
+          <a:lstStyle/>
+          <a:p>
+            <a:pPr algn="ctr"/>
+          </a:p>
+        </p:txBody>
+      </p:sp>
+      <p:sp>
+        <p:nvSpPr>
+          <p:cNvPr id="57" name="TextBox 56"/>
+          <p:cNvSpPr txBox="1"/>
+          <p:nvPr/>
+        </p:nvSpPr>
+        <p:spPr>
+          <a:xfrm>
+            <a:off x="2807206" y="2286000"/>
+            <a:ext cx="914400" cy="228600"/>
+          </a:xfrm>
+          <a:prstGeom prst="rect">
+            <a:avLst/>
+          </a:prstGeom>
+          <a:noFill/>
+        </p:spPr>
+        <p:txBody>
+          <a:bodyPr wrap="none">
+            <a:spAutoFit/>
+          </a:bodyPr>
+          <a:lstStyle/>
+          <a:p/>
+          <a:p>
+            <a:pPr>
+              <a:defRPr sz="1000"/>
+            </a:pPr>
+            <a:r>
+              <a:t>June 2018</a:t>
+            </a:r>
+          </a:p>
+        </p:txBody>
+      </p:sp>
+      <p:pic>
+        <p:nvPicPr>
+          <p:cNvPr id="58" name="Picture 57" descr="key_social_logo.png"/>
+          <p:cNvPicPr>
+            <a:picLocks noChangeAspect="1"/>
+          </p:cNvPicPr>
+          <p:nvPr/>
+        </p:nvPicPr>
+        <p:blipFill>
+          <a:blip r:embed="rId2"/>
+          <a:stretch>
+            <a:fillRect/>
+          </a:stretch>
+        </p:blipFill>
+        <p:spPr>
+          <a:xfrm>
+            <a:off x="2903218" y="2953512"/>
+            <a:ext cx="696686" cy="365760"/>
+          </a:xfrm>
+          <a:prstGeom prst="rect">
+            <a:avLst/>
+          </a:prstGeom>
+        </p:spPr>
+      </p:pic>
+      <p:sp>
+        <p:nvSpPr>
+          <p:cNvPr id="59" name="TextBox 58"/>
+          <p:cNvSpPr txBox="1"/>
+          <p:nvPr/>
+        </p:nvSpPr>
+        <p:spPr>
+          <a:xfrm>
+            <a:off x="2807206" y="3044952"/>
+            <a:ext cx="914400" cy="228600"/>
+          </a:xfrm>
+          <a:prstGeom prst="rect">
+            <a:avLst/>
+          </a:prstGeom>
+          <a:noFill/>
+        </p:spPr>
+        <p:txBody>
+          <a:bodyPr wrap="none">
+            <a:spAutoFit/>
+          </a:bodyPr>
+          <a:lstStyle/>
+          <a:p/>
+          <a:p>
+            <a:pPr>
+              <a:defRPr sz="1000"/>
+            </a:pPr>
+            <a:r>
+              <a:t>200,000,000</a:t>
+            </a:r>
+          </a:p>
+        </p:txBody>
+      </p:sp>
+      <p:sp>
+        <p:nvSpPr>
+          <p:cNvPr id="60" name="TextBox 59"/>
+          <p:cNvSpPr txBox="1"/>
+          <p:nvPr/>
+        </p:nvSpPr>
+        <p:spPr>
+          <a:xfrm>
+            <a:off x="2807206" y="3163824"/>
+            <a:ext cx="914400" cy="228600"/>
+          </a:xfrm>
+          <a:prstGeom prst="rect">
+            <a:avLst/>
+          </a:prstGeom>
+          <a:noFill/>
+        </p:spPr>
+        <p:txBody>
+          <a:bodyPr wrap="none">
+            <a:spAutoFit/>
+          </a:bodyPr>
+          <a:lstStyle/>
+          <a:p/>
+          <a:p>
+            <a:pPr>
+              <a:defRPr sz="1000"/>
+            </a:pPr>
+            <a:r>
+              <a:t>Senior Creditor</a:t>
+            </a:r>
+          </a:p>
+        </p:txBody>
+      </p:sp>
+      <p:sp>
+        <p:nvSpPr>
+          <p:cNvPr id="61" name="TextBox 60"/>
+          <p:cNvSpPr txBox="1"/>
+          <p:nvPr/>
+        </p:nvSpPr>
+        <p:spPr>
+          <a:xfrm>
+            <a:off x="2807206" y="3502152"/>
+            <a:ext cx="914400" cy="228600"/>
+          </a:xfrm>
+          <a:prstGeom prst="rect">
+            <a:avLst/>
+          </a:prstGeom>
+          <a:noFill/>
+        </p:spPr>
+        <p:txBody>
+          <a:bodyPr wrap="none">
+            <a:spAutoFit/>
+          </a:bodyPr>
+          <a:lstStyle/>
+          <a:p/>
+          <a:p>
+            <a:pPr>
+              <a:defRPr sz="1000"/>
+            </a:pPr>
+            <a:r>
+              <a:t>Bookrunner</a:t>
+            </a:r>
+          </a:p>
+        </p:txBody>
+      </p:sp>
+      <p:sp>
+        <p:nvSpPr>
+          <p:cNvPr id="62" name="Rectangle 61"/>
+          <p:cNvSpPr/>
+          <p:nvPr/>
+        </p:nvSpPr>
+        <p:spPr>
+          <a:xfrm>
+            <a:off x="3982209" y="2587752"/>
+            <a:ext cx="914400" cy="1371600"/>
+          </a:xfrm>
+          <a:prstGeom prst="rect">
+            <a:avLst/>
+          </a:prstGeom>
+        </p:spPr>
+        <p:style>
+          <a:lnRef idx="1">
+            <a:schemeClr val="accent1"/>
+          </a:lnRef>
+          <a:fillRef idx="3">
+            <a:schemeClr val="accent1"/>
+          </a:fillRef>
+          <a:effectRef idx="2">
+            <a:schemeClr val="accent1"/>
+          </a:effectRef>
+          <a:fontRef idx="minor">
+            <a:schemeClr val="lt1"/>
+          </a:fontRef>
+        </p:style>
+        <p:txBody>
+          <a:bodyPr rtlCol="0" anchor="ctr"/>
+          <a:lstStyle/>
+          <a:p>
+            <a:pPr algn="ctr"/>
+          </a:p>
+        </p:txBody>
+      </p:sp>
+      <p:sp>
+        <p:nvSpPr>
+          <p:cNvPr id="63" name="TextBox 62"/>
+          <p:cNvSpPr txBox="1"/>
+          <p:nvPr/>
+        </p:nvSpPr>
+        <p:spPr>
+          <a:xfrm>
+            <a:off x="3982209" y="2286000"/>
+            <a:ext cx="914400" cy="228600"/>
+          </a:xfrm>
+          <a:prstGeom prst="rect">
+            <a:avLst/>
+          </a:prstGeom>
+          <a:noFill/>
+        </p:spPr>
+        <p:txBody>
+          <a:bodyPr wrap="none">
+            <a:spAutoFit/>
+          </a:bodyPr>
+          <a:lstStyle/>
+          <a:p/>
+          <a:p>
+            <a:pPr>
+              <a:defRPr sz="1000"/>
+            </a:pPr>
+            <a:r>
+              <a:t>June 2018</a:t>
+            </a:r>
+          </a:p>
+        </p:txBody>
+      </p:sp>
+      <p:pic>
+        <p:nvPicPr>
+          <p:cNvPr id="64" name="Picture 63" descr="key_social_logo.png"/>
+          <p:cNvPicPr>
+            <a:picLocks noChangeAspect="1"/>
+          </p:cNvPicPr>
+          <p:nvPr/>
+        </p:nvPicPr>
+        <p:blipFill>
+          <a:blip r:embed="rId2"/>
+          <a:stretch>
+            <a:fillRect/>
+          </a:stretch>
+        </p:blipFill>
+        <p:spPr>
+          <a:xfrm>
+            <a:off x="4078221" y="2953512"/>
+            <a:ext cx="696686" cy="365760"/>
+          </a:xfrm>
+          <a:prstGeom prst="rect">
+            <a:avLst/>
+          </a:prstGeom>
+        </p:spPr>
+      </p:pic>
+      <p:sp>
+        <p:nvSpPr>
+          <p:cNvPr id="65" name="TextBox 64"/>
+          <p:cNvSpPr txBox="1"/>
+          <p:nvPr/>
+        </p:nvSpPr>
+        <p:spPr>
+          <a:xfrm>
+            <a:off x="3982209" y="3044952"/>
+            <a:ext cx="914400" cy="228600"/>
+          </a:xfrm>
+          <a:prstGeom prst="rect">
+            <a:avLst/>
+          </a:prstGeom>
+          <a:noFill/>
+        </p:spPr>
+        <p:txBody>
+          <a:bodyPr wrap="none">
+            <a:spAutoFit/>
+          </a:bodyPr>
+          <a:lstStyle/>
+          <a:p/>
+          <a:p>
+            <a:pPr>
+              <a:defRPr sz="1000"/>
+            </a:pPr>
+            <a:r>
+              <a:t>200,000,000</a:t>
+            </a:r>
+          </a:p>
+        </p:txBody>
+      </p:sp>
+      <p:sp>
+        <p:nvSpPr>
+          <p:cNvPr id="66" name="TextBox 65"/>
+          <p:cNvSpPr txBox="1"/>
+          <p:nvPr/>
+        </p:nvSpPr>
+        <p:spPr>
+          <a:xfrm>
+            <a:off x="3982209" y="3163824"/>
+            <a:ext cx="914400" cy="228600"/>
+          </a:xfrm>
+          <a:prstGeom prst="rect">
+            <a:avLst/>
+          </a:prstGeom>
+          <a:noFill/>
+        </p:spPr>
+        <p:txBody>
+          <a:bodyPr wrap="none">
+            <a:spAutoFit/>
+          </a:bodyPr>
+          <a:lstStyle/>
+          <a:p/>
+          <a:p>
+            <a:pPr>
+              <a:defRPr sz="1000"/>
+            </a:pPr>
+            <a:r>
+              <a:t>Senior Creditor</a:t>
+            </a:r>
+          </a:p>
+        </p:txBody>
+      </p:sp>
+      <p:sp>
+        <p:nvSpPr>
+          <p:cNvPr id="67" name="TextBox 66"/>
+          <p:cNvSpPr txBox="1"/>
+          <p:nvPr/>
+        </p:nvSpPr>
+        <p:spPr>
+          <a:xfrm>
+            <a:off x="3982209" y="3502152"/>
+            <a:ext cx="914400" cy="228600"/>
+          </a:xfrm>
+          <a:prstGeom prst="rect">
+            <a:avLst/>
+          </a:prstGeom>
+          <a:noFill/>
+        </p:spPr>
+        <p:txBody>
+          <a:bodyPr wrap="none">
+            <a:spAutoFit/>
+          </a:bodyPr>
+          <a:lstStyle/>
+          <a:p/>
+          <a:p>
+            <a:pPr>
+              <a:defRPr sz="1000"/>
+            </a:pPr>
+            <a:r>
+              <a:t>Bookrunner</a:t>
+            </a:r>
+          </a:p>
+        </p:txBody>
+      </p:sp>
+      <p:sp>
+        <p:nvSpPr>
+          <p:cNvPr id="68" name="Rectangle 67"/>
+          <p:cNvSpPr/>
+          <p:nvPr/>
+        </p:nvSpPr>
+        <p:spPr>
+          <a:xfrm>
+            <a:off x="5157212" y="2587752"/>
+            <a:ext cx="914400" cy="1371600"/>
+          </a:xfrm>
+          <a:prstGeom prst="rect">
+            <a:avLst/>
+          </a:prstGeom>
+        </p:spPr>
+        <p:style>
+          <a:lnRef idx="1">
+            <a:schemeClr val="accent1"/>
+          </a:lnRef>
+          <a:fillRef idx="3">
+            <a:schemeClr val="accent1"/>
+          </a:fillRef>
+          <a:effectRef idx="2">
+            <a:schemeClr val="accent1"/>
+          </a:effectRef>
+          <a:fontRef idx="minor">
+            <a:schemeClr val="lt1"/>
+          </a:fontRef>
+        </p:style>
+        <p:txBody>
+          <a:bodyPr rtlCol="0" anchor="ctr"/>
+          <a:lstStyle/>
+          <a:p>
+            <a:pPr algn="ctr"/>
+          </a:p>
+        </p:txBody>
+      </p:sp>
+      <p:sp>
+        <p:nvSpPr>
+          <p:cNvPr id="69" name="TextBox 68"/>
+          <p:cNvSpPr txBox="1"/>
+          <p:nvPr/>
+        </p:nvSpPr>
+        <p:spPr>
+          <a:xfrm>
+            <a:off x="5157212" y="2286000"/>
+            <a:ext cx="914400" cy="228600"/>
+          </a:xfrm>
+          <a:prstGeom prst="rect">
+            <a:avLst/>
+          </a:prstGeom>
+          <a:noFill/>
+        </p:spPr>
+        <p:txBody>
+          <a:bodyPr wrap="none">
+            <a:spAutoFit/>
+          </a:bodyPr>
+          <a:lstStyle/>
+          <a:p/>
+          <a:p>
+            <a:pPr>
+              <a:defRPr sz="1000"/>
+            </a:pPr>
+            <a:r>
+              <a:t>June 2018</a:t>
+            </a:r>
+          </a:p>
+        </p:txBody>
+      </p:sp>
+      <p:pic>
+        <p:nvPicPr>
+          <p:cNvPr id="70" name="Picture 69" descr="key_social_logo.png"/>
+          <p:cNvPicPr>
+            <a:picLocks noChangeAspect="1"/>
+          </p:cNvPicPr>
+          <p:nvPr/>
+        </p:nvPicPr>
+        <p:blipFill>
+          <a:blip r:embed="rId2"/>
+          <a:stretch>
+            <a:fillRect/>
+          </a:stretch>
+        </p:blipFill>
+        <p:spPr>
+          <a:xfrm>
+            <a:off x="5253224" y="2953512"/>
+            <a:ext cx="696686" cy="365760"/>
+          </a:xfrm>
+          <a:prstGeom prst="rect">
+            <a:avLst/>
+          </a:prstGeom>
+        </p:spPr>
+      </p:pic>
+      <p:sp>
+        <p:nvSpPr>
+          <p:cNvPr id="71" name="TextBox 70"/>
+          <p:cNvSpPr txBox="1"/>
+          <p:nvPr/>
+        </p:nvSpPr>
+        <p:spPr>
+          <a:xfrm>
+            <a:off x="5157212" y="3044952"/>
+            <a:ext cx="914400" cy="228600"/>
+          </a:xfrm>
+          <a:prstGeom prst="rect">
+            <a:avLst/>
+          </a:prstGeom>
+          <a:noFill/>
+        </p:spPr>
+        <p:txBody>
+          <a:bodyPr wrap="none">
+            <a:spAutoFit/>
+          </a:bodyPr>
+          <a:lstStyle/>
+          <a:p/>
+          <a:p>
+            <a:pPr>
+              <a:defRPr sz="1000"/>
+            </a:pPr>
+            <a:r>
+              <a:t>200,000,000</a:t>
+            </a:r>
+          </a:p>
+        </p:txBody>
+      </p:sp>
+      <p:sp>
+        <p:nvSpPr>
+          <p:cNvPr id="72" name="TextBox 71"/>
+          <p:cNvSpPr txBox="1"/>
+          <p:nvPr/>
+        </p:nvSpPr>
+        <p:spPr>
+          <a:xfrm>
+            <a:off x="5157212" y="3163824"/>
+            <a:ext cx="914400" cy="228600"/>
+          </a:xfrm>
+          <a:prstGeom prst="rect">
+            <a:avLst/>
+          </a:prstGeom>
+          <a:noFill/>
+        </p:spPr>
+        <p:txBody>
+          <a:bodyPr wrap="none">
+            <a:spAutoFit/>
+          </a:bodyPr>
+          <a:lstStyle/>
+          <a:p/>
+          <a:p>
+            <a:pPr>
+              <a:defRPr sz="1000"/>
+            </a:pPr>
+            <a:r>
+              <a:t>Senior Creditor</a:t>
+            </a:r>
+          </a:p>
+        </p:txBody>
+      </p:sp>
+      <p:sp>
+        <p:nvSpPr>
+          <p:cNvPr id="73" name="TextBox 72"/>
+          <p:cNvSpPr txBox="1"/>
+          <p:nvPr/>
+        </p:nvSpPr>
+        <p:spPr>
+          <a:xfrm>
+            <a:off x="5157212" y="3502152"/>
+            <a:ext cx="914400" cy="228600"/>
+          </a:xfrm>
+          <a:prstGeom prst="rect">
+            <a:avLst/>
+          </a:prstGeom>
+          <a:noFill/>
+        </p:spPr>
+        <p:txBody>
+          <a:bodyPr wrap="none">
+            <a:spAutoFit/>
+          </a:bodyPr>
+          <a:lstStyle/>
+          <a:p/>
+          <a:p>
+            <a:pPr>
+              <a:defRPr sz="1000"/>
+            </a:pPr>
+            <a:r>
+              <a:t>Bookrunner</a:t>
+            </a:r>
+          </a:p>
+        </p:txBody>
+      </p:sp>
+      <p:sp>
+        <p:nvSpPr>
+          <p:cNvPr id="74" name="Rectangle 73"/>
+          <p:cNvSpPr/>
+          <p:nvPr/>
+        </p:nvSpPr>
+        <p:spPr>
+          <a:xfrm>
+            <a:off x="6332215" y="2587752"/>
+            <a:ext cx="914400" cy="1371600"/>
+          </a:xfrm>
+          <a:prstGeom prst="rect">
+            <a:avLst/>
+          </a:prstGeom>
+        </p:spPr>
+        <p:style>
+          <a:lnRef idx="1">
+            <a:schemeClr val="accent1"/>
+          </a:lnRef>
+          <a:fillRef idx="3">
+            <a:schemeClr val="accent1"/>
+          </a:fillRef>
+          <a:effectRef idx="2">
+            <a:schemeClr val="accent1"/>
+          </a:effectRef>
+          <a:fontRef idx="minor">
+            <a:schemeClr val="lt1"/>
+          </a:fontRef>
+        </p:style>
+        <p:txBody>
+          <a:bodyPr rtlCol="0" anchor="ctr"/>
+          <a:lstStyle/>
+          <a:p>
+            <a:pPr algn="ctr"/>
+          </a:p>
+        </p:txBody>
+      </p:sp>
+      <p:sp>
+        <p:nvSpPr>
+          <p:cNvPr id="75" name="TextBox 74"/>
+          <p:cNvSpPr txBox="1"/>
+          <p:nvPr/>
+        </p:nvSpPr>
+        <p:spPr>
+          <a:xfrm>
+            <a:off x="6332215" y="2286000"/>
+            <a:ext cx="914400" cy="228600"/>
+          </a:xfrm>
+          <a:prstGeom prst="rect">
+            <a:avLst/>
+          </a:prstGeom>
+          <a:noFill/>
+        </p:spPr>
+        <p:txBody>
+          <a:bodyPr wrap="none">
+            <a:spAutoFit/>
+          </a:bodyPr>
+          <a:lstStyle/>
+          <a:p/>
+          <a:p>
+            <a:pPr>
+              <a:defRPr sz="1000"/>
+            </a:pPr>
+            <a:r>
+              <a:t>June 2018</a:t>
+            </a:r>
+          </a:p>
+        </p:txBody>
+      </p:sp>
+      <p:pic>
+        <p:nvPicPr>
+          <p:cNvPr id="76" name="Picture 75" descr="key_social_logo.png"/>
+          <p:cNvPicPr>
+            <a:picLocks noChangeAspect="1"/>
+          </p:cNvPicPr>
+          <p:nvPr/>
+        </p:nvPicPr>
+        <p:blipFill>
+          <a:blip r:embed="rId2"/>
+          <a:stretch>
+            <a:fillRect/>
+          </a:stretch>
+        </p:blipFill>
+        <p:spPr>
+          <a:xfrm>
+            <a:off x="6428227" y="2953512"/>
+            <a:ext cx="696686" cy="365760"/>
+          </a:xfrm>
+          <a:prstGeom prst="rect">
+            <a:avLst/>
+          </a:prstGeom>
+        </p:spPr>
+      </p:pic>
+      <p:sp>
+        <p:nvSpPr>
+          <p:cNvPr id="77" name="TextBox 76"/>
+          <p:cNvSpPr txBox="1"/>
+          <p:nvPr/>
+        </p:nvSpPr>
+        <p:spPr>
+          <a:xfrm>
+            <a:off x="6332215" y="3044952"/>
+            <a:ext cx="914400" cy="228600"/>
+          </a:xfrm>
+          <a:prstGeom prst="rect">
+            <a:avLst/>
+          </a:prstGeom>
+          <a:noFill/>
+        </p:spPr>
+        <p:txBody>
+          <a:bodyPr wrap="none">
+            <a:spAutoFit/>
+          </a:bodyPr>
+          <a:lstStyle/>
+          <a:p/>
+          <a:p>
+            <a:pPr>
+              <a:defRPr sz="1000"/>
+            </a:pPr>
+            <a:r>
+              <a:t>200,000,000</a:t>
+            </a:r>
+          </a:p>
+        </p:txBody>
+      </p:sp>
+      <p:sp>
+        <p:nvSpPr>
+          <p:cNvPr id="78" name="TextBox 77"/>
+          <p:cNvSpPr txBox="1"/>
+          <p:nvPr/>
+        </p:nvSpPr>
+        <p:spPr>
+          <a:xfrm>
+            <a:off x="6332215" y="3163824"/>
+            <a:ext cx="914400" cy="228600"/>
+          </a:xfrm>
+          <a:prstGeom prst="rect">
+            <a:avLst/>
+          </a:prstGeom>
+          <a:noFill/>
+        </p:spPr>
+        <p:txBody>
+          <a:bodyPr wrap="none">
+            <a:spAutoFit/>
+          </a:bodyPr>
+          <a:lstStyle/>
+          <a:p/>
+          <a:p>
+            <a:pPr>
+              <a:defRPr sz="1000"/>
+            </a:pPr>
+            <a:r>
+              <a:t>Senior Creditor</a:t>
+            </a:r>
+          </a:p>
+        </p:txBody>
+      </p:sp>
+      <p:sp>
+        <p:nvSpPr>
+          <p:cNvPr id="79" name="TextBox 78"/>
+          <p:cNvSpPr txBox="1"/>
+          <p:nvPr/>
+        </p:nvSpPr>
+        <p:spPr>
+          <a:xfrm>
+            <a:off x="6332215" y="3502152"/>
+            <a:ext cx="914400" cy="228600"/>
+          </a:xfrm>
+          <a:prstGeom prst="rect">
+            <a:avLst/>
+          </a:prstGeom>
+          <a:noFill/>
+        </p:spPr>
+        <p:txBody>
+          <a:bodyPr wrap="none">
+            <a:spAutoFit/>
+          </a:bodyPr>
+          <a:lstStyle/>
+          <a:p/>
+          <a:p>
+            <a:pPr>
+              <a:defRPr sz="1000"/>
+            </a:pPr>
+            <a:r>
+              <a:t>Bookrunner</a:t>
+            </a:r>
+          </a:p>
+        </p:txBody>
+      </p:sp>
+      <p:sp>
+        <p:nvSpPr>
+          <p:cNvPr id="80" name="Rectangle 79"/>
+          <p:cNvSpPr/>
+          <p:nvPr/>
+        </p:nvSpPr>
+        <p:spPr>
+          <a:xfrm>
+            <a:off x="7507218" y="2587752"/>
+            <a:ext cx="914400" cy="1371600"/>
+          </a:xfrm>
+          <a:prstGeom prst="rect">
+            <a:avLst/>
+          </a:prstGeom>
+        </p:spPr>
+        <p:style>
+          <a:lnRef idx="1">
+            <a:schemeClr val="accent1"/>
+          </a:lnRef>
+          <a:fillRef idx="3">
+            <a:schemeClr val="accent1"/>
+          </a:fillRef>
+          <a:effectRef idx="2">
+            <a:schemeClr val="accent1"/>
+          </a:effectRef>
+          <a:fontRef idx="minor">
+            <a:schemeClr val="lt1"/>
+          </a:fontRef>
+        </p:style>
+        <p:txBody>
+          <a:bodyPr rtlCol="0" anchor="ctr"/>
+          <a:lstStyle/>
+          <a:p>
+            <a:pPr algn="ctr"/>
+          </a:p>
+        </p:txBody>
+      </p:sp>
+      <p:sp>
+        <p:nvSpPr>
+          <p:cNvPr id="81" name="TextBox 80"/>
+          <p:cNvSpPr txBox="1"/>
+          <p:nvPr/>
+        </p:nvSpPr>
+        <p:spPr>
+          <a:xfrm>
+            <a:off x="7507218" y="2286000"/>
+            <a:ext cx="914400" cy="228600"/>
+          </a:xfrm>
+          <a:prstGeom prst="rect">
+            <a:avLst/>
+          </a:prstGeom>
+          <a:noFill/>
+        </p:spPr>
+        <p:txBody>
+          <a:bodyPr wrap="none">
+            <a:spAutoFit/>
+          </a:bodyPr>
+          <a:lstStyle/>
+          <a:p/>
+          <a:p>
+            <a:pPr>
+              <a:defRPr sz="1000"/>
+            </a:pPr>
+            <a:r>
+              <a:t>June 2018</a:t>
+            </a:r>
+          </a:p>
+        </p:txBody>
+      </p:sp>
+      <p:pic>
+        <p:nvPicPr>
+          <p:cNvPr id="82" name="Picture 81" descr="key_social_logo.png"/>
+          <p:cNvPicPr>
+            <a:picLocks noChangeAspect="1"/>
+          </p:cNvPicPr>
+          <p:nvPr/>
+        </p:nvPicPr>
+        <p:blipFill>
+          <a:blip r:embed="rId2"/>
+          <a:stretch>
+            <a:fillRect/>
+          </a:stretch>
+        </p:blipFill>
+        <p:spPr>
+          <a:xfrm>
+            <a:off x="7603230" y="2953512"/>
+            <a:ext cx="696686" cy="365760"/>
+          </a:xfrm>
+          <a:prstGeom prst="rect">
+            <a:avLst/>
+          </a:prstGeom>
+        </p:spPr>
+      </p:pic>
+      <p:sp>
+        <p:nvSpPr>
+          <p:cNvPr id="83" name="TextBox 82"/>
+          <p:cNvSpPr txBox="1"/>
+          <p:nvPr/>
+        </p:nvSpPr>
+        <p:spPr>
+          <a:xfrm>
+            <a:off x="7507218" y="3044952"/>
+            <a:ext cx="914400" cy="228600"/>
+          </a:xfrm>
+          <a:prstGeom prst="rect">
+            <a:avLst/>
+          </a:prstGeom>
+          <a:noFill/>
+        </p:spPr>
+        <p:txBody>
+          <a:bodyPr wrap="none">
+            <a:spAutoFit/>
+          </a:bodyPr>
+          <a:lstStyle/>
+          <a:p/>
+          <a:p>
+            <a:pPr>
+              <a:defRPr sz="1000"/>
+            </a:pPr>
+            <a:r>
+              <a:t>200,000,000</a:t>
+            </a:r>
+          </a:p>
+        </p:txBody>
+      </p:sp>
+      <p:sp>
+        <p:nvSpPr>
+          <p:cNvPr id="84" name="TextBox 83"/>
+          <p:cNvSpPr txBox="1"/>
+          <p:nvPr/>
+        </p:nvSpPr>
+        <p:spPr>
+          <a:xfrm>
+            <a:off x="7507218" y="3163824"/>
+            <a:ext cx="914400" cy="228600"/>
+          </a:xfrm>
+          <a:prstGeom prst="rect">
+            <a:avLst/>
+          </a:prstGeom>
+          <a:noFill/>
+        </p:spPr>
+        <p:txBody>
+          <a:bodyPr wrap="none">
+            <a:spAutoFit/>
+          </a:bodyPr>
+          <a:lstStyle/>
+          <a:p/>
+          <a:p>
+            <a:pPr>
+              <a:defRPr sz="1000"/>
+            </a:pPr>
+            <a:r>
+              <a:t>Senior Creditor</a:t>
+            </a:r>
+          </a:p>
+        </p:txBody>
+      </p:sp>
+      <p:sp>
+        <p:nvSpPr>
+          <p:cNvPr id="85" name="TextBox 84"/>
+          <p:cNvSpPr txBox="1"/>
+          <p:nvPr/>
+        </p:nvSpPr>
+        <p:spPr>
+          <a:xfrm>
+            <a:off x="7507218" y="3502152"/>
+            <a:ext cx="914400" cy="228600"/>
+          </a:xfrm>
+          <a:prstGeom prst="rect">
+            <a:avLst/>
+          </a:prstGeom>
+          <a:noFill/>
+        </p:spPr>
+        <p:txBody>
+          <a:bodyPr wrap="none">
+            <a:spAutoFit/>
+          </a:bodyPr>
+          <a:lstStyle/>
+          <a:p/>
+          <a:p>
+            <a:pPr>
+              <a:defRPr sz="1000"/>
+            </a:pPr>
+            <a:r>
+              <a:t>Bookrunner</a:t>
+            </a:r>
+          </a:p>
+        </p:txBody>
+      </p:sp>
+      <p:sp>
+        <p:nvSpPr>
+          <p:cNvPr id="86" name="Rectangle 85"/>
+          <p:cNvSpPr/>
+          <p:nvPr/>
+        </p:nvSpPr>
+        <p:spPr>
+          <a:xfrm>
+            <a:off x="457200" y="4261104"/>
+            <a:ext cx="914400" cy="1371600"/>
+          </a:xfrm>
+          <a:prstGeom prst="rect">
+            <a:avLst/>
+          </a:prstGeom>
+        </p:spPr>
+        <p:style>
+          <a:lnRef idx="1">
+            <a:schemeClr val="accent1"/>
+          </a:lnRef>
+          <a:fillRef idx="3">
+            <a:schemeClr val="accent1"/>
+          </a:fillRef>
+          <a:effectRef idx="2">
+            <a:schemeClr val="accent1"/>
+          </a:effectRef>
+          <a:fontRef idx="minor">
+            <a:schemeClr val="lt1"/>
+          </a:fontRef>
+        </p:style>
+        <p:txBody>
+          <a:bodyPr rtlCol="0" anchor="ctr"/>
+          <a:lstStyle/>
+          <a:p>
+            <a:pPr algn="ctr"/>
+          </a:p>
+        </p:txBody>
+      </p:sp>
+      <p:sp>
+        <p:nvSpPr>
+          <p:cNvPr id="87" name="TextBox 86"/>
+          <p:cNvSpPr txBox="1"/>
+          <p:nvPr/>
+        </p:nvSpPr>
+        <p:spPr>
+          <a:xfrm>
+            <a:off x="457200" y="3959352"/>
+            <a:ext cx="914400" cy="228600"/>
+          </a:xfrm>
+          <a:prstGeom prst="rect">
+            <a:avLst/>
+          </a:prstGeom>
+          <a:noFill/>
+        </p:spPr>
+        <p:txBody>
+          <a:bodyPr wrap="none">
+            <a:spAutoFit/>
+          </a:bodyPr>
+          <a:lstStyle/>
+          <a:p/>
+          <a:p>
+            <a:pPr>
+              <a:defRPr sz="1000"/>
+            </a:pPr>
+            <a:r>
+              <a:t>June 2018</a:t>
+            </a:r>
+          </a:p>
+        </p:txBody>
+      </p:sp>
+      <p:pic>
+        <p:nvPicPr>
+          <p:cNvPr id="88" name="Picture 87" descr="key_social_logo.png"/>
+          <p:cNvPicPr>
+            <a:picLocks noChangeAspect="1"/>
+          </p:cNvPicPr>
+          <p:nvPr/>
+        </p:nvPicPr>
+        <p:blipFill>
+          <a:blip r:embed="rId2"/>
+          <a:stretch>
+            <a:fillRect/>
+          </a:stretch>
+        </p:blipFill>
+        <p:spPr>
+          <a:xfrm>
+            <a:off x="553212" y="4626864"/>
+            <a:ext cx="696686" cy="365760"/>
+          </a:xfrm>
+          <a:prstGeom prst="rect">
+            <a:avLst/>
+          </a:prstGeom>
+        </p:spPr>
+      </p:pic>
+      <p:sp>
+        <p:nvSpPr>
+          <p:cNvPr id="89" name="TextBox 88"/>
+          <p:cNvSpPr txBox="1"/>
+          <p:nvPr/>
+        </p:nvSpPr>
+        <p:spPr>
+          <a:xfrm>
+            <a:off x="457200" y="4718304"/>
+            <a:ext cx="914400" cy="228600"/>
+          </a:xfrm>
+          <a:prstGeom prst="rect">
+            <a:avLst/>
+          </a:prstGeom>
+          <a:noFill/>
+        </p:spPr>
+        <p:txBody>
+          <a:bodyPr wrap="none">
+            <a:spAutoFit/>
+          </a:bodyPr>
+          <a:lstStyle/>
+          <a:p/>
+          <a:p>
+            <a:pPr>
+              <a:defRPr sz="1000"/>
+            </a:pPr>
+            <a:r>
+              <a:t>200,000,000</a:t>
+            </a:r>
+          </a:p>
+        </p:txBody>
+      </p:sp>
+      <p:sp>
+        <p:nvSpPr>
+          <p:cNvPr id="90" name="TextBox 89"/>
+          <p:cNvSpPr txBox="1"/>
+          <p:nvPr/>
+        </p:nvSpPr>
+        <p:spPr>
+          <a:xfrm>
+            <a:off x="457200" y="4837176"/>
+            <a:ext cx="914400" cy="228600"/>
+          </a:xfrm>
+          <a:prstGeom prst="rect">
+            <a:avLst/>
+          </a:prstGeom>
+          <a:noFill/>
+        </p:spPr>
+        <p:txBody>
+          <a:bodyPr wrap="none">
+            <a:spAutoFit/>
+          </a:bodyPr>
+          <a:lstStyle/>
+          <a:p/>
+          <a:p>
+            <a:pPr>
+              <a:defRPr sz="1000"/>
+            </a:pPr>
+            <a:r>
+              <a:t>Senior Creditor</a:t>
+            </a:r>
+          </a:p>
+        </p:txBody>
+      </p:sp>
+      <p:sp>
+        <p:nvSpPr>
+          <p:cNvPr id="91" name="TextBox 90"/>
+          <p:cNvSpPr txBox="1"/>
+          <p:nvPr/>
+        </p:nvSpPr>
+        <p:spPr>
+          <a:xfrm>
+            <a:off x="457200" y="5175504"/>
+            <a:ext cx="914400" cy="228600"/>
+          </a:xfrm>
+          <a:prstGeom prst="rect">
+            <a:avLst/>
+          </a:prstGeom>
+          <a:noFill/>
+        </p:spPr>
+        <p:txBody>
+          <a:bodyPr wrap="none">
+            <a:spAutoFit/>
+          </a:bodyPr>
+          <a:lstStyle/>
+          <a:p/>
+          <a:p>
+            <a:pPr>
+              <a:defRPr sz="1000"/>
+            </a:pPr>
+            <a:r>
+              <a:t>Bookrunner</a:t>
+            </a:r>
+          </a:p>
+        </p:txBody>
+      </p:sp>
+      <p:sp>
+        <p:nvSpPr>
+          <p:cNvPr id="92" name="Rectangle 91"/>
+          <p:cNvSpPr/>
+          <p:nvPr/>
+        </p:nvSpPr>
+        <p:spPr>
+          <a:xfrm>
+            <a:off x="1632203" y="4261104"/>
+            <a:ext cx="914400" cy="1371600"/>
+          </a:xfrm>
+          <a:prstGeom prst="rect">
+            <a:avLst/>
+          </a:prstGeom>
+        </p:spPr>
+        <p:style>
+          <a:lnRef idx="1">
+            <a:schemeClr val="accent1"/>
+          </a:lnRef>
+          <a:fillRef idx="3">
+            <a:schemeClr val="accent1"/>
+          </a:fillRef>
+          <a:effectRef idx="2">
+            <a:schemeClr val="accent1"/>
+          </a:effectRef>
+          <a:fontRef idx="minor">
+            <a:schemeClr val="lt1"/>
+          </a:fontRef>
+        </p:style>
+        <p:txBody>
+          <a:bodyPr rtlCol="0" anchor="ctr"/>
+          <a:lstStyle/>
+          <a:p>
+            <a:pPr algn="ctr"/>
+          </a:p>
+        </p:txBody>
+      </p:sp>
+      <p:sp>
+        <p:nvSpPr>
+          <p:cNvPr id="93" name="TextBox 92"/>
+          <p:cNvSpPr txBox="1"/>
+          <p:nvPr/>
+        </p:nvSpPr>
+        <p:spPr>
+          <a:xfrm>
+            <a:off x="1632203" y="3959352"/>
+            <a:ext cx="914400" cy="228600"/>
+          </a:xfrm>
+          <a:prstGeom prst="rect">
+            <a:avLst/>
+          </a:prstGeom>
+          <a:noFill/>
+        </p:spPr>
+        <p:txBody>
+          <a:bodyPr wrap="none">
+            <a:spAutoFit/>
+          </a:bodyPr>
+          <a:lstStyle/>
+          <a:p/>
+          <a:p>
+            <a:pPr>
+              <a:defRPr sz="1000"/>
+            </a:pPr>
+            <a:r>
+              <a:t>June 2018</a:t>
+            </a:r>
+          </a:p>
+        </p:txBody>
+      </p:sp>
+      <p:pic>
+        <p:nvPicPr>
+          <p:cNvPr id="94" name="Picture 93" descr="key_social_logo.png"/>
+          <p:cNvPicPr>
+            <a:picLocks noChangeAspect="1"/>
+          </p:cNvPicPr>
+          <p:nvPr/>
+        </p:nvPicPr>
+        <p:blipFill>
+          <a:blip r:embed="rId2"/>
+          <a:stretch>
+            <a:fillRect/>
+          </a:stretch>
+        </p:blipFill>
+        <p:spPr>
+          <a:xfrm>
+            <a:off x="1728215" y="4626864"/>
+            <a:ext cx="696686" cy="365760"/>
+          </a:xfrm>
+          <a:prstGeom prst="rect">
+            <a:avLst/>
+          </a:prstGeom>
+        </p:spPr>
+      </p:pic>
+      <p:sp>
+        <p:nvSpPr>
+          <p:cNvPr id="95" name="TextBox 94"/>
+          <p:cNvSpPr txBox="1"/>
+          <p:nvPr/>
+        </p:nvSpPr>
+        <p:spPr>
+          <a:xfrm>
+            <a:off x="1632203" y="4718304"/>
+            <a:ext cx="914400" cy="228600"/>
+          </a:xfrm>
+          <a:prstGeom prst="rect">
+            <a:avLst/>
+          </a:prstGeom>
+          <a:noFill/>
+        </p:spPr>
+        <p:txBody>
+          <a:bodyPr wrap="none">
+            <a:spAutoFit/>
+          </a:bodyPr>
+          <a:lstStyle/>
+          <a:p/>
+          <a:p>
+            <a:pPr>
+              <a:defRPr sz="1000"/>
+            </a:pPr>
+            <a:r>
+              <a:t>200,000,000</a:t>
+            </a:r>
+          </a:p>
+        </p:txBody>
+      </p:sp>
+      <p:sp>
+        <p:nvSpPr>
+          <p:cNvPr id="96" name="TextBox 95"/>
+          <p:cNvSpPr txBox="1"/>
+          <p:nvPr/>
+        </p:nvSpPr>
+        <p:spPr>
+          <a:xfrm>
+            <a:off x="1632203" y="4837176"/>
+            <a:ext cx="914400" cy="228600"/>
+          </a:xfrm>
+          <a:prstGeom prst="rect">
+            <a:avLst/>
+          </a:prstGeom>
+          <a:noFill/>
+        </p:spPr>
+        <p:txBody>
+          <a:bodyPr wrap="none">
+            <a:spAutoFit/>
+          </a:bodyPr>
+          <a:lstStyle/>
+          <a:p/>
+          <a:p>
+            <a:pPr>
+              <a:defRPr sz="1000"/>
+            </a:pPr>
+            <a:r>
+              <a:t>Senior Creditor</a:t>
+            </a:r>
+          </a:p>
+        </p:txBody>
+      </p:sp>
+      <p:sp>
+        <p:nvSpPr>
+          <p:cNvPr id="97" name="TextBox 96"/>
+          <p:cNvSpPr txBox="1"/>
+          <p:nvPr/>
+        </p:nvSpPr>
+        <p:spPr>
+          <a:xfrm>
+            <a:off x="1632203" y="5175504"/>
+            <a:ext cx="914400" cy="228600"/>
+          </a:xfrm>
+          <a:prstGeom prst="rect">
+            <a:avLst/>
+          </a:prstGeom>
+          <a:noFill/>
+        </p:spPr>
+        <p:txBody>
+          <a:bodyPr wrap="none">
+            <a:spAutoFit/>
+          </a:bodyPr>
+          <a:lstStyle/>
+          <a:p/>
+          <a:p>
+            <a:pPr>
+              <a:defRPr sz="1000"/>
+            </a:pPr>
+            <a:r>
+              <a:t>Bookrunner</a:t>
+            </a:r>
+          </a:p>
+        </p:txBody>
+      </p:sp>
+      <p:sp>
+        <p:nvSpPr>
+          <p:cNvPr id="98" name="Rectangle 97"/>
+          <p:cNvSpPr/>
+          <p:nvPr/>
+        </p:nvSpPr>
+        <p:spPr>
+          <a:xfrm>
+            <a:off x="2807206" y="4261104"/>
+            <a:ext cx="914400" cy="1371600"/>
+          </a:xfrm>
+          <a:prstGeom prst="rect">
+            <a:avLst/>
+          </a:prstGeom>
+        </p:spPr>
+        <p:style>
+          <a:lnRef idx="1">
+            <a:schemeClr val="accent1"/>
+          </a:lnRef>
+          <a:fillRef idx="3">
+            <a:schemeClr val="accent1"/>
+          </a:fillRef>
+          <a:effectRef idx="2">
+            <a:schemeClr val="accent1"/>
+          </a:effectRef>
+          <a:fontRef idx="minor">
+            <a:schemeClr val="lt1"/>
+          </a:fontRef>
+        </p:style>
+        <p:txBody>
+          <a:bodyPr rtlCol="0" anchor="ctr"/>
+          <a:lstStyle/>
+          <a:p>
+            <a:pPr algn="ctr"/>
+          </a:p>
+        </p:txBody>
+      </p:sp>
+      <p:sp>
+        <p:nvSpPr>
+          <p:cNvPr id="99" name="TextBox 98"/>
+          <p:cNvSpPr txBox="1"/>
+          <p:nvPr/>
+        </p:nvSpPr>
+        <p:spPr>
+          <a:xfrm>
+            <a:off x="2807206" y="3959352"/>
+            <a:ext cx="914400" cy="228600"/>
+          </a:xfrm>
+          <a:prstGeom prst="rect">
+            <a:avLst/>
+          </a:prstGeom>
+          <a:noFill/>
+        </p:spPr>
+        <p:txBody>
+          <a:bodyPr wrap="none">
+            <a:spAutoFit/>
+          </a:bodyPr>
+          <a:lstStyle/>
+          <a:p/>
+          <a:p>
+            <a:pPr>
+              <a:defRPr sz="1000"/>
+            </a:pPr>
+            <a:r>
+              <a:t>June 2018</a:t>
+            </a:r>
+          </a:p>
+        </p:txBody>
+      </p:sp>
+      <p:pic>
+        <p:nvPicPr>
+          <p:cNvPr id="100" name="Picture 99" descr="key_social_logo.png"/>
+          <p:cNvPicPr>
+            <a:picLocks noChangeAspect="1"/>
+          </p:cNvPicPr>
+          <p:nvPr/>
+        </p:nvPicPr>
+        <p:blipFill>
+          <a:blip r:embed="rId2"/>
+          <a:stretch>
+            <a:fillRect/>
+          </a:stretch>
+        </p:blipFill>
+        <p:spPr>
+          <a:xfrm>
+            <a:off x="2903218" y="4626864"/>
+            <a:ext cx="696686" cy="365760"/>
+          </a:xfrm>
+          <a:prstGeom prst="rect">
+            <a:avLst/>
+          </a:prstGeom>
+        </p:spPr>
+      </p:pic>
+      <p:sp>
+        <p:nvSpPr>
+          <p:cNvPr id="101" name="TextBox 100"/>
+          <p:cNvSpPr txBox="1"/>
+          <p:nvPr/>
+        </p:nvSpPr>
+        <p:spPr>
+          <a:xfrm>
+            <a:off x="2807206" y="4718304"/>
+            <a:ext cx="914400" cy="228600"/>
+          </a:xfrm>
+          <a:prstGeom prst="rect">
+            <a:avLst/>
+          </a:prstGeom>
+          <a:noFill/>
+        </p:spPr>
+        <p:txBody>
+          <a:bodyPr wrap="none">
+            <a:spAutoFit/>
+          </a:bodyPr>
+          <a:lstStyle/>
+          <a:p/>
+          <a:p>
+            <a:pPr>
+              <a:defRPr sz="1000"/>
+            </a:pPr>
+            <a:r>
+              <a:t>200,000,000</a:t>
+            </a:r>
+          </a:p>
+        </p:txBody>
+      </p:sp>
+      <p:sp>
+        <p:nvSpPr>
+          <p:cNvPr id="102" name="TextBox 101"/>
+          <p:cNvSpPr txBox="1"/>
+          <p:nvPr/>
+        </p:nvSpPr>
+        <p:spPr>
+          <a:xfrm>
+            <a:off x="2807206" y="4837176"/>
+            <a:ext cx="914400" cy="228600"/>
+          </a:xfrm>
+          <a:prstGeom prst="rect">
+            <a:avLst/>
+          </a:prstGeom>
+          <a:noFill/>
+        </p:spPr>
+        <p:txBody>
+          <a:bodyPr wrap="none">
+            <a:spAutoFit/>
+          </a:bodyPr>
+          <a:lstStyle/>
+          <a:p/>
+          <a:p>
+            <a:pPr>
+              <a:defRPr sz="1000"/>
+            </a:pPr>
+            <a:r>
+              <a:t>Senior Creditor</a:t>
+            </a:r>
+          </a:p>
+        </p:txBody>
+      </p:sp>
+      <p:sp>
+        <p:nvSpPr>
+          <p:cNvPr id="103" name="TextBox 102"/>
+          <p:cNvSpPr txBox="1"/>
+          <p:nvPr/>
+        </p:nvSpPr>
+        <p:spPr>
+          <a:xfrm>
+            <a:off x="2807206" y="5175504"/>
+            <a:ext cx="914400" cy="228600"/>
+          </a:xfrm>
+          <a:prstGeom prst="rect">
+            <a:avLst/>
+          </a:prstGeom>
+          <a:noFill/>
+        </p:spPr>
+        <p:txBody>
+          <a:bodyPr wrap="none">
+            <a:spAutoFit/>
+          </a:bodyPr>
+          <a:lstStyle/>
+          <a:p/>
+          <a:p>
+            <a:pPr>
+              <a:defRPr sz="1000"/>
+            </a:pPr>
+            <a:r>
+              <a:t>Bookrunner</a:t>
+            </a:r>
+          </a:p>
+        </p:txBody>
+      </p:sp>
+      <p:sp>
+        <p:nvSpPr>
+          <p:cNvPr id="104" name="Rectangle 103"/>
+          <p:cNvSpPr/>
+          <p:nvPr/>
+        </p:nvSpPr>
+        <p:spPr>
+          <a:xfrm>
+            <a:off x="3982209" y="4261104"/>
+            <a:ext cx="914400" cy="1371600"/>
+          </a:xfrm>
+          <a:prstGeom prst="rect">
+            <a:avLst/>
+          </a:prstGeom>
+        </p:spPr>
+        <p:style>
+          <a:lnRef idx="1">
+            <a:schemeClr val="accent1"/>
+          </a:lnRef>
+          <a:fillRef idx="3">
+            <a:schemeClr val="accent1"/>
+          </a:fillRef>
+          <a:effectRef idx="2">
+            <a:schemeClr val="accent1"/>
+          </a:effectRef>
+          <a:fontRef idx="minor">
+            <a:schemeClr val="lt1"/>
+          </a:fontRef>
+        </p:style>
+        <p:txBody>
+          <a:bodyPr rtlCol="0" anchor="ctr"/>
+          <a:lstStyle/>
+          <a:p>
+            <a:pPr algn="ctr"/>
+          </a:p>
+        </p:txBody>
+      </p:sp>
+      <p:sp>
+        <p:nvSpPr>
+          <p:cNvPr id="105" name="TextBox 104"/>
+          <p:cNvSpPr txBox="1"/>
+          <p:nvPr/>
+        </p:nvSpPr>
+        <p:spPr>
+          <a:xfrm>
+            <a:off x="3982209" y="3959352"/>
+            <a:ext cx="914400" cy="228600"/>
+          </a:xfrm>
+          <a:prstGeom prst="rect">
+            <a:avLst/>
+          </a:prstGeom>
+          <a:noFill/>
+        </p:spPr>
+        <p:txBody>
+          <a:bodyPr wrap="none">
+            <a:spAutoFit/>
+          </a:bodyPr>
+          <a:lstStyle/>
+          <a:p/>
+          <a:p>
+            <a:pPr>
+              <a:defRPr sz="1000"/>
+            </a:pPr>
+            <a:r>
+              <a:t>June 2018</a:t>
+            </a:r>
+          </a:p>
+        </p:txBody>
+      </p:sp>
+      <p:pic>
+        <p:nvPicPr>
+          <p:cNvPr id="106" name="Picture 105" descr="key_social_logo.png"/>
+          <p:cNvPicPr>
+            <a:picLocks noChangeAspect="1"/>
+          </p:cNvPicPr>
+          <p:nvPr/>
+        </p:nvPicPr>
+        <p:blipFill>
+          <a:blip r:embed="rId2"/>
+          <a:stretch>
+            <a:fillRect/>
+          </a:stretch>
+        </p:blipFill>
+        <p:spPr>
+          <a:xfrm>
+            <a:off x="4078221" y="4626864"/>
+            <a:ext cx="696686" cy="365760"/>
+          </a:xfrm>
+          <a:prstGeom prst="rect">
+            <a:avLst/>
+          </a:prstGeom>
+        </p:spPr>
+      </p:pic>
+      <p:sp>
+        <p:nvSpPr>
+          <p:cNvPr id="107" name="TextBox 106"/>
+          <p:cNvSpPr txBox="1"/>
+          <p:nvPr/>
+        </p:nvSpPr>
+        <p:spPr>
+          <a:xfrm>
+            <a:off x="3982209" y="4718304"/>
+            <a:ext cx="914400" cy="228600"/>
+          </a:xfrm>
+          <a:prstGeom prst="rect">
+            <a:avLst/>
+          </a:prstGeom>
+          <a:noFill/>
+        </p:spPr>
+        <p:txBody>
+          <a:bodyPr wrap="none">
+            <a:spAutoFit/>
+          </a:bodyPr>
+          <a:lstStyle/>
+          <a:p/>
+          <a:p>
+            <a:pPr>
+              <a:defRPr sz="1000"/>
+            </a:pPr>
+            <a:r>
+              <a:t>200,000,000</a:t>
+            </a:r>
+          </a:p>
+        </p:txBody>
+      </p:sp>
+      <p:sp>
+        <p:nvSpPr>
+          <p:cNvPr id="108" name="TextBox 107"/>
+          <p:cNvSpPr txBox="1"/>
+          <p:nvPr/>
+        </p:nvSpPr>
+        <p:spPr>
+          <a:xfrm>
+            <a:off x="3982209" y="4837176"/>
+            <a:ext cx="914400" cy="228600"/>
+          </a:xfrm>
+          <a:prstGeom prst="rect">
+            <a:avLst/>
+          </a:prstGeom>
+          <a:noFill/>
+        </p:spPr>
+        <p:txBody>
+          <a:bodyPr wrap="none">
+            <a:spAutoFit/>
+          </a:bodyPr>
+          <a:lstStyle/>
+          <a:p/>
+          <a:p>
+            <a:pPr>
+              <a:defRPr sz="1000"/>
+            </a:pPr>
+            <a:r>
+              <a:t>Senior Creditor</a:t>
+            </a:r>
+          </a:p>
+        </p:txBody>
+      </p:sp>
+      <p:sp>
+        <p:nvSpPr>
+          <p:cNvPr id="109" name="TextBox 108"/>
+          <p:cNvSpPr txBox="1"/>
+          <p:nvPr/>
+        </p:nvSpPr>
+        <p:spPr>
+          <a:xfrm>
+            <a:off x="3982209" y="5175504"/>
+            <a:ext cx="914400" cy="228600"/>
+          </a:xfrm>
+          <a:prstGeom prst="rect">
+            <a:avLst/>
+          </a:prstGeom>
+          <a:noFill/>
+        </p:spPr>
+        <p:txBody>
+          <a:bodyPr wrap="none">
+            <a:spAutoFit/>
+          </a:bodyPr>
+          <a:lstStyle/>
+          <a:p/>
+          <a:p>
+            <a:pPr>
+              <a:defRPr sz="1000"/>
+            </a:pPr>
+            <a:r>
+              <a:t>Bookrunner</a:t>
+            </a:r>
+          </a:p>
+        </p:txBody>
+      </p:sp>
+      <p:sp>
+        <p:nvSpPr>
+          <p:cNvPr id="110" name="Rectangle 109"/>
+          <p:cNvSpPr/>
+          <p:nvPr/>
+        </p:nvSpPr>
+        <p:spPr>
+          <a:xfrm>
+            <a:off x="5157212" y="4261104"/>
+            <a:ext cx="914400" cy="1371600"/>
+          </a:xfrm>
+          <a:prstGeom prst="rect">
+            <a:avLst/>
+          </a:prstGeom>
+        </p:spPr>
+        <p:style>
+          <a:lnRef idx="1">
+            <a:schemeClr val="accent1"/>
+          </a:lnRef>
+          <a:fillRef idx="3">
+            <a:schemeClr val="accent1"/>
+          </a:fillRef>
+          <a:effectRef idx="2">
+            <a:schemeClr val="accent1"/>
+          </a:effectRef>
+          <a:fontRef idx="minor">
+            <a:schemeClr val="lt1"/>
+          </a:fontRef>
+        </p:style>
+        <p:txBody>
+          <a:bodyPr rtlCol="0" anchor="ctr"/>
+          <a:lstStyle/>
+          <a:p>
+            <a:pPr algn="ctr"/>
+          </a:p>
+        </p:txBody>
+      </p:sp>
+      <p:sp>
+        <p:nvSpPr>
+          <p:cNvPr id="111" name="TextBox 110"/>
+          <p:cNvSpPr txBox="1"/>
+          <p:nvPr/>
+        </p:nvSpPr>
+        <p:spPr>
+          <a:xfrm>
+            <a:off x="5157212" y="3959352"/>
+            <a:ext cx="914400" cy="228600"/>
+          </a:xfrm>
+          <a:prstGeom prst="rect">
+            <a:avLst/>
+          </a:prstGeom>
+          <a:noFill/>
+        </p:spPr>
+        <p:txBody>
+          <a:bodyPr wrap="none">
+            <a:spAutoFit/>
+          </a:bodyPr>
+          <a:lstStyle/>
+          <a:p/>
+          <a:p>
+            <a:pPr>
+              <a:defRPr sz="1000"/>
+            </a:pPr>
+            <a:r>
+              <a:t>June 2018</a:t>
+            </a:r>
+          </a:p>
+        </p:txBody>
+      </p:sp>
+      <p:pic>
+        <p:nvPicPr>
+          <p:cNvPr id="112" name="Picture 111" descr="key_social_logo.png"/>
+          <p:cNvPicPr>
+            <a:picLocks noChangeAspect="1"/>
+          </p:cNvPicPr>
+          <p:nvPr/>
+        </p:nvPicPr>
+        <p:blipFill>
+          <a:blip r:embed="rId2"/>
+          <a:stretch>
+            <a:fillRect/>
+          </a:stretch>
+        </p:blipFill>
+        <p:spPr>
+          <a:xfrm>
+            <a:off x="5253224" y="4626864"/>
+            <a:ext cx="696686" cy="365760"/>
+          </a:xfrm>
+          <a:prstGeom prst="rect">
+            <a:avLst/>
+          </a:prstGeom>
+        </p:spPr>
+      </p:pic>
+      <p:sp>
+        <p:nvSpPr>
+          <p:cNvPr id="113" name="TextBox 112"/>
+          <p:cNvSpPr txBox="1"/>
+          <p:nvPr/>
+        </p:nvSpPr>
+        <p:spPr>
+          <a:xfrm>
+            <a:off x="5157212" y="4718304"/>
+            <a:ext cx="914400" cy="228600"/>
+          </a:xfrm>
+          <a:prstGeom prst="rect">
+            <a:avLst/>
+          </a:prstGeom>
+          <a:noFill/>
+        </p:spPr>
+        <p:txBody>
+          <a:bodyPr wrap="none">
+            <a:spAutoFit/>
+          </a:bodyPr>
+          <a:lstStyle/>
+          <a:p/>
+          <a:p>
+            <a:pPr>
+              <a:defRPr sz="1000"/>
+            </a:pPr>
+            <a:r>
+              <a:t>200,000,000</a:t>
+            </a:r>
+          </a:p>
+        </p:txBody>
+      </p:sp>
+      <p:sp>
+        <p:nvSpPr>
+          <p:cNvPr id="114" name="TextBox 113"/>
+          <p:cNvSpPr txBox="1"/>
+          <p:nvPr/>
+        </p:nvSpPr>
+        <p:spPr>
+          <a:xfrm>
+            <a:off x="5157212" y="4837176"/>
+            <a:ext cx="914400" cy="228600"/>
+          </a:xfrm>
+          <a:prstGeom prst="rect">
+            <a:avLst/>
+          </a:prstGeom>
+          <a:noFill/>
+        </p:spPr>
+        <p:txBody>
+          <a:bodyPr wrap="none">
+            <a:spAutoFit/>
+          </a:bodyPr>
+          <a:lstStyle/>
+          <a:p/>
+          <a:p>
+            <a:pPr>
+              <a:defRPr sz="1000"/>
+            </a:pPr>
+            <a:r>
+              <a:t>Senior Creditor</a:t>
+            </a:r>
+          </a:p>
+        </p:txBody>
+      </p:sp>
+      <p:sp>
+        <p:nvSpPr>
+          <p:cNvPr id="115" name="TextBox 114"/>
+          <p:cNvSpPr txBox="1"/>
+          <p:nvPr/>
+        </p:nvSpPr>
+        <p:spPr>
+          <a:xfrm>
+            <a:off x="5157212" y="5175504"/>
+            <a:ext cx="914400" cy="228600"/>
+          </a:xfrm>
+          <a:prstGeom prst="rect">
+            <a:avLst/>
+          </a:prstGeom>
+          <a:noFill/>
+        </p:spPr>
+        <p:txBody>
+          <a:bodyPr wrap="none">
+            <a:spAutoFit/>
+          </a:bodyPr>
+          <a:lstStyle/>
+          <a:p/>
+          <a:p>
+            <a:pPr>
+              <a:defRPr sz="1000"/>
+            </a:pPr>
+            <a:r>
+              <a:t>Bookrunner</a:t>
+            </a:r>
+          </a:p>
+        </p:txBody>
+      </p:sp>
+      <p:sp>
+        <p:nvSpPr>
+          <p:cNvPr id="116" name="Rectangle 115"/>
+          <p:cNvSpPr/>
+          <p:nvPr/>
+        </p:nvSpPr>
+        <p:spPr>
+          <a:xfrm>
+            <a:off x="6332215" y="4261104"/>
+            <a:ext cx="914400" cy="1371600"/>
+          </a:xfrm>
+          <a:prstGeom prst="rect">
+            <a:avLst/>
+          </a:prstGeom>
+        </p:spPr>
+        <p:style>
+          <a:lnRef idx="1">
+            <a:schemeClr val="accent1"/>
+          </a:lnRef>
+          <a:fillRef idx="3">
+            <a:schemeClr val="accent1"/>
+          </a:fillRef>
+          <a:effectRef idx="2">
+            <a:schemeClr val="accent1"/>
+          </a:effectRef>
+          <a:fontRef idx="minor">
+            <a:schemeClr val="lt1"/>
+          </a:fontRef>
+        </p:style>
+        <p:txBody>
+          <a:bodyPr rtlCol="0" anchor="ctr"/>
+          <a:lstStyle/>
+          <a:p>
+            <a:pPr algn="ctr"/>
+          </a:p>
+        </p:txBody>
+      </p:sp>
+      <p:sp>
+        <p:nvSpPr>
+          <p:cNvPr id="117" name="TextBox 116"/>
+          <p:cNvSpPr txBox="1"/>
+          <p:nvPr/>
+        </p:nvSpPr>
+        <p:spPr>
+          <a:xfrm>
+            <a:off x="6332215" y="3959352"/>
+            <a:ext cx="914400" cy="228600"/>
+          </a:xfrm>
+          <a:prstGeom prst="rect">
+            <a:avLst/>
+          </a:prstGeom>
+          <a:noFill/>
+        </p:spPr>
+        <p:txBody>
+          <a:bodyPr wrap="none">
+            <a:spAutoFit/>
+          </a:bodyPr>
+          <a:lstStyle/>
+          <a:p/>
+          <a:p>
+            <a:pPr>
+              <a:defRPr sz="1000"/>
+            </a:pPr>
+            <a:r>
+              <a:t>June 2018</a:t>
+            </a:r>
+          </a:p>
+        </p:txBody>
+      </p:sp>
+      <p:pic>
+        <p:nvPicPr>
+          <p:cNvPr id="118" name="Picture 117" descr="key_social_logo.png"/>
+          <p:cNvPicPr>
+            <a:picLocks noChangeAspect="1"/>
+          </p:cNvPicPr>
+          <p:nvPr/>
+        </p:nvPicPr>
+        <p:blipFill>
+          <a:blip r:embed="rId2"/>
+          <a:stretch>
+            <a:fillRect/>
+          </a:stretch>
+        </p:blipFill>
+        <p:spPr>
+          <a:xfrm>
+            <a:off x="6428227" y="4626864"/>
+            <a:ext cx="696686" cy="365760"/>
+          </a:xfrm>
+          <a:prstGeom prst="rect">
+            <a:avLst/>
+          </a:prstGeom>
+        </p:spPr>
+      </p:pic>
+      <p:sp>
+        <p:nvSpPr>
+          <p:cNvPr id="119" name="TextBox 118"/>
+          <p:cNvSpPr txBox="1"/>
+          <p:nvPr/>
+        </p:nvSpPr>
+        <p:spPr>
+          <a:xfrm>
+            <a:off x="6332215" y="4718304"/>
+            <a:ext cx="914400" cy="228600"/>
+          </a:xfrm>
+          <a:prstGeom prst="rect">
+            <a:avLst/>
+          </a:prstGeom>
+          <a:noFill/>
+        </p:spPr>
+        <p:txBody>
+          <a:bodyPr wrap="none">
+            <a:spAutoFit/>
+          </a:bodyPr>
+          <a:lstStyle/>
+          <a:p/>
+          <a:p>
+            <a:pPr>
+              <a:defRPr sz="1000"/>
+            </a:pPr>
+            <a:r>
+              <a:t>200,000,000</a:t>
+            </a:r>
+          </a:p>
+        </p:txBody>
+      </p:sp>
+      <p:sp>
+        <p:nvSpPr>
+          <p:cNvPr id="120" name="TextBox 119"/>
+          <p:cNvSpPr txBox="1"/>
+          <p:nvPr/>
+        </p:nvSpPr>
+        <p:spPr>
+          <a:xfrm>
+            <a:off x="6332215" y="4837176"/>
+            <a:ext cx="914400" cy="228600"/>
+          </a:xfrm>
+          <a:prstGeom prst="rect">
+            <a:avLst/>
+          </a:prstGeom>
+          <a:noFill/>
+        </p:spPr>
+        <p:txBody>
+          <a:bodyPr wrap="none">
+            <a:spAutoFit/>
+          </a:bodyPr>
+          <a:lstStyle/>
+          <a:p/>
+          <a:p>
+            <a:pPr>
+              <a:defRPr sz="1000"/>
+            </a:pPr>
+            <a:r>
+              <a:t>Senior Creditor</a:t>
+            </a:r>
+          </a:p>
+        </p:txBody>
+      </p:sp>
+      <p:sp>
+        <p:nvSpPr>
+          <p:cNvPr id="121" name="TextBox 120"/>
+          <p:cNvSpPr txBox="1"/>
+          <p:nvPr/>
+        </p:nvSpPr>
+        <p:spPr>
+          <a:xfrm>
+            <a:off x="6332215" y="5175504"/>
+            <a:ext cx="914400" cy="228600"/>
+          </a:xfrm>
+          <a:prstGeom prst="rect">
+            <a:avLst/>
+          </a:prstGeom>
+          <a:noFill/>
+        </p:spPr>
+        <p:txBody>
+          <a:bodyPr wrap="none">
+            <a:spAutoFit/>
+          </a:bodyPr>
+          <a:lstStyle/>
+          <a:p/>
+          <a:p>
+            <a:pPr>
+              <a:defRPr sz="1000"/>
+            </a:pPr>
+            <a:r>
+              <a:t>Bookrunner</a:t>
+            </a:r>
+          </a:p>
+        </p:txBody>
+      </p:sp>
+      <p:sp>
+        <p:nvSpPr>
+          <p:cNvPr id="122" name="Rectangle 121"/>
+          <p:cNvSpPr/>
+          <p:nvPr/>
+        </p:nvSpPr>
+        <p:spPr>
+          <a:xfrm>
+            <a:off x="7507218" y="4261104"/>
+            <a:ext cx="914400" cy="1371600"/>
+          </a:xfrm>
+          <a:prstGeom prst="rect">
+            <a:avLst/>
+          </a:prstGeom>
+        </p:spPr>
+        <p:style>
+          <a:lnRef idx="1">
+            <a:schemeClr val="accent1"/>
+          </a:lnRef>
+          <a:fillRef idx="3">
+            <a:schemeClr val="accent1"/>
+          </a:fillRef>
+          <a:effectRef idx="2">
+            <a:schemeClr val="accent1"/>
+          </a:effectRef>
+          <a:fontRef idx="minor">
+            <a:schemeClr val="lt1"/>
+          </a:fontRef>
+        </p:style>
+        <p:txBody>
+          <a:bodyPr rtlCol="0" anchor="ctr"/>
+          <a:lstStyle/>
+          <a:p>
+            <a:pPr algn="ctr"/>
+          </a:p>
+        </p:txBody>
+      </p:sp>
+      <p:sp>
+        <p:nvSpPr>
+          <p:cNvPr id="123" name="TextBox 122"/>
+          <p:cNvSpPr txBox="1"/>
+          <p:nvPr/>
+        </p:nvSpPr>
+        <p:spPr>
+          <a:xfrm>
+            <a:off x="7507218" y="3959352"/>
+            <a:ext cx="914400" cy="228600"/>
+          </a:xfrm>
+          <a:prstGeom prst="rect">
+            <a:avLst/>
+          </a:prstGeom>
+          <a:noFill/>
+        </p:spPr>
+        <p:txBody>
+          <a:bodyPr wrap="none">
+            <a:spAutoFit/>
+          </a:bodyPr>
+          <a:lstStyle/>
+          <a:p/>
+          <a:p>
+            <a:pPr>
+              <a:defRPr sz="1000"/>
+            </a:pPr>
+            <a:r>
+              <a:t>June 2018</a:t>
+            </a:r>
+          </a:p>
+        </p:txBody>
+      </p:sp>
+      <p:pic>
+        <p:nvPicPr>
+          <p:cNvPr id="124" name="Picture 123" descr="key_social_logo.png"/>
+          <p:cNvPicPr>
+            <a:picLocks noChangeAspect="1"/>
+          </p:cNvPicPr>
+          <p:nvPr/>
+        </p:nvPicPr>
+        <p:blipFill>
+          <a:blip r:embed="rId2"/>
+          <a:stretch>
+            <a:fillRect/>
+          </a:stretch>
+        </p:blipFill>
+        <p:spPr>
+          <a:xfrm>
+            <a:off x="7603230" y="4626864"/>
+            <a:ext cx="696686" cy="365760"/>
+          </a:xfrm>
+          <a:prstGeom prst="rect">
+            <a:avLst/>
+          </a:prstGeom>
+        </p:spPr>
+      </p:pic>
+      <p:sp>
+        <p:nvSpPr>
+          <p:cNvPr id="125" name="TextBox 124"/>
+          <p:cNvSpPr txBox="1"/>
+          <p:nvPr/>
+        </p:nvSpPr>
+        <p:spPr>
+          <a:xfrm>
+            <a:off x="7507218" y="4718304"/>
+            <a:ext cx="914400" cy="228600"/>
+          </a:xfrm>
+          <a:prstGeom prst="rect">
+            <a:avLst/>
+          </a:prstGeom>
+          <a:noFill/>
+        </p:spPr>
+        <p:txBody>
+          <a:bodyPr wrap="none">
+            <a:spAutoFit/>
+          </a:bodyPr>
+          <a:lstStyle/>
+          <a:p/>
+          <a:p>
+            <a:pPr>
+              <a:defRPr sz="1000"/>
+            </a:pPr>
+            <a:r>
+              <a:t>200,000,000</a:t>
+            </a:r>
+          </a:p>
+        </p:txBody>
+      </p:sp>
+      <p:sp>
+        <p:nvSpPr>
+          <p:cNvPr id="126" name="TextBox 125"/>
+          <p:cNvSpPr txBox="1"/>
+          <p:nvPr/>
+        </p:nvSpPr>
+        <p:spPr>
+          <a:xfrm>
+            <a:off x="7507218" y="4837176"/>
+            <a:ext cx="914400" cy="228600"/>
+          </a:xfrm>
+          <a:prstGeom prst="rect">
+            <a:avLst/>
+          </a:prstGeom>
+          <a:noFill/>
+        </p:spPr>
+        <p:txBody>
+          <a:bodyPr wrap="none">
+            <a:spAutoFit/>
+          </a:bodyPr>
+          <a:lstStyle/>
+          <a:p/>
+          <a:p>
+            <a:pPr>
+              <a:defRPr sz="1000"/>
+            </a:pPr>
+            <a:r>
+              <a:t>Senior Creditor</a:t>
+            </a:r>
+          </a:p>
+        </p:txBody>
+      </p:sp>
+      <p:sp>
+        <p:nvSpPr>
+          <p:cNvPr id="127" name="TextBox 126"/>
+          <p:cNvSpPr txBox="1"/>
+          <p:nvPr/>
+        </p:nvSpPr>
+        <p:spPr>
+          <a:xfrm>
+            <a:off x="7507218" y="5175504"/>
+            <a:ext cx="914400" cy="228600"/>
+          </a:xfrm>
+          <a:prstGeom prst="rect">
+            <a:avLst/>
+          </a:prstGeom>
+          <a:noFill/>
+        </p:spPr>
+        <p:txBody>
+          <a:bodyPr wrap="none">
+            <a:spAutoFit/>
+          </a:bodyPr>
+          <a:lstStyle/>
+          <a:p/>
+          <a:p>
+            <a:pPr>
+              <a:defRPr sz="1000"/>
+            </a:pPr>
+            <a:r>
+              <a:t>Bookrunner</a:t>
             </a:r>
           </a:p>
         </p:txBody>

--- a/test.pptx
+++ b/test.pptx
@@ -6599,6 +6599,9 @@
           <a:prstGeom prst="rect">
             <a:avLst/>
           </a:prstGeom>
+          <a:solidFill>
+            <a:srgbClr val="FFFFFF"/>
+          </a:solidFill>
         </p:spPr>
         <p:style>
           <a:lnRef idx="1">
@@ -6779,6 +6782,9 @@
           <a:prstGeom prst="rect">
             <a:avLst/>
           </a:prstGeom>
+          <a:solidFill>
+            <a:srgbClr val="FFFFFF"/>
+          </a:solidFill>
         </p:spPr>
         <p:style>
           <a:lnRef idx="1">
@@ -6968,6 +6974,9 @@
           <a:prstGeom prst="rect">
             <a:avLst/>
           </a:prstGeom>
+          <a:solidFill>
+            <a:srgbClr val="FFFFFF"/>
+          </a:solidFill>
         </p:spPr>
         <p:style>
           <a:lnRef idx="1">
@@ -7157,6 +7166,9 @@
           <a:prstGeom prst="rect">
             <a:avLst/>
           </a:prstGeom>
+          <a:solidFill>
+            <a:srgbClr val="FFFFFF"/>
+          </a:solidFill>
         </p:spPr>
         <p:style>
           <a:lnRef idx="1">
@@ -7346,6 +7358,9 @@
           <a:prstGeom prst="rect">
             <a:avLst/>
           </a:prstGeom>
+          <a:solidFill>
+            <a:srgbClr val="FFFFFF"/>
+          </a:solidFill>
         </p:spPr>
         <p:style>
           <a:lnRef idx="1">
@@ -7535,6 +7550,9 @@
           <a:prstGeom prst="rect">
             <a:avLst/>
           </a:prstGeom>
+          <a:solidFill>
+            <a:srgbClr val="FFFFFF"/>
+          </a:solidFill>
         </p:spPr>
         <p:style>
           <a:lnRef idx="1">
@@ -7724,6 +7742,9 @@
           <a:prstGeom prst="rect">
             <a:avLst/>
           </a:prstGeom>
+          <a:solidFill>
+            <a:srgbClr val="FFFFFF"/>
+          </a:solidFill>
         </p:spPr>
         <p:style>
           <a:lnRef idx="1">
@@ -7913,6 +7934,9 @@
           <a:prstGeom prst="rect">
             <a:avLst/>
           </a:prstGeom>
+          <a:solidFill>
+            <a:srgbClr val="FFFFFF"/>
+          </a:solidFill>
         </p:spPr>
         <p:style>
           <a:lnRef idx="1">
@@ -8096,12 +8120,15 @@
         </p:nvSpPr>
         <p:spPr>
           <a:xfrm>
-            <a:off x="457200" y="2587752"/>
+            <a:off x="8682221" y="914400"/>
             <a:ext cx="914400" cy="1371600"/>
           </a:xfrm>
           <a:prstGeom prst="rect">
             <a:avLst/>
           </a:prstGeom>
+          <a:solidFill>
+            <a:srgbClr val="FFFFFF"/>
+          </a:solidFill>
         </p:spPr>
         <p:style>
           <a:lnRef idx="1">
@@ -8133,7 +8160,7 @@
         </p:nvSpPr>
         <p:spPr>
           <a:xfrm>
-            <a:off x="457200" y="2286000"/>
+            <a:off x="8682221" y="612648"/>
             <a:ext cx="914400" cy="228600"/>
           </a:xfrm>
           <a:prstGeom prst="rect">
@@ -8173,7 +8200,7 @@
         </p:blipFill>
         <p:spPr>
           <a:xfrm>
-            <a:off x="553212" y="2953512"/>
+            <a:off x="8778233" y="1280160"/>
             <a:ext cx="696686" cy="365760"/>
           </a:xfrm>
           <a:prstGeom prst="rect">
@@ -8189,7 +8216,7 @@
         </p:nvSpPr>
         <p:spPr>
           <a:xfrm>
-            <a:off x="457200" y="3044952"/>
+            <a:off x="8682221" y="1371600"/>
             <a:ext cx="914400" cy="228600"/>
           </a:xfrm>
           <a:prstGeom prst="rect">
@@ -8221,7 +8248,7 @@
         </p:nvSpPr>
         <p:spPr>
           <a:xfrm>
-            <a:off x="457200" y="3163824"/>
+            <a:off x="8682221" y="1490472"/>
             <a:ext cx="914400" cy="228600"/>
           </a:xfrm>
           <a:prstGeom prst="rect">
@@ -8253,7 +8280,7 @@
         </p:nvSpPr>
         <p:spPr>
           <a:xfrm>
-            <a:off x="457200" y="3502152"/>
+            <a:off x="8682221" y="1828800"/>
             <a:ext cx="914400" cy="228600"/>
           </a:xfrm>
           <a:prstGeom prst="rect">
@@ -8285,12 +8312,15 @@
         </p:nvSpPr>
         <p:spPr>
           <a:xfrm>
-            <a:off x="1632203" y="2587752"/>
+            <a:off x="457200" y="2587752"/>
             <a:ext cx="914400" cy="1371600"/>
           </a:xfrm>
           <a:prstGeom prst="rect">
             <a:avLst/>
           </a:prstGeom>
+          <a:solidFill>
+            <a:srgbClr val="FFFFFF"/>
+          </a:solidFill>
         </p:spPr>
         <p:style>
           <a:lnRef idx="1">
@@ -8322,7 +8352,7 @@
         </p:nvSpPr>
         <p:spPr>
           <a:xfrm>
-            <a:off x="1632203" y="2286000"/>
+            <a:off x="457200" y="2286000"/>
             <a:ext cx="914400" cy="228600"/>
           </a:xfrm>
           <a:prstGeom prst="rect">
@@ -8362,7 +8392,7 @@
         </p:blipFill>
         <p:spPr>
           <a:xfrm>
-            <a:off x="1728215" y="2953512"/>
+            <a:off x="553212" y="2953512"/>
             <a:ext cx="696686" cy="365760"/>
           </a:xfrm>
           <a:prstGeom prst="rect">
@@ -8378,7 +8408,7 @@
         </p:nvSpPr>
         <p:spPr>
           <a:xfrm>
-            <a:off x="1632203" y="3044952"/>
+            <a:off x="457200" y="3044952"/>
             <a:ext cx="914400" cy="228600"/>
           </a:xfrm>
           <a:prstGeom prst="rect">
@@ -8410,7 +8440,7 @@
         </p:nvSpPr>
         <p:spPr>
           <a:xfrm>
-            <a:off x="1632203" y="3163824"/>
+            <a:off x="457200" y="3163824"/>
             <a:ext cx="914400" cy="228600"/>
           </a:xfrm>
           <a:prstGeom prst="rect">
@@ -8442,7 +8472,7 @@
         </p:nvSpPr>
         <p:spPr>
           <a:xfrm>
-            <a:off x="1632203" y="3502152"/>
+            <a:off x="457200" y="3502152"/>
             <a:ext cx="914400" cy="228600"/>
           </a:xfrm>
           <a:prstGeom prst="rect">
@@ -8474,12 +8504,15 @@
         </p:nvSpPr>
         <p:spPr>
           <a:xfrm>
-            <a:off x="2807206" y="2587752"/>
+            <a:off x="1632203" y="2587752"/>
             <a:ext cx="914400" cy="1371600"/>
           </a:xfrm>
           <a:prstGeom prst="rect">
             <a:avLst/>
           </a:prstGeom>
+          <a:solidFill>
+            <a:srgbClr val="FFFFFF"/>
+          </a:solidFill>
         </p:spPr>
         <p:style>
           <a:lnRef idx="1">
@@ -8511,7 +8544,7 @@
         </p:nvSpPr>
         <p:spPr>
           <a:xfrm>
-            <a:off x="2807206" y="2286000"/>
+            <a:off x="1632203" y="2286000"/>
             <a:ext cx="914400" cy="228600"/>
           </a:xfrm>
           <a:prstGeom prst="rect">
@@ -8551,7 +8584,7 @@
         </p:blipFill>
         <p:spPr>
           <a:xfrm>
-            <a:off x="2903218" y="2953512"/>
+            <a:off x="1728215" y="2953512"/>
             <a:ext cx="696686" cy="365760"/>
           </a:xfrm>
           <a:prstGeom prst="rect">
@@ -8567,7 +8600,7 @@
         </p:nvSpPr>
         <p:spPr>
           <a:xfrm>
-            <a:off x="2807206" y="3044952"/>
+            <a:off x="1632203" y="3044952"/>
             <a:ext cx="914400" cy="228600"/>
           </a:xfrm>
           <a:prstGeom prst="rect">
@@ -8599,7 +8632,7 @@
         </p:nvSpPr>
         <p:spPr>
           <a:xfrm>
-            <a:off x="2807206" y="3163824"/>
+            <a:off x="1632203" y="3163824"/>
             <a:ext cx="914400" cy="228600"/>
           </a:xfrm>
           <a:prstGeom prst="rect">
@@ -8631,7 +8664,7 @@
         </p:nvSpPr>
         <p:spPr>
           <a:xfrm>
-            <a:off x="2807206" y="3502152"/>
+            <a:off x="1632203" y="3502152"/>
             <a:ext cx="914400" cy="228600"/>
           </a:xfrm>
           <a:prstGeom prst="rect">
@@ -8663,12 +8696,15 @@
         </p:nvSpPr>
         <p:spPr>
           <a:xfrm>
-            <a:off x="3982209" y="2587752"/>
+            <a:off x="2807206" y="2587752"/>
             <a:ext cx="914400" cy="1371600"/>
           </a:xfrm>
           <a:prstGeom prst="rect">
             <a:avLst/>
           </a:prstGeom>
+          <a:solidFill>
+            <a:srgbClr val="FFFFFF"/>
+          </a:solidFill>
         </p:spPr>
         <p:style>
           <a:lnRef idx="1">
@@ -8700,7 +8736,7 @@
         </p:nvSpPr>
         <p:spPr>
           <a:xfrm>
-            <a:off x="3982209" y="2286000"/>
+            <a:off x="2807206" y="2286000"/>
             <a:ext cx="914400" cy="228600"/>
           </a:xfrm>
           <a:prstGeom prst="rect">
@@ -8740,7 +8776,7 @@
         </p:blipFill>
         <p:spPr>
           <a:xfrm>
-            <a:off x="4078221" y="2953512"/>
+            <a:off x="2903218" y="2953512"/>
             <a:ext cx="696686" cy="365760"/>
           </a:xfrm>
           <a:prstGeom prst="rect">
@@ -8756,7 +8792,7 @@
         </p:nvSpPr>
         <p:spPr>
           <a:xfrm>
-            <a:off x="3982209" y="3044952"/>
+            <a:off x="2807206" y="3044952"/>
             <a:ext cx="914400" cy="228600"/>
           </a:xfrm>
           <a:prstGeom prst="rect">
@@ -8788,7 +8824,7 @@
         </p:nvSpPr>
         <p:spPr>
           <a:xfrm>
-            <a:off x="3982209" y="3163824"/>
+            <a:off x="2807206" y="3163824"/>
             <a:ext cx="914400" cy="228600"/>
           </a:xfrm>
           <a:prstGeom prst="rect">
@@ -8820,7 +8856,7 @@
         </p:nvSpPr>
         <p:spPr>
           <a:xfrm>
-            <a:off x="3982209" y="3502152"/>
+            <a:off x="2807206" y="3502152"/>
             <a:ext cx="914400" cy="228600"/>
           </a:xfrm>
           <a:prstGeom prst="rect">
@@ -8852,12 +8888,15 @@
         </p:nvSpPr>
         <p:spPr>
           <a:xfrm>
-            <a:off x="5157212" y="2587752"/>
+            <a:off x="3982209" y="2587752"/>
             <a:ext cx="914400" cy="1371600"/>
           </a:xfrm>
           <a:prstGeom prst="rect">
             <a:avLst/>
           </a:prstGeom>
+          <a:solidFill>
+            <a:srgbClr val="FFFFFF"/>
+          </a:solidFill>
         </p:spPr>
         <p:style>
           <a:lnRef idx="1">
@@ -8889,7 +8928,7 @@
         </p:nvSpPr>
         <p:spPr>
           <a:xfrm>
-            <a:off x="5157212" y="2286000"/>
+            <a:off x="3982209" y="2286000"/>
             <a:ext cx="914400" cy="228600"/>
           </a:xfrm>
           <a:prstGeom prst="rect">
@@ -8929,7 +8968,7 @@
         </p:blipFill>
         <p:spPr>
           <a:xfrm>
-            <a:off x="5253224" y="2953512"/>
+            <a:off x="4078221" y="2953512"/>
             <a:ext cx="696686" cy="365760"/>
           </a:xfrm>
           <a:prstGeom prst="rect">
@@ -8945,7 +8984,7 @@
         </p:nvSpPr>
         <p:spPr>
           <a:xfrm>
-            <a:off x="5157212" y="3044952"/>
+            <a:off x="3982209" y="3044952"/>
             <a:ext cx="914400" cy="228600"/>
           </a:xfrm>
           <a:prstGeom prst="rect">
@@ -8977,7 +9016,7 @@
         </p:nvSpPr>
         <p:spPr>
           <a:xfrm>
-            <a:off x="5157212" y="3163824"/>
+            <a:off x="3982209" y="3163824"/>
             <a:ext cx="914400" cy="228600"/>
           </a:xfrm>
           <a:prstGeom prst="rect">
@@ -9009,7 +9048,7 @@
         </p:nvSpPr>
         <p:spPr>
           <a:xfrm>
-            <a:off x="5157212" y="3502152"/>
+            <a:off x="3982209" y="3502152"/>
             <a:ext cx="914400" cy="228600"/>
           </a:xfrm>
           <a:prstGeom prst="rect">
@@ -9041,12 +9080,15 @@
         </p:nvSpPr>
         <p:spPr>
           <a:xfrm>
-            <a:off x="6332215" y="2587752"/>
+            <a:off x="5157212" y="2587752"/>
             <a:ext cx="914400" cy="1371600"/>
           </a:xfrm>
           <a:prstGeom prst="rect">
             <a:avLst/>
           </a:prstGeom>
+          <a:solidFill>
+            <a:srgbClr val="FFFFFF"/>
+          </a:solidFill>
         </p:spPr>
         <p:style>
           <a:lnRef idx="1">
@@ -9078,7 +9120,7 @@
         </p:nvSpPr>
         <p:spPr>
           <a:xfrm>
-            <a:off x="6332215" y="2286000"/>
+            <a:off x="5157212" y="2286000"/>
             <a:ext cx="914400" cy="228600"/>
           </a:xfrm>
           <a:prstGeom prst="rect">
@@ -9118,7 +9160,7 @@
         </p:blipFill>
         <p:spPr>
           <a:xfrm>
-            <a:off x="6428227" y="2953512"/>
+            <a:off x="5253224" y="2953512"/>
             <a:ext cx="696686" cy="365760"/>
           </a:xfrm>
           <a:prstGeom prst="rect">
@@ -9134,7 +9176,7 @@
         </p:nvSpPr>
         <p:spPr>
           <a:xfrm>
-            <a:off x="6332215" y="3044952"/>
+            <a:off x="5157212" y="3044952"/>
             <a:ext cx="914400" cy="228600"/>
           </a:xfrm>
           <a:prstGeom prst="rect">
@@ -9166,7 +9208,7 @@
         </p:nvSpPr>
         <p:spPr>
           <a:xfrm>
-            <a:off x="6332215" y="3163824"/>
+            <a:off x="5157212" y="3163824"/>
             <a:ext cx="914400" cy="228600"/>
           </a:xfrm>
           <a:prstGeom prst="rect">
@@ -9198,7 +9240,7 @@
         </p:nvSpPr>
         <p:spPr>
           <a:xfrm>
-            <a:off x="6332215" y="3502152"/>
+            <a:off x="5157212" y="3502152"/>
             <a:ext cx="914400" cy="228600"/>
           </a:xfrm>
           <a:prstGeom prst="rect">
@@ -9230,12 +9272,15 @@
         </p:nvSpPr>
         <p:spPr>
           <a:xfrm>
-            <a:off x="7507218" y="2587752"/>
+            <a:off x="6332215" y="2587752"/>
             <a:ext cx="914400" cy="1371600"/>
           </a:xfrm>
           <a:prstGeom prst="rect">
             <a:avLst/>
           </a:prstGeom>
+          <a:solidFill>
+            <a:srgbClr val="FFFFFF"/>
+          </a:solidFill>
         </p:spPr>
         <p:style>
           <a:lnRef idx="1">
@@ -9267,7 +9312,7 @@
         </p:nvSpPr>
         <p:spPr>
           <a:xfrm>
-            <a:off x="7507218" y="2286000"/>
+            <a:off x="6332215" y="2286000"/>
             <a:ext cx="914400" cy="228600"/>
           </a:xfrm>
           <a:prstGeom prst="rect">
@@ -9307,7 +9352,7 @@
         </p:blipFill>
         <p:spPr>
           <a:xfrm>
-            <a:off x="7603230" y="2953512"/>
+            <a:off x="6428227" y="2953512"/>
             <a:ext cx="696686" cy="365760"/>
           </a:xfrm>
           <a:prstGeom prst="rect">
@@ -9323,7 +9368,7 @@
         </p:nvSpPr>
         <p:spPr>
           <a:xfrm>
-            <a:off x="7507218" y="3044952"/>
+            <a:off x="6332215" y="3044952"/>
             <a:ext cx="914400" cy="228600"/>
           </a:xfrm>
           <a:prstGeom prst="rect">
@@ -9355,7 +9400,7 @@
         </p:nvSpPr>
         <p:spPr>
           <a:xfrm>
-            <a:off x="7507218" y="3163824"/>
+            <a:off x="6332215" y="3163824"/>
             <a:ext cx="914400" cy="228600"/>
           </a:xfrm>
           <a:prstGeom prst="rect">
@@ -9387,7 +9432,7 @@
         </p:nvSpPr>
         <p:spPr>
           <a:xfrm>
-            <a:off x="7507218" y="3502152"/>
+            <a:off x="6332215" y="3502152"/>
             <a:ext cx="914400" cy="228600"/>
           </a:xfrm>
           <a:prstGeom prst="rect">
@@ -9419,12 +9464,15 @@
         </p:nvSpPr>
         <p:spPr>
           <a:xfrm>
-            <a:off x="457200" y="4261104"/>
+            <a:off x="7507218" y="2587752"/>
             <a:ext cx="914400" cy="1371600"/>
           </a:xfrm>
           <a:prstGeom prst="rect">
             <a:avLst/>
           </a:prstGeom>
+          <a:solidFill>
+            <a:srgbClr val="FFFFFF"/>
+          </a:solidFill>
         </p:spPr>
         <p:style>
           <a:lnRef idx="1">
@@ -9456,7 +9504,7 @@
         </p:nvSpPr>
         <p:spPr>
           <a:xfrm>
-            <a:off x="457200" y="3959352"/>
+            <a:off x="7507218" y="2286000"/>
             <a:ext cx="914400" cy="228600"/>
           </a:xfrm>
           <a:prstGeom prst="rect">
@@ -9496,7 +9544,7 @@
         </p:blipFill>
         <p:spPr>
           <a:xfrm>
-            <a:off x="553212" y="4626864"/>
+            <a:off x="7603230" y="2953512"/>
             <a:ext cx="696686" cy="365760"/>
           </a:xfrm>
           <a:prstGeom prst="rect">
@@ -9512,7 +9560,7 @@
         </p:nvSpPr>
         <p:spPr>
           <a:xfrm>
-            <a:off x="457200" y="4718304"/>
+            <a:off x="7507218" y="3044952"/>
             <a:ext cx="914400" cy="228600"/>
           </a:xfrm>
           <a:prstGeom prst="rect">
@@ -9544,7 +9592,7 @@
         </p:nvSpPr>
         <p:spPr>
           <a:xfrm>
-            <a:off x="457200" y="4837176"/>
+            <a:off x="7507218" y="3163824"/>
             <a:ext cx="914400" cy="228600"/>
           </a:xfrm>
           <a:prstGeom prst="rect">
@@ -9576,7 +9624,7 @@
         </p:nvSpPr>
         <p:spPr>
           <a:xfrm>
-            <a:off x="457200" y="5175504"/>
+            <a:off x="7507218" y="3502152"/>
             <a:ext cx="914400" cy="228600"/>
           </a:xfrm>
           <a:prstGeom prst="rect">
@@ -9608,12 +9656,15 @@
         </p:nvSpPr>
         <p:spPr>
           <a:xfrm>
-            <a:off x="1632203" y="4261104"/>
+            <a:off x="8682221" y="2587752"/>
             <a:ext cx="914400" cy="1371600"/>
           </a:xfrm>
           <a:prstGeom prst="rect">
             <a:avLst/>
           </a:prstGeom>
+          <a:solidFill>
+            <a:srgbClr val="FFFFFF"/>
+          </a:solidFill>
         </p:spPr>
         <p:style>
           <a:lnRef idx="1">
@@ -9645,7 +9696,7 @@
         </p:nvSpPr>
         <p:spPr>
           <a:xfrm>
-            <a:off x="1632203" y="3959352"/>
+            <a:off x="8682221" y="2286000"/>
             <a:ext cx="914400" cy="228600"/>
           </a:xfrm>
           <a:prstGeom prst="rect">
@@ -9685,7 +9736,7 @@
         </p:blipFill>
         <p:spPr>
           <a:xfrm>
-            <a:off x="1728215" y="4626864"/>
+            <a:off x="8778233" y="2953512"/>
             <a:ext cx="696686" cy="365760"/>
           </a:xfrm>
           <a:prstGeom prst="rect">
@@ -9701,7 +9752,7 @@
         </p:nvSpPr>
         <p:spPr>
           <a:xfrm>
-            <a:off x="1632203" y="4718304"/>
+            <a:off x="8682221" y="3044952"/>
             <a:ext cx="914400" cy="228600"/>
           </a:xfrm>
           <a:prstGeom prst="rect">
@@ -9733,7 +9784,7 @@
         </p:nvSpPr>
         <p:spPr>
           <a:xfrm>
-            <a:off x="1632203" y="4837176"/>
+            <a:off x="8682221" y="3163824"/>
             <a:ext cx="914400" cy="228600"/>
           </a:xfrm>
           <a:prstGeom prst="rect">
@@ -9765,7 +9816,7 @@
         </p:nvSpPr>
         <p:spPr>
           <a:xfrm>
-            <a:off x="1632203" y="5175504"/>
+            <a:off x="8682221" y="3502152"/>
             <a:ext cx="914400" cy="228600"/>
           </a:xfrm>
           <a:prstGeom prst="rect">
@@ -9797,12 +9848,15 @@
         </p:nvSpPr>
         <p:spPr>
           <a:xfrm>
-            <a:off x="2807206" y="4261104"/>
+            <a:off x="457200" y="4261104"/>
             <a:ext cx="914400" cy="1371600"/>
           </a:xfrm>
           <a:prstGeom prst="rect">
             <a:avLst/>
           </a:prstGeom>
+          <a:solidFill>
+            <a:srgbClr val="FFFFFF"/>
+          </a:solidFill>
         </p:spPr>
         <p:style>
           <a:lnRef idx="1">
@@ -9834,7 +9888,7 @@
         </p:nvSpPr>
         <p:spPr>
           <a:xfrm>
-            <a:off x="2807206" y="3959352"/>
+            <a:off x="457200" y="3959352"/>
             <a:ext cx="914400" cy="228600"/>
           </a:xfrm>
           <a:prstGeom prst="rect">
@@ -9874,7 +9928,7 @@
         </p:blipFill>
         <p:spPr>
           <a:xfrm>
-            <a:off x="2903218" y="4626864"/>
+            <a:off x="553212" y="4626864"/>
             <a:ext cx="696686" cy="365760"/>
           </a:xfrm>
           <a:prstGeom prst="rect">
@@ -9890,7 +9944,7 @@
         </p:nvSpPr>
         <p:spPr>
           <a:xfrm>
-            <a:off x="2807206" y="4718304"/>
+            <a:off x="457200" y="4718304"/>
             <a:ext cx="914400" cy="228600"/>
           </a:xfrm>
           <a:prstGeom prst="rect">
@@ -9922,7 +9976,7 @@
         </p:nvSpPr>
         <p:spPr>
           <a:xfrm>
-            <a:off x="2807206" y="4837176"/>
+            <a:off x="457200" y="4837176"/>
             <a:ext cx="914400" cy="228600"/>
           </a:xfrm>
           <a:prstGeom prst="rect">
@@ -9954,7 +10008,7 @@
         </p:nvSpPr>
         <p:spPr>
           <a:xfrm>
-            <a:off x="2807206" y="5175504"/>
+            <a:off x="457200" y="5175504"/>
             <a:ext cx="914400" cy="228600"/>
           </a:xfrm>
           <a:prstGeom prst="rect">
@@ -9986,12 +10040,15 @@
         </p:nvSpPr>
         <p:spPr>
           <a:xfrm>
-            <a:off x="3982209" y="4261104"/>
+            <a:off x="1632203" y="4261104"/>
             <a:ext cx="914400" cy="1371600"/>
           </a:xfrm>
           <a:prstGeom prst="rect">
             <a:avLst/>
           </a:prstGeom>
+          <a:solidFill>
+            <a:srgbClr val="FFFFFF"/>
+          </a:solidFill>
         </p:spPr>
         <p:style>
           <a:lnRef idx="1">
@@ -10023,7 +10080,7 @@
         </p:nvSpPr>
         <p:spPr>
           <a:xfrm>
-            <a:off x="3982209" y="3959352"/>
+            <a:off x="1632203" y="3959352"/>
             <a:ext cx="914400" cy="228600"/>
           </a:xfrm>
           <a:prstGeom prst="rect">
@@ -10063,7 +10120,7 @@
         </p:blipFill>
         <p:spPr>
           <a:xfrm>
-            <a:off x="4078221" y="4626864"/>
+            <a:off x="1728215" y="4626864"/>
             <a:ext cx="696686" cy="365760"/>
           </a:xfrm>
           <a:prstGeom prst="rect">
@@ -10079,7 +10136,7 @@
         </p:nvSpPr>
         <p:spPr>
           <a:xfrm>
-            <a:off x="3982209" y="4718304"/>
+            <a:off x="1632203" y="4718304"/>
             <a:ext cx="914400" cy="228600"/>
           </a:xfrm>
           <a:prstGeom prst="rect">
@@ -10111,7 +10168,7 @@
         </p:nvSpPr>
         <p:spPr>
           <a:xfrm>
-            <a:off x="3982209" y="4837176"/>
+            <a:off x="1632203" y="4837176"/>
             <a:ext cx="914400" cy="228600"/>
           </a:xfrm>
           <a:prstGeom prst="rect">
@@ -10143,7 +10200,7 @@
         </p:nvSpPr>
         <p:spPr>
           <a:xfrm>
-            <a:off x="3982209" y="5175504"/>
+            <a:off x="1632203" y="5175504"/>
             <a:ext cx="914400" cy="228600"/>
           </a:xfrm>
           <a:prstGeom prst="rect">
@@ -10175,12 +10232,15 @@
         </p:nvSpPr>
         <p:spPr>
           <a:xfrm>
-            <a:off x="5157212" y="4261104"/>
+            <a:off x="2807206" y="4261104"/>
             <a:ext cx="914400" cy="1371600"/>
           </a:xfrm>
           <a:prstGeom prst="rect">
             <a:avLst/>
           </a:prstGeom>
+          <a:solidFill>
+            <a:srgbClr val="FFFFFF"/>
+          </a:solidFill>
         </p:spPr>
         <p:style>
           <a:lnRef idx="1">
@@ -10212,7 +10272,7 @@
         </p:nvSpPr>
         <p:spPr>
           <a:xfrm>
-            <a:off x="5157212" y="3959352"/>
+            <a:off x="2807206" y="3959352"/>
             <a:ext cx="914400" cy="228600"/>
           </a:xfrm>
           <a:prstGeom prst="rect">
@@ -10252,7 +10312,7 @@
         </p:blipFill>
         <p:spPr>
           <a:xfrm>
-            <a:off x="5253224" y="4626864"/>
+            <a:off x="2903218" y="4626864"/>
             <a:ext cx="696686" cy="365760"/>
           </a:xfrm>
           <a:prstGeom prst="rect">
@@ -10268,7 +10328,7 @@
         </p:nvSpPr>
         <p:spPr>
           <a:xfrm>
-            <a:off x="5157212" y="4718304"/>
+            <a:off x="2807206" y="4718304"/>
             <a:ext cx="914400" cy="228600"/>
           </a:xfrm>
           <a:prstGeom prst="rect">
@@ -10300,7 +10360,7 @@
         </p:nvSpPr>
         <p:spPr>
           <a:xfrm>
-            <a:off x="5157212" y="4837176"/>
+            <a:off x="2807206" y="4837176"/>
             <a:ext cx="914400" cy="228600"/>
           </a:xfrm>
           <a:prstGeom prst="rect">
@@ -10332,7 +10392,7 @@
         </p:nvSpPr>
         <p:spPr>
           <a:xfrm>
-            <a:off x="5157212" y="5175504"/>
+            <a:off x="2807206" y="5175504"/>
             <a:ext cx="914400" cy="228600"/>
           </a:xfrm>
           <a:prstGeom prst="rect">
@@ -10364,12 +10424,15 @@
         </p:nvSpPr>
         <p:spPr>
           <a:xfrm>
-            <a:off x="6332215" y="4261104"/>
+            <a:off x="3982209" y="4261104"/>
             <a:ext cx="914400" cy="1371600"/>
           </a:xfrm>
           <a:prstGeom prst="rect">
             <a:avLst/>
           </a:prstGeom>
+          <a:solidFill>
+            <a:srgbClr val="FFFFFF"/>
+          </a:solidFill>
         </p:spPr>
         <p:style>
           <a:lnRef idx="1">
@@ -10401,7 +10464,7 @@
         </p:nvSpPr>
         <p:spPr>
           <a:xfrm>
-            <a:off x="6332215" y="3959352"/>
+            <a:off x="3982209" y="3959352"/>
             <a:ext cx="914400" cy="228600"/>
           </a:xfrm>
           <a:prstGeom prst="rect">
@@ -10441,7 +10504,7 @@
         </p:blipFill>
         <p:spPr>
           <a:xfrm>
-            <a:off x="6428227" y="4626864"/>
+            <a:off x="4078221" y="4626864"/>
             <a:ext cx="696686" cy="365760"/>
           </a:xfrm>
           <a:prstGeom prst="rect">
@@ -10457,7 +10520,7 @@
         </p:nvSpPr>
         <p:spPr>
           <a:xfrm>
-            <a:off x="6332215" y="4718304"/>
+            <a:off x="3982209" y="4718304"/>
             <a:ext cx="914400" cy="228600"/>
           </a:xfrm>
           <a:prstGeom prst="rect">
@@ -10489,7 +10552,7 @@
         </p:nvSpPr>
         <p:spPr>
           <a:xfrm>
-            <a:off x="6332215" y="4837176"/>
+            <a:off x="3982209" y="4837176"/>
             <a:ext cx="914400" cy="228600"/>
           </a:xfrm>
           <a:prstGeom prst="rect">
@@ -10521,7 +10584,7 @@
         </p:nvSpPr>
         <p:spPr>
           <a:xfrm>
-            <a:off x="6332215" y="5175504"/>
+            <a:off x="3982209" y="5175504"/>
             <a:ext cx="914400" cy="228600"/>
           </a:xfrm>
           <a:prstGeom prst="rect">
@@ -10553,12 +10616,15 @@
         </p:nvSpPr>
         <p:spPr>
           <a:xfrm>
-            <a:off x="7507218" y="4261104"/>
+            <a:off x="5157212" y="4261104"/>
             <a:ext cx="914400" cy="1371600"/>
           </a:xfrm>
           <a:prstGeom prst="rect">
             <a:avLst/>
           </a:prstGeom>
+          <a:solidFill>
+            <a:srgbClr val="FFFFFF"/>
+          </a:solidFill>
         </p:spPr>
         <p:style>
           <a:lnRef idx="1">
@@ -10590,7 +10656,7 @@
         </p:nvSpPr>
         <p:spPr>
           <a:xfrm>
-            <a:off x="7507218" y="3959352"/>
+            <a:off x="5157212" y="3959352"/>
             <a:ext cx="914400" cy="228600"/>
           </a:xfrm>
           <a:prstGeom prst="rect">
@@ -10630,6 +10696,390 @@
         </p:blipFill>
         <p:spPr>
           <a:xfrm>
+            <a:off x="5253224" y="4626864"/>
+            <a:ext cx="696686" cy="365760"/>
+          </a:xfrm>
+          <a:prstGeom prst="rect">
+            <a:avLst/>
+          </a:prstGeom>
+        </p:spPr>
+      </p:pic>
+      <p:sp>
+        <p:nvSpPr>
+          <p:cNvPr id="125" name="TextBox 124"/>
+          <p:cNvSpPr txBox="1"/>
+          <p:nvPr/>
+        </p:nvSpPr>
+        <p:spPr>
+          <a:xfrm>
+            <a:off x="5157212" y="4718304"/>
+            <a:ext cx="914400" cy="228600"/>
+          </a:xfrm>
+          <a:prstGeom prst="rect">
+            <a:avLst/>
+          </a:prstGeom>
+          <a:noFill/>
+        </p:spPr>
+        <p:txBody>
+          <a:bodyPr wrap="none">
+            <a:spAutoFit/>
+          </a:bodyPr>
+          <a:lstStyle/>
+          <a:p/>
+          <a:p>
+            <a:pPr>
+              <a:defRPr sz="1000"/>
+            </a:pPr>
+            <a:r>
+              <a:t>200,000,000</a:t>
+            </a:r>
+          </a:p>
+        </p:txBody>
+      </p:sp>
+      <p:sp>
+        <p:nvSpPr>
+          <p:cNvPr id="126" name="TextBox 125"/>
+          <p:cNvSpPr txBox="1"/>
+          <p:nvPr/>
+        </p:nvSpPr>
+        <p:spPr>
+          <a:xfrm>
+            <a:off x="5157212" y="4837176"/>
+            <a:ext cx="914400" cy="228600"/>
+          </a:xfrm>
+          <a:prstGeom prst="rect">
+            <a:avLst/>
+          </a:prstGeom>
+          <a:noFill/>
+        </p:spPr>
+        <p:txBody>
+          <a:bodyPr wrap="none">
+            <a:spAutoFit/>
+          </a:bodyPr>
+          <a:lstStyle/>
+          <a:p/>
+          <a:p>
+            <a:pPr>
+              <a:defRPr sz="1000"/>
+            </a:pPr>
+            <a:r>
+              <a:t>IPO</a:t>
+            </a:r>
+          </a:p>
+        </p:txBody>
+      </p:sp>
+      <p:sp>
+        <p:nvSpPr>
+          <p:cNvPr id="127" name="TextBox 126"/>
+          <p:cNvSpPr txBox="1"/>
+          <p:nvPr/>
+        </p:nvSpPr>
+        <p:spPr>
+          <a:xfrm>
+            <a:off x="5157212" y="5175504"/>
+            <a:ext cx="914400" cy="228600"/>
+          </a:xfrm>
+          <a:prstGeom prst="rect">
+            <a:avLst/>
+          </a:prstGeom>
+          <a:noFill/>
+        </p:spPr>
+        <p:txBody>
+          <a:bodyPr wrap="none">
+            <a:spAutoFit/>
+          </a:bodyPr>
+          <a:lstStyle/>
+          <a:p/>
+          <a:p>
+            <a:pPr>
+              <a:defRPr sz="1000"/>
+            </a:pPr>
+            <a:r>
+              <a:t>Bookrunner</a:t>
+            </a:r>
+          </a:p>
+        </p:txBody>
+      </p:sp>
+      <p:sp>
+        <p:nvSpPr>
+          <p:cNvPr id="128" name="Rectangle 127"/>
+          <p:cNvSpPr/>
+          <p:nvPr/>
+        </p:nvSpPr>
+        <p:spPr>
+          <a:xfrm>
+            <a:off x="6332215" y="4261104"/>
+            <a:ext cx="914400" cy="1371600"/>
+          </a:xfrm>
+          <a:prstGeom prst="rect">
+            <a:avLst/>
+          </a:prstGeom>
+          <a:solidFill>
+            <a:srgbClr val="FFFFFF"/>
+          </a:solidFill>
+        </p:spPr>
+        <p:style>
+          <a:lnRef idx="1">
+            <a:schemeClr val="accent1"/>
+          </a:lnRef>
+          <a:fillRef idx="3">
+            <a:schemeClr val="accent1"/>
+          </a:fillRef>
+          <a:effectRef idx="2">
+            <a:schemeClr val="accent1"/>
+          </a:effectRef>
+          <a:fontRef idx="minor">
+            <a:schemeClr val="lt1"/>
+          </a:fontRef>
+        </p:style>
+        <p:txBody>
+          <a:bodyPr rtlCol="0" anchor="ctr"/>
+          <a:lstStyle/>
+          <a:p>
+            <a:pPr algn="ctr"/>
+          </a:p>
+        </p:txBody>
+      </p:sp>
+      <p:sp>
+        <p:nvSpPr>
+          <p:cNvPr id="129" name="TextBox 128"/>
+          <p:cNvSpPr txBox="1"/>
+          <p:nvPr/>
+        </p:nvSpPr>
+        <p:spPr>
+          <a:xfrm>
+            <a:off x="6332215" y="3959352"/>
+            <a:ext cx="914400" cy="228600"/>
+          </a:xfrm>
+          <a:prstGeom prst="rect">
+            <a:avLst/>
+          </a:prstGeom>
+          <a:noFill/>
+        </p:spPr>
+        <p:txBody>
+          <a:bodyPr wrap="none">
+            <a:spAutoFit/>
+          </a:bodyPr>
+          <a:lstStyle/>
+          <a:p/>
+          <a:p>
+            <a:pPr>
+              <a:defRPr sz="1000"/>
+            </a:pPr>
+            <a:r>
+              <a:t>June 2018</a:t>
+            </a:r>
+          </a:p>
+        </p:txBody>
+      </p:sp>
+      <p:pic>
+        <p:nvPicPr>
+          <p:cNvPr id="130" name="Picture 129" descr="key_social_logo.png"/>
+          <p:cNvPicPr>
+            <a:picLocks noChangeAspect="1"/>
+          </p:cNvPicPr>
+          <p:nvPr/>
+        </p:nvPicPr>
+        <p:blipFill>
+          <a:blip r:embed="rId2"/>
+          <a:stretch>
+            <a:fillRect/>
+          </a:stretch>
+        </p:blipFill>
+        <p:spPr>
+          <a:xfrm>
+            <a:off x="6428227" y="4626864"/>
+            <a:ext cx="696686" cy="365760"/>
+          </a:xfrm>
+          <a:prstGeom prst="rect">
+            <a:avLst/>
+          </a:prstGeom>
+        </p:spPr>
+      </p:pic>
+      <p:sp>
+        <p:nvSpPr>
+          <p:cNvPr id="131" name="TextBox 130"/>
+          <p:cNvSpPr txBox="1"/>
+          <p:nvPr/>
+        </p:nvSpPr>
+        <p:spPr>
+          <a:xfrm>
+            <a:off x="6332215" y="4718304"/>
+            <a:ext cx="914400" cy="228600"/>
+          </a:xfrm>
+          <a:prstGeom prst="rect">
+            <a:avLst/>
+          </a:prstGeom>
+          <a:noFill/>
+        </p:spPr>
+        <p:txBody>
+          <a:bodyPr wrap="none">
+            <a:spAutoFit/>
+          </a:bodyPr>
+          <a:lstStyle/>
+          <a:p/>
+          <a:p>
+            <a:pPr>
+              <a:defRPr sz="1000"/>
+            </a:pPr>
+            <a:r>
+              <a:t>200,000,000</a:t>
+            </a:r>
+          </a:p>
+        </p:txBody>
+      </p:sp>
+      <p:sp>
+        <p:nvSpPr>
+          <p:cNvPr id="132" name="TextBox 131"/>
+          <p:cNvSpPr txBox="1"/>
+          <p:nvPr/>
+        </p:nvSpPr>
+        <p:spPr>
+          <a:xfrm>
+            <a:off x="6332215" y="4837176"/>
+            <a:ext cx="914400" cy="228600"/>
+          </a:xfrm>
+          <a:prstGeom prst="rect">
+            <a:avLst/>
+          </a:prstGeom>
+          <a:noFill/>
+        </p:spPr>
+        <p:txBody>
+          <a:bodyPr wrap="none">
+            <a:spAutoFit/>
+          </a:bodyPr>
+          <a:lstStyle/>
+          <a:p/>
+          <a:p>
+            <a:pPr>
+              <a:defRPr sz="1000"/>
+            </a:pPr>
+            <a:r>
+              <a:t>IPO</a:t>
+            </a:r>
+          </a:p>
+        </p:txBody>
+      </p:sp>
+      <p:sp>
+        <p:nvSpPr>
+          <p:cNvPr id="133" name="TextBox 132"/>
+          <p:cNvSpPr txBox="1"/>
+          <p:nvPr/>
+        </p:nvSpPr>
+        <p:spPr>
+          <a:xfrm>
+            <a:off x="6332215" y="5175504"/>
+            <a:ext cx="914400" cy="228600"/>
+          </a:xfrm>
+          <a:prstGeom prst="rect">
+            <a:avLst/>
+          </a:prstGeom>
+          <a:noFill/>
+        </p:spPr>
+        <p:txBody>
+          <a:bodyPr wrap="none">
+            <a:spAutoFit/>
+          </a:bodyPr>
+          <a:lstStyle/>
+          <a:p/>
+          <a:p>
+            <a:pPr>
+              <a:defRPr sz="1000"/>
+            </a:pPr>
+            <a:r>
+              <a:t>Bookrunner</a:t>
+            </a:r>
+          </a:p>
+        </p:txBody>
+      </p:sp>
+      <p:sp>
+        <p:nvSpPr>
+          <p:cNvPr id="134" name="Rectangle 133"/>
+          <p:cNvSpPr/>
+          <p:nvPr/>
+        </p:nvSpPr>
+        <p:spPr>
+          <a:xfrm>
+            <a:off x="7507218" y="4261104"/>
+            <a:ext cx="914400" cy="1371600"/>
+          </a:xfrm>
+          <a:prstGeom prst="rect">
+            <a:avLst/>
+          </a:prstGeom>
+          <a:solidFill>
+            <a:srgbClr val="FFFFFF"/>
+          </a:solidFill>
+        </p:spPr>
+        <p:style>
+          <a:lnRef idx="1">
+            <a:schemeClr val="accent1"/>
+          </a:lnRef>
+          <a:fillRef idx="3">
+            <a:schemeClr val="accent1"/>
+          </a:fillRef>
+          <a:effectRef idx="2">
+            <a:schemeClr val="accent1"/>
+          </a:effectRef>
+          <a:fontRef idx="minor">
+            <a:schemeClr val="lt1"/>
+          </a:fontRef>
+        </p:style>
+        <p:txBody>
+          <a:bodyPr rtlCol="0" anchor="ctr"/>
+          <a:lstStyle/>
+          <a:p>
+            <a:pPr algn="ctr"/>
+          </a:p>
+        </p:txBody>
+      </p:sp>
+      <p:sp>
+        <p:nvSpPr>
+          <p:cNvPr id="135" name="TextBox 134"/>
+          <p:cNvSpPr txBox="1"/>
+          <p:nvPr/>
+        </p:nvSpPr>
+        <p:spPr>
+          <a:xfrm>
+            <a:off x="7507218" y="3959352"/>
+            <a:ext cx="914400" cy="228600"/>
+          </a:xfrm>
+          <a:prstGeom prst="rect">
+            <a:avLst/>
+          </a:prstGeom>
+          <a:noFill/>
+        </p:spPr>
+        <p:txBody>
+          <a:bodyPr wrap="none">
+            <a:spAutoFit/>
+          </a:bodyPr>
+          <a:lstStyle/>
+          <a:p/>
+          <a:p>
+            <a:pPr>
+              <a:defRPr sz="1000"/>
+            </a:pPr>
+            <a:r>
+              <a:t>June 2018</a:t>
+            </a:r>
+          </a:p>
+        </p:txBody>
+      </p:sp>
+      <p:pic>
+        <p:nvPicPr>
+          <p:cNvPr id="136" name="Picture 135" descr="key_social_logo.png"/>
+          <p:cNvPicPr>
+            <a:picLocks noChangeAspect="1"/>
+          </p:cNvPicPr>
+          <p:nvPr/>
+        </p:nvPicPr>
+        <p:blipFill>
+          <a:blip r:embed="rId2"/>
+          <a:stretch>
+            <a:fillRect/>
+          </a:stretch>
+        </p:blipFill>
+        <p:spPr>
+          <a:xfrm>
             <a:off x="7603230" y="4626864"/>
             <a:ext cx="696686" cy="365760"/>
           </a:xfrm>
@@ -10640,7 +11090,7 @@
       </p:pic>
       <p:sp>
         <p:nvSpPr>
-          <p:cNvPr id="125" name="TextBox 124"/>
+          <p:cNvPr id="137" name="TextBox 136"/>
           <p:cNvSpPr txBox="1"/>
           <p:nvPr/>
         </p:nvSpPr>
@@ -10672,7 +11122,7 @@
       </p:sp>
       <p:sp>
         <p:nvSpPr>
-          <p:cNvPr id="126" name="TextBox 125"/>
+          <p:cNvPr id="138" name="TextBox 137"/>
           <p:cNvSpPr txBox="1"/>
           <p:nvPr/>
         </p:nvSpPr>
@@ -10704,13 +11154,202 @@
       </p:sp>
       <p:sp>
         <p:nvSpPr>
-          <p:cNvPr id="127" name="TextBox 126"/>
+          <p:cNvPr id="139" name="TextBox 138"/>
           <p:cNvSpPr txBox="1"/>
           <p:nvPr/>
         </p:nvSpPr>
         <p:spPr>
           <a:xfrm>
             <a:off x="7507218" y="5175504"/>
+            <a:ext cx="914400" cy="228600"/>
+          </a:xfrm>
+          <a:prstGeom prst="rect">
+            <a:avLst/>
+          </a:prstGeom>
+          <a:noFill/>
+        </p:spPr>
+        <p:txBody>
+          <a:bodyPr wrap="none">
+            <a:spAutoFit/>
+          </a:bodyPr>
+          <a:lstStyle/>
+          <a:p/>
+          <a:p>
+            <a:pPr>
+              <a:defRPr sz="1000"/>
+            </a:pPr>
+            <a:r>
+              <a:t>Bookrunner</a:t>
+            </a:r>
+          </a:p>
+        </p:txBody>
+      </p:sp>
+      <p:sp>
+        <p:nvSpPr>
+          <p:cNvPr id="140" name="Rectangle 139"/>
+          <p:cNvSpPr/>
+          <p:nvPr/>
+        </p:nvSpPr>
+        <p:spPr>
+          <a:xfrm>
+            <a:off x="8682221" y="4261104"/>
+            <a:ext cx="914400" cy="1371600"/>
+          </a:xfrm>
+          <a:prstGeom prst="rect">
+            <a:avLst/>
+          </a:prstGeom>
+        </p:spPr>
+        <p:style>
+          <a:lnRef idx="1">
+            <a:schemeClr val="accent1"/>
+          </a:lnRef>
+          <a:fillRef idx="3">
+            <a:schemeClr val="accent1"/>
+          </a:fillRef>
+          <a:effectRef idx="2">
+            <a:schemeClr val="accent1"/>
+          </a:effectRef>
+          <a:fontRef idx="minor">
+            <a:schemeClr val="lt1"/>
+          </a:fontRef>
+        </p:style>
+        <p:txBody>
+          <a:bodyPr rtlCol="0" anchor="ctr"/>
+          <a:lstStyle/>
+          <a:p>
+            <a:pPr algn="ctr"/>
+          </a:p>
+        </p:txBody>
+      </p:sp>
+      <p:sp>
+        <p:nvSpPr>
+          <p:cNvPr id="141" name="TextBox 140"/>
+          <p:cNvSpPr txBox="1"/>
+          <p:nvPr/>
+        </p:nvSpPr>
+        <p:spPr>
+          <a:xfrm>
+            <a:off x="8682221" y="3959352"/>
+            <a:ext cx="914400" cy="228600"/>
+          </a:xfrm>
+          <a:prstGeom prst="rect">
+            <a:avLst/>
+          </a:prstGeom>
+          <a:noFill/>
+        </p:spPr>
+        <p:txBody>
+          <a:bodyPr wrap="none">
+            <a:spAutoFit/>
+          </a:bodyPr>
+          <a:lstStyle/>
+          <a:p/>
+          <a:p>
+            <a:pPr>
+              <a:defRPr sz="1000"/>
+            </a:pPr>
+            <a:r>
+              <a:t>June 2018</a:t>
+            </a:r>
+          </a:p>
+        </p:txBody>
+      </p:sp>
+      <p:pic>
+        <p:nvPicPr>
+          <p:cNvPr id="142" name="Picture 141" descr="key_social_logo.png"/>
+          <p:cNvPicPr>
+            <a:picLocks noChangeAspect="1"/>
+          </p:cNvPicPr>
+          <p:nvPr/>
+        </p:nvPicPr>
+        <p:blipFill>
+          <a:blip r:embed="rId2"/>
+          <a:stretch>
+            <a:fillRect/>
+          </a:stretch>
+        </p:blipFill>
+        <p:spPr>
+          <a:xfrm>
+            <a:off x="8778233" y="4626864"/>
+            <a:ext cx="696686" cy="365760"/>
+          </a:xfrm>
+          <a:prstGeom prst="rect">
+            <a:avLst/>
+          </a:prstGeom>
+        </p:spPr>
+      </p:pic>
+      <p:sp>
+        <p:nvSpPr>
+          <p:cNvPr id="143" name="TextBox 142"/>
+          <p:cNvSpPr txBox="1"/>
+          <p:nvPr/>
+        </p:nvSpPr>
+        <p:spPr>
+          <a:xfrm>
+            <a:off x="8682221" y="4718304"/>
+            <a:ext cx="914400" cy="228600"/>
+          </a:xfrm>
+          <a:prstGeom prst="rect">
+            <a:avLst/>
+          </a:prstGeom>
+          <a:noFill/>
+        </p:spPr>
+        <p:txBody>
+          <a:bodyPr wrap="none">
+            <a:spAutoFit/>
+          </a:bodyPr>
+          <a:lstStyle/>
+          <a:p/>
+          <a:p>
+            <a:pPr>
+              <a:defRPr sz="1000"/>
+            </a:pPr>
+            <a:r>
+              <a:t>200,000,000</a:t>
+            </a:r>
+          </a:p>
+        </p:txBody>
+      </p:sp>
+      <p:sp>
+        <p:nvSpPr>
+          <p:cNvPr id="144" name="TextBox 143"/>
+          <p:cNvSpPr txBox="1"/>
+          <p:nvPr/>
+        </p:nvSpPr>
+        <p:spPr>
+          <a:xfrm>
+            <a:off x="8682221" y="4837176"/>
+            <a:ext cx="914400" cy="228600"/>
+          </a:xfrm>
+          <a:prstGeom prst="rect">
+            <a:avLst/>
+          </a:prstGeom>
+          <a:noFill/>
+        </p:spPr>
+        <p:txBody>
+          <a:bodyPr wrap="none">
+            <a:spAutoFit/>
+          </a:bodyPr>
+          <a:lstStyle/>
+          <a:p/>
+          <a:p>
+            <a:pPr>
+              <a:defRPr sz="1000"/>
+            </a:pPr>
+            <a:r>
+              <a:t>IPO</a:t>
+            </a:r>
+          </a:p>
+        </p:txBody>
+      </p:sp>
+      <p:sp>
+        <p:nvSpPr>
+          <p:cNvPr id="145" name="TextBox 144"/>
+          <p:cNvSpPr txBox="1"/>
+          <p:nvPr/>
+        </p:nvSpPr>
+        <p:spPr>
+          <a:xfrm>
+            <a:off x="8682221" y="5175504"/>
             <a:ext cx="914400" cy="228600"/>
           </a:xfrm>
           <a:prstGeom prst="rect">

--- a/test.pptx
+++ b/test.pptx
@@ -6825,7 +6825,7 @@
           <a:lstStyle/>
           <a:p/>
           <a:p>
-            <a:pPr>
+            <a:pPr algn="ctr">
               <a:defRPr sz="1000"/>
             </a:pPr>
             <a:r>
@@ -6850,7 +6850,7 @@
         </p:blipFill>
         <p:spPr>
           <a:xfrm>
-            <a:off x="553212" y="1280160"/>
+            <a:off x="457200" y="1280160"/>
             <a:ext cx="696686" cy="365760"/>
           </a:xfrm>
           <a:prstGeom prst="rect">
@@ -6881,7 +6881,7 @@
           <a:lstStyle/>
           <a:p/>
           <a:p>
-            <a:pPr>
+            <a:pPr algn="ctr">
               <a:defRPr sz="1000"/>
             </a:pPr>
             <a:r>
@@ -6913,7 +6913,7 @@
           <a:lstStyle/>
           <a:p/>
           <a:p>
-            <a:pPr>
+            <a:pPr algn="ctr">
               <a:defRPr sz="1000"/>
             </a:pPr>
             <a:r>
@@ -6945,7 +6945,7 @@
           <a:lstStyle/>
           <a:p/>
           <a:p>
-            <a:pPr>
+            <a:pPr algn="ctr">
               <a:defRPr sz="1000"/>
             </a:pPr>
             <a:r>
@@ -7014,7 +7014,7 @@
           <a:lstStyle/>
           <a:p/>
           <a:p>
-            <a:pPr>
+            <a:pPr algn="ctr">
               <a:defRPr sz="1000"/>
             </a:pPr>
             <a:r>
@@ -7039,7 +7039,7 @@
         </p:blipFill>
         <p:spPr>
           <a:xfrm>
-            <a:off x="1728215" y="1280160"/>
+            <a:off x="1632203" y="1280160"/>
             <a:ext cx="696686" cy="365760"/>
           </a:xfrm>
           <a:prstGeom prst="rect">
@@ -7070,7 +7070,7 @@
           <a:lstStyle/>
           <a:p/>
           <a:p>
-            <a:pPr>
+            <a:pPr algn="ctr">
               <a:defRPr sz="1000"/>
             </a:pPr>
             <a:r>
@@ -7102,7 +7102,7 @@
           <a:lstStyle/>
           <a:p/>
           <a:p>
-            <a:pPr>
+            <a:pPr algn="ctr">
               <a:defRPr sz="1000"/>
             </a:pPr>
             <a:r>
@@ -7134,7 +7134,7 @@
           <a:lstStyle/>
           <a:p/>
           <a:p>
-            <a:pPr>
+            <a:pPr algn="ctr">
               <a:defRPr sz="1000"/>
             </a:pPr>
             <a:r>
@@ -7203,7 +7203,7 @@
           <a:lstStyle/>
           <a:p/>
           <a:p>
-            <a:pPr>
+            <a:pPr algn="ctr">
               <a:defRPr sz="1000"/>
             </a:pPr>
             <a:r>
@@ -7228,7 +7228,7 @@
         </p:blipFill>
         <p:spPr>
           <a:xfrm>
-            <a:off x="2903218" y="1280160"/>
+            <a:off x="2807206" y="1280160"/>
             <a:ext cx="696686" cy="365760"/>
           </a:xfrm>
           <a:prstGeom prst="rect">
@@ -7259,7 +7259,7 @@
           <a:lstStyle/>
           <a:p/>
           <a:p>
-            <a:pPr>
+            <a:pPr algn="ctr">
               <a:defRPr sz="1000"/>
             </a:pPr>
             <a:r>
@@ -7291,7 +7291,7 @@
           <a:lstStyle/>
           <a:p/>
           <a:p>
-            <a:pPr>
+            <a:pPr algn="ctr">
               <a:defRPr sz="1000"/>
             </a:pPr>
             <a:r>
@@ -7323,7 +7323,7 @@
           <a:lstStyle/>
           <a:p/>
           <a:p>
-            <a:pPr>
+            <a:pPr algn="ctr">
               <a:defRPr sz="1000"/>
             </a:pPr>
             <a:r>
@@ -7392,7 +7392,7 @@
           <a:lstStyle/>
           <a:p/>
           <a:p>
-            <a:pPr>
+            <a:pPr algn="ctr">
               <a:defRPr sz="1000"/>
             </a:pPr>
             <a:r>
@@ -7417,7 +7417,7 @@
         </p:blipFill>
         <p:spPr>
           <a:xfrm>
-            <a:off x="4078221" y="1280160"/>
+            <a:off x="3982209" y="1280160"/>
             <a:ext cx="696686" cy="365760"/>
           </a:xfrm>
           <a:prstGeom prst="rect">
@@ -7448,7 +7448,7 @@
           <a:lstStyle/>
           <a:p/>
           <a:p>
-            <a:pPr>
+            <a:pPr algn="ctr">
               <a:defRPr sz="1000"/>
             </a:pPr>
             <a:r>
@@ -7480,7 +7480,7 @@
           <a:lstStyle/>
           <a:p/>
           <a:p>
-            <a:pPr>
+            <a:pPr algn="ctr">
               <a:defRPr sz="1000"/>
             </a:pPr>
             <a:r>
@@ -7512,7 +7512,7 @@
           <a:lstStyle/>
           <a:p/>
           <a:p>
-            <a:pPr>
+            <a:pPr algn="ctr">
               <a:defRPr sz="1000"/>
             </a:pPr>
             <a:r>
@@ -7581,7 +7581,7 @@
           <a:lstStyle/>
           <a:p/>
           <a:p>
-            <a:pPr>
+            <a:pPr algn="ctr">
               <a:defRPr sz="1000"/>
             </a:pPr>
             <a:r>
@@ -7606,7 +7606,7 @@
         </p:blipFill>
         <p:spPr>
           <a:xfrm>
-            <a:off x="5253224" y="1280160"/>
+            <a:off x="5157212" y="1280160"/>
             <a:ext cx="696686" cy="365760"/>
           </a:xfrm>
           <a:prstGeom prst="rect">
@@ -7637,7 +7637,7 @@
           <a:lstStyle/>
           <a:p/>
           <a:p>
-            <a:pPr>
+            <a:pPr algn="ctr">
               <a:defRPr sz="1000"/>
             </a:pPr>
             <a:r>
@@ -7669,7 +7669,7 @@
           <a:lstStyle/>
           <a:p/>
           <a:p>
-            <a:pPr>
+            <a:pPr algn="ctr">
               <a:defRPr sz="1000"/>
             </a:pPr>
             <a:r>
@@ -7701,7 +7701,7 @@
           <a:lstStyle/>
           <a:p/>
           <a:p>
-            <a:pPr>
+            <a:pPr algn="ctr">
               <a:defRPr sz="1000"/>
             </a:pPr>
             <a:r>
@@ -7770,7 +7770,7 @@
           <a:lstStyle/>
           <a:p/>
           <a:p>
-            <a:pPr>
+            <a:pPr algn="ctr">
               <a:defRPr sz="1000"/>
             </a:pPr>
             <a:r>
@@ -7795,7 +7795,7 @@
         </p:blipFill>
         <p:spPr>
           <a:xfrm>
-            <a:off x="6428227" y="1280160"/>
+            <a:off x="6332215" y="1280160"/>
             <a:ext cx="696686" cy="365760"/>
           </a:xfrm>
           <a:prstGeom prst="rect">
@@ -7826,7 +7826,7 @@
           <a:lstStyle/>
           <a:p/>
           <a:p>
-            <a:pPr>
+            <a:pPr algn="ctr">
               <a:defRPr sz="1000"/>
             </a:pPr>
             <a:r>
@@ -7858,7 +7858,7 @@
           <a:lstStyle/>
           <a:p/>
           <a:p>
-            <a:pPr>
+            <a:pPr algn="ctr">
               <a:defRPr sz="1000"/>
             </a:pPr>
             <a:r>
@@ -7890,7 +7890,7 @@
           <a:lstStyle/>
           <a:p/>
           <a:p>
-            <a:pPr>
+            <a:pPr algn="ctr">
               <a:defRPr sz="1000"/>
             </a:pPr>
             <a:r>
@@ -7959,7 +7959,7 @@
           <a:lstStyle/>
           <a:p/>
           <a:p>
-            <a:pPr>
+            <a:pPr algn="ctr">
               <a:defRPr sz="1000"/>
             </a:pPr>
             <a:r>
@@ -7984,7 +7984,7 @@
         </p:blipFill>
         <p:spPr>
           <a:xfrm>
-            <a:off x="7603230" y="1280160"/>
+            <a:off x="7507218" y="1280160"/>
             <a:ext cx="696686" cy="365760"/>
           </a:xfrm>
           <a:prstGeom prst="rect">
@@ -8015,7 +8015,7 @@
           <a:lstStyle/>
           <a:p/>
           <a:p>
-            <a:pPr>
+            <a:pPr algn="ctr">
               <a:defRPr sz="1000"/>
             </a:pPr>
             <a:r>
@@ -8047,7 +8047,7 @@
           <a:lstStyle/>
           <a:p/>
           <a:p>
-            <a:pPr>
+            <a:pPr algn="ctr">
               <a:defRPr sz="1000"/>
             </a:pPr>
             <a:r>
@@ -8079,7 +8079,7 @@
           <a:lstStyle/>
           <a:p/>
           <a:p>
-            <a:pPr>
+            <a:pPr algn="ctr">
               <a:defRPr sz="1000"/>
             </a:pPr>
             <a:r>
@@ -8148,7 +8148,7 @@
           <a:lstStyle/>
           <a:p/>
           <a:p>
-            <a:pPr>
+            <a:pPr algn="ctr">
               <a:defRPr sz="1000"/>
             </a:pPr>
             <a:r>
@@ -8173,7 +8173,7 @@
         </p:blipFill>
         <p:spPr>
           <a:xfrm>
-            <a:off x="553212" y="2953512"/>
+            <a:off x="457200" y="2953512"/>
             <a:ext cx="696686" cy="365760"/>
           </a:xfrm>
           <a:prstGeom prst="rect">
@@ -8204,7 +8204,7 @@
           <a:lstStyle/>
           <a:p/>
           <a:p>
-            <a:pPr>
+            <a:pPr algn="ctr">
               <a:defRPr sz="1000"/>
             </a:pPr>
             <a:r>
@@ -8236,7 +8236,7 @@
           <a:lstStyle/>
           <a:p/>
           <a:p>
-            <a:pPr>
+            <a:pPr algn="ctr">
               <a:defRPr sz="1000"/>
             </a:pPr>
             <a:r>
@@ -8268,7 +8268,7 @@
           <a:lstStyle/>
           <a:p/>
           <a:p>
-            <a:pPr>
+            <a:pPr algn="ctr">
               <a:defRPr sz="1000"/>
             </a:pPr>
             <a:r>
@@ -8337,7 +8337,7 @@
           <a:lstStyle/>
           <a:p/>
           <a:p>
-            <a:pPr>
+            <a:pPr algn="ctr">
               <a:defRPr sz="1000"/>
             </a:pPr>
             <a:r>
@@ -8362,7 +8362,7 @@
         </p:blipFill>
         <p:spPr>
           <a:xfrm>
-            <a:off x="1728215" y="2953512"/>
+            <a:off x="1632203" y="2953512"/>
             <a:ext cx="696686" cy="365760"/>
           </a:xfrm>
           <a:prstGeom prst="rect">
@@ -8393,7 +8393,7 @@
           <a:lstStyle/>
           <a:p/>
           <a:p>
-            <a:pPr>
+            <a:pPr algn="ctr">
               <a:defRPr sz="1000"/>
             </a:pPr>
             <a:r>
@@ -8425,7 +8425,7 @@
           <a:lstStyle/>
           <a:p/>
           <a:p>
-            <a:pPr>
+            <a:pPr algn="ctr">
               <a:defRPr sz="1000"/>
             </a:pPr>
             <a:r>
@@ -8457,7 +8457,7 @@
           <a:lstStyle/>
           <a:p/>
           <a:p>
-            <a:pPr>
+            <a:pPr algn="ctr">
               <a:defRPr sz="1000"/>
             </a:pPr>
             <a:r>
@@ -8526,7 +8526,7 @@
           <a:lstStyle/>
           <a:p/>
           <a:p>
-            <a:pPr>
+            <a:pPr algn="ctr">
               <a:defRPr sz="1000"/>
             </a:pPr>
             <a:r>
@@ -8551,7 +8551,7 @@
         </p:blipFill>
         <p:spPr>
           <a:xfrm>
-            <a:off x="2903218" y="2953512"/>
+            <a:off x="2807206" y="2953512"/>
             <a:ext cx="696686" cy="365760"/>
           </a:xfrm>
           <a:prstGeom prst="rect">
@@ -8582,7 +8582,7 @@
           <a:lstStyle/>
           <a:p/>
           <a:p>
-            <a:pPr>
+            <a:pPr algn="ctr">
               <a:defRPr sz="1000"/>
             </a:pPr>
             <a:r>
@@ -8614,7 +8614,7 @@
           <a:lstStyle/>
           <a:p/>
           <a:p>
-            <a:pPr>
+            <a:pPr algn="ctr">
               <a:defRPr sz="1000"/>
             </a:pPr>
             <a:r>
@@ -8646,7 +8646,7 @@
           <a:lstStyle/>
           <a:p/>
           <a:p>
-            <a:pPr>
+            <a:pPr algn="ctr">
               <a:defRPr sz="1000"/>
             </a:pPr>
             <a:r>
@@ -8715,7 +8715,7 @@
           <a:lstStyle/>
           <a:p/>
           <a:p>
-            <a:pPr>
+            <a:pPr algn="ctr">
               <a:defRPr sz="1000"/>
             </a:pPr>
             <a:r>
@@ -8740,7 +8740,7 @@
         </p:blipFill>
         <p:spPr>
           <a:xfrm>
-            <a:off x="4078221" y="2953512"/>
+            <a:off x="3982209" y="2953512"/>
             <a:ext cx="696686" cy="365760"/>
           </a:xfrm>
           <a:prstGeom prst="rect">
@@ -8771,7 +8771,7 @@
           <a:lstStyle/>
           <a:p/>
           <a:p>
-            <a:pPr>
+            <a:pPr algn="ctr">
               <a:defRPr sz="1000"/>
             </a:pPr>
             <a:r>
@@ -8803,7 +8803,7 @@
           <a:lstStyle/>
           <a:p/>
           <a:p>
-            <a:pPr>
+            <a:pPr algn="ctr">
               <a:defRPr sz="1000"/>
             </a:pPr>
             <a:r>
@@ -8835,7 +8835,7 @@
           <a:lstStyle/>
           <a:p/>
           <a:p>
-            <a:pPr>
+            <a:pPr algn="ctr">
               <a:defRPr sz="1000"/>
             </a:pPr>
             <a:r>
@@ -8904,7 +8904,7 @@
           <a:lstStyle/>
           <a:p/>
           <a:p>
-            <a:pPr>
+            <a:pPr algn="ctr">
               <a:defRPr sz="1000"/>
             </a:pPr>
             <a:r>
@@ -8929,7 +8929,7 @@
         </p:blipFill>
         <p:spPr>
           <a:xfrm>
-            <a:off x="5253224" y="2953512"/>
+            <a:off x="5157212" y="2953512"/>
             <a:ext cx="696686" cy="365760"/>
           </a:xfrm>
           <a:prstGeom prst="rect">
@@ -8960,7 +8960,7 @@
           <a:lstStyle/>
           <a:p/>
           <a:p>
-            <a:pPr>
+            <a:pPr algn="ctr">
               <a:defRPr sz="1000"/>
             </a:pPr>
             <a:r>
@@ -8992,7 +8992,7 @@
           <a:lstStyle/>
           <a:p/>
           <a:p>
-            <a:pPr>
+            <a:pPr algn="ctr">
               <a:defRPr sz="1000"/>
             </a:pPr>
             <a:r>
@@ -9024,7 +9024,7 @@
           <a:lstStyle/>
           <a:p/>
           <a:p>
-            <a:pPr>
+            <a:pPr algn="ctr">
               <a:defRPr sz="1000"/>
             </a:pPr>
             <a:r>
@@ -9093,7 +9093,7 @@
           <a:lstStyle/>
           <a:p/>
           <a:p>
-            <a:pPr>
+            <a:pPr algn="ctr">
               <a:defRPr sz="1000"/>
             </a:pPr>
             <a:r>
@@ -9118,7 +9118,7 @@
         </p:blipFill>
         <p:spPr>
           <a:xfrm>
-            <a:off x="6428227" y="2953512"/>
+            <a:off x="6332215" y="2953512"/>
             <a:ext cx="696686" cy="365760"/>
           </a:xfrm>
           <a:prstGeom prst="rect">
@@ -9149,7 +9149,7 @@
           <a:lstStyle/>
           <a:p/>
           <a:p>
-            <a:pPr>
+            <a:pPr algn="ctr">
               <a:defRPr sz="1000"/>
             </a:pPr>
             <a:r>
@@ -9181,7 +9181,7 @@
           <a:lstStyle/>
           <a:p/>
           <a:p>
-            <a:pPr>
+            <a:pPr algn="ctr">
               <a:defRPr sz="1000"/>
             </a:pPr>
             <a:r>
@@ -9213,7 +9213,7 @@
           <a:lstStyle/>
           <a:p/>
           <a:p>
-            <a:pPr>
+            <a:pPr algn="ctr">
               <a:defRPr sz="1000"/>
             </a:pPr>
             <a:r>
@@ -9282,7 +9282,7 @@
           <a:lstStyle/>
           <a:p/>
           <a:p>
-            <a:pPr>
+            <a:pPr algn="ctr">
               <a:defRPr sz="1000"/>
             </a:pPr>
             <a:r>
@@ -9307,7 +9307,7 @@
         </p:blipFill>
         <p:spPr>
           <a:xfrm>
-            <a:off x="7603230" y="2953512"/>
+            <a:off x="7507218" y="2953512"/>
             <a:ext cx="696686" cy="365760"/>
           </a:xfrm>
           <a:prstGeom prst="rect">
@@ -9338,7 +9338,7 @@
           <a:lstStyle/>
           <a:p/>
           <a:p>
-            <a:pPr>
+            <a:pPr algn="ctr">
               <a:defRPr sz="1000"/>
             </a:pPr>
             <a:r>
@@ -9370,7 +9370,7 @@
           <a:lstStyle/>
           <a:p/>
           <a:p>
-            <a:pPr>
+            <a:pPr algn="ctr">
               <a:defRPr sz="1000"/>
             </a:pPr>
             <a:r>
@@ -9402,7 +9402,7 @@
           <a:lstStyle/>
           <a:p/>
           <a:p>
-            <a:pPr>
+            <a:pPr algn="ctr">
               <a:defRPr sz="1000"/>
             </a:pPr>
             <a:r>
@@ -9471,7 +9471,7 @@
           <a:lstStyle/>
           <a:p/>
           <a:p>
-            <a:pPr>
+            <a:pPr algn="ctr">
               <a:defRPr sz="1000"/>
             </a:pPr>
             <a:r>
@@ -9496,7 +9496,7 @@
         </p:blipFill>
         <p:spPr>
           <a:xfrm>
-            <a:off x="553212" y="4626864"/>
+            <a:off x="457200" y="4626864"/>
             <a:ext cx="696686" cy="365760"/>
           </a:xfrm>
           <a:prstGeom prst="rect">
@@ -9527,7 +9527,7 @@
           <a:lstStyle/>
           <a:p/>
           <a:p>
-            <a:pPr>
+            <a:pPr algn="ctr">
               <a:defRPr sz="1000"/>
             </a:pPr>
             <a:r>
@@ -9559,7 +9559,7 @@
           <a:lstStyle/>
           <a:p/>
           <a:p>
-            <a:pPr>
+            <a:pPr algn="ctr">
               <a:defRPr sz="1000"/>
             </a:pPr>
             <a:r>
@@ -9591,7 +9591,7 @@
           <a:lstStyle/>
           <a:p/>
           <a:p>
-            <a:pPr>
+            <a:pPr algn="ctr">
               <a:defRPr sz="1000"/>
             </a:pPr>
             <a:r>
@@ -9660,7 +9660,7 @@
           <a:lstStyle/>
           <a:p/>
           <a:p>
-            <a:pPr>
+            <a:pPr algn="ctr">
               <a:defRPr sz="1000"/>
             </a:pPr>
             <a:r>
@@ -9685,7 +9685,7 @@
         </p:blipFill>
         <p:spPr>
           <a:xfrm>
-            <a:off x="1728215" y="4626864"/>
+            <a:off x="1632203" y="4626864"/>
             <a:ext cx="696686" cy="365760"/>
           </a:xfrm>
           <a:prstGeom prst="rect">
@@ -9716,7 +9716,7 @@
           <a:lstStyle/>
           <a:p/>
           <a:p>
-            <a:pPr>
+            <a:pPr algn="ctr">
               <a:defRPr sz="1000"/>
             </a:pPr>
             <a:r>
@@ -9748,7 +9748,7 @@
           <a:lstStyle/>
           <a:p/>
           <a:p>
-            <a:pPr>
+            <a:pPr algn="ctr">
               <a:defRPr sz="1000"/>
             </a:pPr>
             <a:r>
@@ -9780,7 +9780,7 @@
           <a:lstStyle/>
           <a:p/>
           <a:p>
-            <a:pPr>
+            <a:pPr algn="ctr">
               <a:defRPr sz="1000"/>
             </a:pPr>
             <a:r>
@@ -9849,7 +9849,7 @@
           <a:lstStyle/>
           <a:p/>
           <a:p>
-            <a:pPr>
+            <a:pPr algn="ctr">
               <a:defRPr sz="1000"/>
             </a:pPr>
             <a:r>
@@ -9874,7 +9874,7 @@
         </p:blipFill>
         <p:spPr>
           <a:xfrm>
-            <a:off x="2903218" y="4626864"/>
+            <a:off x="2807206" y="4626864"/>
             <a:ext cx="696686" cy="365760"/>
           </a:xfrm>
           <a:prstGeom prst="rect">
@@ -9905,7 +9905,7 @@
           <a:lstStyle/>
           <a:p/>
           <a:p>
-            <a:pPr>
+            <a:pPr algn="ctr">
               <a:defRPr sz="1000"/>
             </a:pPr>
             <a:r>
@@ -9937,7 +9937,7 @@
           <a:lstStyle/>
           <a:p/>
           <a:p>
-            <a:pPr>
+            <a:pPr algn="ctr">
               <a:defRPr sz="1000"/>
             </a:pPr>
             <a:r>
@@ -9969,7 +9969,7 @@
           <a:lstStyle/>
           <a:p/>
           <a:p>
-            <a:pPr>
+            <a:pPr algn="ctr">
               <a:defRPr sz="1000"/>
             </a:pPr>
             <a:r>
@@ -10038,7 +10038,7 @@
           <a:lstStyle/>
           <a:p/>
           <a:p>
-            <a:pPr>
+            <a:pPr algn="ctr">
               <a:defRPr sz="1000"/>
             </a:pPr>
             <a:r>
@@ -10063,7 +10063,7 @@
         </p:blipFill>
         <p:spPr>
           <a:xfrm>
-            <a:off x="4078221" y="4626864"/>
+            <a:off x="3982209" y="4626864"/>
             <a:ext cx="696686" cy="365760"/>
           </a:xfrm>
           <a:prstGeom prst="rect">
@@ -10094,7 +10094,7 @@
           <a:lstStyle/>
           <a:p/>
           <a:p>
-            <a:pPr>
+            <a:pPr algn="ctr">
               <a:defRPr sz="1000"/>
             </a:pPr>
             <a:r>
@@ -10126,7 +10126,7 @@
           <a:lstStyle/>
           <a:p/>
           <a:p>
-            <a:pPr>
+            <a:pPr algn="ctr">
               <a:defRPr sz="1000"/>
             </a:pPr>
             <a:r>
@@ -10158,7 +10158,7 @@
           <a:lstStyle/>
           <a:p/>
           <a:p>
-            <a:pPr>
+            <a:pPr algn="ctr">
               <a:defRPr sz="1000"/>
             </a:pPr>
             <a:r>
@@ -10227,7 +10227,7 @@
           <a:lstStyle/>
           <a:p/>
           <a:p>
-            <a:pPr>
+            <a:pPr algn="ctr">
               <a:defRPr sz="1000"/>
             </a:pPr>
             <a:r>
@@ -10252,7 +10252,7 @@
         </p:blipFill>
         <p:spPr>
           <a:xfrm>
-            <a:off x="5253224" y="4626864"/>
+            <a:off x="5157212" y="4626864"/>
             <a:ext cx="696686" cy="365760"/>
           </a:xfrm>
           <a:prstGeom prst="rect">
@@ -10283,7 +10283,7 @@
           <a:lstStyle/>
           <a:p/>
           <a:p>
-            <a:pPr>
+            <a:pPr algn="ctr">
               <a:defRPr sz="1000"/>
             </a:pPr>
             <a:r>
@@ -10315,7 +10315,7 @@
           <a:lstStyle/>
           <a:p/>
           <a:p>
-            <a:pPr>
+            <a:pPr algn="ctr">
               <a:defRPr sz="1000"/>
             </a:pPr>
             <a:r>
@@ -10347,7 +10347,7 @@
           <a:lstStyle/>
           <a:p/>
           <a:p>
-            <a:pPr>
+            <a:pPr algn="ctr">
               <a:defRPr sz="1000"/>
             </a:pPr>
             <a:r>
@@ -10416,7 +10416,7 @@
           <a:lstStyle/>
           <a:p/>
           <a:p>
-            <a:pPr>
+            <a:pPr algn="ctr">
               <a:defRPr sz="1000"/>
             </a:pPr>
             <a:r>
@@ -10441,7 +10441,7 @@
         </p:blipFill>
         <p:spPr>
           <a:xfrm>
-            <a:off x="6428227" y="4626864"/>
+            <a:off x="6332215" y="4626864"/>
             <a:ext cx="696686" cy="365760"/>
           </a:xfrm>
           <a:prstGeom prst="rect">
@@ -10472,7 +10472,7 @@
           <a:lstStyle/>
           <a:p/>
           <a:p>
-            <a:pPr>
+            <a:pPr algn="ctr">
               <a:defRPr sz="1000"/>
             </a:pPr>
             <a:r>
@@ -10504,7 +10504,7 @@
           <a:lstStyle/>
           <a:p/>
           <a:p>
-            <a:pPr>
+            <a:pPr algn="ctr">
               <a:defRPr sz="1000"/>
             </a:pPr>
             <a:r>
@@ -10536,7 +10536,7 @@
           <a:lstStyle/>
           <a:p/>
           <a:p>
-            <a:pPr>
+            <a:pPr algn="ctr">
               <a:defRPr sz="1000"/>
             </a:pPr>
             <a:r>
@@ -10605,7 +10605,7 @@
           <a:lstStyle/>
           <a:p/>
           <a:p>
-            <a:pPr>
+            <a:pPr algn="ctr">
               <a:defRPr sz="1000"/>
             </a:pPr>
             <a:r>
@@ -10630,7 +10630,7 @@
         </p:blipFill>
         <p:spPr>
           <a:xfrm>
-            <a:off x="7603230" y="4626864"/>
+            <a:off x="7507218" y="4626864"/>
             <a:ext cx="696686" cy="365760"/>
           </a:xfrm>
           <a:prstGeom prst="rect">
@@ -10661,7 +10661,7 @@
           <a:lstStyle/>
           <a:p/>
           <a:p>
-            <a:pPr>
+            <a:pPr algn="ctr">
               <a:defRPr sz="1000"/>
             </a:pPr>
             <a:r>
@@ -10693,7 +10693,7 @@
           <a:lstStyle/>
           <a:p/>
           <a:p>
-            <a:pPr>
+            <a:pPr algn="ctr">
               <a:defRPr sz="1000"/>
             </a:pPr>
             <a:r>
@@ -10725,7 +10725,7 @@
           <a:lstStyle/>
           <a:p/>
           <a:p>
-            <a:pPr>
+            <a:pPr algn="ctr">
               <a:defRPr sz="1000"/>
             </a:pPr>
             <a:r>

--- a/test.pptx
+++ b/test.pptx
@@ -6779,6 +6779,14 @@
           <a:prstGeom prst="rect">
             <a:avLst/>
           </a:prstGeom>
+          <a:solidFill>
+            <a:srgbClr val="FFFFFF"/>
+          </a:solidFill>
+          <a:ln w="31750">
+            <a:solidFill>
+              <a:srgbClr val="000000"/>
+            </a:solidFill>
+          </a:ln>
         </p:spPr>
         <p:style>
           <a:lnRef idx="1">
@@ -6968,6 +6976,14 @@
           <a:prstGeom prst="rect">
             <a:avLst/>
           </a:prstGeom>
+          <a:solidFill>
+            <a:srgbClr val="FFFFFF"/>
+          </a:solidFill>
+          <a:ln w="31750">
+            <a:solidFill>
+              <a:srgbClr val="000000"/>
+            </a:solidFill>
+          </a:ln>
         </p:spPr>
         <p:style>
           <a:lnRef idx="1">
@@ -7157,6 +7173,14 @@
           <a:prstGeom prst="rect">
             <a:avLst/>
           </a:prstGeom>
+          <a:solidFill>
+            <a:srgbClr val="FFFFFF"/>
+          </a:solidFill>
+          <a:ln w="31750">
+            <a:solidFill>
+              <a:srgbClr val="000000"/>
+            </a:solidFill>
+          </a:ln>
         </p:spPr>
         <p:style>
           <a:lnRef idx="1">
@@ -7346,6 +7370,14 @@
           <a:prstGeom prst="rect">
             <a:avLst/>
           </a:prstGeom>
+          <a:solidFill>
+            <a:srgbClr val="FFFFFF"/>
+          </a:solidFill>
+          <a:ln w="31750">
+            <a:solidFill>
+              <a:srgbClr val="000000"/>
+            </a:solidFill>
+          </a:ln>
         </p:spPr>
         <p:style>
           <a:lnRef idx="1">
@@ -7535,6 +7567,14 @@
           <a:prstGeom prst="rect">
             <a:avLst/>
           </a:prstGeom>
+          <a:solidFill>
+            <a:srgbClr val="FFFFFF"/>
+          </a:solidFill>
+          <a:ln w="31750">
+            <a:solidFill>
+              <a:srgbClr val="000000"/>
+            </a:solidFill>
+          </a:ln>
         </p:spPr>
         <p:style>
           <a:lnRef idx="1">
@@ -7724,6 +7764,14 @@
           <a:prstGeom prst="rect">
             <a:avLst/>
           </a:prstGeom>
+          <a:solidFill>
+            <a:srgbClr val="FFFFFF"/>
+          </a:solidFill>
+          <a:ln w="31750">
+            <a:solidFill>
+              <a:srgbClr val="000000"/>
+            </a:solidFill>
+          </a:ln>
         </p:spPr>
         <p:style>
           <a:lnRef idx="1">
@@ -7913,6 +7961,14 @@
           <a:prstGeom prst="rect">
             <a:avLst/>
           </a:prstGeom>
+          <a:solidFill>
+            <a:srgbClr val="FFFFFF"/>
+          </a:solidFill>
+          <a:ln w="31750">
+            <a:solidFill>
+              <a:srgbClr val="000000"/>
+            </a:solidFill>
+          </a:ln>
         </p:spPr>
         <p:style>
           <a:lnRef idx="1">
@@ -8102,6 +8158,14 @@
           <a:prstGeom prst="rect">
             <a:avLst/>
           </a:prstGeom>
+          <a:solidFill>
+            <a:srgbClr val="FFFFFF"/>
+          </a:solidFill>
+          <a:ln w="31750">
+            <a:solidFill>
+              <a:srgbClr val="000000"/>
+            </a:solidFill>
+          </a:ln>
         </p:spPr>
         <p:style>
           <a:lnRef idx="1">
@@ -8291,6 +8355,14 @@
           <a:prstGeom prst="rect">
             <a:avLst/>
           </a:prstGeom>
+          <a:solidFill>
+            <a:srgbClr val="FFFFFF"/>
+          </a:solidFill>
+          <a:ln w="31750">
+            <a:solidFill>
+              <a:srgbClr val="000000"/>
+            </a:solidFill>
+          </a:ln>
         </p:spPr>
         <p:style>
           <a:lnRef idx="1">
@@ -8480,6 +8552,14 @@
           <a:prstGeom prst="rect">
             <a:avLst/>
           </a:prstGeom>
+          <a:solidFill>
+            <a:srgbClr val="FFFFFF"/>
+          </a:solidFill>
+          <a:ln w="31750">
+            <a:solidFill>
+              <a:srgbClr val="000000"/>
+            </a:solidFill>
+          </a:ln>
         </p:spPr>
         <p:style>
           <a:lnRef idx="1">
@@ -8669,6 +8749,14 @@
           <a:prstGeom prst="rect">
             <a:avLst/>
           </a:prstGeom>
+          <a:solidFill>
+            <a:srgbClr val="FFFFFF"/>
+          </a:solidFill>
+          <a:ln w="31750">
+            <a:solidFill>
+              <a:srgbClr val="000000"/>
+            </a:solidFill>
+          </a:ln>
         </p:spPr>
         <p:style>
           <a:lnRef idx="1">
@@ -8858,6 +8946,14 @@
           <a:prstGeom prst="rect">
             <a:avLst/>
           </a:prstGeom>
+          <a:solidFill>
+            <a:srgbClr val="FFFFFF"/>
+          </a:solidFill>
+          <a:ln w="31750">
+            <a:solidFill>
+              <a:srgbClr val="000000"/>
+            </a:solidFill>
+          </a:ln>
         </p:spPr>
         <p:style>
           <a:lnRef idx="1">
@@ -9047,6 +9143,14 @@
           <a:prstGeom prst="rect">
             <a:avLst/>
           </a:prstGeom>
+          <a:solidFill>
+            <a:srgbClr val="FFFFFF"/>
+          </a:solidFill>
+          <a:ln w="31750">
+            <a:solidFill>
+              <a:srgbClr val="000000"/>
+            </a:solidFill>
+          </a:ln>
         </p:spPr>
         <p:style>
           <a:lnRef idx="1">
@@ -9236,6 +9340,14 @@
           <a:prstGeom prst="rect">
             <a:avLst/>
           </a:prstGeom>
+          <a:solidFill>
+            <a:srgbClr val="FFFFFF"/>
+          </a:solidFill>
+          <a:ln w="31750">
+            <a:solidFill>
+              <a:srgbClr val="000000"/>
+            </a:solidFill>
+          </a:ln>
         </p:spPr>
         <p:style>
           <a:lnRef idx="1">
@@ -9425,6 +9537,14 @@
           <a:prstGeom prst="rect">
             <a:avLst/>
           </a:prstGeom>
+          <a:solidFill>
+            <a:srgbClr val="FFFFFF"/>
+          </a:solidFill>
+          <a:ln w="31750">
+            <a:solidFill>
+              <a:srgbClr val="000000"/>
+            </a:solidFill>
+          </a:ln>
         </p:spPr>
         <p:style>
           <a:lnRef idx="1">
@@ -9614,6 +9734,14 @@
           <a:prstGeom prst="rect">
             <a:avLst/>
           </a:prstGeom>
+          <a:solidFill>
+            <a:srgbClr val="FFFFFF"/>
+          </a:solidFill>
+          <a:ln w="31750">
+            <a:solidFill>
+              <a:srgbClr val="000000"/>
+            </a:solidFill>
+          </a:ln>
         </p:spPr>
         <p:style>
           <a:lnRef idx="1">
@@ -9803,6 +9931,14 @@
           <a:prstGeom prst="rect">
             <a:avLst/>
           </a:prstGeom>
+          <a:solidFill>
+            <a:srgbClr val="FFFFFF"/>
+          </a:solidFill>
+          <a:ln w="31750">
+            <a:solidFill>
+              <a:srgbClr val="000000"/>
+            </a:solidFill>
+          </a:ln>
         </p:spPr>
         <p:style>
           <a:lnRef idx="1">
@@ -9992,6 +10128,14 @@
           <a:prstGeom prst="rect">
             <a:avLst/>
           </a:prstGeom>
+          <a:solidFill>
+            <a:srgbClr val="FFFFFF"/>
+          </a:solidFill>
+          <a:ln w="31750">
+            <a:solidFill>
+              <a:srgbClr val="000000"/>
+            </a:solidFill>
+          </a:ln>
         </p:spPr>
         <p:style>
           <a:lnRef idx="1">
@@ -10181,6 +10325,14 @@
           <a:prstGeom prst="rect">
             <a:avLst/>
           </a:prstGeom>
+          <a:solidFill>
+            <a:srgbClr val="FFFFFF"/>
+          </a:solidFill>
+          <a:ln w="31750">
+            <a:solidFill>
+              <a:srgbClr val="000000"/>
+            </a:solidFill>
+          </a:ln>
         </p:spPr>
         <p:style>
           <a:lnRef idx="1">
@@ -10370,6 +10522,14 @@
           <a:prstGeom prst="rect">
             <a:avLst/>
           </a:prstGeom>
+          <a:solidFill>
+            <a:srgbClr val="FFFFFF"/>
+          </a:solidFill>
+          <a:ln w="31750">
+            <a:solidFill>
+              <a:srgbClr val="000000"/>
+            </a:solidFill>
+          </a:ln>
         </p:spPr>
         <p:style>
           <a:lnRef idx="1">
@@ -10559,6 +10719,14 @@
           <a:prstGeom prst="rect">
             <a:avLst/>
           </a:prstGeom>
+          <a:solidFill>
+            <a:srgbClr val="FFFFFF"/>
+          </a:solidFill>
+          <a:ln w="31750">
+            <a:solidFill>
+              <a:srgbClr val="000000"/>
+            </a:solidFill>
+          </a:ln>
         </p:spPr>
         <p:style>
           <a:lnRef idx="1">

--- a/test.pptx
+++ b/test.pptx
@@ -7,7 +7,6 @@
   <p:sldIdLst>
     <p:sldId id="256" r:id="rId7"/>
     <p:sldId id="257" r:id="rId8"/>
-    <p:sldId id="258" r:id="rId9"/>
   </p:sldIdLst>
   <p:sldSz cx="9144000" cy="6858000" type="screen4x3"/>
   <p:notesSz cx="6858000" cy="9144000"/>
@@ -3090,243 +3089,6 @@
         <p:nvPr/>
       </p:nvGrpSpPr>
       <p:grpSpPr/>
-      <p:sp>
-        <p:nvSpPr>
-          <p:cNvPr id="2" name="Pentagon 1"/>
-          <p:cNvSpPr/>
-          <p:nvPr/>
-        </p:nvSpPr>
-        <p:spPr>
-          <a:xfrm>
-            <a:off x="850392" y="2743200"/>
-            <a:ext cx="1600200" cy="914400"/>
-          </a:xfrm>
-          <a:prstGeom prst="homePlate">
-            <a:avLst/>
-          </a:prstGeom>
-        </p:spPr>
-        <p:style>
-          <a:lnRef idx="1">
-            <a:schemeClr val="accent1"/>
-          </a:lnRef>
-          <a:fillRef idx="3">
-            <a:schemeClr val="accent1"/>
-          </a:fillRef>
-          <a:effectRef idx="2">
-            <a:schemeClr val="accent1"/>
-          </a:effectRef>
-          <a:fontRef idx="minor">
-            <a:schemeClr val="lt1"/>
-          </a:fontRef>
-        </p:style>
-        <p:txBody>
-          <a:bodyPr rtlCol="0" anchor="ctr"/>
-          <a:lstStyle/>
-          <a:p>
-            <a:pPr algn="ctr"/>
-            <a:r>
-              <a:t>Step 1</a:t>
-            </a:r>
-          </a:p>
-        </p:txBody>
-      </p:sp>
-      <p:sp>
-        <p:nvSpPr>
-          <p:cNvPr id="3" name="Chevron 2"/>
-          <p:cNvSpPr/>
-          <p:nvPr/>
-        </p:nvSpPr>
-        <p:spPr>
-          <a:xfrm>
-            <a:off x="2084832" y="2743200"/>
-            <a:ext cx="1828800" cy="914400"/>
-          </a:xfrm>
-          <a:prstGeom prst="chevron">
-            <a:avLst/>
-          </a:prstGeom>
-        </p:spPr>
-        <p:style>
-          <a:lnRef idx="1">
-            <a:schemeClr val="accent1"/>
-          </a:lnRef>
-          <a:fillRef idx="3">
-            <a:schemeClr val="accent1"/>
-          </a:fillRef>
-          <a:effectRef idx="2">
-            <a:schemeClr val="accent1"/>
-          </a:effectRef>
-          <a:fontRef idx="minor">
-            <a:schemeClr val="lt1"/>
-          </a:fontRef>
-        </p:style>
-        <p:txBody>
-          <a:bodyPr rtlCol="0" anchor="ctr"/>
-          <a:lstStyle/>
-          <a:p>
-            <a:pPr algn="ctr"/>
-            <a:r>
-              <a:t>Step 2</a:t>
-            </a:r>
-          </a:p>
-        </p:txBody>
-      </p:sp>
-      <p:sp>
-        <p:nvSpPr>
-          <p:cNvPr id="4" name="Chevron 3"/>
-          <p:cNvSpPr/>
-          <p:nvPr/>
-        </p:nvSpPr>
-        <p:spPr>
-          <a:xfrm>
-            <a:off x="3547872" y="2743200"/>
-            <a:ext cx="1828800" cy="914400"/>
-          </a:xfrm>
-          <a:prstGeom prst="chevron">
-            <a:avLst/>
-          </a:prstGeom>
-        </p:spPr>
-        <p:style>
-          <a:lnRef idx="1">
-            <a:schemeClr val="accent1"/>
-          </a:lnRef>
-          <a:fillRef idx="3">
-            <a:schemeClr val="accent1"/>
-          </a:fillRef>
-          <a:effectRef idx="2">
-            <a:schemeClr val="accent1"/>
-          </a:effectRef>
-          <a:fontRef idx="minor">
-            <a:schemeClr val="lt1"/>
-          </a:fontRef>
-        </p:style>
-        <p:txBody>
-          <a:bodyPr rtlCol="0" anchor="ctr"/>
-          <a:lstStyle/>
-          <a:p>
-            <a:pPr algn="ctr"/>
-            <a:r>
-              <a:t>Step 3</a:t>
-            </a:r>
-          </a:p>
-        </p:txBody>
-      </p:sp>
-      <p:sp>
-        <p:nvSpPr>
-          <p:cNvPr id="5" name="Chevron 4"/>
-          <p:cNvSpPr/>
-          <p:nvPr/>
-        </p:nvSpPr>
-        <p:spPr>
-          <a:xfrm>
-            <a:off x="5010912" y="2743200"/>
-            <a:ext cx="1828800" cy="914400"/>
-          </a:xfrm>
-          <a:prstGeom prst="chevron">
-            <a:avLst/>
-          </a:prstGeom>
-        </p:spPr>
-        <p:style>
-          <a:lnRef idx="1">
-            <a:schemeClr val="accent1"/>
-          </a:lnRef>
-          <a:fillRef idx="3">
-            <a:schemeClr val="accent1"/>
-          </a:fillRef>
-          <a:effectRef idx="2">
-            <a:schemeClr val="accent1"/>
-          </a:effectRef>
-          <a:fontRef idx="minor">
-            <a:schemeClr val="lt1"/>
-          </a:fontRef>
-        </p:style>
-        <p:txBody>
-          <a:bodyPr rtlCol="0" anchor="ctr"/>
-          <a:lstStyle/>
-          <a:p>
-            <a:pPr algn="ctr"/>
-            <a:r>
-              <a:t>Step 4</a:t>
-            </a:r>
-          </a:p>
-        </p:txBody>
-      </p:sp>
-      <p:sp>
-        <p:nvSpPr>
-          <p:cNvPr id="6" name="Chevron 5"/>
-          <p:cNvSpPr/>
-          <p:nvPr/>
-        </p:nvSpPr>
-        <p:spPr>
-          <a:xfrm>
-            <a:off x="6473952" y="2743200"/>
-            <a:ext cx="1828800" cy="914400"/>
-          </a:xfrm>
-          <a:prstGeom prst="chevron">
-            <a:avLst/>
-          </a:prstGeom>
-        </p:spPr>
-        <p:style>
-          <a:lnRef idx="1">
-            <a:schemeClr val="accent1"/>
-          </a:lnRef>
-          <a:fillRef idx="3">
-            <a:schemeClr val="accent1"/>
-          </a:fillRef>
-          <a:effectRef idx="2">
-            <a:schemeClr val="accent1"/>
-          </a:effectRef>
-          <a:fontRef idx="minor">
-            <a:schemeClr val="lt1"/>
-          </a:fontRef>
-        </p:style>
-        <p:txBody>
-          <a:bodyPr rtlCol="0" anchor="ctr"/>
-          <a:lstStyle/>
-          <a:p>
-            <a:pPr algn="ctr"/>
-            <a:r>
-              <a:t>Step 5</a:t>
-            </a:r>
-          </a:p>
-        </p:txBody>
-      </p:sp>
-      <p:sp>
-        <p:nvSpPr>
-          <p:cNvPr id="7" name="Rounded Rectangle 6"/>
-          <p:cNvSpPr/>
-          <p:nvPr/>
-        </p:nvSpPr>
-        <p:spPr>
-          <a:xfrm>
-            <a:off x="914400" y="914400"/>
-            <a:ext cx="914400" cy="914400"/>
-          </a:xfrm>
-          <a:prstGeom prst="roundRect">
-            <a:avLst/>
-          </a:prstGeom>
-        </p:spPr>
-        <p:style>
-          <a:lnRef idx="1">
-            <a:schemeClr val="accent1"/>
-          </a:lnRef>
-          <a:fillRef idx="3">
-            <a:schemeClr val="accent1"/>
-          </a:fillRef>
-          <a:effectRef idx="2">
-            <a:schemeClr val="accent1"/>
-          </a:effectRef>
-          <a:fontRef idx="minor">
-            <a:schemeClr val="lt1"/>
-          </a:fontRef>
-        </p:style>
-        <p:txBody>
-          <a:bodyPr rtlCol="0" anchor="ctr"/>
-          <a:lstStyle/>
-          <a:p>
-            <a:pPr algn="ctr"/>
-          </a:p>
-        </p:txBody>
-      </p:sp>
     </p:spTree>
   </p:cSld>
   <p:clrMapOvr>
@@ -3336,3426 +3098,6 @@
 </file>
 
 <file path=ppt/slides/slide2.xml><?xml version="1.0" encoding="utf-8"?>
-<p:sld xmlns:a="http://schemas.openxmlformats.org/drawingml/2006/main" xmlns:p="http://schemas.openxmlformats.org/presentationml/2006/main" xmlns:r="http://schemas.openxmlformats.org/officeDocument/2006/relationships">
-  <p:cSld>
-    <p:spTree>
-      <p:nvGrpSpPr>
-        <p:cNvPr id="1" name=""/>
-        <p:cNvGrpSpPr/>
-        <p:nvPr/>
-      </p:nvGrpSpPr>
-      <p:grpSpPr/>
-      <p:sp>
-        <p:nvSpPr>
-          <p:cNvPr id="2" name="Rectangle 1"/>
-          <p:cNvSpPr/>
-          <p:nvPr/>
-        </p:nvSpPr>
-        <p:spPr>
-          <a:xfrm>
-            <a:off x="457200" y="914400"/>
-            <a:ext cx="914400" cy="1371600"/>
-          </a:xfrm>
-          <a:prstGeom prst="rect">
-            <a:avLst/>
-          </a:prstGeom>
-        </p:spPr>
-        <p:style>
-          <a:lnRef idx="1">
-            <a:schemeClr val="accent1"/>
-          </a:lnRef>
-          <a:fillRef idx="3">
-            <a:schemeClr val="accent1"/>
-          </a:fillRef>
-          <a:effectRef idx="2">
-            <a:schemeClr val="accent1"/>
-          </a:effectRef>
-          <a:fontRef idx="minor">
-            <a:schemeClr val="lt1"/>
-          </a:fontRef>
-        </p:style>
-        <p:txBody>
-          <a:bodyPr rtlCol="0" anchor="ctr"/>
-          <a:lstStyle/>
-          <a:p>
-            <a:pPr algn="ctr"/>
-          </a:p>
-        </p:txBody>
-      </p:sp>
-      <p:sp>
-        <p:nvSpPr>
-          <p:cNvPr id="3" name="Rectangle 2"/>
-          <p:cNvSpPr/>
-          <p:nvPr/>
-        </p:nvSpPr>
-        <p:spPr>
-          <a:xfrm>
-            <a:off x="457200" y="914400"/>
-            <a:ext cx="914400" cy="342900"/>
-          </a:xfrm>
-          <a:prstGeom prst="rect">
-            <a:avLst/>
-          </a:prstGeom>
-        </p:spPr>
-        <p:style>
-          <a:lnRef idx="1">
-            <a:schemeClr val="accent1"/>
-          </a:lnRef>
-          <a:fillRef idx="3">
-            <a:schemeClr val="accent1"/>
-          </a:fillRef>
-          <a:effectRef idx="2">
-            <a:schemeClr val="accent1"/>
-          </a:effectRef>
-          <a:fontRef idx="minor">
-            <a:schemeClr val="lt1"/>
-          </a:fontRef>
-        </p:style>
-        <p:txBody>
-          <a:bodyPr rtlCol="0" anchor="ctr"/>
-          <a:lstStyle/>
-          <a:p>
-            <a:pPr algn="ctr"/>
-          </a:p>
-        </p:txBody>
-      </p:sp>
-      <p:sp>
-        <p:nvSpPr>
-          <p:cNvPr id="4" name="TextBox 3"/>
-          <p:cNvSpPr txBox="1"/>
-          <p:nvPr/>
-        </p:nvSpPr>
-        <p:spPr>
-          <a:xfrm>
-            <a:off x="457200" y="914400"/>
-            <a:ext cx="914400" cy="228600"/>
-          </a:xfrm>
-          <a:prstGeom prst="rect">
-            <a:avLst/>
-          </a:prstGeom>
-          <a:noFill/>
-        </p:spPr>
-        <p:txBody>
-          <a:bodyPr wrap="none">
-            <a:spAutoFit/>
-          </a:bodyPr>
-          <a:lstStyle/>
-          <a:p/>
-          <a:p>
-            <a:pPr>
-              <a:defRPr sz="1400"/>
-            </a:pPr>
-            <a:r>
-              <a:t>June 2018</a:t>
-            </a:r>
-          </a:p>
-        </p:txBody>
-      </p:sp>
-      <p:pic>
-        <p:nvPicPr>
-          <p:cNvPr id="5" name="Picture 4" descr="key_social_logo.png"/>
-          <p:cNvPicPr>
-            <a:picLocks noChangeAspect="1"/>
-          </p:cNvPicPr>
-          <p:nvPr/>
-        </p:nvPicPr>
-        <p:blipFill>
-          <a:blip r:embed="rId2"/>
-          <a:stretch>
-            <a:fillRect/>
-          </a:stretch>
-        </p:blipFill>
-        <p:spPr>
-          <a:xfrm>
-            <a:off x="457200" y="1371600"/>
-            <a:ext cx="435429" cy="228600"/>
-          </a:xfrm>
-          <a:prstGeom prst="rect">
-            <a:avLst/>
-          </a:prstGeom>
-        </p:spPr>
-      </p:pic>
-      <p:sp>
-        <p:nvSpPr>
-          <p:cNvPr id="6" name="TextBox 5"/>
-          <p:cNvSpPr txBox="1"/>
-          <p:nvPr/>
-        </p:nvSpPr>
-        <p:spPr>
-          <a:xfrm>
-            <a:off x="457200" y="914400"/>
-            <a:ext cx="914400" cy="228600"/>
-          </a:xfrm>
-          <a:prstGeom prst="rect">
-            <a:avLst/>
-          </a:prstGeom>
-          <a:noFill/>
-        </p:spPr>
-        <p:txBody>
-          <a:bodyPr wrap="none">
-            <a:spAutoFit/>
-          </a:bodyPr>
-          <a:lstStyle/>
-          <a:p/>
-          <a:p>
-            <a:pPr>
-              <a:defRPr sz="1200"/>
-            </a:pPr>
-            <a:r>
-              <a:t>Bookrunner</a:t>
-            </a:r>
-          </a:p>
-        </p:txBody>
-      </p:sp>
-      <p:sp>
-        <p:nvSpPr>
-          <p:cNvPr id="7" name="Rectangle 6"/>
-          <p:cNvSpPr/>
-          <p:nvPr/>
-        </p:nvSpPr>
-        <p:spPr>
-          <a:xfrm>
-            <a:off x="1632203" y="914400"/>
-            <a:ext cx="914400" cy="1371600"/>
-          </a:xfrm>
-          <a:prstGeom prst="rect">
-            <a:avLst/>
-          </a:prstGeom>
-        </p:spPr>
-        <p:style>
-          <a:lnRef idx="1">
-            <a:schemeClr val="accent1"/>
-          </a:lnRef>
-          <a:fillRef idx="3">
-            <a:schemeClr val="accent1"/>
-          </a:fillRef>
-          <a:effectRef idx="2">
-            <a:schemeClr val="accent1"/>
-          </a:effectRef>
-          <a:fontRef idx="minor">
-            <a:schemeClr val="lt1"/>
-          </a:fontRef>
-        </p:style>
-        <p:txBody>
-          <a:bodyPr rtlCol="0" anchor="ctr"/>
-          <a:lstStyle/>
-          <a:p>
-            <a:pPr algn="ctr"/>
-          </a:p>
-        </p:txBody>
-      </p:sp>
-      <p:sp>
-        <p:nvSpPr>
-          <p:cNvPr id="8" name="Rectangle 7"/>
-          <p:cNvSpPr/>
-          <p:nvPr/>
-        </p:nvSpPr>
-        <p:spPr>
-          <a:xfrm>
-            <a:off x="1632203" y="914400"/>
-            <a:ext cx="914400" cy="342900"/>
-          </a:xfrm>
-          <a:prstGeom prst="rect">
-            <a:avLst/>
-          </a:prstGeom>
-        </p:spPr>
-        <p:style>
-          <a:lnRef idx="1">
-            <a:schemeClr val="accent1"/>
-          </a:lnRef>
-          <a:fillRef idx="3">
-            <a:schemeClr val="accent1"/>
-          </a:fillRef>
-          <a:effectRef idx="2">
-            <a:schemeClr val="accent1"/>
-          </a:effectRef>
-          <a:fontRef idx="minor">
-            <a:schemeClr val="lt1"/>
-          </a:fontRef>
-        </p:style>
-        <p:txBody>
-          <a:bodyPr rtlCol="0" anchor="ctr"/>
-          <a:lstStyle/>
-          <a:p>
-            <a:pPr algn="ctr"/>
-          </a:p>
-        </p:txBody>
-      </p:sp>
-      <p:sp>
-        <p:nvSpPr>
-          <p:cNvPr id="9" name="TextBox 8"/>
-          <p:cNvSpPr txBox="1"/>
-          <p:nvPr/>
-        </p:nvSpPr>
-        <p:spPr>
-          <a:xfrm>
-            <a:off x="1632203" y="914400"/>
-            <a:ext cx="914400" cy="228600"/>
-          </a:xfrm>
-          <a:prstGeom prst="rect">
-            <a:avLst/>
-          </a:prstGeom>
-          <a:noFill/>
-        </p:spPr>
-        <p:txBody>
-          <a:bodyPr wrap="none">
-            <a:spAutoFit/>
-          </a:bodyPr>
-          <a:lstStyle/>
-          <a:p/>
-          <a:p>
-            <a:pPr>
-              <a:defRPr sz="1400"/>
-            </a:pPr>
-            <a:r>
-              <a:t>June 2018</a:t>
-            </a:r>
-          </a:p>
-        </p:txBody>
-      </p:sp>
-      <p:pic>
-        <p:nvPicPr>
-          <p:cNvPr id="10" name="Picture 9" descr="key_social_logo.png"/>
-          <p:cNvPicPr>
-            <a:picLocks noChangeAspect="1"/>
-          </p:cNvPicPr>
-          <p:nvPr/>
-        </p:nvPicPr>
-        <p:blipFill>
-          <a:blip r:embed="rId2"/>
-          <a:stretch>
-            <a:fillRect/>
-          </a:stretch>
-        </p:blipFill>
-        <p:spPr>
-          <a:xfrm>
-            <a:off x="1632203" y="1371600"/>
-            <a:ext cx="435429" cy="228600"/>
-          </a:xfrm>
-          <a:prstGeom prst="rect">
-            <a:avLst/>
-          </a:prstGeom>
-        </p:spPr>
-      </p:pic>
-      <p:sp>
-        <p:nvSpPr>
-          <p:cNvPr id="11" name="TextBox 10"/>
-          <p:cNvSpPr txBox="1"/>
-          <p:nvPr/>
-        </p:nvSpPr>
-        <p:spPr>
-          <a:xfrm>
-            <a:off x="1632203" y="914400"/>
-            <a:ext cx="914400" cy="228600"/>
-          </a:xfrm>
-          <a:prstGeom prst="rect">
-            <a:avLst/>
-          </a:prstGeom>
-          <a:noFill/>
-        </p:spPr>
-        <p:txBody>
-          <a:bodyPr wrap="none">
-            <a:spAutoFit/>
-          </a:bodyPr>
-          <a:lstStyle/>
-          <a:p/>
-          <a:p>
-            <a:pPr>
-              <a:defRPr sz="1200"/>
-            </a:pPr>
-            <a:r>
-              <a:t>Bookrunner</a:t>
-            </a:r>
-          </a:p>
-        </p:txBody>
-      </p:sp>
-      <p:sp>
-        <p:nvSpPr>
-          <p:cNvPr id="12" name="Rectangle 11"/>
-          <p:cNvSpPr/>
-          <p:nvPr/>
-        </p:nvSpPr>
-        <p:spPr>
-          <a:xfrm>
-            <a:off x="2807206" y="914400"/>
-            <a:ext cx="914400" cy="1371600"/>
-          </a:xfrm>
-          <a:prstGeom prst="rect">
-            <a:avLst/>
-          </a:prstGeom>
-        </p:spPr>
-        <p:style>
-          <a:lnRef idx="1">
-            <a:schemeClr val="accent1"/>
-          </a:lnRef>
-          <a:fillRef idx="3">
-            <a:schemeClr val="accent1"/>
-          </a:fillRef>
-          <a:effectRef idx="2">
-            <a:schemeClr val="accent1"/>
-          </a:effectRef>
-          <a:fontRef idx="minor">
-            <a:schemeClr val="lt1"/>
-          </a:fontRef>
-        </p:style>
-        <p:txBody>
-          <a:bodyPr rtlCol="0" anchor="ctr"/>
-          <a:lstStyle/>
-          <a:p>
-            <a:pPr algn="ctr"/>
-          </a:p>
-        </p:txBody>
-      </p:sp>
-      <p:sp>
-        <p:nvSpPr>
-          <p:cNvPr id="13" name="Rectangle 12"/>
-          <p:cNvSpPr/>
-          <p:nvPr/>
-        </p:nvSpPr>
-        <p:spPr>
-          <a:xfrm>
-            <a:off x="2807206" y="914400"/>
-            <a:ext cx="914400" cy="342900"/>
-          </a:xfrm>
-          <a:prstGeom prst="rect">
-            <a:avLst/>
-          </a:prstGeom>
-        </p:spPr>
-        <p:style>
-          <a:lnRef idx="1">
-            <a:schemeClr val="accent1"/>
-          </a:lnRef>
-          <a:fillRef idx="3">
-            <a:schemeClr val="accent1"/>
-          </a:fillRef>
-          <a:effectRef idx="2">
-            <a:schemeClr val="accent1"/>
-          </a:effectRef>
-          <a:fontRef idx="minor">
-            <a:schemeClr val="lt1"/>
-          </a:fontRef>
-        </p:style>
-        <p:txBody>
-          <a:bodyPr rtlCol="0" anchor="ctr"/>
-          <a:lstStyle/>
-          <a:p>
-            <a:pPr algn="ctr"/>
-          </a:p>
-        </p:txBody>
-      </p:sp>
-      <p:sp>
-        <p:nvSpPr>
-          <p:cNvPr id="14" name="TextBox 13"/>
-          <p:cNvSpPr txBox="1"/>
-          <p:nvPr/>
-        </p:nvSpPr>
-        <p:spPr>
-          <a:xfrm>
-            <a:off x="2807206" y="914400"/>
-            <a:ext cx="914400" cy="228600"/>
-          </a:xfrm>
-          <a:prstGeom prst="rect">
-            <a:avLst/>
-          </a:prstGeom>
-          <a:noFill/>
-        </p:spPr>
-        <p:txBody>
-          <a:bodyPr wrap="none">
-            <a:spAutoFit/>
-          </a:bodyPr>
-          <a:lstStyle/>
-          <a:p/>
-          <a:p>
-            <a:pPr>
-              <a:defRPr sz="1400"/>
-            </a:pPr>
-            <a:r>
-              <a:t>June 2018</a:t>
-            </a:r>
-          </a:p>
-        </p:txBody>
-      </p:sp>
-      <p:pic>
-        <p:nvPicPr>
-          <p:cNvPr id="15" name="Picture 14" descr="key_social_logo.png"/>
-          <p:cNvPicPr>
-            <a:picLocks noChangeAspect="1"/>
-          </p:cNvPicPr>
-          <p:nvPr/>
-        </p:nvPicPr>
-        <p:blipFill>
-          <a:blip r:embed="rId2"/>
-          <a:stretch>
-            <a:fillRect/>
-          </a:stretch>
-        </p:blipFill>
-        <p:spPr>
-          <a:xfrm>
-            <a:off x="2807206" y="1371600"/>
-            <a:ext cx="435429" cy="228600"/>
-          </a:xfrm>
-          <a:prstGeom prst="rect">
-            <a:avLst/>
-          </a:prstGeom>
-        </p:spPr>
-      </p:pic>
-      <p:sp>
-        <p:nvSpPr>
-          <p:cNvPr id="16" name="TextBox 15"/>
-          <p:cNvSpPr txBox="1"/>
-          <p:nvPr/>
-        </p:nvSpPr>
-        <p:spPr>
-          <a:xfrm>
-            <a:off x="2807206" y="914400"/>
-            <a:ext cx="914400" cy="228600"/>
-          </a:xfrm>
-          <a:prstGeom prst="rect">
-            <a:avLst/>
-          </a:prstGeom>
-          <a:noFill/>
-        </p:spPr>
-        <p:txBody>
-          <a:bodyPr wrap="none">
-            <a:spAutoFit/>
-          </a:bodyPr>
-          <a:lstStyle/>
-          <a:p/>
-          <a:p>
-            <a:pPr>
-              <a:defRPr sz="1200"/>
-            </a:pPr>
-            <a:r>
-              <a:t>Bookrunner</a:t>
-            </a:r>
-          </a:p>
-        </p:txBody>
-      </p:sp>
-      <p:sp>
-        <p:nvSpPr>
-          <p:cNvPr id="17" name="Rectangle 16"/>
-          <p:cNvSpPr/>
-          <p:nvPr/>
-        </p:nvSpPr>
-        <p:spPr>
-          <a:xfrm>
-            <a:off x="3982209" y="914400"/>
-            <a:ext cx="914400" cy="1371600"/>
-          </a:xfrm>
-          <a:prstGeom prst="rect">
-            <a:avLst/>
-          </a:prstGeom>
-        </p:spPr>
-        <p:style>
-          <a:lnRef idx="1">
-            <a:schemeClr val="accent1"/>
-          </a:lnRef>
-          <a:fillRef idx="3">
-            <a:schemeClr val="accent1"/>
-          </a:fillRef>
-          <a:effectRef idx="2">
-            <a:schemeClr val="accent1"/>
-          </a:effectRef>
-          <a:fontRef idx="minor">
-            <a:schemeClr val="lt1"/>
-          </a:fontRef>
-        </p:style>
-        <p:txBody>
-          <a:bodyPr rtlCol="0" anchor="ctr"/>
-          <a:lstStyle/>
-          <a:p>
-            <a:pPr algn="ctr"/>
-          </a:p>
-        </p:txBody>
-      </p:sp>
-      <p:sp>
-        <p:nvSpPr>
-          <p:cNvPr id="18" name="Rectangle 17"/>
-          <p:cNvSpPr/>
-          <p:nvPr/>
-        </p:nvSpPr>
-        <p:spPr>
-          <a:xfrm>
-            <a:off x="3982209" y="914400"/>
-            <a:ext cx="914400" cy="342900"/>
-          </a:xfrm>
-          <a:prstGeom prst="rect">
-            <a:avLst/>
-          </a:prstGeom>
-        </p:spPr>
-        <p:style>
-          <a:lnRef idx="1">
-            <a:schemeClr val="accent1"/>
-          </a:lnRef>
-          <a:fillRef idx="3">
-            <a:schemeClr val="accent1"/>
-          </a:fillRef>
-          <a:effectRef idx="2">
-            <a:schemeClr val="accent1"/>
-          </a:effectRef>
-          <a:fontRef idx="minor">
-            <a:schemeClr val="lt1"/>
-          </a:fontRef>
-        </p:style>
-        <p:txBody>
-          <a:bodyPr rtlCol="0" anchor="ctr"/>
-          <a:lstStyle/>
-          <a:p>
-            <a:pPr algn="ctr"/>
-          </a:p>
-        </p:txBody>
-      </p:sp>
-      <p:sp>
-        <p:nvSpPr>
-          <p:cNvPr id="19" name="TextBox 18"/>
-          <p:cNvSpPr txBox="1"/>
-          <p:nvPr/>
-        </p:nvSpPr>
-        <p:spPr>
-          <a:xfrm>
-            <a:off x="3982209" y="914400"/>
-            <a:ext cx="914400" cy="228600"/>
-          </a:xfrm>
-          <a:prstGeom prst="rect">
-            <a:avLst/>
-          </a:prstGeom>
-          <a:noFill/>
-        </p:spPr>
-        <p:txBody>
-          <a:bodyPr wrap="none">
-            <a:spAutoFit/>
-          </a:bodyPr>
-          <a:lstStyle/>
-          <a:p/>
-          <a:p>
-            <a:pPr>
-              <a:defRPr sz="1400"/>
-            </a:pPr>
-            <a:r>
-              <a:t>June 2018</a:t>
-            </a:r>
-          </a:p>
-        </p:txBody>
-      </p:sp>
-      <p:pic>
-        <p:nvPicPr>
-          <p:cNvPr id="20" name="Picture 19" descr="key_social_logo.png"/>
-          <p:cNvPicPr>
-            <a:picLocks noChangeAspect="1"/>
-          </p:cNvPicPr>
-          <p:nvPr/>
-        </p:nvPicPr>
-        <p:blipFill>
-          <a:blip r:embed="rId2"/>
-          <a:stretch>
-            <a:fillRect/>
-          </a:stretch>
-        </p:blipFill>
-        <p:spPr>
-          <a:xfrm>
-            <a:off x="3982209" y="1371600"/>
-            <a:ext cx="435429" cy="228600"/>
-          </a:xfrm>
-          <a:prstGeom prst="rect">
-            <a:avLst/>
-          </a:prstGeom>
-        </p:spPr>
-      </p:pic>
-      <p:sp>
-        <p:nvSpPr>
-          <p:cNvPr id="21" name="TextBox 20"/>
-          <p:cNvSpPr txBox="1"/>
-          <p:nvPr/>
-        </p:nvSpPr>
-        <p:spPr>
-          <a:xfrm>
-            <a:off x="3982209" y="914400"/>
-            <a:ext cx="914400" cy="228600"/>
-          </a:xfrm>
-          <a:prstGeom prst="rect">
-            <a:avLst/>
-          </a:prstGeom>
-          <a:noFill/>
-        </p:spPr>
-        <p:txBody>
-          <a:bodyPr wrap="none">
-            <a:spAutoFit/>
-          </a:bodyPr>
-          <a:lstStyle/>
-          <a:p/>
-          <a:p>
-            <a:pPr>
-              <a:defRPr sz="1200"/>
-            </a:pPr>
-            <a:r>
-              <a:t>Bookrunner</a:t>
-            </a:r>
-          </a:p>
-        </p:txBody>
-      </p:sp>
-      <p:sp>
-        <p:nvSpPr>
-          <p:cNvPr id="22" name="Rectangle 21"/>
-          <p:cNvSpPr/>
-          <p:nvPr/>
-        </p:nvSpPr>
-        <p:spPr>
-          <a:xfrm>
-            <a:off x="5157212" y="914400"/>
-            <a:ext cx="914400" cy="1371600"/>
-          </a:xfrm>
-          <a:prstGeom prst="rect">
-            <a:avLst/>
-          </a:prstGeom>
-        </p:spPr>
-        <p:style>
-          <a:lnRef idx="1">
-            <a:schemeClr val="accent1"/>
-          </a:lnRef>
-          <a:fillRef idx="3">
-            <a:schemeClr val="accent1"/>
-          </a:fillRef>
-          <a:effectRef idx="2">
-            <a:schemeClr val="accent1"/>
-          </a:effectRef>
-          <a:fontRef idx="minor">
-            <a:schemeClr val="lt1"/>
-          </a:fontRef>
-        </p:style>
-        <p:txBody>
-          <a:bodyPr rtlCol="0" anchor="ctr"/>
-          <a:lstStyle/>
-          <a:p>
-            <a:pPr algn="ctr"/>
-          </a:p>
-        </p:txBody>
-      </p:sp>
-      <p:sp>
-        <p:nvSpPr>
-          <p:cNvPr id="23" name="Rectangle 22"/>
-          <p:cNvSpPr/>
-          <p:nvPr/>
-        </p:nvSpPr>
-        <p:spPr>
-          <a:xfrm>
-            <a:off x="5157212" y="914400"/>
-            <a:ext cx="914400" cy="342900"/>
-          </a:xfrm>
-          <a:prstGeom prst="rect">
-            <a:avLst/>
-          </a:prstGeom>
-        </p:spPr>
-        <p:style>
-          <a:lnRef idx="1">
-            <a:schemeClr val="accent1"/>
-          </a:lnRef>
-          <a:fillRef idx="3">
-            <a:schemeClr val="accent1"/>
-          </a:fillRef>
-          <a:effectRef idx="2">
-            <a:schemeClr val="accent1"/>
-          </a:effectRef>
-          <a:fontRef idx="minor">
-            <a:schemeClr val="lt1"/>
-          </a:fontRef>
-        </p:style>
-        <p:txBody>
-          <a:bodyPr rtlCol="0" anchor="ctr"/>
-          <a:lstStyle/>
-          <a:p>
-            <a:pPr algn="ctr"/>
-          </a:p>
-        </p:txBody>
-      </p:sp>
-      <p:sp>
-        <p:nvSpPr>
-          <p:cNvPr id="24" name="TextBox 23"/>
-          <p:cNvSpPr txBox="1"/>
-          <p:nvPr/>
-        </p:nvSpPr>
-        <p:spPr>
-          <a:xfrm>
-            <a:off x="5157212" y="914400"/>
-            <a:ext cx="914400" cy="228600"/>
-          </a:xfrm>
-          <a:prstGeom prst="rect">
-            <a:avLst/>
-          </a:prstGeom>
-          <a:noFill/>
-        </p:spPr>
-        <p:txBody>
-          <a:bodyPr wrap="none">
-            <a:spAutoFit/>
-          </a:bodyPr>
-          <a:lstStyle/>
-          <a:p/>
-          <a:p>
-            <a:pPr>
-              <a:defRPr sz="1400"/>
-            </a:pPr>
-            <a:r>
-              <a:t>June 2018</a:t>
-            </a:r>
-          </a:p>
-        </p:txBody>
-      </p:sp>
-      <p:pic>
-        <p:nvPicPr>
-          <p:cNvPr id="25" name="Picture 24" descr="key_social_logo.png"/>
-          <p:cNvPicPr>
-            <a:picLocks noChangeAspect="1"/>
-          </p:cNvPicPr>
-          <p:nvPr/>
-        </p:nvPicPr>
-        <p:blipFill>
-          <a:blip r:embed="rId2"/>
-          <a:stretch>
-            <a:fillRect/>
-          </a:stretch>
-        </p:blipFill>
-        <p:spPr>
-          <a:xfrm>
-            <a:off x="5157212" y="1371600"/>
-            <a:ext cx="435429" cy="228600"/>
-          </a:xfrm>
-          <a:prstGeom prst="rect">
-            <a:avLst/>
-          </a:prstGeom>
-        </p:spPr>
-      </p:pic>
-      <p:sp>
-        <p:nvSpPr>
-          <p:cNvPr id="26" name="TextBox 25"/>
-          <p:cNvSpPr txBox="1"/>
-          <p:nvPr/>
-        </p:nvSpPr>
-        <p:spPr>
-          <a:xfrm>
-            <a:off x="5157212" y="914400"/>
-            <a:ext cx="914400" cy="228600"/>
-          </a:xfrm>
-          <a:prstGeom prst="rect">
-            <a:avLst/>
-          </a:prstGeom>
-          <a:noFill/>
-        </p:spPr>
-        <p:txBody>
-          <a:bodyPr wrap="none">
-            <a:spAutoFit/>
-          </a:bodyPr>
-          <a:lstStyle/>
-          <a:p/>
-          <a:p>
-            <a:pPr>
-              <a:defRPr sz="1200"/>
-            </a:pPr>
-            <a:r>
-              <a:t>Bookrunner</a:t>
-            </a:r>
-          </a:p>
-        </p:txBody>
-      </p:sp>
-      <p:sp>
-        <p:nvSpPr>
-          <p:cNvPr id="27" name="Rectangle 26"/>
-          <p:cNvSpPr/>
-          <p:nvPr/>
-        </p:nvSpPr>
-        <p:spPr>
-          <a:xfrm>
-            <a:off x="6332215" y="914400"/>
-            <a:ext cx="914400" cy="1371600"/>
-          </a:xfrm>
-          <a:prstGeom prst="rect">
-            <a:avLst/>
-          </a:prstGeom>
-        </p:spPr>
-        <p:style>
-          <a:lnRef idx="1">
-            <a:schemeClr val="accent1"/>
-          </a:lnRef>
-          <a:fillRef idx="3">
-            <a:schemeClr val="accent1"/>
-          </a:fillRef>
-          <a:effectRef idx="2">
-            <a:schemeClr val="accent1"/>
-          </a:effectRef>
-          <a:fontRef idx="minor">
-            <a:schemeClr val="lt1"/>
-          </a:fontRef>
-        </p:style>
-        <p:txBody>
-          <a:bodyPr rtlCol="0" anchor="ctr"/>
-          <a:lstStyle/>
-          <a:p>
-            <a:pPr algn="ctr"/>
-          </a:p>
-        </p:txBody>
-      </p:sp>
-      <p:sp>
-        <p:nvSpPr>
-          <p:cNvPr id="28" name="Rectangle 27"/>
-          <p:cNvSpPr/>
-          <p:nvPr/>
-        </p:nvSpPr>
-        <p:spPr>
-          <a:xfrm>
-            <a:off x="6332215" y="914400"/>
-            <a:ext cx="914400" cy="342900"/>
-          </a:xfrm>
-          <a:prstGeom prst="rect">
-            <a:avLst/>
-          </a:prstGeom>
-        </p:spPr>
-        <p:style>
-          <a:lnRef idx="1">
-            <a:schemeClr val="accent1"/>
-          </a:lnRef>
-          <a:fillRef idx="3">
-            <a:schemeClr val="accent1"/>
-          </a:fillRef>
-          <a:effectRef idx="2">
-            <a:schemeClr val="accent1"/>
-          </a:effectRef>
-          <a:fontRef idx="minor">
-            <a:schemeClr val="lt1"/>
-          </a:fontRef>
-        </p:style>
-        <p:txBody>
-          <a:bodyPr rtlCol="0" anchor="ctr"/>
-          <a:lstStyle/>
-          <a:p>
-            <a:pPr algn="ctr"/>
-          </a:p>
-        </p:txBody>
-      </p:sp>
-      <p:sp>
-        <p:nvSpPr>
-          <p:cNvPr id="29" name="TextBox 28"/>
-          <p:cNvSpPr txBox="1"/>
-          <p:nvPr/>
-        </p:nvSpPr>
-        <p:spPr>
-          <a:xfrm>
-            <a:off x="6332215" y="914400"/>
-            <a:ext cx="914400" cy="228600"/>
-          </a:xfrm>
-          <a:prstGeom prst="rect">
-            <a:avLst/>
-          </a:prstGeom>
-          <a:noFill/>
-        </p:spPr>
-        <p:txBody>
-          <a:bodyPr wrap="none">
-            <a:spAutoFit/>
-          </a:bodyPr>
-          <a:lstStyle/>
-          <a:p/>
-          <a:p>
-            <a:pPr>
-              <a:defRPr sz="1400"/>
-            </a:pPr>
-            <a:r>
-              <a:t>June 2018</a:t>
-            </a:r>
-          </a:p>
-        </p:txBody>
-      </p:sp>
-      <p:pic>
-        <p:nvPicPr>
-          <p:cNvPr id="30" name="Picture 29" descr="key_social_logo.png"/>
-          <p:cNvPicPr>
-            <a:picLocks noChangeAspect="1"/>
-          </p:cNvPicPr>
-          <p:nvPr/>
-        </p:nvPicPr>
-        <p:blipFill>
-          <a:blip r:embed="rId2"/>
-          <a:stretch>
-            <a:fillRect/>
-          </a:stretch>
-        </p:blipFill>
-        <p:spPr>
-          <a:xfrm>
-            <a:off x="6332215" y="1371600"/>
-            <a:ext cx="435429" cy="228600"/>
-          </a:xfrm>
-          <a:prstGeom prst="rect">
-            <a:avLst/>
-          </a:prstGeom>
-        </p:spPr>
-      </p:pic>
-      <p:sp>
-        <p:nvSpPr>
-          <p:cNvPr id="31" name="TextBox 30"/>
-          <p:cNvSpPr txBox="1"/>
-          <p:nvPr/>
-        </p:nvSpPr>
-        <p:spPr>
-          <a:xfrm>
-            <a:off x="6332215" y="914400"/>
-            <a:ext cx="914400" cy="228600"/>
-          </a:xfrm>
-          <a:prstGeom prst="rect">
-            <a:avLst/>
-          </a:prstGeom>
-          <a:noFill/>
-        </p:spPr>
-        <p:txBody>
-          <a:bodyPr wrap="none">
-            <a:spAutoFit/>
-          </a:bodyPr>
-          <a:lstStyle/>
-          <a:p/>
-          <a:p>
-            <a:pPr>
-              <a:defRPr sz="1200"/>
-            </a:pPr>
-            <a:r>
-              <a:t>Bookrunner</a:t>
-            </a:r>
-          </a:p>
-        </p:txBody>
-      </p:sp>
-      <p:sp>
-        <p:nvSpPr>
-          <p:cNvPr id="32" name="Rectangle 31"/>
-          <p:cNvSpPr/>
-          <p:nvPr/>
-        </p:nvSpPr>
-        <p:spPr>
-          <a:xfrm>
-            <a:off x="7507218" y="914400"/>
-            <a:ext cx="914400" cy="1371600"/>
-          </a:xfrm>
-          <a:prstGeom prst="rect">
-            <a:avLst/>
-          </a:prstGeom>
-        </p:spPr>
-        <p:style>
-          <a:lnRef idx="1">
-            <a:schemeClr val="accent1"/>
-          </a:lnRef>
-          <a:fillRef idx="3">
-            <a:schemeClr val="accent1"/>
-          </a:fillRef>
-          <a:effectRef idx="2">
-            <a:schemeClr val="accent1"/>
-          </a:effectRef>
-          <a:fontRef idx="minor">
-            <a:schemeClr val="lt1"/>
-          </a:fontRef>
-        </p:style>
-        <p:txBody>
-          <a:bodyPr rtlCol="0" anchor="ctr"/>
-          <a:lstStyle/>
-          <a:p>
-            <a:pPr algn="ctr"/>
-          </a:p>
-        </p:txBody>
-      </p:sp>
-      <p:sp>
-        <p:nvSpPr>
-          <p:cNvPr id="33" name="Rectangle 32"/>
-          <p:cNvSpPr/>
-          <p:nvPr/>
-        </p:nvSpPr>
-        <p:spPr>
-          <a:xfrm>
-            <a:off x="7507218" y="914400"/>
-            <a:ext cx="914400" cy="342900"/>
-          </a:xfrm>
-          <a:prstGeom prst="rect">
-            <a:avLst/>
-          </a:prstGeom>
-        </p:spPr>
-        <p:style>
-          <a:lnRef idx="1">
-            <a:schemeClr val="accent1"/>
-          </a:lnRef>
-          <a:fillRef idx="3">
-            <a:schemeClr val="accent1"/>
-          </a:fillRef>
-          <a:effectRef idx="2">
-            <a:schemeClr val="accent1"/>
-          </a:effectRef>
-          <a:fontRef idx="minor">
-            <a:schemeClr val="lt1"/>
-          </a:fontRef>
-        </p:style>
-        <p:txBody>
-          <a:bodyPr rtlCol="0" anchor="ctr"/>
-          <a:lstStyle/>
-          <a:p>
-            <a:pPr algn="ctr"/>
-          </a:p>
-        </p:txBody>
-      </p:sp>
-      <p:sp>
-        <p:nvSpPr>
-          <p:cNvPr id="34" name="TextBox 33"/>
-          <p:cNvSpPr txBox="1"/>
-          <p:nvPr/>
-        </p:nvSpPr>
-        <p:spPr>
-          <a:xfrm>
-            <a:off x="7507218" y="914400"/>
-            <a:ext cx="914400" cy="228600"/>
-          </a:xfrm>
-          <a:prstGeom prst="rect">
-            <a:avLst/>
-          </a:prstGeom>
-          <a:noFill/>
-        </p:spPr>
-        <p:txBody>
-          <a:bodyPr wrap="none">
-            <a:spAutoFit/>
-          </a:bodyPr>
-          <a:lstStyle/>
-          <a:p/>
-          <a:p>
-            <a:pPr>
-              <a:defRPr sz="1400"/>
-            </a:pPr>
-            <a:r>
-              <a:t>June 2018</a:t>
-            </a:r>
-          </a:p>
-        </p:txBody>
-      </p:sp>
-      <p:pic>
-        <p:nvPicPr>
-          <p:cNvPr id="35" name="Picture 34" descr="key_social_logo.png"/>
-          <p:cNvPicPr>
-            <a:picLocks noChangeAspect="1"/>
-          </p:cNvPicPr>
-          <p:nvPr/>
-        </p:nvPicPr>
-        <p:blipFill>
-          <a:blip r:embed="rId2"/>
-          <a:stretch>
-            <a:fillRect/>
-          </a:stretch>
-        </p:blipFill>
-        <p:spPr>
-          <a:xfrm>
-            <a:off x="7507218" y="1371600"/>
-            <a:ext cx="435429" cy="228600"/>
-          </a:xfrm>
-          <a:prstGeom prst="rect">
-            <a:avLst/>
-          </a:prstGeom>
-        </p:spPr>
-      </p:pic>
-      <p:sp>
-        <p:nvSpPr>
-          <p:cNvPr id="36" name="TextBox 35"/>
-          <p:cNvSpPr txBox="1"/>
-          <p:nvPr/>
-        </p:nvSpPr>
-        <p:spPr>
-          <a:xfrm>
-            <a:off x="7507218" y="914400"/>
-            <a:ext cx="914400" cy="228600"/>
-          </a:xfrm>
-          <a:prstGeom prst="rect">
-            <a:avLst/>
-          </a:prstGeom>
-          <a:noFill/>
-        </p:spPr>
-        <p:txBody>
-          <a:bodyPr wrap="none">
-            <a:spAutoFit/>
-          </a:bodyPr>
-          <a:lstStyle/>
-          <a:p/>
-          <a:p>
-            <a:pPr>
-              <a:defRPr sz="1200"/>
-            </a:pPr>
-            <a:r>
-              <a:t>Bookrunner</a:t>
-            </a:r>
-          </a:p>
-        </p:txBody>
-      </p:sp>
-      <p:sp>
-        <p:nvSpPr>
-          <p:cNvPr id="37" name="Rectangle 36"/>
-          <p:cNvSpPr/>
-          <p:nvPr/>
-        </p:nvSpPr>
-        <p:spPr>
-          <a:xfrm>
-            <a:off x="457200" y="2587752"/>
-            <a:ext cx="914400" cy="1371600"/>
-          </a:xfrm>
-          <a:prstGeom prst="rect">
-            <a:avLst/>
-          </a:prstGeom>
-        </p:spPr>
-        <p:style>
-          <a:lnRef idx="1">
-            <a:schemeClr val="accent1"/>
-          </a:lnRef>
-          <a:fillRef idx="3">
-            <a:schemeClr val="accent1"/>
-          </a:fillRef>
-          <a:effectRef idx="2">
-            <a:schemeClr val="accent1"/>
-          </a:effectRef>
-          <a:fontRef idx="minor">
-            <a:schemeClr val="lt1"/>
-          </a:fontRef>
-        </p:style>
-        <p:txBody>
-          <a:bodyPr rtlCol="0" anchor="ctr"/>
-          <a:lstStyle/>
-          <a:p>
-            <a:pPr algn="ctr"/>
-          </a:p>
-        </p:txBody>
-      </p:sp>
-      <p:sp>
-        <p:nvSpPr>
-          <p:cNvPr id="38" name="Rectangle 37"/>
-          <p:cNvSpPr/>
-          <p:nvPr/>
-        </p:nvSpPr>
-        <p:spPr>
-          <a:xfrm>
-            <a:off x="457200" y="2587752"/>
-            <a:ext cx="914400" cy="342900"/>
-          </a:xfrm>
-          <a:prstGeom prst="rect">
-            <a:avLst/>
-          </a:prstGeom>
-        </p:spPr>
-        <p:style>
-          <a:lnRef idx="1">
-            <a:schemeClr val="accent1"/>
-          </a:lnRef>
-          <a:fillRef idx="3">
-            <a:schemeClr val="accent1"/>
-          </a:fillRef>
-          <a:effectRef idx="2">
-            <a:schemeClr val="accent1"/>
-          </a:effectRef>
-          <a:fontRef idx="minor">
-            <a:schemeClr val="lt1"/>
-          </a:fontRef>
-        </p:style>
-        <p:txBody>
-          <a:bodyPr rtlCol="0" anchor="ctr"/>
-          <a:lstStyle/>
-          <a:p>
-            <a:pPr algn="ctr"/>
-          </a:p>
-        </p:txBody>
-      </p:sp>
-      <p:sp>
-        <p:nvSpPr>
-          <p:cNvPr id="39" name="TextBox 38"/>
-          <p:cNvSpPr txBox="1"/>
-          <p:nvPr/>
-        </p:nvSpPr>
-        <p:spPr>
-          <a:xfrm>
-            <a:off x="457200" y="2587752"/>
-            <a:ext cx="914400" cy="228600"/>
-          </a:xfrm>
-          <a:prstGeom prst="rect">
-            <a:avLst/>
-          </a:prstGeom>
-          <a:noFill/>
-        </p:spPr>
-        <p:txBody>
-          <a:bodyPr wrap="none">
-            <a:spAutoFit/>
-          </a:bodyPr>
-          <a:lstStyle/>
-          <a:p/>
-          <a:p>
-            <a:pPr>
-              <a:defRPr sz="1400"/>
-            </a:pPr>
-            <a:r>
-              <a:t>June 2018</a:t>
-            </a:r>
-          </a:p>
-        </p:txBody>
-      </p:sp>
-      <p:pic>
-        <p:nvPicPr>
-          <p:cNvPr id="40" name="Picture 39" descr="key_social_logo.png"/>
-          <p:cNvPicPr>
-            <a:picLocks noChangeAspect="1"/>
-          </p:cNvPicPr>
-          <p:nvPr/>
-        </p:nvPicPr>
-        <p:blipFill>
-          <a:blip r:embed="rId2"/>
-          <a:stretch>
-            <a:fillRect/>
-          </a:stretch>
-        </p:blipFill>
-        <p:spPr>
-          <a:xfrm>
-            <a:off x="457200" y="3044952"/>
-            <a:ext cx="435429" cy="228600"/>
-          </a:xfrm>
-          <a:prstGeom prst="rect">
-            <a:avLst/>
-          </a:prstGeom>
-        </p:spPr>
-      </p:pic>
-      <p:sp>
-        <p:nvSpPr>
-          <p:cNvPr id="41" name="TextBox 40"/>
-          <p:cNvSpPr txBox="1"/>
-          <p:nvPr/>
-        </p:nvSpPr>
-        <p:spPr>
-          <a:xfrm>
-            <a:off x="457200" y="2587752"/>
-            <a:ext cx="914400" cy="228600"/>
-          </a:xfrm>
-          <a:prstGeom prst="rect">
-            <a:avLst/>
-          </a:prstGeom>
-          <a:noFill/>
-        </p:spPr>
-        <p:txBody>
-          <a:bodyPr wrap="none">
-            <a:spAutoFit/>
-          </a:bodyPr>
-          <a:lstStyle/>
-          <a:p/>
-          <a:p>
-            <a:pPr>
-              <a:defRPr sz="1200"/>
-            </a:pPr>
-            <a:r>
-              <a:t>Bookrunner</a:t>
-            </a:r>
-          </a:p>
-        </p:txBody>
-      </p:sp>
-      <p:sp>
-        <p:nvSpPr>
-          <p:cNvPr id="42" name="Rectangle 41"/>
-          <p:cNvSpPr/>
-          <p:nvPr/>
-        </p:nvSpPr>
-        <p:spPr>
-          <a:xfrm>
-            <a:off x="1632203" y="2587752"/>
-            <a:ext cx="914400" cy="1371600"/>
-          </a:xfrm>
-          <a:prstGeom prst="rect">
-            <a:avLst/>
-          </a:prstGeom>
-        </p:spPr>
-        <p:style>
-          <a:lnRef idx="1">
-            <a:schemeClr val="accent1"/>
-          </a:lnRef>
-          <a:fillRef idx="3">
-            <a:schemeClr val="accent1"/>
-          </a:fillRef>
-          <a:effectRef idx="2">
-            <a:schemeClr val="accent1"/>
-          </a:effectRef>
-          <a:fontRef idx="minor">
-            <a:schemeClr val="lt1"/>
-          </a:fontRef>
-        </p:style>
-        <p:txBody>
-          <a:bodyPr rtlCol="0" anchor="ctr"/>
-          <a:lstStyle/>
-          <a:p>
-            <a:pPr algn="ctr"/>
-          </a:p>
-        </p:txBody>
-      </p:sp>
-      <p:sp>
-        <p:nvSpPr>
-          <p:cNvPr id="43" name="Rectangle 42"/>
-          <p:cNvSpPr/>
-          <p:nvPr/>
-        </p:nvSpPr>
-        <p:spPr>
-          <a:xfrm>
-            <a:off x="1632203" y="2587752"/>
-            <a:ext cx="914400" cy="342900"/>
-          </a:xfrm>
-          <a:prstGeom prst="rect">
-            <a:avLst/>
-          </a:prstGeom>
-        </p:spPr>
-        <p:style>
-          <a:lnRef idx="1">
-            <a:schemeClr val="accent1"/>
-          </a:lnRef>
-          <a:fillRef idx="3">
-            <a:schemeClr val="accent1"/>
-          </a:fillRef>
-          <a:effectRef idx="2">
-            <a:schemeClr val="accent1"/>
-          </a:effectRef>
-          <a:fontRef idx="minor">
-            <a:schemeClr val="lt1"/>
-          </a:fontRef>
-        </p:style>
-        <p:txBody>
-          <a:bodyPr rtlCol="0" anchor="ctr"/>
-          <a:lstStyle/>
-          <a:p>
-            <a:pPr algn="ctr"/>
-          </a:p>
-        </p:txBody>
-      </p:sp>
-      <p:sp>
-        <p:nvSpPr>
-          <p:cNvPr id="44" name="TextBox 43"/>
-          <p:cNvSpPr txBox="1"/>
-          <p:nvPr/>
-        </p:nvSpPr>
-        <p:spPr>
-          <a:xfrm>
-            <a:off x="1632203" y="2587752"/>
-            <a:ext cx="914400" cy="228600"/>
-          </a:xfrm>
-          <a:prstGeom prst="rect">
-            <a:avLst/>
-          </a:prstGeom>
-          <a:noFill/>
-        </p:spPr>
-        <p:txBody>
-          <a:bodyPr wrap="none">
-            <a:spAutoFit/>
-          </a:bodyPr>
-          <a:lstStyle/>
-          <a:p/>
-          <a:p>
-            <a:pPr>
-              <a:defRPr sz="1400"/>
-            </a:pPr>
-            <a:r>
-              <a:t>June 2018</a:t>
-            </a:r>
-          </a:p>
-        </p:txBody>
-      </p:sp>
-      <p:pic>
-        <p:nvPicPr>
-          <p:cNvPr id="45" name="Picture 44" descr="key_social_logo.png"/>
-          <p:cNvPicPr>
-            <a:picLocks noChangeAspect="1"/>
-          </p:cNvPicPr>
-          <p:nvPr/>
-        </p:nvPicPr>
-        <p:blipFill>
-          <a:blip r:embed="rId2"/>
-          <a:stretch>
-            <a:fillRect/>
-          </a:stretch>
-        </p:blipFill>
-        <p:spPr>
-          <a:xfrm>
-            <a:off x="1632203" y="3044952"/>
-            <a:ext cx="435429" cy="228600"/>
-          </a:xfrm>
-          <a:prstGeom prst="rect">
-            <a:avLst/>
-          </a:prstGeom>
-        </p:spPr>
-      </p:pic>
-      <p:sp>
-        <p:nvSpPr>
-          <p:cNvPr id="46" name="TextBox 45"/>
-          <p:cNvSpPr txBox="1"/>
-          <p:nvPr/>
-        </p:nvSpPr>
-        <p:spPr>
-          <a:xfrm>
-            <a:off x="1632203" y="2587752"/>
-            <a:ext cx="914400" cy="228600"/>
-          </a:xfrm>
-          <a:prstGeom prst="rect">
-            <a:avLst/>
-          </a:prstGeom>
-          <a:noFill/>
-        </p:spPr>
-        <p:txBody>
-          <a:bodyPr wrap="none">
-            <a:spAutoFit/>
-          </a:bodyPr>
-          <a:lstStyle/>
-          <a:p/>
-          <a:p>
-            <a:pPr>
-              <a:defRPr sz="1200"/>
-            </a:pPr>
-            <a:r>
-              <a:t>Bookrunner</a:t>
-            </a:r>
-          </a:p>
-        </p:txBody>
-      </p:sp>
-      <p:sp>
-        <p:nvSpPr>
-          <p:cNvPr id="47" name="Rectangle 46"/>
-          <p:cNvSpPr/>
-          <p:nvPr/>
-        </p:nvSpPr>
-        <p:spPr>
-          <a:xfrm>
-            <a:off x="2807206" y="2587752"/>
-            <a:ext cx="914400" cy="1371600"/>
-          </a:xfrm>
-          <a:prstGeom prst="rect">
-            <a:avLst/>
-          </a:prstGeom>
-        </p:spPr>
-        <p:style>
-          <a:lnRef idx="1">
-            <a:schemeClr val="accent1"/>
-          </a:lnRef>
-          <a:fillRef idx="3">
-            <a:schemeClr val="accent1"/>
-          </a:fillRef>
-          <a:effectRef idx="2">
-            <a:schemeClr val="accent1"/>
-          </a:effectRef>
-          <a:fontRef idx="minor">
-            <a:schemeClr val="lt1"/>
-          </a:fontRef>
-        </p:style>
-        <p:txBody>
-          <a:bodyPr rtlCol="0" anchor="ctr"/>
-          <a:lstStyle/>
-          <a:p>
-            <a:pPr algn="ctr"/>
-          </a:p>
-        </p:txBody>
-      </p:sp>
-      <p:sp>
-        <p:nvSpPr>
-          <p:cNvPr id="48" name="Rectangle 47"/>
-          <p:cNvSpPr/>
-          <p:nvPr/>
-        </p:nvSpPr>
-        <p:spPr>
-          <a:xfrm>
-            <a:off x="2807206" y="2587752"/>
-            <a:ext cx="914400" cy="342900"/>
-          </a:xfrm>
-          <a:prstGeom prst="rect">
-            <a:avLst/>
-          </a:prstGeom>
-        </p:spPr>
-        <p:style>
-          <a:lnRef idx="1">
-            <a:schemeClr val="accent1"/>
-          </a:lnRef>
-          <a:fillRef idx="3">
-            <a:schemeClr val="accent1"/>
-          </a:fillRef>
-          <a:effectRef idx="2">
-            <a:schemeClr val="accent1"/>
-          </a:effectRef>
-          <a:fontRef idx="minor">
-            <a:schemeClr val="lt1"/>
-          </a:fontRef>
-        </p:style>
-        <p:txBody>
-          <a:bodyPr rtlCol="0" anchor="ctr"/>
-          <a:lstStyle/>
-          <a:p>
-            <a:pPr algn="ctr"/>
-          </a:p>
-        </p:txBody>
-      </p:sp>
-      <p:sp>
-        <p:nvSpPr>
-          <p:cNvPr id="49" name="TextBox 48"/>
-          <p:cNvSpPr txBox="1"/>
-          <p:nvPr/>
-        </p:nvSpPr>
-        <p:spPr>
-          <a:xfrm>
-            <a:off x="2807206" y="2587752"/>
-            <a:ext cx="914400" cy="228600"/>
-          </a:xfrm>
-          <a:prstGeom prst="rect">
-            <a:avLst/>
-          </a:prstGeom>
-          <a:noFill/>
-        </p:spPr>
-        <p:txBody>
-          <a:bodyPr wrap="none">
-            <a:spAutoFit/>
-          </a:bodyPr>
-          <a:lstStyle/>
-          <a:p/>
-          <a:p>
-            <a:pPr>
-              <a:defRPr sz="1400"/>
-            </a:pPr>
-            <a:r>
-              <a:t>June 2018</a:t>
-            </a:r>
-          </a:p>
-        </p:txBody>
-      </p:sp>
-      <p:pic>
-        <p:nvPicPr>
-          <p:cNvPr id="50" name="Picture 49" descr="key_social_logo.png"/>
-          <p:cNvPicPr>
-            <a:picLocks noChangeAspect="1"/>
-          </p:cNvPicPr>
-          <p:nvPr/>
-        </p:nvPicPr>
-        <p:blipFill>
-          <a:blip r:embed="rId2"/>
-          <a:stretch>
-            <a:fillRect/>
-          </a:stretch>
-        </p:blipFill>
-        <p:spPr>
-          <a:xfrm>
-            <a:off x="2807206" y="3044952"/>
-            <a:ext cx="435429" cy="228600"/>
-          </a:xfrm>
-          <a:prstGeom prst="rect">
-            <a:avLst/>
-          </a:prstGeom>
-        </p:spPr>
-      </p:pic>
-      <p:sp>
-        <p:nvSpPr>
-          <p:cNvPr id="51" name="TextBox 50"/>
-          <p:cNvSpPr txBox="1"/>
-          <p:nvPr/>
-        </p:nvSpPr>
-        <p:spPr>
-          <a:xfrm>
-            <a:off x="2807206" y="2587752"/>
-            <a:ext cx="914400" cy="228600"/>
-          </a:xfrm>
-          <a:prstGeom prst="rect">
-            <a:avLst/>
-          </a:prstGeom>
-          <a:noFill/>
-        </p:spPr>
-        <p:txBody>
-          <a:bodyPr wrap="none">
-            <a:spAutoFit/>
-          </a:bodyPr>
-          <a:lstStyle/>
-          <a:p/>
-          <a:p>
-            <a:pPr>
-              <a:defRPr sz="1200"/>
-            </a:pPr>
-            <a:r>
-              <a:t>Bookrunner</a:t>
-            </a:r>
-          </a:p>
-        </p:txBody>
-      </p:sp>
-      <p:sp>
-        <p:nvSpPr>
-          <p:cNvPr id="52" name="Rectangle 51"/>
-          <p:cNvSpPr/>
-          <p:nvPr/>
-        </p:nvSpPr>
-        <p:spPr>
-          <a:xfrm>
-            <a:off x="3982209" y="2587752"/>
-            <a:ext cx="914400" cy="1371600"/>
-          </a:xfrm>
-          <a:prstGeom prst="rect">
-            <a:avLst/>
-          </a:prstGeom>
-        </p:spPr>
-        <p:style>
-          <a:lnRef idx="1">
-            <a:schemeClr val="accent1"/>
-          </a:lnRef>
-          <a:fillRef idx="3">
-            <a:schemeClr val="accent1"/>
-          </a:fillRef>
-          <a:effectRef idx="2">
-            <a:schemeClr val="accent1"/>
-          </a:effectRef>
-          <a:fontRef idx="minor">
-            <a:schemeClr val="lt1"/>
-          </a:fontRef>
-        </p:style>
-        <p:txBody>
-          <a:bodyPr rtlCol="0" anchor="ctr"/>
-          <a:lstStyle/>
-          <a:p>
-            <a:pPr algn="ctr"/>
-          </a:p>
-        </p:txBody>
-      </p:sp>
-      <p:sp>
-        <p:nvSpPr>
-          <p:cNvPr id="53" name="Rectangle 52"/>
-          <p:cNvSpPr/>
-          <p:nvPr/>
-        </p:nvSpPr>
-        <p:spPr>
-          <a:xfrm>
-            <a:off x="3982209" y="2587752"/>
-            <a:ext cx="914400" cy="342900"/>
-          </a:xfrm>
-          <a:prstGeom prst="rect">
-            <a:avLst/>
-          </a:prstGeom>
-        </p:spPr>
-        <p:style>
-          <a:lnRef idx="1">
-            <a:schemeClr val="accent1"/>
-          </a:lnRef>
-          <a:fillRef idx="3">
-            <a:schemeClr val="accent1"/>
-          </a:fillRef>
-          <a:effectRef idx="2">
-            <a:schemeClr val="accent1"/>
-          </a:effectRef>
-          <a:fontRef idx="minor">
-            <a:schemeClr val="lt1"/>
-          </a:fontRef>
-        </p:style>
-        <p:txBody>
-          <a:bodyPr rtlCol="0" anchor="ctr"/>
-          <a:lstStyle/>
-          <a:p>
-            <a:pPr algn="ctr"/>
-          </a:p>
-        </p:txBody>
-      </p:sp>
-      <p:sp>
-        <p:nvSpPr>
-          <p:cNvPr id="54" name="TextBox 53"/>
-          <p:cNvSpPr txBox="1"/>
-          <p:nvPr/>
-        </p:nvSpPr>
-        <p:spPr>
-          <a:xfrm>
-            <a:off x="3982209" y="2587752"/>
-            <a:ext cx="914400" cy="228600"/>
-          </a:xfrm>
-          <a:prstGeom prst="rect">
-            <a:avLst/>
-          </a:prstGeom>
-          <a:noFill/>
-        </p:spPr>
-        <p:txBody>
-          <a:bodyPr wrap="none">
-            <a:spAutoFit/>
-          </a:bodyPr>
-          <a:lstStyle/>
-          <a:p/>
-          <a:p>
-            <a:pPr>
-              <a:defRPr sz="1400"/>
-            </a:pPr>
-            <a:r>
-              <a:t>June 2018</a:t>
-            </a:r>
-          </a:p>
-        </p:txBody>
-      </p:sp>
-      <p:pic>
-        <p:nvPicPr>
-          <p:cNvPr id="55" name="Picture 54" descr="key_social_logo.png"/>
-          <p:cNvPicPr>
-            <a:picLocks noChangeAspect="1"/>
-          </p:cNvPicPr>
-          <p:nvPr/>
-        </p:nvPicPr>
-        <p:blipFill>
-          <a:blip r:embed="rId2"/>
-          <a:stretch>
-            <a:fillRect/>
-          </a:stretch>
-        </p:blipFill>
-        <p:spPr>
-          <a:xfrm>
-            <a:off x="3982209" y="3044952"/>
-            <a:ext cx="435429" cy="228600"/>
-          </a:xfrm>
-          <a:prstGeom prst="rect">
-            <a:avLst/>
-          </a:prstGeom>
-        </p:spPr>
-      </p:pic>
-      <p:sp>
-        <p:nvSpPr>
-          <p:cNvPr id="56" name="TextBox 55"/>
-          <p:cNvSpPr txBox="1"/>
-          <p:nvPr/>
-        </p:nvSpPr>
-        <p:spPr>
-          <a:xfrm>
-            <a:off x="3982209" y="2587752"/>
-            <a:ext cx="914400" cy="228600"/>
-          </a:xfrm>
-          <a:prstGeom prst="rect">
-            <a:avLst/>
-          </a:prstGeom>
-          <a:noFill/>
-        </p:spPr>
-        <p:txBody>
-          <a:bodyPr wrap="none">
-            <a:spAutoFit/>
-          </a:bodyPr>
-          <a:lstStyle/>
-          <a:p/>
-          <a:p>
-            <a:pPr>
-              <a:defRPr sz="1200"/>
-            </a:pPr>
-            <a:r>
-              <a:t>Bookrunner</a:t>
-            </a:r>
-          </a:p>
-        </p:txBody>
-      </p:sp>
-      <p:sp>
-        <p:nvSpPr>
-          <p:cNvPr id="57" name="Rectangle 56"/>
-          <p:cNvSpPr/>
-          <p:nvPr/>
-        </p:nvSpPr>
-        <p:spPr>
-          <a:xfrm>
-            <a:off x="5157212" y="2587752"/>
-            <a:ext cx="914400" cy="1371600"/>
-          </a:xfrm>
-          <a:prstGeom prst="rect">
-            <a:avLst/>
-          </a:prstGeom>
-        </p:spPr>
-        <p:style>
-          <a:lnRef idx="1">
-            <a:schemeClr val="accent1"/>
-          </a:lnRef>
-          <a:fillRef idx="3">
-            <a:schemeClr val="accent1"/>
-          </a:fillRef>
-          <a:effectRef idx="2">
-            <a:schemeClr val="accent1"/>
-          </a:effectRef>
-          <a:fontRef idx="minor">
-            <a:schemeClr val="lt1"/>
-          </a:fontRef>
-        </p:style>
-        <p:txBody>
-          <a:bodyPr rtlCol="0" anchor="ctr"/>
-          <a:lstStyle/>
-          <a:p>
-            <a:pPr algn="ctr"/>
-          </a:p>
-        </p:txBody>
-      </p:sp>
-      <p:sp>
-        <p:nvSpPr>
-          <p:cNvPr id="58" name="Rectangle 57"/>
-          <p:cNvSpPr/>
-          <p:nvPr/>
-        </p:nvSpPr>
-        <p:spPr>
-          <a:xfrm>
-            <a:off x="5157212" y="2587752"/>
-            <a:ext cx="914400" cy="342900"/>
-          </a:xfrm>
-          <a:prstGeom prst="rect">
-            <a:avLst/>
-          </a:prstGeom>
-        </p:spPr>
-        <p:style>
-          <a:lnRef idx="1">
-            <a:schemeClr val="accent1"/>
-          </a:lnRef>
-          <a:fillRef idx="3">
-            <a:schemeClr val="accent1"/>
-          </a:fillRef>
-          <a:effectRef idx="2">
-            <a:schemeClr val="accent1"/>
-          </a:effectRef>
-          <a:fontRef idx="minor">
-            <a:schemeClr val="lt1"/>
-          </a:fontRef>
-        </p:style>
-        <p:txBody>
-          <a:bodyPr rtlCol="0" anchor="ctr"/>
-          <a:lstStyle/>
-          <a:p>
-            <a:pPr algn="ctr"/>
-          </a:p>
-        </p:txBody>
-      </p:sp>
-      <p:sp>
-        <p:nvSpPr>
-          <p:cNvPr id="59" name="TextBox 58"/>
-          <p:cNvSpPr txBox="1"/>
-          <p:nvPr/>
-        </p:nvSpPr>
-        <p:spPr>
-          <a:xfrm>
-            <a:off x="5157212" y="2587752"/>
-            <a:ext cx="914400" cy="228600"/>
-          </a:xfrm>
-          <a:prstGeom prst="rect">
-            <a:avLst/>
-          </a:prstGeom>
-          <a:noFill/>
-        </p:spPr>
-        <p:txBody>
-          <a:bodyPr wrap="none">
-            <a:spAutoFit/>
-          </a:bodyPr>
-          <a:lstStyle/>
-          <a:p/>
-          <a:p>
-            <a:pPr>
-              <a:defRPr sz="1400"/>
-            </a:pPr>
-            <a:r>
-              <a:t>June 2018</a:t>
-            </a:r>
-          </a:p>
-        </p:txBody>
-      </p:sp>
-      <p:pic>
-        <p:nvPicPr>
-          <p:cNvPr id="60" name="Picture 59" descr="key_social_logo.png"/>
-          <p:cNvPicPr>
-            <a:picLocks noChangeAspect="1"/>
-          </p:cNvPicPr>
-          <p:nvPr/>
-        </p:nvPicPr>
-        <p:blipFill>
-          <a:blip r:embed="rId2"/>
-          <a:stretch>
-            <a:fillRect/>
-          </a:stretch>
-        </p:blipFill>
-        <p:spPr>
-          <a:xfrm>
-            <a:off x="5157212" y="3044952"/>
-            <a:ext cx="435429" cy="228600"/>
-          </a:xfrm>
-          <a:prstGeom prst="rect">
-            <a:avLst/>
-          </a:prstGeom>
-        </p:spPr>
-      </p:pic>
-      <p:sp>
-        <p:nvSpPr>
-          <p:cNvPr id="61" name="TextBox 60"/>
-          <p:cNvSpPr txBox="1"/>
-          <p:nvPr/>
-        </p:nvSpPr>
-        <p:spPr>
-          <a:xfrm>
-            <a:off x="5157212" y="2587752"/>
-            <a:ext cx="914400" cy="228600"/>
-          </a:xfrm>
-          <a:prstGeom prst="rect">
-            <a:avLst/>
-          </a:prstGeom>
-          <a:noFill/>
-        </p:spPr>
-        <p:txBody>
-          <a:bodyPr wrap="none">
-            <a:spAutoFit/>
-          </a:bodyPr>
-          <a:lstStyle/>
-          <a:p/>
-          <a:p>
-            <a:pPr>
-              <a:defRPr sz="1200"/>
-            </a:pPr>
-            <a:r>
-              <a:t>Bookrunner</a:t>
-            </a:r>
-          </a:p>
-        </p:txBody>
-      </p:sp>
-      <p:sp>
-        <p:nvSpPr>
-          <p:cNvPr id="62" name="Rectangle 61"/>
-          <p:cNvSpPr/>
-          <p:nvPr/>
-        </p:nvSpPr>
-        <p:spPr>
-          <a:xfrm>
-            <a:off x="6332215" y="2587752"/>
-            <a:ext cx="914400" cy="1371600"/>
-          </a:xfrm>
-          <a:prstGeom prst="rect">
-            <a:avLst/>
-          </a:prstGeom>
-        </p:spPr>
-        <p:style>
-          <a:lnRef idx="1">
-            <a:schemeClr val="accent1"/>
-          </a:lnRef>
-          <a:fillRef idx="3">
-            <a:schemeClr val="accent1"/>
-          </a:fillRef>
-          <a:effectRef idx="2">
-            <a:schemeClr val="accent1"/>
-          </a:effectRef>
-          <a:fontRef idx="minor">
-            <a:schemeClr val="lt1"/>
-          </a:fontRef>
-        </p:style>
-        <p:txBody>
-          <a:bodyPr rtlCol="0" anchor="ctr"/>
-          <a:lstStyle/>
-          <a:p>
-            <a:pPr algn="ctr"/>
-          </a:p>
-        </p:txBody>
-      </p:sp>
-      <p:sp>
-        <p:nvSpPr>
-          <p:cNvPr id="63" name="Rectangle 62"/>
-          <p:cNvSpPr/>
-          <p:nvPr/>
-        </p:nvSpPr>
-        <p:spPr>
-          <a:xfrm>
-            <a:off x="6332215" y="2587752"/>
-            <a:ext cx="914400" cy="342900"/>
-          </a:xfrm>
-          <a:prstGeom prst="rect">
-            <a:avLst/>
-          </a:prstGeom>
-        </p:spPr>
-        <p:style>
-          <a:lnRef idx="1">
-            <a:schemeClr val="accent1"/>
-          </a:lnRef>
-          <a:fillRef idx="3">
-            <a:schemeClr val="accent1"/>
-          </a:fillRef>
-          <a:effectRef idx="2">
-            <a:schemeClr val="accent1"/>
-          </a:effectRef>
-          <a:fontRef idx="minor">
-            <a:schemeClr val="lt1"/>
-          </a:fontRef>
-        </p:style>
-        <p:txBody>
-          <a:bodyPr rtlCol="0" anchor="ctr"/>
-          <a:lstStyle/>
-          <a:p>
-            <a:pPr algn="ctr"/>
-          </a:p>
-        </p:txBody>
-      </p:sp>
-      <p:sp>
-        <p:nvSpPr>
-          <p:cNvPr id="64" name="TextBox 63"/>
-          <p:cNvSpPr txBox="1"/>
-          <p:nvPr/>
-        </p:nvSpPr>
-        <p:spPr>
-          <a:xfrm>
-            <a:off x="6332215" y="2587752"/>
-            <a:ext cx="914400" cy="228600"/>
-          </a:xfrm>
-          <a:prstGeom prst="rect">
-            <a:avLst/>
-          </a:prstGeom>
-          <a:noFill/>
-        </p:spPr>
-        <p:txBody>
-          <a:bodyPr wrap="none">
-            <a:spAutoFit/>
-          </a:bodyPr>
-          <a:lstStyle/>
-          <a:p/>
-          <a:p>
-            <a:pPr>
-              <a:defRPr sz="1400"/>
-            </a:pPr>
-            <a:r>
-              <a:t>June 2018</a:t>
-            </a:r>
-          </a:p>
-        </p:txBody>
-      </p:sp>
-      <p:pic>
-        <p:nvPicPr>
-          <p:cNvPr id="65" name="Picture 64" descr="key_social_logo.png"/>
-          <p:cNvPicPr>
-            <a:picLocks noChangeAspect="1"/>
-          </p:cNvPicPr>
-          <p:nvPr/>
-        </p:nvPicPr>
-        <p:blipFill>
-          <a:blip r:embed="rId2"/>
-          <a:stretch>
-            <a:fillRect/>
-          </a:stretch>
-        </p:blipFill>
-        <p:spPr>
-          <a:xfrm>
-            <a:off x="6332215" y="3044952"/>
-            <a:ext cx="435429" cy="228600"/>
-          </a:xfrm>
-          <a:prstGeom prst="rect">
-            <a:avLst/>
-          </a:prstGeom>
-        </p:spPr>
-      </p:pic>
-      <p:sp>
-        <p:nvSpPr>
-          <p:cNvPr id="66" name="TextBox 65"/>
-          <p:cNvSpPr txBox="1"/>
-          <p:nvPr/>
-        </p:nvSpPr>
-        <p:spPr>
-          <a:xfrm>
-            <a:off x="6332215" y="2587752"/>
-            <a:ext cx="914400" cy="228600"/>
-          </a:xfrm>
-          <a:prstGeom prst="rect">
-            <a:avLst/>
-          </a:prstGeom>
-          <a:noFill/>
-        </p:spPr>
-        <p:txBody>
-          <a:bodyPr wrap="none">
-            <a:spAutoFit/>
-          </a:bodyPr>
-          <a:lstStyle/>
-          <a:p/>
-          <a:p>
-            <a:pPr>
-              <a:defRPr sz="1200"/>
-            </a:pPr>
-            <a:r>
-              <a:t>Bookrunner</a:t>
-            </a:r>
-          </a:p>
-        </p:txBody>
-      </p:sp>
-      <p:sp>
-        <p:nvSpPr>
-          <p:cNvPr id="67" name="Rectangle 66"/>
-          <p:cNvSpPr/>
-          <p:nvPr/>
-        </p:nvSpPr>
-        <p:spPr>
-          <a:xfrm>
-            <a:off x="7507218" y="2587752"/>
-            <a:ext cx="914400" cy="1371600"/>
-          </a:xfrm>
-          <a:prstGeom prst="rect">
-            <a:avLst/>
-          </a:prstGeom>
-        </p:spPr>
-        <p:style>
-          <a:lnRef idx="1">
-            <a:schemeClr val="accent1"/>
-          </a:lnRef>
-          <a:fillRef idx="3">
-            <a:schemeClr val="accent1"/>
-          </a:fillRef>
-          <a:effectRef idx="2">
-            <a:schemeClr val="accent1"/>
-          </a:effectRef>
-          <a:fontRef idx="minor">
-            <a:schemeClr val="lt1"/>
-          </a:fontRef>
-        </p:style>
-        <p:txBody>
-          <a:bodyPr rtlCol="0" anchor="ctr"/>
-          <a:lstStyle/>
-          <a:p>
-            <a:pPr algn="ctr"/>
-          </a:p>
-        </p:txBody>
-      </p:sp>
-      <p:sp>
-        <p:nvSpPr>
-          <p:cNvPr id="68" name="Rectangle 67"/>
-          <p:cNvSpPr/>
-          <p:nvPr/>
-        </p:nvSpPr>
-        <p:spPr>
-          <a:xfrm>
-            <a:off x="7507218" y="2587752"/>
-            <a:ext cx="914400" cy="342900"/>
-          </a:xfrm>
-          <a:prstGeom prst="rect">
-            <a:avLst/>
-          </a:prstGeom>
-        </p:spPr>
-        <p:style>
-          <a:lnRef idx="1">
-            <a:schemeClr val="accent1"/>
-          </a:lnRef>
-          <a:fillRef idx="3">
-            <a:schemeClr val="accent1"/>
-          </a:fillRef>
-          <a:effectRef idx="2">
-            <a:schemeClr val="accent1"/>
-          </a:effectRef>
-          <a:fontRef idx="minor">
-            <a:schemeClr val="lt1"/>
-          </a:fontRef>
-        </p:style>
-        <p:txBody>
-          <a:bodyPr rtlCol="0" anchor="ctr"/>
-          <a:lstStyle/>
-          <a:p>
-            <a:pPr algn="ctr"/>
-          </a:p>
-        </p:txBody>
-      </p:sp>
-      <p:sp>
-        <p:nvSpPr>
-          <p:cNvPr id="69" name="TextBox 68"/>
-          <p:cNvSpPr txBox="1"/>
-          <p:nvPr/>
-        </p:nvSpPr>
-        <p:spPr>
-          <a:xfrm>
-            <a:off x="7507218" y="2587752"/>
-            <a:ext cx="914400" cy="228600"/>
-          </a:xfrm>
-          <a:prstGeom prst="rect">
-            <a:avLst/>
-          </a:prstGeom>
-          <a:noFill/>
-        </p:spPr>
-        <p:txBody>
-          <a:bodyPr wrap="none">
-            <a:spAutoFit/>
-          </a:bodyPr>
-          <a:lstStyle/>
-          <a:p/>
-          <a:p>
-            <a:pPr>
-              <a:defRPr sz="1400"/>
-            </a:pPr>
-            <a:r>
-              <a:t>June 2018</a:t>
-            </a:r>
-          </a:p>
-        </p:txBody>
-      </p:sp>
-      <p:pic>
-        <p:nvPicPr>
-          <p:cNvPr id="70" name="Picture 69" descr="key_social_logo.png"/>
-          <p:cNvPicPr>
-            <a:picLocks noChangeAspect="1"/>
-          </p:cNvPicPr>
-          <p:nvPr/>
-        </p:nvPicPr>
-        <p:blipFill>
-          <a:blip r:embed="rId2"/>
-          <a:stretch>
-            <a:fillRect/>
-          </a:stretch>
-        </p:blipFill>
-        <p:spPr>
-          <a:xfrm>
-            <a:off x="7507218" y="3044952"/>
-            <a:ext cx="435429" cy="228600"/>
-          </a:xfrm>
-          <a:prstGeom prst="rect">
-            <a:avLst/>
-          </a:prstGeom>
-        </p:spPr>
-      </p:pic>
-      <p:sp>
-        <p:nvSpPr>
-          <p:cNvPr id="71" name="TextBox 70"/>
-          <p:cNvSpPr txBox="1"/>
-          <p:nvPr/>
-        </p:nvSpPr>
-        <p:spPr>
-          <a:xfrm>
-            <a:off x="7507218" y="2587752"/>
-            <a:ext cx="914400" cy="228600"/>
-          </a:xfrm>
-          <a:prstGeom prst="rect">
-            <a:avLst/>
-          </a:prstGeom>
-          <a:noFill/>
-        </p:spPr>
-        <p:txBody>
-          <a:bodyPr wrap="none">
-            <a:spAutoFit/>
-          </a:bodyPr>
-          <a:lstStyle/>
-          <a:p/>
-          <a:p>
-            <a:pPr>
-              <a:defRPr sz="1200"/>
-            </a:pPr>
-            <a:r>
-              <a:t>Bookrunner</a:t>
-            </a:r>
-          </a:p>
-        </p:txBody>
-      </p:sp>
-      <p:sp>
-        <p:nvSpPr>
-          <p:cNvPr id="72" name="Rectangle 71"/>
-          <p:cNvSpPr/>
-          <p:nvPr/>
-        </p:nvSpPr>
-        <p:spPr>
-          <a:xfrm>
-            <a:off x="457200" y="4261104"/>
-            <a:ext cx="914400" cy="1371600"/>
-          </a:xfrm>
-          <a:prstGeom prst="rect">
-            <a:avLst/>
-          </a:prstGeom>
-        </p:spPr>
-        <p:style>
-          <a:lnRef idx="1">
-            <a:schemeClr val="accent1"/>
-          </a:lnRef>
-          <a:fillRef idx="3">
-            <a:schemeClr val="accent1"/>
-          </a:fillRef>
-          <a:effectRef idx="2">
-            <a:schemeClr val="accent1"/>
-          </a:effectRef>
-          <a:fontRef idx="minor">
-            <a:schemeClr val="lt1"/>
-          </a:fontRef>
-        </p:style>
-        <p:txBody>
-          <a:bodyPr rtlCol="0" anchor="ctr"/>
-          <a:lstStyle/>
-          <a:p>
-            <a:pPr algn="ctr"/>
-          </a:p>
-        </p:txBody>
-      </p:sp>
-      <p:sp>
-        <p:nvSpPr>
-          <p:cNvPr id="73" name="Rectangle 72"/>
-          <p:cNvSpPr/>
-          <p:nvPr/>
-        </p:nvSpPr>
-        <p:spPr>
-          <a:xfrm>
-            <a:off x="457200" y="4261104"/>
-            <a:ext cx="914400" cy="342900"/>
-          </a:xfrm>
-          <a:prstGeom prst="rect">
-            <a:avLst/>
-          </a:prstGeom>
-        </p:spPr>
-        <p:style>
-          <a:lnRef idx="1">
-            <a:schemeClr val="accent1"/>
-          </a:lnRef>
-          <a:fillRef idx="3">
-            <a:schemeClr val="accent1"/>
-          </a:fillRef>
-          <a:effectRef idx="2">
-            <a:schemeClr val="accent1"/>
-          </a:effectRef>
-          <a:fontRef idx="minor">
-            <a:schemeClr val="lt1"/>
-          </a:fontRef>
-        </p:style>
-        <p:txBody>
-          <a:bodyPr rtlCol="0" anchor="ctr"/>
-          <a:lstStyle/>
-          <a:p>
-            <a:pPr algn="ctr"/>
-          </a:p>
-        </p:txBody>
-      </p:sp>
-      <p:sp>
-        <p:nvSpPr>
-          <p:cNvPr id="74" name="TextBox 73"/>
-          <p:cNvSpPr txBox="1"/>
-          <p:nvPr/>
-        </p:nvSpPr>
-        <p:spPr>
-          <a:xfrm>
-            <a:off x="457200" y="4261104"/>
-            <a:ext cx="914400" cy="228600"/>
-          </a:xfrm>
-          <a:prstGeom prst="rect">
-            <a:avLst/>
-          </a:prstGeom>
-          <a:noFill/>
-        </p:spPr>
-        <p:txBody>
-          <a:bodyPr wrap="none">
-            <a:spAutoFit/>
-          </a:bodyPr>
-          <a:lstStyle/>
-          <a:p/>
-          <a:p>
-            <a:pPr>
-              <a:defRPr sz="1400"/>
-            </a:pPr>
-            <a:r>
-              <a:t>June 2018</a:t>
-            </a:r>
-          </a:p>
-        </p:txBody>
-      </p:sp>
-      <p:pic>
-        <p:nvPicPr>
-          <p:cNvPr id="75" name="Picture 74" descr="key_social_logo.png"/>
-          <p:cNvPicPr>
-            <a:picLocks noChangeAspect="1"/>
-          </p:cNvPicPr>
-          <p:nvPr/>
-        </p:nvPicPr>
-        <p:blipFill>
-          <a:blip r:embed="rId2"/>
-          <a:stretch>
-            <a:fillRect/>
-          </a:stretch>
-        </p:blipFill>
-        <p:spPr>
-          <a:xfrm>
-            <a:off x="457200" y="4718304"/>
-            <a:ext cx="435429" cy="228600"/>
-          </a:xfrm>
-          <a:prstGeom prst="rect">
-            <a:avLst/>
-          </a:prstGeom>
-        </p:spPr>
-      </p:pic>
-      <p:sp>
-        <p:nvSpPr>
-          <p:cNvPr id="76" name="TextBox 75"/>
-          <p:cNvSpPr txBox="1"/>
-          <p:nvPr/>
-        </p:nvSpPr>
-        <p:spPr>
-          <a:xfrm>
-            <a:off x="457200" y="4261104"/>
-            <a:ext cx="914400" cy="228600"/>
-          </a:xfrm>
-          <a:prstGeom prst="rect">
-            <a:avLst/>
-          </a:prstGeom>
-          <a:noFill/>
-        </p:spPr>
-        <p:txBody>
-          <a:bodyPr wrap="none">
-            <a:spAutoFit/>
-          </a:bodyPr>
-          <a:lstStyle/>
-          <a:p/>
-          <a:p>
-            <a:pPr>
-              <a:defRPr sz="1200"/>
-            </a:pPr>
-            <a:r>
-              <a:t>Bookrunner</a:t>
-            </a:r>
-          </a:p>
-        </p:txBody>
-      </p:sp>
-      <p:sp>
-        <p:nvSpPr>
-          <p:cNvPr id="77" name="Rectangle 76"/>
-          <p:cNvSpPr/>
-          <p:nvPr/>
-        </p:nvSpPr>
-        <p:spPr>
-          <a:xfrm>
-            <a:off x="1632203" y="4261104"/>
-            <a:ext cx="914400" cy="1371600"/>
-          </a:xfrm>
-          <a:prstGeom prst="rect">
-            <a:avLst/>
-          </a:prstGeom>
-        </p:spPr>
-        <p:style>
-          <a:lnRef idx="1">
-            <a:schemeClr val="accent1"/>
-          </a:lnRef>
-          <a:fillRef idx="3">
-            <a:schemeClr val="accent1"/>
-          </a:fillRef>
-          <a:effectRef idx="2">
-            <a:schemeClr val="accent1"/>
-          </a:effectRef>
-          <a:fontRef idx="minor">
-            <a:schemeClr val="lt1"/>
-          </a:fontRef>
-        </p:style>
-        <p:txBody>
-          <a:bodyPr rtlCol="0" anchor="ctr"/>
-          <a:lstStyle/>
-          <a:p>
-            <a:pPr algn="ctr"/>
-          </a:p>
-        </p:txBody>
-      </p:sp>
-      <p:sp>
-        <p:nvSpPr>
-          <p:cNvPr id="78" name="Rectangle 77"/>
-          <p:cNvSpPr/>
-          <p:nvPr/>
-        </p:nvSpPr>
-        <p:spPr>
-          <a:xfrm>
-            <a:off x="1632203" y="4261104"/>
-            <a:ext cx="914400" cy="342900"/>
-          </a:xfrm>
-          <a:prstGeom prst="rect">
-            <a:avLst/>
-          </a:prstGeom>
-        </p:spPr>
-        <p:style>
-          <a:lnRef idx="1">
-            <a:schemeClr val="accent1"/>
-          </a:lnRef>
-          <a:fillRef idx="3">
-            <a:schemeClr val="accent1"/>
-          </a:fillRef>
-          <a:effectRef idx="2">
-            <a:schemeClr val="accent1"/>
-          </a:effectRef>
-          <a:fontRef idx="minor">
-            <a:schemeClr val="lt1"/>
-          </a:fontRef>
-        </p:style>
-        <p:txBody>
-          <a:bodyPr rtlCol="0" anchor="ctr"/>
-          <a:lstStyle/>
-          <a:p>
-            <a:pPr algn="ctr"/>
-          </a:p>
-        </p:txBody>
-      </p:sp>
-      <p:sp>
-        <p:nvSpPr>
-          <p:cNvPr id="79" name="TextBox 78"/>
-          <p:cNvSpPr txBox="1"/>
-          <p:nvPr/>
-        </p:nvSpPr>
-        <p:spPr>
-          <a:xfrm>
-            <a:off x="1632203" y="4261104"/>
-            <a:ext cx="914400" cy="228600"/>
-          </a:xfrm>
-          <a:prstGeom prst="rect">
-            <a:avLst/>
-          </a:prstGeom>
-          <a:noFill/>
-        </p:spPr>
-        <p:txBody>
-          <a:bodyPr wrap="none">
-            <a:spAutoFit/>
-          </a:bodyPr>
-          <a:lstStyle/>
-          <a:p/>
-          <a:p>
-            <a:pPr>
-              <a:defRPr sz="1400"/>
-            </a:pPr>
-            <a:r>
-              <a:t>June 2018</a:t>
-            </a:r>
-          </a:p>
-        </p:txBody>
-      </p:sp>
-      <p:pic>
-        <p:nvPicPr>
-          <p:cNvPr id="80" name="Picture 79" descr="key_social_logo.png"/>
-          <p:cNvPicPr>
-            <a:picLocks noChangeAspect="1"/>
-          </p:cNvPicPr>
-          <p:nvPr/>
-        </p:nvPicPr>
-        <p:blipFill>
-          <a:blip r:embed="rId2"/>
-          <a:stretch>
-            <a:fillRect/>
-          </a:stretch>
-        </p:blipFill>
-        <p:spPr>
-          <a:xfrm>
-            <a:off x="1632203" y="4718304"/>
-            <a:ext cx="435429" cy="228600"/>
-          </a:xfrm>
-          <a:prstGeom prst="rect">
-            <a:avLst/>
-          </a:prstGeom>
-        </p:spPr>
-      </p:pic>
-      <p:sp>
-        <p:nvSpPr>
-          <p:cNvPr id="81" name="TextBox 80"/>
-          <p:cNvSpPr txBox="1"/>
-          <p:nvPr/>
-        </p:nvSpPr>
-        <p:spPr>
-          <a:xfrm>
-            <a:off x="1632203" y="4261104"/>
-            <a:ext cx="914400" cy="228600"/>
-          </a:xfrm>
-          <a:prstGeom prst="rect">
-            <a:avLst/>
-          </a:prstGeom>
-          <a:noFill/>
-        </p:spPr>
-        <p:txBody>
-          <a:bodyPr wrap="none">
-            <a:spAutoFit/>
-          </a:bodyPr>
-          <a:lstStyle/>
-          <a:p/>
-          <a:p>
-            <a:pPr>
-              <a:defRPr sz="1200"/>
-            </a:pPr>
-            <a:r>
-              <a:t>Bookrunner</a:t>
-            </a:r>
-          </a:p>
-        </p:txBody>
-      </p:sp>
-      <p:sp>
-        <p:nvSpPr>
-          <p:cNvPr id="82" name="Rectangle 81"/>
-          <p:cNvSpPr/>
-          <p:nvPr/>
-        </p:nvSpPr>
-        <p:spPr>
-          <a:xfrm>
-            <a:off x="2807206" y="4261104"/>
-            <a:ext cx="914400" cy="1371600"/>
-          </a:xfrm>
-          <a:prstGeom prst="rect">
-            <a:avLst/>
-          </a:prstGeom>
-        </p:spPr>
-        <p:style>
-          <a:lnRef idx="1">
-            <a:schemeClr val="accent1"/>
-          </a:lnRef>
-          <a:fillRef idx="3">
-            <a:schemeClr val="accent1"/>
-          </a:fillRef>
-          <a:effectRef idx="2">
-            <a:schemeClr val="accent1"/>
-          </a:effectRef>
-          <a:fontRef idx="minor">
-            <a:schemeClr val="lt1"/>
-          </a:fontRef>
-        </p:style>
-        <p:txBody>
-          <a:bodyPr rtlCol="0" anchor="ctr"/>
-          <a:lstStyle/>
-          <a:p>
-            <a:pPr algn="ctr"/>
-          </a:p>
-        </p:txBody>
-      </p:sp>
-      <p:sp>
-        <p:nvSpPr>
-          <p:cNvPr id="83" name="Rectangle 82"/>
-          <p:cNvSpPr/>
-          <p:nvPr/>
-        </p:nvSpPr>
-        <p:spPr>
-          <a:xfrm>
-            <a:off x="2807206" y="4261104"/>
-            <a:ext cx="914400" cy="342900"/>
-          </a:xfrm>
-          <a:prstGeom prst="rect">
-            <a:avLst/>
-          </a:prstGeom>
-        </p:spPr>
-        <p:style>
-          <a:lnRef idx="1">
-            <a:schemeClr val="accent1"/>
-          </a:lnRef>
-          <a:fillRef idx="3">
-            <a:schemeClr val="accent1"/>
-          </a:fillRef>
-          <a:effectRef idx="2">
-            <a:schemeClr val="accent1"/>
-          </a:effectRef>
-          <a:fontRef idx="minor">
-            <a:schemeClr val="lt1"/>
-          </a:fontRef>
-        </p:style>
-        <p:txBody>
-          <a:bodyPr rtlCol="0" anchor="ctr"/>
-          <a:lstStyle/>
-          <a:p>
-            <a:pPr algn="ctr"/>
-          </a:p>
-        </p:txBody>
-      </p:sp>
-      <p:sp>
-        <p:nvSpPr>
-          <p:cNvPr id="84" name="TextBox 83"/>
-          <p:cNvSpPr txBox="1"/>
-          <p:nvPr/>
-        </p:nvSpPr>
-        <p:spPr>
-          <a:xfrm>
-            <a:off x="2807206" y="4261104"/>
-            <a:ext cx="914400" cy="228600"/>
-          </a:xfrm>
-          <a:prstGeom prst="rect">
-            <a:avLst/>
-          </a:prstGeom>
-          <a:noFill/>
-        </p:spPr>
-        <p:txBody>
-          <a:bodyPr wrap="none">
-            <a:spAutoFit/>
-          </a:bodyPr>
-          <a:lstStyle/>
-          <a:p/>
-          <a:p>
-            <a:pPr>
-              <a:defRPr sz="1400"/>
-            </a:pPr>
-            <a:r>
-              <a:t>June 2018</a:t>
-            </a:r>
-          </a:p>
-        </p:txBody>
-      </p:sp>
-      <p:pic>
-        <p:nvPicPr>
-          <p:cNvPr id="85" name="Picture 84" descr="key_social_logo.png"/>
-          <p:cNvPicPr>
-            <a:picLocks noChangeAspect="1"/>
-          </p:cNvPicPr>
-          <p:nvPr/>
-        </p:nvPicPr>
-        <p:blipFill>
-          <a:blip r:embed="rId2"/>
-          <a:stretch>
-            <a:fillRect/>
-          </a:stretch>
-        </p:blipFill>
-        <p:spPr>
-          <a:xfrm>
-            <a:off x="2807206" y="4718304"/>
-            <a:ext cx="435429" cy="228600"/>
-          </a:xfrm>
-          <a:prstGeom prst="rect">
-            <a:avLst/>
-          </a:prstGeom>
-        </p:spPr>
-      </p:pic>
-      <p:sp>
-        <p:nvSpPr>
-          <p:cNvPr id="86" name="TextBox 85"/>
-          <p:cNvSpPr txBox="1"/>
-          <p:nvPr/>
-        </p:nvSpPr>
-        <p:spPr>
-          <a:xfrm>
-            <a:off x="2807206" y="4261104"/>
-            <a:ext cx="914400" cy="228600"/>
-          </a:xfrm>
-          <a:prstGeom prst="rect">
-            <a:avLst/>
-          </a:prstGeom>
-          <a:noFill/>
-        </p:spPr>
-        <p:txBody>
-          <a:bodyPr wrap="none">
-            <a:spAutoFit/>
-          </a:bodyPr>
-          <a:lstStyle/>
-          <a:p/>
-          <a:p>
-            <a:pPr>
-              <a:defRPr sz="1200"/>
-            </a:pPr>
-            <a:r>
-              <a:t>Bookrunner</a:t>
-            </a:r>
-          </a:p>
-        </p:txBody>
-      </p:sp>
-      <p:sp>
-        <p:nvSpPr>
-          <p:cNvPr id="87" name="Rectangle 86"/>
-          <p:cNvSpPr/>
-          <p:nvPr/>
-        </p:nvSpPr>
-        <p:spPr>
-          <a:xfrm>
-            <a:off x="3982209" y="4261104"/>
-            <a:ext cx="914400" cy="1371600"/>
-          </a:xfrm>
-          <a:prstGeom prst="rect">
-            <a:avLst/>
-          </a:prstGeom>
-        </p:spPr>
-        <p:style>
-          <a:lnRef idx="1">
-            <a:schemeClr val="accent1"/>
-          </a:lnRef>
-          <a:fillRef idx="3">
-            <a:schemeClr val="accent1"/>
-          </a:fillRef>
-          <a:effectRef idx="2">
-            <a:schemeClr val="accent1"/>
-          </a:effectRef>
-          <a:fontRef idx="minor">
-            <a:schemeClr val="lt1"/>
-          </a:fontRef>
-        </p:style>
-        <p:txBody>
-          <a:bodyPr rtlCol="0" anchor="ctr"/>
-          <a:lstStyle/>
-          <a:p>
-            <a:pPr algn="ctr"/>
-          </a:p>
-        </p:txBody>
-      </p:sp>
-      <p:sp>
-        <p:nvSpPr>
-          <p:cNvPr id="88" name="Rectangle 87"/>
-          <p:cNvSpPr/>
-          <p:nvPr/>
-        </p:nvSpPr>
-        <p:spPr>
-          <a:xfrm>
-            <a:off x="3982209" y="4261104"/>
-            <a:ext cx="914400" cy="342900"/>
-          </a:xfrm>
-          <a:prstGeom prst="rect">
-            <a:avLst/>
-          </a:prstGeom>
-        </p:spPr>
-        <p:style>
-          <a:lnRef idx="1">
-            <a:schemeClr val="accent1"/>
-          </a:lnRef>
-          <a:fillRef idx="3">
-            <a:schemeClr val="accent1"/>
-          </a:fillRef>
-          <a:effectRef idx="2">
-            <a:schemeClr val="accent1"/>
-          </a:effectRef>
-          <a:fontRef idx="minor">
-            <a:schemeClr val="lt1"/>
-          </a:fontRef>
-        </p:style>
-        <p:txBody>
-          <a:bodyPr rtlCol="0" anchor="ctr"/>
-          <a:lstStyle/>
-          <a:p>
-            <a:pPr algn="ctr"/>
-          </a:p>
-        </p:txBody>
-      </p:sp>
-      <p:sp>
-        <p:nvSpPr>
-          <p:cNvPr id="89" name="TextBox 88"/>
-          <p:cNvSpPr txBox="1"/>
-          <p:nvPr/>
-        </p:nvSpPr>
-        <p:spPr>
-          <a:xfrm>
-            <a:off x="3982209" y="4261104"/>
-            <a:ext cx="914400" cy="228600"/>
-          </a:xfrm>
-          <a:prstGeom prst="rect">
-            <a:avLst/>
-          </a:prstGeom>
-          <a:noFill/>
-        </p:spPr>
-        <p:txBody>
-          <a:bodyPr wrap="none">
-            <a:spAutoFit/>
-          </a:bodyPr>
-          <a:lstStyle/>
-          <a:p/>
-          <a:p>
-            <a:pPr>
-              <a:defRPr sz="1400"/>
-            </a:pPr>
-            <a:r>
-              <a:t>June 2018</a:t>
-            </a:r>
-          </a:p>
-        </p:txBody>
-      </p:sp>
-      <p:pic>
-        <p:nvPicPr>
-          <p:cNvPr id="90" name="Picture 89" descr="key_social_logo.png"/>
-          <p:cNvPicPr>
-            <a:picLocks noChangeAspect="1"/>
-          </p:cNvPicPr>
-          <p:nvPr/>
-        </p:nvPicPr>
-        <p:blipFill>
-          <a:blip r:embed="rId2"/>
-          <a:stretch>
-            <a:fillRect/>
-          </a:stretch>
-        </p:blipFill>
-        <p:spPr>
-          <a:xfrm>
-            <a:off x="3982209" y="4718304"/>
-            <a:ext cx="435429" cy="228600"/>
-          </a:xfrm>
-          <a:prstGeom prst="rect">
-            <a:avLst/>
-          </a:prstGeom>
-        </p:spPr>
-      </p:pic>
-      <p:sp>
-        <p:nvSpPr>
-          <p:cNvPr id="91" name="TextBox 90"/>
-          <p:cNvSpPr txBox="1"/>
-          <p:nvPr/>
-        </p:nvSpPr>
-        <p:spPr>
-          <a:xfrm>
-            <a:off x="3982209" y="4261104"/>
-            <a:ext cx="914400" cy="228600"/>
-          </a:xfrm>
-          <a:prstGeom prst="rect">
-            <a:avLst/>
-          </a:prstGeom>
-          <a:noFill/>
-        </p:spPr>
-        <p:txBody>
-          <a:bodyPr wrap="none">
-            <a:spAutoFit/>
-          </a:bodyPr>
-          <a:lstStyle/>
-          <a:p/>
-          <a:p>
-            <a:pPr>
-              <a:defRPr sz="1200"/>
-            </a:pPr>
-            <a:r>
-              <a:t>Bookrunner</a:t>
-            </a:r>
-          </a:p>
-        </p:txBody>
-      </p:sp>
-      <p:sp>
-        <p:nvSpPr>
-          <p:cNvPr id="92" name="Rectangle 91"/>
-          <p:cNvSpPr/>
-          <p:nvPr/>
-        </p:nvSpPr>
-        <p:spPr>
-          <a:xfrm>
-            <a:off x="5157212" y="4261104"/>
-            <a:ext cx="914400" cy="1371600"/>
-          </a:xfrm>
-          <a:prstGeom prst="rect">
-            <a:avLst/>
-          </a:prstGeom>
-        </p:spPr>
-        <p:style>
-          <a:lnRef idx="1">
-            <a:schemeClr val="accent1"/>
-          </a:lnRef>
-          <a:fillRef idx="3">
-            <a:schemeClr val="accent1"/>
-          </a:fillRef>
-          <a:effectRef idx="2">
-            <a:schemeClr val="accent1"/>
-          </a:effectRef>
-          <a:fontRef idx="minor">
-            <a:schemeClr val="lt1"/>
-          </a:fontRef>
-        </p:style>
-        <p:txBody>
-          <a:bodyPr rtlCol="0" anchor="ctr"/>
-          <a:lstStyle/>
-          <a:p>
-            <a:pPr algn="ctr"/>
-          </a:p>
-        </p:txBody>
-      </p:sp>
-      <p:sp>
-        <p:nvSpPr>
-          <p:cNvPr id="93" name="Rectangle 92"/>
-          <p:cNvSpPr/>
-          <p:nvPr/>
-        </p:nvSpPr>
-        <p:spPr>
-          <a:xfrm>
-            <a:off x="5157212" y="4261104"/>
-            <a:ext cx="914400" cy="342900"/>
-          </a:xfrm>
-          <a:prstGeom prst="rect">
-            <a:avLst/>
-          </a:prstGeom>
-        </p:spPr>
-        <p:style>
-          <a:lnRef idx="1">
-            <a:schemeClr val="accent1"/>
-          </a:lnRef>
-          <a:fillRef idx="3">
-            <a:schemeClr val="accent1"/>
-          </a:fillRef>
-          <a:effectRef idx="2">
-            <a:schemeClr val="accent1"/>
-          </a:effectRef>
-          <a:fontRef idx="minor">
-            <a:schemeClr val="lt1"/>
-          </a:fontRef>
-        </p:style>
-        <p:txBody>
-          <a:bodyPr rtlCol="0" anchor="ctr"/>
-          <a:lstStyle/>
-          <a:p>
-            <a:pPr algn="ctr"/>
-          </a:p>
-        </p:txBody>
-      </p:sp>
-      <p:sp>
-        <p:nvSpPr>
-          <p:cNvPr id="94" name="TextBox 93"/>
-          <p:cNvSpPr txBox="1"/>
-          <p:nvPr/>
-        </p:nvSpPr>
-        <p:spPr>
-          <a:xfrm>
-            <a:off x="5157212" y="4261104"/>
-            <a:ext cx="914400" cy="228600"/>
-          </a:xfrm>
-          <a:prstGeom prst="rect">
-            <a:avLst/>
-          </a:prstGeom>
-          <a:noFill/>
-        </p:spPr>
-        <p:txBody>
-          <a:bodyPr wrap="none">
-            <a:spAutoFit/>
-          </a:bodyPr>
-          <a:lstStyle/>
-          <a:p/>
-          <a:p>
-            <a:pPr>
-              <a:defRPr sz="1400"/>
-            </a:pPr>
-            <a:r>
-              <a:t>June 2018</a:t>
-            </a:r>
-          </a:p>
-        </p:txBody>
-      </p:sp>
-      <p:pic>
-        <p:nvPicPr>
-          <p:cNvPr id="95" name="Picture 94" descr="key_social_logo.png"/>
-          <p:cNvPicPr>
-            <a:picLocks noChangeAspect="1"/>
-          </p:cNvPicPr>
-          <p:nvPr/>
-        </p:nvPicPr>
-        <p:blipFill>
-          <a:blip r:embed="rId2"/>
-          <a:stretch>
-            <a:fillRect/>
-          </a:stretch>
-        </p:blipFill>
-        <p:spPr>
-          <a:xfrm>
-            <a:off x="5157212" y="4718304"/>
-            <a:ext cx="435429" cy="228600"/>
-          </a:xfrm>
-          <a:prstGeom prst="rect">
-            <a:avLst/>
-          </a:prstGeom>
-        </p:spPr>
-      </p:pic>
-      <p:sp>
-        <p:nvSpPr>
-          <p:cNvPr id="96" name="TextBox 95"/>
-          <p:cNvSpPr txBox="1"/>
-          <p:nvPr/>
-        </p:nvSpPr>
-        <p:spPr>
-          <a:xfrm>
-            <a:off x="5157212" y="4261104"/>
-            <a:ext cx="914400" cy="228600"/>
-          </a:xfrm>
-          <a:prstGeom prst="rect">
-            <a:avLst/>
-          </a:prstGeom>
-          <a:noFill/>
-        </p:spPr>
-        <p:txBody>
-          <a:bodyPr wrap="none">
-            <a:spAutoFit/>
-          </a:bodyPr>
-          <a:lstStyle/>
-          <a:p/>
-          <a:p>
-            <a:pPr>
-              <a:defRPr sz="1200"/>
-            </a:pPr>
-            <a:r>
-              <a:t>Bookrunner</a:t>
-            </a:r>
-          </a:p>
-        </p:txBody>
-      </p:sp>
-      <p:sp>
-        <p:nvSpPr>
-          <p:cNvPr id="97" name="Rectangle 96"/>
-          <p:cNvSpPr/>
-          <p:nvPr/>
-        </p:nvSpPr>
-        <p:spPr>
-          <a:xfrm>
-            <a:off x="6332215" y="4261104"/>
-            <a:ext cx="914400" cy="1371600"/>
-          </a:xfrm>
-          <a:prstGeom prst="rect">
-            <a:avLst/>
-          </a:prstGeom>
-        </p:spPr>
-        <p:style>
-          <a:lnRef idx="1">
-            <a:schemeClr val="accent1"/>
-          </a:lnRef>
-          <a:fillRef idx="3">
-            <a:schemeClr val="accent1"/>
-          </a:fillRef>
-          <a:effectRef idx="2">
-            <a:schemeClr val="accent1"/>
-          </a:effectRef>
-          <a:fontRef idx="minor">
-            <a:schemeClr val="lt1"/>
-          </a:fontRef>
-        </p:style>
-        <p:txBody>
-          <a:bodyPr rtlCol="0" anchor="ctr"/>
-          <a:lstStyle/>
-          <a:p>
-            <a:pPr algn="ctr"/>
-          </a:p>
-        </p:txBody>
-      </p:sp>
-      <p:sp>
-        <p:nvSpPr>
-          <p:cNvPr id="98" name="Rectangle 97"/>
-          <p:cNvSpPr/>
-          <p:nvPr/>
-        </p:nvSpPr>
-        <p:spPr>
-          <a:xfrm>
-            <a:off x="6332215" y="4261104"/>
-            <a:ext cx="914400" cy="342900"/>
-          </a:xfrm>
-          <a:prstGeom prst="rect">
-            <a:avLst/>
-          </a:prstGeom>
-        </p:spPr>
-        <p:style>
-          <a:lnRef idx="1">
-            <a:schemeClr val="accent1"/>
-          </a:lnRef>
-          <a:fillRef idx="3">
-            <a:schemeClr val="accent1"/>
-          </a:fillRef>
-          <a:effectRef idx="2">
-            <a:schemeClr val="accent1"/>
-          </a:effectRef>
-          <a:fontRef idx="minor">
-            <a:schemeClr val="lt1"/>
-          </a:fontRef>
-        </p:style>
-        <p:txBody>
-          <a:bodyPr rtlCol="0" anchor="ctr"/>
-          <a:lstStyle/>
-          <a:p>
-            <a:pPr algn="ctr"/>
-          </a:p>
-        </p:txBody>
-      </p:sp>
-      <p:sp>
-        <p:nvSpPr>
-          <p:cNvPr id="99" name="TextBox 98"/>
-          <p:cNvSpPr txBox="1"/>
-          <p:nvPr/>
-        </p:nvSpPr>
-        <p:spPr>
-          <a:xfrm>
-            <a:off x="6332215" y="4261104"/>
-            <a:ext cx="914400" cy="228600"/>
-          </a:xfrm>
-          <a:prstGeom prst="rect">
-            <a:avLst/>
-          </a:prstGeom>
-          <a:noFill/>
-        </p:spPr>
-        <p:txBody>
-          <a:bodyPr wrap="none">
-            <a:spAutoFit/>
-          </a:bodyPr>
-          <a:lstStyle/>
-          <a:p/>
-          <a:p>
-            <a:pPr>
-              <a:defRPr sz="1400"/>
-            </a:pPr>
-            <a:r>
-              <a:t>June 2018</a:t>
-            </a:r>
-          </a:p>
-        </p:txBody>
-      </p:sp>
-      <p:pic>
-        <p:nvPicPr>
-          <p:cNvPr id="100" name="Picture 99" descr="key_social_logo.png"/>
-          <p:cNvPicPr>
-            <a:picLocks noChangeAspect="1"/>
-          </p:cNvPicPr>
-          <p:nvPr/>
-        </p:nvPicPr>
-        <p:blipFill>
-          <a:blip r:embed="rId2"/>
-          <a:stretch>
-            <a:fillRect/>
-          </a:stretch>
-        </p:blipFill>
-        <p:spPr>
-          <a:xfrm>
-            <a:off x="6332215" y="4718304"/>
-            <a:ext cx="435429" cy="228600"/>
-          </a:xfrm>
-          <a:prstGeom prst="rect">
-            <a:avLst/>
-          </a:prstGeom>
-        </p:spPr>
-      </p:pic>
-      <p:sp>
-        <p:nvSpPr>
-          <p:cNvPr id="101" name="TextBox 100"/>
-          <p:cNvSpPr txBox="1"/>
-          <p:nvPr/>
-        </p:nvSpPr>
-        <p:spPr>
-          <a:xfrm>
-            <a:off x="6332215" y="4261104"/>
-            <a:ext cx="914400" cy="228600"/>
-          </a:xfrm>
-          <a:prstGeom prst="rect">
-            <a:avLst/>
-          </a:prstGeom>
-          <a:noFill/>
-        </p:spPr>
-        <p:txBody>
-          <a:bodyPr wrap="none">
-            <a:spAutoFit/>
-          </a:bodyPr>
-          <a:lstStyle/>
-          <a:p/>
-          <a:p>
-            <a:pPr>
-              <a:defRPr sz="1200"/>
-            </a:pPr>
-            <a:r>
-              <a:t>Bookrunner</a:t>
-            </a:r>
-          </a:p>
-        </p:txBody>
-      </p:sp>
-      <p:sp>
-        <p:nvSpPr>
-          <p:cNvPr id="102" name="Rectangle 101"/>
-          <p:cNvSpPr/>
-          <p:nvPr/>
-        </p:nvSpPr>
-        <p:spPr>
-          <a:xfrm>
-            <a:off x="7507218" y="4261104"/>
-            <a:ext cx="914400" cy="1371600"/>
-          </a:xfrm>
-          <a:prstGeom prst="rect">
-            <a:avLst/>
-          </a:prstGeom>
-        </p:spPr>
-        <p:style>
-          <a:lnRef idx="1">
-            <a:schemeClr val="accent1"/>
-          </a:lnRef>
-          <a:fillRef idx="3">
-            <a:schemeClr val="accent1"/>
-          </a:fillRef>
-          <a:effectRef idx="2">
-            <a:schemeClr val="accent1"/>
-          </a:effectRef>
-          <a:fontRef idx="minor">
-            <a:schemeClr val="lt1"/>
-          </a:fontRef>
-        </p:style>
-        <p:txBody>
-          <a:bodyPr rtlCol="0" anchor="ctr"/>
-          <a:lstStyle/>
-          <a:p>
-            <a:pPr algn="ctr"/>
-          </a:p>
-        </p:txBody>
-      </p:sp>
-      <p:sp>
-        <p:nvSpPr>
-          <p:cNvPr id="103" name="Rectangle 102"/>
-          <p:cNvSpPr/>
-          <p:nvPr/>
-        </p:nvSpPr>
-        <p:spPr>
-          <a:xfrm>
-            <a:off x="7507218" y="4261104"/>
-            <a:ext cx="914400" cy="342900"/>
-          </a:xfrm>
-          <a:prstGeom prst="rect">
-            <a:avLst/>
-          </a:prstGeom>
-        </p:spPr>
-        <p:style>
-          <a:lnRef idx="1">
-            <a:schemeClr val="accent1"/>
-          </a:lnRef>
-          <a:fillRef idx="3">
-            <a:schemeClr val="accent1"/>
-          </a:fillRef>
-          <a:effectRef idx="2">
-            <a:schemeClr val="accent1"/>
-          </a:effectRef>
-          <a:fontRef idx="minor">
-            <a:schemeClr val="lt1"/>
-          </a:fontRef>
-        </p:style>
-        <p:txBody>
-          <a:bodyPr rtlCol="0" anchor="ctr"/>
-          <a:lstStyle/>
-          <a:p>
-            <a:pPr algn="ctr"/>
-          </a:p>
-        </p:txBody>
-      </p:sp>
-      <p:sp>
-        <p:nvSpPr>
-          <p:cNvPr id="104" name="TextBox 103"/>
-          <p:cNvSpPr txBox="1"/>
-          <p:nvPr/>
-        </p:nvSpPr>
-        <p:spPr>
-          <a:xfrm>
-            <a:off x="7507218" y="4261104"/>
-            <a:ext cx="914400" cy="228600"/>
-          </a:xfrm>
-          <a:prstGeom prst="rect">
-            <a:avLst/>
-          </a:prstGeom>
-          <a:noFill/>
-        </p:spPr>
-        <p:txBody>
-          <a:bodyPr wrap="none">
-            <a:spAutoFit/>
-          </a:bodyPr>
-          <a:lstStyle/>
-          <a:p/>
-          <a:p>
-            <a:pPr>
-              <a:defRPr sz="1400"/>
-            </a:pPr>
-            <a:r>
-              <a:t>June 2018</a:t>
-            </a:r>
-          </a:p>
-        </p:txBody>
-      </p:sp>
-      <p:pic>
-        <p:nvPicPr>
-          <p:cNvPr id="105" name="Picture 104" descr="key_social_logo.png"/>
-          <p:cNvPicPr>
-            <a:picLocks noChangeAspect="1"/>
-          </p:cNvPicPr>
-          <p:nvPr/>
-        </p:nvPicPr>
-        <p:blipFill>
-          <a:blip r:embed="rId2"/>
-          <a:stretch>
-            <a:fillRect/>
-          </a:stretch>
-        </p:blipFill>
-        <p:spPr>
-          <a:xfrm>
-            <a:off x="7507218" y="4718304"/>
-            <a:ext cx="435429" cy="228600"/>
-          </a:xfrm>
-          <a:prstGeom prst="rect">
-            <a:avLst/>
-          </a:prstGeom>
-        </p:spPr>
-      </p:pic>
-      <p:sp>
-        <p:nvSpPr>
-          <p:cNvPr id="106" name="TextBox 105"/>
-          <p:cNvSpPr txBox="1"/>
-          <p:nvPr/>
-        </p:nvSpPr>
-        <p:spPr>
-          <a:xfrm>
-            <a:off x="7507218" y="4261104"/>
-            <a:ext cx="914400" cy="228600"/>
-          </a:xfrm>
-          <a:prstGeom prst="rect">
-            <a:avLst/>
-          </a:prstGeom>
-          <a:noFill/>
-        </p:spPr>
-        <p:txBody>
-          <a:bodyPr wrap="none">
-            <a:spAutoFit/>
-          </a:bodyPr>
-          <a:lstStyle/>
-          <a:p/>
-          <a:p>
-            <a:pPr>
-              <a:defRPr sz="1200"/>
-            </a:pPr>
-            <a:r>
-              <a:t>Bookrunner</a:t>
-            </a:r>
-          </a:p>
-        </p:txBody>
-      </p:sp>
-    </p:spTree>
-  </p:cSld>
-  <p:clrMapOvr>
-    <a:masterClrMapping/>
-  </p:clrMapOvr>
-</p:sld>
-</file>
-
-<file path=ppt/slides/slide3.xml><?xml version="1.0" encoding="utf-8"?>
 <p:sld xmlns:a="http://schemas.openxmlformats.org/drawingml/2006/main" xmlns:p="http://schemas.openxmlformats.org/presentationml/2006/main" xmlns:r="http://schemas.openxmlformats.org/officeDocument/2006/relationships">
   <p:cSld>
     <p:spTree>

--- a/test.pptx
+++ b/test.pptx
@@ -6,6 +6,7 @@
   </p:sldMasterIdLst>
   <p:sldIdLst>
     <p:sldId id="256" r:id="rId7"/>
+    <p:sldId id="257" r:id="rId8"/>
   </p:sldIdLst>
   <p:sldSz cx="9144000" cy="6858000" type="screen4x3"/>
   <p:notesSz cx="6858000" cy="9144000"/>
@@ -3088,6 +3089,24 @@
         <p:nvPr/>
       </p:nvGrpSpPr>
       <p:grpSpPr/>
+    </p:spTree>
+  </p:cSld>
+  <p:clrMapOvr>
+    <a:masterClrMapping/>
+  </p:clrMapOvr>
+</p:sld>
+</file>
+
+<file path=ppt/slides/slide2.xml><?xml version="1.0" encoding="utf-8"?>
+<p:sld xmlns:a="http://schemas.openxmlformats.org/drawingml/2006/main" xmlns:p="http://schemas.openxmlformats.org/presentationml/2006/main" xmlns:r="http://schemas.openxmlformats.org/officeDocument/2006/relationships">
+  <p:cSld>
+    <p:spTree>
+      <p:nvGrpSpPr>
+        <p:cNvPr id="1" name=""/>
+        <p:cNvGrpSpPr/>
+        <p:nvPr/>
+      </p:nvGrpSpPr>
+      <p:grpSpPr/>
       <p:sp>
         <p:nvSpPr>
           <p:cNvPr id="2" name="Rectangle 1"/>
@@ -3110,6 +3129,7 @@
               <a:srgbClr val="000000"/>
             </a:solidFill>
           </a:ln>
+          <a:effectLst/>
         </p:spPr>
         <p:style>
           <a:lnRef idx="1">
@@ -3307,6 +3327,7 @@
               <a:srgbClr val="000000"/>
             </a:solidFill>
           </a:ln>
+          <a:effectLst/>
         </p:spPr>
         <p:style>
           <a:lnRef idx="1">
@@ -3504,6 +3525,7 @@
               <a:srgbClr val="000000"/>
             </a:solidFill>
           </a:ln>
+          <a:effectLst/>
         </p:spPr>
         <p:style>
           <a:lnRef idx="1">
@@ -3701,6 +3723,7 @@
               <a:srgbClr val="000000"/>
             </a:solidFill>
           </a:ln>
+          <a:effectLst/>
         </p:spPr>
         <p:style>
           <a:lnRef idx="1">
@@ -3898,6 +3921,7 @@
               <a:srgbClr val="000000"/>
             </a:solidFill>
           </a:ln>
+          <a:effectLst/>
         </p:spPr>
         <p:style>
           <a:lnRef idx="1">
@@ -4095,6 +4119,7 @@
               <a:srgbClr val="000000"/>
             </a:solidFill>
           </a:ln>
+          <a:effectLst/>
         </p:spPr>
         <p:style>
           <a:lnRef idx="1">
@@ -4292,6 +4317,7 @@
               <a:srgbClr val="000000"/>
             </a:solidFill>
           </a:ln>
+          <a:effectLst/>
         </p:spPr>
         <p:style>
           <a:lnRef idx="1">
@@ -4489,6 +4515,7 @@
               <a:srgbClr val="000000"/>
             </a:solidFill>
           </a:ln>
+          <a:effectLst/>
         </p:spPr>
         <p:style>
           <a:lnRef idx="1">
@@ -4686,6 +4713,7 @@
               <a:srgbClr val="000000"/>
             </a:solidFill>
           </a:ln>
+          <a:effectLst/>
         </p:spPr>
         <p:style>
           <a:lnRef idx="1">
@@ -4883,6 +4911,7 @@
               <a:srgbClr val="000000"/>
             </a:solidFill>
           </a:ln>
+          <a:effectLst/>
         </p:spPr>
         <p:style>
           <a:lnRef idx="1">
@@ -5080,6 +5109,7 @@
               <a:srgbClr val="000000"/>
             </a:solidFill>
           </a:ln>
+          <a:effectLst/>
         </p:spPr>
         <p:style>
           <a:lnRef idx="1">
@@ -5277,6 +5307,7 @@
               <a:srgbClr val="000000"/>
             </a:solidFill>
           </a:ln>
+          <a:effectLst/>
         </p:spPr>
         <p:style>
           <a:lnRef idx="1">
@@ -5474,6 +5505,7 @@
               <a:srgbClr val="000000"/>
             </a:solidFill>
           </a:ln>
+          <a:effectLst/>
         </p:spPr>
         <p:style>
           <a:lnRef idx="1">
@@ -5671,6 +5703,7 @@
               <a:srgbClr val="000000"/>
             </a:solidFill>
           </a:ln>
+          <a:effectLst/>
         </p:spPr>
         <p:style>
           <a:lnRef idx="1">
@@ -5868,6 +5901,7 @@
               <a:srgbClr val="000000"/>
             </a:solidFill>
           </a:ln>
+          <a:effectLst/>
         </p:spPr>
         <p:style>
           <a:lnRef idx="1">
@@ -6065,6 +6099,7 @@
               <a:srgbClr val="000000"/>
             </a:solidFill>
           </a:ln>
+          <a:effectLst/>
         </p:spPr>
         <p:style>
           <a:lnRef idx="1">
@@ -6262,6 +6297,7 @@
               <a:srgbClr val="000000"/>
             </a:solidFill>
           </a:ln>
+          <a:effectLst/>
         </p:spPr>
         <p:style>
           <a:lnRef idx="1">
@@ -6459,6 +6495,7 @@
               <a:srgbClr val="000000"/>
             </a:solidFill>
           </a:ln>
+          <a:effectLst/>
         </p:spPr>
         <p:style>
           <a:lnRef idx="1">
@@ -6656,6 +6693,7 @@
               <a:srgbClr val="000000"/>
             </a:solidFill>
           </a:ln>
+          <a:effectLst/>
         </p:spPr>
         <p:style>
           <a:lnRef idx="1">
@@ -6853,6 +6891,7 @@
               <a:srgbClr val="000000"/>
             </a:solidFill>
           </a:ln>
+          <a:effectLst/>
         </p:spPr>
         <p:style>
           <a:lnRef idx="1">
@@ -7050,6 +7089,7 @@
               <a:srgbClr val="000000"/>
             </a:solidFill>
           </a:ln>
+          <a:effectLst/>
         </p:spPr>
         <p:style>
           <a:lnRef idx="1">
